--- a/Presentation/報告投影片.pptx
+++ b/Presentation/報告投影片.pptx
@@ -144,7 +144,7 @@
   </p:defaultTextStyle>
   <p:extLst>
     <p:ext uri="{EFAFB233-063F-42B5-8137-9DF3F51BA10A}">
-      <p15:sldGuideLst xmlns:p15="http://schemas.microsoft.com/office/powerpoint/2012/main">
+      <p15:sldGuideLst xmlns:p15="http://schemas.microsoft.com/office/powerpoint/2012/main" xmlns="">
         <p15:guide id="1" orient="horz" pos="2160">
           <p15:clr>
             <a:srgbClr val="A4A3A4"/>
@@ -10685,15 +10685,19 @@
             <a:pPr lvl="1"/>
             <a:r>
               <a:rPr lang="zh-TW" altLang="en-US" dirty="0" smtClean="0"/>
-              <a:t>軟體庫的動態</a:t>
-            </a:r>
-            <a:r>
-              <a:rPr lang="en-US" altLang="zh-TW" dirty="0" smtClean="0"/>
-              <a:t>	//</a:t>
+              <a:t>軟體</a:t>
             </a:r>
             <a:r>
               <a:rPr lang="zh-TW" altLang="en-US" dirty="0" smtClean="0"/>
-              <a:t>根本對岸，改善需要</a:t>
+              <a:t>庫</a:t>
+            </a:r>
+            <a:r>
+              <a:rPr lang="en-US" altLang="zh-TW" smtClean="0"/>
+              <a:t>(repository/repo)</a:t>
+            </a:r>
+            <a:r>
+              <a:rPr lang="zh-TW" altLang="en-US" dirty="0" smtClean="0"/>
+              <a:t>的動態</a:t>
             </a:r>
             <a:endParaRPr lang="en-US" altLang="zh-TW" dirty="0" smtClean="0"/>
           </a:p>
@@ -10701,7 +10705,11 @@
             <a:pPr lvl="1"/>
             <a:r>
               <a:rPr lang="zh-TW" altLang="en-US" dirty="0" smtClean="0"/>
-              <a:t>對程式的改動和</a:t>
+              <a:t>對</a:t>
+            </a:r>
+            <a:r>
+              <a:rPr lang="zh-TW" altLang="en-US" dirty="0" smtClean="0"/>
+              <a:t>程式的改動和</a:t>
             </a:r>
             <a:r>
               <a:rPr lang="en-US" altLang="zh-TW" dirty="0" smtClean="0"/>
@@ -10776,11 +10784,7 @@
           <a:p>
             <a:r>
               <a:rPr lang="zh-TW" altLang="en-US" dirty="0" smtClean="0"/>
-              <a:t>系統</a:t>
-            </a:r>
-            <a:r>
-              <a:rPr lang="zh-TW" altLang="en-US" dirty="0" smtClean="0"/>
-              <a:t>實作與實驗</a:t>
+              <a:t>系統實作與實驗</a:t>
             </a:r>
             <a:endParaRPr lang="zh-TW" altLang="en-US" dirty="0"/>
           </a:p>
@@ -11109,11 +11113,7 @@
             </a:pPr>
             <a:r>
               <a:rPr lang="zh-TW" altLang="en-US" dirty="0" smtClean="0"/>
-              <a:t>設計原理、研究方法與</a:t>
-            </a:r>
-            <a:r>
-              <a:rPr lang="zh-TW" altLang="en-US" dirty="0" smtClean="0"/>
-              <a:t>步驟</a:t>
+              <a:t>設計原理、研究方法與步驟</a:t>
             </a:r>
             <a:endParaRPr lang="en-US" altLang="zh-TW" dirty="0" smtClean="0"/>
           </a:p>
@@ -11135,11 +11135,7 @@
             </a:pPr>
             <a:r>
               <a:rPr lang="zh-TW" altLang="en-US" dirty="0" smtClean="0"/>
-              <a:t>功能</a:t>
-            </a:r>
-            <a:r>
-              <a:rPr lang="zh-TW" altLang="en-US" dirty="0" smtClean="0"/>
-              <a:t>介紹</a:t>
+              <a:t>功能介紹</a:t>
             </a:r>
           </a:p>
           <a:p>
@@ -11579,11 +11575,7 @@
           <a:p>
             <a:r>
               <a:rPr lang="zh-TW" altLang="en-US" dirty="0" smtClean="0"/>
-              <a:t>功能</a:t>
-            </a:r>
-            <a:r>
-              <a:rPr lang="zh-TW" altLang="en-US" dirty="0" smtClean="0"/>
-              <a:t>介紹</a:t>
+              <a:t>功能介紹</a:t>
             </a:r>
             <a:endParaRPr lang="zh-TW" altLang="en-US" dirty="0"/>
           </a:p>
@@ -16187,11 +16179,7 @@
           <a:p>
             <a:r>
               <a:rPr lang="zh-TW" altLang="en-US" dirty="0" smtClean="0"/>
-              <a:t>設計</a:t>
-            </a:r>
-            <a:r>
-              <a:rPr lang="zh-TW" altLang="en-US" dirty="0" smtClean="0"/>
-              <a:t>原理、研究方法與步驟</a:t>
+              <a:t>設計原理、研究方法與步驟</a:t>
             </a:r>
             <a:endParaRPr lang="zh-TW" altLang="en-US" dirty="0"/>
           </a:p>
@@ -16576,10 +16564,10 @@
   <a:themeElements>
     <a:clrScheme name="Office">
       <a:dk1>
-        <a:sysClr val="windowText" lastClr="000000"/>
+        <a:sysClr val="windowText" lastClr="0080FF"/>
       </a:dk1>
       <a:lt1>
-        <a:sysClr val="window" lastClr="FFFFFF"/>
+        <a:sysClr val="window" lastClr="D6ECFF"/>
       </a:lt1>
       <a:dk2>
         <a:srgbClr val="44546A"/>
@@ -16826,7 +16814,7 @@
   <a:extraClrSchemeLst/>
   <a:extLst>
     <a:ext uri="{05A4C25C-085E-4340-85A3-A5531E510DB2}">
-      <thm15:themeFamily xmlns:thm15="http://schemas.microsoft.com/office/thememl/2012/main" name="Office Theme" id="{62F939B6-93AF-4DB8-9C6B-D6C7DFDC589F}" vid="{4A3C46E8-61CC-4603-A589-7422A47A8E4A}"/>
+      <thm15:themeFamily xmlns:thm15="http://schemas.microsoft.com/office/thememl/2012/main" xmlns="" name="Office Theme" id="{62F939B6-93AF-4DB8-9C6B-D6C7DFDC589F}" vid="{4A3C46E8-61CC-4603-A589-7422A47A8E4A}"/>
     </a:ext>
   </a:extLst>
 </a:theme>

--- a/Presentation/報告投影片.pptx
+++ b/Presentation/報告投影片.pptx
@@ -5,7 +5,7 @@
     <p:sldMasterId id="2147483660" r:id="rId1"/>
   </p:sldMasterIdLst>
   <p:notesMasterIdLst>
-    <p:notesMasterId r:id="rId38"/>
+    <p:notesMasterId r:id="rId43"/>
   </p:notesMasterIdLst>
   <p:sldIdLst>
     <p:sldId id="256" r:id="rId2"/>
@@ -22,28 +22,33 @@
     <p:sldId id="273" r:id="rId13"/>
     <p:sldId id="274" r:id="rId14"/>
     <p:sldId id="275" r:id="rId15"/>
-    <p:sldId id="276" r:id="rId16"/>
-    <p:sldId id="277" r:id="rId17"/>
-    <p:sldId id="278" r:id="rId18"/>
-    <p:sldId id="280" r:id="rId19"/>
-    <p:sldId id="282" r:id="rId20"/>
-    <p:sldId id="283" r:id="rId21"/>
-    <p:sldId id="284" r:id="rId22"/>
-    <p:sldId id="285" r:id="rId23"/>
-    <p:sldId id="296" r:id="rId24"/>
-    <p:sldId id="297" r:id="rId25"/>
-    <p:sldId id="298" r:id="rId26"/>
-    <p:sldId id="299" r:id="rId27"/>
-    <p:sldId id="300" r:id="rId28"/>
-    <p:sldId id="301" r:id="rId29"/>
-    <p:sldId id="302" r:id="rId30"/>
-    <p:sldId id="303" r:id="rId31"/>
-    <p:sldId id="304" r:id="rId32"/>
-    <p:sldId id="305" r:id="rId33"/>
-    <p:sldId id="306" r:id="rId34"/>
-    <p:sldId id="307" r:id="rId35"/>
-    <p:sldId id="308" r:id="rId36"/>
-    <p:sldId id="295" r:id="rId37"/>
+    <p:sldId id="309" r:id="rId16"/>
+    <p:sldId id="310" r:id="rId17"/>
+    <p:sldId id="311" r:id="rId18"/>
+    <p:sldId id="312" r:id="rId19"/>
+    <p:sldId id="313" r:id="rId20"/>
+    <p:sldId id="276" r:id="rId21"/>
+    <p:sldId id="277" r:id="rId22"/>
+    <p:sldId id="278" r:id="rId23"/>
+    <p:sldId id="280" r:id="rId24"/>
+    <p:sldId id="282" r:id="rId25"/>
+    <p:sldId id="283" r:id="rId26"/>
+    <p:sldId id="284" r:id="rId27"/>
+    <p:sldId id="285" r:id="rId28"/>
+    <p:sldId id="296" r:id="rId29"/>
+    <p:sldId id="297" r:id="rId30"/>
+    <p:sldId id="298" r:id="rId31"/>
+    <p:sldId id="299" r:id="rId32"/>
+    <p:sldId id="300" r:id="rId33"/>
+    <p:sldId id="301" r:id="rId34"/>
+    <p:sldId id="302" r:id="rId35"/>
+    <p:sldId id="303" r:id="rId36"/>
+    <p:sldId id="304" r:id="rId37"/>
+    <p:sldId id="305" r:id="rId38"/>
+    <p:sldId id="306" r:id="rId39"/>
+    <p:sldId id="307" r:id="rId40"/>
+    <p:sldId id="308" r:id="rId41"/>
+    <p:sldId id="295" r:id="rId42"/>
   </p:sldIdLst>
   <p:sldSz cx="9144000" cy="6858000" type="screen4x3"/>
   <p:notesSz cx="6858000" cy="9144000"/>
@@ -144,7 +149,7 @@
   </p:defaultTextStyle>
   <p:extLst>
     <p:ext uri="{EFAFB233-063F-42B5-8137-9DF3F51BA10A}">
-      <p15:sldGuideLst xmlns:p15="http://schemas.microsoft.com/office/powerpoint/2012/main" xmlns="">
+      <p15:sldGuideLst xmlns="" xmlns:p15="http://schemas.microsoft.com/office/powerpoint/2012/main">
         <p15:guide id="1" orient="horz" pos="2160">
           <p15:clr>
             <a:srgbClr val="A4A3A4"/>
@@ -5726,7 +5731,7 @@
           <a:p>
             <a:fld id="{8D3E782C-8BA5-4E75-AB3A-6430B2EE33F5}" type="datetimeFigureOut">
               <a:rPr lang="zh-TW" altLang="en-US" smtClean="0"/>
-              <a:t>2015/5/27</a:t>
+              <a:t>2015/5/28</a:t>
             </a:fld>
             <a:endParaRPr lang="zh-TW" altLang="en-US"/>
           </a:p>
@@ -6196,7 +6201,7 @@
           <a:p>
             <a:fld id="{B23E3EE3-903C-6049-ABF9-CB22CD5F18D1}" type="slidenum">
               <a:rPr kumimoji="1" lang="zh-TW" altLang="en-US" smtClean="0"/>
-              <a:t>28</a:t>
+              <a:t>33</a:t>
             </a:fld>
             <a:endParaRPr kumimoji="1" lang="zh-TW" altLang="en-US"/>
           </a:p>
@@ -6378,7 +6383,7 @@
           <a:p>
             <a:fld id="{B23E3EE3-903C-6049-ABF9-CB22CD5F18D1}" type="slidenum">
               <a:rPr kumimoji="1" lang="zh-TW" altLang="en-US" smtClean="0"/>
-              <a:t>29</a:t>
+              <a:t>34</a:t>
             </a:fld>
             <a:endParaRPr kumimoji="1" lang="zh-TW" altLang="en-US"/>
           </a:p>
@@ -6473,7 +6478,7 @@
           <a:p>
             <a:fld id="{B23E3EE3-903C-6049-ABF9-CB22CD5F18D1}" type="slidenum">
               <a:rPr kumimoji="1" lang="zh-TW" altLang="en-US" smtClean="0"/>
-              <a:t>33</a:t>
+              <a:t>38</a:t>
             </a:fld>
             <a:endParaRPr kumimoji="1" lang="zh-TW" altLang="en-US"/>
           </a:p>
@@ -6568,7 +6573,7 @@
           <a:p>
             <a:fld id="{B23E3EE3-903C-6049-ABF9-CB22CD5F18D1}" type="slidenum">
               <a:rPr kumimoji="1" lang="zh-TW" altLang="en-US" smtClean="0"/>
-              <a:t>35</a:t>
+              <a:t>40</a:t>
             </a:fld>
             <a:endParaRPr kumimoji="1" lang="zh-TW" altLang="en-US"/>
           </a:p>
@@ -6781,7 +6786,7 @@
           <a:p>
             <a:fld id="{630FF765-17E2-4CE6-9E8D-D311E8FC59D5}" type="datetimeFigureOut">
               <a:rPr lang="zh-TW" altLang="en-US" smtClean="0"/>
-              <a:t>2015/5/27</a:t>
+              <a:t>2015/5/28</a:t>
             </a:fld>
             <a:endParaRPr lang="zh-TW" altLang="en-US"/>
           </a:p>
@@ -6946,7 +6951,7 @@
           <a:p>
             <a:fld id="{630FF765-17E2-4CE6-9E8D-D311E8FC59D5}" type="datetimeFigureOut">
               <a:rPr lang="zh-TW" altLang="en-US" smtClean="0"/>
-              <a:t>2015/5/27</a:t>
+              <a:t>2015/5/28</a:t>
             </a:fld>
             <a:endParaRPr lang="zh-TW" altLang="en-US"/>
           </a:p>
@@ -7121,7 +7126,7 @@
           <a:p>
             <a:fld id="{630FF765-17E2-4CE6-9E8D-D311E8FC59D5}" type="datetimeFigureOut">
               <a:rPr lang="zh-TW" altLang="en-US" smtClean="0"/>
-              <a:t>2015/5/27</a:t>
+              <a:t>2015/5/28</a:t>
             </a:fld>
             <a:endParaRPr lang="zh-TW" altLang="en-US"/>
           </a:p>
@@ -7286,7 +7291,7 @@
           <a:p>
             <a:fld id="{630FF765-17E2-4CE6-9E8D-D311E8FC59D5}" type="datetimeFigureOut">
               <a:rPr lang="zh-TW" altLang="en-US" smtClean="0"/>
-              <a:t>2015/5/27</a:t>
+              <a:t>2015/5/28</a:t>
             </a:fld>
             <a:endParaRPr lang="zh-TW" altLang="en-US"/>
           </a:p>
@@ -7527,7 +7532,7 @@
           <a:p>
             <a:fld id="{630FF765-17E2-4CE6-9E8D-D311E8FC59D5}" type="datetimeFigureOut">
               <a:rPr lang="zh-TW" altLang="en-US" smtClean="0"/>
-              <a:t>2015/5/27</a:t>
+              <a:t>2015/5/28</a:t>
             </a:fld>
             <a:endParaRPr lang="zh-TW" altLang="en-US"/>
           </a:p>
@@ -7810,7 +7815,7 @@
           <a:p>
             <a:fld id="{630FF765-17E2-4CE6-9E8D-D311E8FC59D5}" type="datetimeFigureOut">
               <a:rPr lang="zh-TW" altLang="en-US" smtClean="0"/>
-              <a:t>2015/5/27</a:t>
+              <a:t>2015/5/28</a:t>
             </a:fld>
             <a:endParaRPr lang="zh-TW" altLang="en-US"/>
           </a:p>
@@ -8239,7 +8244,7 @@
           <a:p>
             <a:fld id="{630FF765-17E2-4CE6-9E8D-D311E8FC59D5}" type="datetimeFigureOut">
               <a:rPr lang="zh-TW" altLang="en-US" smtClean="0"/>
-              <a:t>2015/5/27</a:t>
+              <a:t>2015/5/28</a:t>
             </a:fld>
             <a:endParaRPr lang="zh-TW" altLang="en-US"/>
           </a:p>
@@ -8352,7 +8357,7 @@
           <a:p>
             <a:fld id="{630FF765-17E2-4CE6-9E8D-D311E8FC59D5}" type="datetimeFigureOut">
               <a:rPr lang="zh-TW" altLang="en-US" smtClean="0"/>
-              <a:t>2015/5/27</a:t>
+              <a:t>2015/5/28</a:t>
             </a:fld>
             <a:endParaRPr lang="zh-TW" altLang="en-US"/>
           </a:p>
@@ -8442,7 +8447,7 @@
           <a:p>
             <a:fld id="{630FF765-17E2-4CE6-9E8D-D311E8FC59D5}" type="datetimeFigureOut">
               <a:rPr lang="zh-TW" altLang="en-US" smtClean="0"/>
-              <a:t>2015/5/27</a:t>
+              <a:t>2015/5/28</a:t>
             </a:fld>
             <a:endParaRPr lang="zh-TW" altLang="en-US"/>
           </a:p>
@@ -8631,7 +8636,7 @@
           <a:p>
             <a:fld id="{630FF765-17E2-4CE6-9E8D-D311E8FC59D5}" type="datetimeFigureOut">
               <a:rPr lang="zh-TW" altLang="en-US" smtClean="0"/>
-              <a:t>2015/5/27</a:t>
+              <a:t>2015/5/28</a:t>
             </a:fld>
             <a:endParaRPr lang="zh-TW" altLang="en-US"/>
           </a:p>
@@ -8949,7 +8954,7 @@
           <a:p>
             <a:fld id="{630FF765-17E2-4CE6-9E8D-D311E8FC59D5}" type="datetimeFigureOut">
               <a:rPr lang="zh-TW" altLang="en-US" smtClean="0"/>
-              <a:t>2015/5/27</a:t>
+              <a:t>2015/5/28</a:t>
             </a:fld>
             <a:endParaRPr lang="zh-TW" altLang="en-US"/>
           </a:p>
@@ -9328,7 +9333,7 @@
           <a:p>
             <a:fld id="{630FF765-17E2-4CE6-9E8D-D311E8FC59D5}" type="datetimeFigureOut">
               <a:rPr lang="zh-TW" altLang="en-US" smtClean="0"/>
-              <a:t>2015/5/27</a:t>
+              <a:t>2015/5/28</a:t>
             </a:fld>
             <a:endParaRPr lang="zh-TW" altLang="en-US"/>
           </a:p>
@@ -10284,7 +10289,18 @@
           <a:p>
             <a:r>
               <a:rPr lang="en-US" altLang="zh-TW" dirty="0" smtClean="0"/>
-              <a:t>Eloquent ORM</a:t>
+              <a:t>Form input</a:t>
+            </a:r>
+            <a:endParaRPr lang="en-US" altLang="zh-TW" dirty="0" smtClean="0"/>
+          </a:p>
+          <a:p>
+            <a:r>
+              <a:rPr lang="en-US" altLang="zh-TW" dirty="0" smtClean="0"/>
+              <a:t>Eloquent </a:t>
+            </a:r>
+            <a:r>
+              <a:rPr lang="en-US" altLang="zh-TW" dirty="0" smtClean="0"/>
+              <a:t>ORM</a:t>
             </a:r>
           </a:p>
           <a:p>
@@ -10302,21 +10318,19 @@
           <a:p>
             <a:r>
               <a:rPr lang="en-US" altLang="zh-TW" dirty="0" smtClean="0"/>
-              <a:t>Templates (Blade)</a:t>
-            </a:r>
-          </a:p>
-          <a:p>
+              <a:t>RESTful</a:t>
+            </a:r>
+          </a:p>
+          <a:p>
+            <a:r>
+              <a:rPr lang="en-US" altLang="zh-TW" dirty="0"/>
+              <a:t>Templates (Blade</a:t>
+            </a:r>
             <a:r>
               <a:rPr lang="en-US" altLang="zh-TW" dirty="0" smtClean="0"/>
-              <a:t>RESTful</a:t>
-            </a:r>
-          </a:p>
-          <a:p>
-            <a:r>
-              <a:rPr lang="en-US" altLang="zh-TW" dirty="0" smtClean="0"/>
-              <a:t>Form</a:t>
-            </a:r>
-            <a:endParaRPr lang="zh-TW" altLang="en-US" dirty="0"/>
+              <a:t>)</a:t>
+            </a:r>
+            <a:endParaRPr lang="en-US" altLang="zh-TW" dirty="0"/>
           </a:p>
         </p:txBody>
       </p:sp>
@@ -10373,94 +10387,79 @@
           <a:lstStyle/>
           <a:p>
             <a:r>
-              <a:rPr lang="en-US" altLang="zh-TW" dirty="0"/>
-              <a:t>C</a:t>
-            </a:r>
-            <a:r>
               <a:rPr lang="en-US" altLang="zh-TW" dirty="0" smtClean="0"/>
-              <a:t>omposer</a:t>
+              <a:t>Input, ORM</a:t>
             </a:r>
             <a:endParaRPr lang="zh-TW" altLang="en-US" dirty="0"/>
           </a:p>
         </p:txBody>
       </p:sp>
-      <p:sp>
-        <p:nvSpPr>
-          <p:cNvPr id="3" name="內容版面配置區 2"/>
-          <p:cNvSpPr>
-            <a:spLocks noGrp="1"/>
-          </p:cNvSpPr>
+      <p:pic>
+        <p:nvPicPr>
+          <p:cNvPr id="1026" name="Picture 2"/>
+          <p:cNvPicPr>
+            <a:picLocks noGrp="1" noChangeAspect="1" noChangeArrowheads="1"/>
+          </p:cNvPicPr>
           <p:nvPr>
             <p:ph idx="1"/>
           </p:nvPr>
-        </p:nvSpPr>
-        <p:spPr/>
-        <p:txBody>
-          <a:bodyPr/>
-          <a:lstStyle/>
-          <a:p>
-            <a:r>
-              <a:rPr lang="en-US" altLang="zh-TW" dirty="0" smtClean="0"/>
-              <a:t>PHP</a:t>
-            </a:r>
-            <a:r>
-              <a:rPr lang="zh-TW" altLang="en-US" dirty="0" smtClean="0"/>
-              <a:t>依賴性</a:t>
-            </a:r>
-            <a:r>
-              <a:rPr lang="zh-TW" altLang="en-US" dirty="0"/>
-              <a:t>管理</a:t>
-            </a:r>
-            <a:r>
-              <a:rPr lang="zh-TW" altLang="en-US" dirty="0" smtClean="0"/>
-              <a:t>工具</a:t>
-            </a:r>
-            <a:endParaRPr lang="en-US" altLang="zh-TW" dirty="0" smtClean="0"/>
-          </a:p>
-          <a:p>
-            <a:r>
-              <a:rPr lang="zh-TW" altLang="en-US" dirty="0" smtClean="0"/>
-              <a:t>安裝專案依賴</a:t>
-            </a:r>
-            <a:r>
-              <a:rPr lang="zh-TW" altLang="en-US" dirty="0"/>
-              <a:t>函式</a:t>
-            </a:r>
-            <a:r>
-              <a:rPr lang="zh-TW" altLang="en-US" dirty="0" smtClean="0"/>
-              <a:t>庫</a:t>
-            </a:r>
-            <a:endParaRPr lang="en-US" altLang="zh-TW" dirty="0" smtClean="0"/>
-          </a:p>
-          <a:p>
-            <a:r>
-              <a:rPr lang="zh-TW" altLang="en-US" dirty="0" smtClean="0"/>
-              <a:t>簡化部署開發環境步驟</a:t>
-            </a:r>
-            <a:br>
-              <a:rPr lang="zh-TW" altLang="en-US" dirty="0" smtClean="0"/>
-            </a:br>
-            <a:endParaRPr lang="zh-TW" altLang="en-US" dirty="0"/>
-          </a:p>
-        </p:txBody>
-      </p:sp>
+        </p:nvPicPr>
+        <p:blipFill>
+          <a:blip r:embed="rId2">
+            <a:extLst>
+              <a:ext uri="{28A0092B-C50C-407E-A947-70E740481C1C}">
+                <a14:useLocalDpi xmlns:a14="http://schemas.microsoft.com/office/drawing/2010/main" val="0"/>
+              </a:ext>
+            </a:extLst>
+          </a:blip>
+          <a:srcRect/>
+          <a:stretch>
+            <a:fillRect/>
+          </a:stretch>
+        </p:blipFill>
+        <p:spPr bwMode="auto">
+          <a:xfrm>
+            <a:off x="827584" y="2636912"/>
+            <a:ext cx="6726784" cy="2370799"/>
+          </a:xfrm>
+          <a:prstGeom prst="rect">
+            <a:avLst/>
+          </a:prstGeom>
+          <a:noFill/>
+          <a:ln>
+            <a:noFill/>
+          </a:ln>
+          <a:extLst>
+            <a:ext uri="{909E8E84-426E-40DD-AFC4-6F175D3DCCD1}">
+              <a14:hiddenFill xmlns:a14="http://schemas.microsoft.com/office/drawing/2010/main">
+                <a:solidFill>
+                  <a:schemeClr val="accent1"/>
+                </a:solidFill>
+              </a14:hiddenFill>
+            </a:ext>
+            <a:ext uri="{91240B29-F687-4F45-9708-019B960494DF}">
+              <a14:hiddenLine xmlns:a14="http://schemas.microsoft.com/office/drawing/2010/main" w="9525">
+                <a:solidFill>
+                  <a:schemeClr val="tx1"/>
+                </a:solidFill>
+                <a:miter lim="800000"/>
+                <a:headEnd/>
+                <a:tailEnd/>
+              </a14:hiddenLine>
+            </a:ext>
+          </a:extLst>
+        </p:spPr>
+      </p:pic>
     </p:spTree>
     <p:extLst>
       <p:ext uri="{BB962C8B-B14F-4D97-AF65-F5344CB8AC3E}">
-        <p14:creationId xmlns:p14="http://schemas.microsoft.com/office/powerpoint/2010/main" val="598198643"/>
+        <p14:creationId xmlns:p14="http://schemas.microsoft.com/office/powerpoint/2010/main" val="2708289476"/>
       </p:ext>
     </p:extLst>
   </p:cSld>
   <p:clrMapOvr>
     <a:masterClrMapping/>
   </p:clrMapOvr>
-  <p:timing>
-    <p:tnLst>
-      <p:par>
-        <p:cTn id="1" dur="indefinite" restart="never" nodeType="tmRoot"/>
-      </p:par>
-    </p:tnLst>
-  </p:timing>
 </p:sld>
 </file>
 
@@ -10497,85 +10496,79 @@
           <a:lstStyle/>
           <a:p>
             <a:r>
-              <a:rPr lang="en-US" altLang="zh-TW" dirty="0" err="1" smtClean="0"/>
-              <a:t>Git</a:t>
+              <a:rPr lang="en-US" altLang="zh-TW" dirty="0" smtClean="0"/>
+              <a:t>Query builder</a:t>
             </a:r>
             <a:endParaRPr lang="zh-TW" altLang="en-US" dirty="0"/>
           </a:p>
         </p:txBody>
       </p:sp>
-      <p:sp>
-        <p:nvSpPr>
-          <p:cNvPr id="3" name="內容版面配置區 2"/>
-          <p:cNvSpPr>
-            <a:spLocks noGrp="1"/>
-          </p:cNvSpPr>
+      <p:pic>
+        <p:nvPicPr>
+          <p:cNvPr id="2050" name="Picture 2"/>
+          <p:cNvPicPr>
+            <a:picLocks noGrp="1" noChangeAspect="1" noChangeArrowheads="1"/>
+          </p:cNvPicPr>
           <p:nvPr>
             <p:ph idx="1"/>
           </p:nvPr>
-        </p:nvSpPr>
-        <p:spPr/>
-        <p:txBody>
-          <a:bodyPr>
-            <a:normAutofit/>
-          </a:bodyPr>
-          <a:lstStyle/>
-          <a:p>
-            <a:r>
-              <a:rPr lang="zh-TW" altLang="en-US" dirty="0" smtClean="0"/>
-              <a:t>分散式</a:t>
-            </a:r>
-            <a:r>
-              <a:rPr lang="zh-TW" altLang="en-US" dirty="0"/>
-              <a:t>版本控制</a:t>
-            </a:r>
-            <a:r>
-              <a:rPr lang="zh-TW" altLang="en-US" dirty="0" smtClean="0"/>
-              <a:t>軟體</a:t>
-            </a:r>
-            <a:endParaRPr lang="en-US" altLang="zh-TW" dirty="0" smtClean="0"/>
-          </a:p>
-          <a:p>
-            <a:r>
-              <a:rPr lang="zh-TW" altLang="en-US" dirty="0" smtClean="0"/>
-              <a:t>合併</a:t>
-            </a:r>
-            <a:r>
-              <a:rPr lang="zh-TW" altLang="en-US" dirty="0"/>
-              <a:t>追蹤（</a:t>
-            </a:r>
-            <a:r>
-              <a:rPr lang="en-US" altLang="zh-TW" dirty="0"/>
-              <a:t>merge tracing</a:t>
-            </a:r>
-            <a:r>
-              <a:rPr lang="zh-TW" altLang="en-US" dirty="0" smtClean="0"/>
-              <a:t>）</a:t>
-            </a:r>
-            <a:br>
-              <a:rPr lang="zh-TW" altLang="en-US" dirty="0" smtClean="0"/>
-            </a:br>
-            <a:endParaRPr lang="zh-TW" altLang="en-US" dirty="0"/>
-          </a:p>
-        </p:txBody>
-      </p:sp>
+        </p:nvPicPr>
+        <p:blipFill>
+          <a:blip r:embed="rId2">
+            <a:extLst>
+              <a:ext uri="{28A0092B-C50C-407E-A947-70E740481C1C}">
+                <a14:useLocalDpi xmlns:a14="http://schemas.microsoft.com/office/drawing/2010/main" val="0"/>
+              </a:ext>
+            </a:extLst>
+          </a:blip>
+          <a:srcRect/>
+          <a:stretch>
+            <a:fillRect/>
+          </a:stretch>
+        </p:blipFill>
+        <p:spPr bwMode="auto">
+          <a:xfrm>
+            <a:off x="539552" y="2780928"/>
+            <a:ext cx="7087294" cy="1934128"/>
+          </a:xfrm>
+          <a:prstGeom prst="rect">
+            <a:avLst/>
+          </a:prstGeom>
+          <a:noFill/>
+          <a:ln>
+            <a:noFill/>
+          </a:ln>
+          <a:extLst>
+            <a:ext uri="{909E8E84-426E-40DD-AFC4-6F175D3DCCD1}">
+              <a14:hiddenFill xmlns:a14="http://schemas.microsoft.com/office/drawing/2010/main">
+                <a:solidFill>
+                  <a:schemeClr val="accent1"/>
+                </a:solidFill>
+              </a14:hiddenFill>
+            </a:ext>
+            <a:ext uri="{91240B29-F687-4F45-9708-019B960494DF}">
+              <a14:hiddenLine xmlns:a14="http://schemas.microsoft.com/office/drawing/2010/main" w="9525">
+                <a:solidFill>
+                  <a:schemeClr val="tx1"/>
+                </a:solidFill>
+                <a:miter lim="800000"/>
+                <a:headEnd/>
+                <a:tailEnd/>
+              </a14:hiddenLine>
+            </a:ext>
+          </a:extLst>
+        </p:spPr>
+      </p:pic>
     </p:spTree>
     <p:extLst>
       <p:ext uri="{BB962C8B-B14F-4D97-AF65-F5344CB8AC3E}">
-        <p14:creationId xmlns:p14="http://schemas.microsoft.com/office/powerpoint/2010/main" val="517783100"/>
+        <p14:creationId xmlns:p14="http://schemas.microsoft.com/office/powerpoint/2010/main" val="2054776145"/>
       </p:ext>
     </p:extLst>
   </p:cSld>
   <p:clrMapOvr>
     <a:masterClrMapping/>
   </p:clrMapOvr>
-  <p:timing>
-    <p:tnLst>
-      <p:par>
-        <p:cTn id="1" dur="indefinite" restart="never" nodeType="tmRoot"/>
-      </p:par>
-    </p:tnLst>
-  </p:timing>
 </p:sld>
 </file>
 
@@ -10612,136 +10605,79 @@
           <a:lstStyle/>
           <a:p>
             <a:r>
-              <a:rPr lang="en-US" altLang="zh-TW" dirty="0" err="1" smtClean="0"/>
-              <a:t>Github</a:t>
+              <a:rPr lang="en-US" altLang="zh-TW" dirty="0" smtClean="0"/>
+              <a:t>RESTful Routing</a:t>
             </a:r>
             <a:endParaRPr lang="zh-TW" altLang="en-US" dirty="0"/>
           </a:p>
         </p:txBody>
       </p:sp>
-      <p:sp>
-        <p:nvSpPr>
-          <p:cNvPr id="3" name="內容版面配置區 2"/>
-          <p:cNvSpPr>
-            <a:spLocks noGrp="1"/>
-          </p:cNvSpPr>
+      <p:pic>
+        <p:nvPicPr>
+          <p:cNvPr id="3076" name="Picture 4"/>
+          <p:cNvPicPr>
+            <a:picLocks noGrp="1" noChangeAspect="1" noChangeArrowheads="1"/>
+          </p:cNvPicPr>
           <p:nvPr>
             <p:ph idx="1"/>
           </p:nvPr>
-        </p:nvSpPr>
-        <p:spPr/>
-        <p:txBody>
-          <a:bodyPr/>
-          <a:lstStyle/>
-          <a:p>
-            <a:r>
-              <a:rPr lang="zh-TW" altLang="en-US" dirty="0" smtClean="0"/>
-              <a:t>共享虛擬主機服務</a:t>
-            </a:r>
-            <a:endParaRPr lang="en-US" altLang="zh-TW" dirty="0" smtClean="0"/>
-          </a:p>
-          <a:p>
-            <a:r>
-              <a:rPr lang="zh-TW" altLang="en-US" dirty="0" smtClean="0"/>
-              <a:t>存放使用</a:t>
-            </a:r>
-            <a:r>
-              <a:rPr lang="en-US" altLang="zh-TW" dirty="0" err="1" smtClean="0"/>
-              <a:t>Git</a:t>
-            </a:r>
-            <a:r>
-              <a:rPr lang="zh-TW" altLang="en-US" dirty="0" smtClean="0"/>
-              <a:t>版本控制的程式、專案</a:t>
-            </a:r>
-            <a:endParaRPr lang="en-US" altLang="zh-TW" dirty="0" smtClean="0"/>
-          </a:p>
-          <a:p>
-            <a:r>
-              <a:rPr lang="zh-TW" altLang="en-US" dirty="0" smtClean="0"/>
-              <a:t>方便社會化軟體開發的功能</a:t>
-            </a:r>
-            <a:endParaRPr lang="en-US" altLang="zh-TW" dirty="0" smtClean="0"/>
-          </a:p>
-          <a:p>
-            <a:pPr lvl="1"/>
-            <a:r>
-              <a:rPr lang="zh-TW" altLang="en-US" dirty="0" smtClean="0"/>
-              <a:t>追蹤其它用戶</a:t>
-            </a:r>
-            <a:endParaRPr lang="en-US" altLang="zh-TW" dirty="0" smtClean="0"/>
-          </a:p>
-          <a:p>
-            <a:pPr lvl="1"/>
-            <a:r>
-              <a:rPr lang="zh-TW" altLang="en-US" dirty="0" smtClean="0"/>
-              <a:t>組織</a:t>
-            </a:r>
-            <a:r>
-              <a:rPr lang="en-US" altLang="zh-TW" dirty="0" smtClean="0"/>
-              <a:t>(group)</a:t>
-            </a:r>
-          </a:p>
-          <a:p>
-            <a:pPr lvl="1"/>
-            <a:r>
-              <a:rPr lang="zh-TW" altLang="en-US" dirty="0" smtClean="0"/>
-              <a:t>軟體</a:t>
-            </a:r>
-            <a:r>
-              <a:rPr lang="zh-TW" altLang="en-US" dirty="0" smtClean="0"/>
-              <a:t>庫</a:t>
-            </a:r>
-            <a:r>
-              <a:rPr lang="en-US" altLang="zh-TW" smtClean="0"/>
-              <a:t>(repository/repo)</a:t>
-            </a:r>
-            <a:r>
-              <a:rPr lang="zh-TW" altLang="en-US" dirty="0" smtClean="0"/>
-              <a:t>的動態</a:t>
-            </a:r>
-            <a:endParaRPr lang="en-US" altLang="zh-TW" dirty="0" smtClean="0"/>
-          </a:p>
-          <a:p>
-            <a:pPr lvl="1"/>
-            <a:r>
-              <a:rPr lang="zh-TW" altLang="en-US" dirty="0" smtClean="0"/>
-              <a:t>對</a:t>
-            </a:r>
-            <a:r>
-              <a:rPr lang="zh-TW" altLang="en-US" dirty="0" smtClean="0"/>
-              <a:t>程式的改動和</a:t>
-            </a:r>
-            <a:r>
-              <a:rPr lang="en-US" altLang="zh-TW" dirty="0" smtClean="0"/>
-              <a:t>bug</a:t>
-            </a:r>
-            <a:r>
-              <a:rPr lang="zh-TW" altLang="en-US" dirty="0" smtClean="0"/>
-              <a:t>提出評論</a:t>
-            </a:r>
-          </a:p>
-          <a:p>
-            <a:endParaRPr lang="zh-TW" altLang="en-US" dirty="0"/>
-          </a:p>
-        </p:txBody>
-      </p:sp>
+        </p:nvPicPr>
+        <p:blipFill>
+          <a:blip r:embed="rId2">
+            <a:extLst>
+              <a:ext uri="{28A0092B-C50C-407E-A947-70E740481C1C}">
+                <a14:useLocalDpi xmlns:a14="http://schemas.microsoft.com/office/drawing/2010/main" val="0"/>
+              </a:ext>
+            </a:extLst>
+          </a:blip>
+          <a:srcRect/>
+          <a:stretch>
+            <a:fillRect/>
+          </a:stretch>
+        </p:blipFill>
+        <p:spPr bwMode="auto">
+          <a:xfrm>
+            <a:off x="467544" y="2132856"/>
+            <a:ext cx="7354577" cy="3480792"/>
+          </a:xfrm>
+          <a:prstGeom prst="rect">
+            <a:avLst/>
+          </a:prstGeom>
+          <a:noFill/>
+          <a:ln>
+            <a:noFill/>
+          </a:ln>
+          <a:extLst>
+            <a:ext uri="{909E8E84-426E-40DD-AFC4-6F175D3DCCD1}">
+              <a14:hiddenFill xmlns:a14="http://schemas.microsoft.com/office/drawing/2010/main">
+                <a:solidFill>
+                  <a:schemeClr val="accent1"/>
+                </a:solidFill>
+              </a14:hiddenFill>
+            </a:ext>
+            <a:ext uri="{91240B29-F687-4F45-9708-019B960494DF}">
+              <a14:hiddenLine xmlns:a14="http://schemas.microsoft.com/office/drawing/2010/main" w="9525">
+                <a:solidFill>
+                  <a:schemeClr val="tx1"/>
+                </a:solidFill>
+                <a:miter lim="800000"/>
+                <a:headEnd/>
+                <a:tailEnd/>
+              </a14:hiddenLine>
+            </a:ext>
+          </a:extLst>
+        </p:spPr>
+      </p:pic>
     </p:spTree>
     <p:extLst>
       <p:ext uri="{BB962C8B-B14F-4D97-AF65-F5344CB8AC3E}">
-        <p14:creationId xmlns:p14="http://schemas.microsoft.com/office/powerpoint/2010/main" val="837447092"/>
+        <p14:creationId xmlns:p14="http://schemas.microsoft.com/office/powerpoint/2010/main" val="440152417"/>
       </p:ext>
     </p:extLst>
   </p:cSld>
   <p:clrMapOvr>
     <a:masterClrMapping/>
   </p:clrMapOvr>
-  <p:timing>
-    <p:tnLst>
-      <p:par>
-        <p:cTn id="1" dur="indefinite" restart="never" nodeType="tmRoot"/>
-      </p:par>
-    </p:tnLst>
-  </p:timing>
 </p:sld>
 </file>
 
@@ -10764,7 +10700,7 @@
       </p:grpSpPr>
       <p:sp>
         <p:nvSpPr>
-          <p:cNvPr id="4" name="標題 3"/>
+          <p:cNvPr id="2" name="標題 1"/>
           <p:cNvSpPr>
             <a:spLocks noGrp="1"/>
           </p:cNvSpPr>
@@ -10772,41 +10708,85 @@
             <p:ph type="title"/>
           </p:nvPr>
         </p:nvSpPr>
-        <p:spPr>
-          <a:xfrm>
-            <a:off x="467544" y="2564904"/>
-            <a:ext cx="8229600" cy="1156990"/>
-          </a:xfrm>
-        </p:spPr>
+        <p:spPr/>
         <p:txBody>
           <a:bodyPr/>
           <a:lstStyle/>
           <a:p>
             <a:r>
-              <a:rPr lang="zh-TW" altLang="en-US" dirty="0" smtClean="0"/>
-              <a:t>系統實作與實驗</a:t>
+              <a:rPr lang="en-US" altLang="zh-TW" dirty="0" smtClean="0"/>
+              <a:t>More routing</a:t>
             </a:r>
             <a:endParaRPr lang="zh-TW" altLang="en-US" dirty="0"/>
           </a:p>
         </p:txBody>
       </p:sp>
+      <p:pic>
+        <p:nvPicPr>
+          <p:cNvPr id="4098" name="Picture 2"/>
+          <p:cNvPicPr>
+            <a:picLocks noGrp="1" noChangeAspect="1" noChangeArrowheads="1"/>
+          </p:cNvPicPr>
+          <p:nvPr>
+            <p:ph idx="1"/>
+          </p:nvPr>
+        </p:nvPicPr>
+        <p:blipFill>
+          <a:blip r:embed="rId2">
+            <a:extLst>
+              <a:ext uri="{28A0092B-C50C-407E-A947-70E740481C1C}">
+                <a14:useLocalDpi xmlns:a14="http://schemas.microsoft.com/office/drawing/2010/main" val="0"/>
+              </a:ext>
+            </a:extLst>
+          </a:blip>
+          <a:srcRect/>
+          <a:stretch>
+            <a:fillRect/>
+          </a:stretch>
+        </p:blipFill>
+        <p:spPr bwMode="auto">
+          <a:xfrm>
+            <a:off x="1115616" y="1700808"/>
+            <a:ext cx="6242069" cy="4670077"/>
+          </a:xfrm>
+          <a:prstGeom prst="rect">
+            <a:avLst/>
+          </a:prstGeom>
+          <a:noFill/>
+          <a:ln>
+            <a:noFill/>
+          </a:ln>
+          <a:extLst>
+            <a:ext uri="{909E8E84-426E-40DD-AFC4-6F175D3DCCD1}">
+              <a14:hiddenFill xmlns:a14="http://schemas.microsoft.com/office/drawing/2010/main">
+                <a:solidFill>
+                  <a:schemeClr val="accent1"/>
+                </a:solidFill>
+              </a14:hiddenFill>
+            </a:ext>
+            <a:ext uri="{91240B29-F687-4F45-9708-019B960494DF}">
+              <a14:hiddenLine xmlns:a14="http://schemas.microsoft.com/office/drawing/2010/main" w="9525">
+                <a:solidFill>
+                  <a:schemeClr val="tx1"/>
+                </a:solidFill>
+                <a:miter lim="800000"/>
+                <a:headEnd/>
+                <a:tailEnd/>
+              </a14:hiddenLine>
+            </a:ext>
+          </a:extLst>
+        </p:spPr>
+      </p:pic>
     </p:spTree>
     <p:extLst>
       <p:ext uri="{BB962C8B-B14F-4D97-AF65-F5344CB8AC3E}">
-        <p14:creationId xmlns:p14="http://schemas.microsoft.com/office/powerpoint/2010/main" val="829056583"/>
+        <p14:creationId xmlns:p14="http://schemas.microsoft.com/office/powerpoint/2010/main" val="4233179468"/>
       </p:ext>
     </p:extLst>
   </p:cSld>
   <p:clrMapOvr>
     <a:masterClrMapping/>
   </p:clrMapOvr>
-  <p:timing>
-    <p:tnLst>
-      <p:par>
-        <p:cTn id="1" dur="indefinite" restart="never" nodeType="tmRoot"/>
-      </p:par>
-    </p:tnLst>
-  </p:timing>
 </p:sld>
 </file>
 
@@ -10843,178 +10823,79 @@
           <a:lstStyle/>
           <a:p>
             <a:r>
-              <a:rPr lang="zh-TW" altLang="en-US" dirty="0" smtClean="0"/>
-              <a:t>稽核事件、任務</a:t>
+              <a:rPr lang="en-US" altLang="zh-TW" dirty="0" smtClean="0"/>
+              <a:t>Blade</a:t>
             </a:r>
             <a:endParaRPr lang="zh-TW" altLang="en-US" dirty="0"/>
           </a:p>
         </p:txBody>
       </p:sp>
-      <p:sp>
-        <p:nvSpPr>
-          <p:cNvPr id="3" name="內容版面配置區 2"/>
-          <p:cNvSpPr>
-            <a:spLocks noGrp="1"/>
-          </p:cNvSpPr>
+      <p:pic>
+        <p:nvPicPr>
+          <p:cNvPr id="5122" name="Picture 2"/>
+          <p:cNvPicPr>
+            <a:picLocks noGrp="1" noChangeAspect="1" noChangeArrowheads="1"/>
+          </p:cNvPicPr>
           <p:nvPr>
             <p:ph idx="1"/>
           </p:nvPr>
-        </p:nvSpPr>
-        <p:spPr/>
-        <p:txBody>
-          <a:bodyPr>
-            <a:normAutofit/>
-          </a:bodyPr>
-          <a:lstStyle/>
-          <a:p>
-            <a:r>
-              <a:rPr lang="zh-TW" altLang="en-US" dirty="0" smtClean="0"/>
-              <a:t>持續一段時間</a:t>
-            </a:r>
-            <a:endParaRPr lang="en-US" altLang="zh-TW" dirty="0" smtClean="0"/>
-          </a:p>
-          <a:p>
-            <a:r>
-              <a:rPr lang="zh-TW" altLang="en-US" dirty="0" smtClean="0"/>
-              <a:t>期間</a:t>
-            </a:r>
-            <a:r>
-              <a:rPr lang="zh-TW" altLang="en-US" dirty="0"/>
-              <a:t>可以指派多筆稽核</a:t>
-            </a:r>
-            <a:r>
-              <a:rPr lang="zh-TW" altLang="en-US" dirty="0" smtClean="0"/>
-              <a:t>任務</a:t>
-            </a:r>
-            <a:endParaRPr lang="en-US" altLang="zh-TW" dirty="0" smtClean="0"/>
-          </a:p>
-          <a:p>
-            <a:r>
-              <a:rPr lang="zh-TW" altLang="en-US" dirty="0" smtClean="0"/>
-              <a:t>一</a:t>
-            </a:r>
-            <a:r>
-              <a:rPr lang="zh-TW" altLang="en-US" dirty="0"/>
-              <a:t>筆稽核</a:t>
-            </a:r>
-            <a:r>
-              <a:rPr lang="zh-TW" altLang="en-US" dirty="0" smtClean="0"/>
-              <a:t>任務由</a:t>
-            </a:r>
-            <a:r>
-              <a:rPr lang="zh-TW" altLang="en-US" dirty="0"/>
-              <a:t>一名稽核</a:t>
-            </a:r>
-            <a:r>
-              <a:rPr lang="zh-TW" altLang="en-US" dirty="0" smtClean="0"/>
-              <a:t>人員完成稽核、填寫回報</a:t>
-            </a:r>
-            <a:endParaRPr lang="en-US" altLang="zh-TW" dirty="0" smtClean="0"/>
-          </a:p>
-          <a:p>
-            <a:r>
-              <a:rPr lang="zh-TW" altLang="en-US" dirty="0" smtClean="0"/>
-              <a:t>填寫完成後寄信至主管信箱</a:t>
-            </a:r>
-            <a:endParaRPr lang="en-US" altLang="zh-TW" dirty="0" smtClean="0"/>
-          </a:p>
-          <a:p>
-            <a:r>
-              <a:rPr lang="zh-TW" altLang="en-US" dirty="0" smtClean="0"/>
-              <a:t>主管</a:t>
-            </a:r>
-            <a:r>
-              <a:rPr lang="zh-TW" altLang="en-US" dirty="0"/>
-              <a:t>簽署</a:t>
-            </a:r>
-            <a:r>
-              <a:rPr lang="zh-TW" altLang="en-US" dirty="0" smtClean="0"/>
-              <a:t>後寄信</a:t>
-            </a:r>
-            <a:r>
-              <a:rPr lang="zh-TW" altLang="en-US" dirty="0"/>
-              <a:t>至稽核小組</a:t>
-            </a:r>
-            <a:r>
-              <a:rPr lang="zh-TW" altLang="en-US" dirty="0" smtClean="0"/>
-              <a:t>信箱</a:t>
-            </a:r>
-            <a:endParaRPr lang="en-US" altLang="zh-TW" dirty="0" smtClean="0"/>
-          </a:p>
-          <a:p>
-            <a:r>
-              <a:rPr lang="zh-TW" altLang="en-US" dirty="0" smtClean="0"/>
-              <a:t>簽署結束＝回報完成</a:t>
-            </a:r>
-            <a:endParaRPr lang="en-US" altLang="zh-TW" dirty="0" smtClean="0"/>
-          </a:p>
-          <a:p>
-            <a:r>
-              <a:rPr lang="zh-TW" altLang="en-US" dirty="0" smtClean="0"/>
-              <a:t>由</a:t>
-            </a:r>
-            <a:r>
-              <a:rPr lang="zh-TW" altLang="en-US" dirty="0"/>
-              <a:t>受稽機關進行矯正預防</a:t>
-            </a:r>
-            <a:r>
-              <a:rPr lang="zh-TW" altLang="en-US" dirty="0" smtClean="0"/>
-              <a:t>處理、填寫</a:t>
-            </a:r>
-            <a:r>
-              <a:rPr lang="zh-TW" altLang="en-US" dirty="0"/>
-              <a:t>矯正預防</a:t>
-            </a:r>
-            <a:r>
-              <a:rPr lang="zh-TW" altLang="en-US" dirty="0" smtClean="0"/>
-              <a:t>結果</a:t>
-            </a:r>
-            <a:endParaRPr lang="en-US" altLang="zh-TW" dirty="0" smtClean="0"/>
-          </a:p>
-          <a:p>
-            <a:r>
-              <a:rPr lang="zh-TW" altLang="en-US" dirty="0" smtClean="0"/>
-              <a:t>填寫完成寄信</a:t>
-            </a:r>
-            <a:r>
-              <a:rPr lang="zh-TW" altLang="en-US" dirty="0"/>
-              <a:t>至主管</a:t>
-            </a:r>
-            <a:r>
-              <a:rPr lang="zh-TW" altLang="en-US" dirty="0" smtClean="0"/>
-              <a:t>信箱</a:t>
-            </a:r>
-            <a:endParaRPr lang="en-US" altLang="zh-TW" dirty="0" smtClean="0"/>
-          </a:p>
-          <a:p>
-            <a:r>
-              <a:rPr lang="zh-TW" altLang="en-US" dirty="0" smtClean="0"/>
-              <a:t>簽署成功＝矯正完成＝一筆稽核完成。</a:t>
-            </a:r>
-            <a:br>
-              <a:rPr lang="zh-TW" altLang="en-US" dirty="0" smtClean="0"/>
-            </a:br>
-            <a:endParaRPr lang="zh-TW" altLang="en-US" dirty="0"/>
-          </a:p>
-        </p:txBody>
-      </p:sp>
+        </p:nvPicPr>
+        <p:blipFill>
+          <a:blip r:embed="rId2">
+            <a:extLst>
+              <a:ext uri="{28A0092B-C50C-407E-A947-70E740481C1C}">
+                <a14:useLocalDpi xmlns:a14="http://schemas.microsoft.com/office/drawing/2010/main" val="0"/>
+              </a:ext>
+            </a:extLst>
+          </a:blip>
+          <a:srcRect/>
+          <a:stretch>
+            <a:fillRect/>
+          </a:stretch>
+        </p:blipFill>
+        <p:spPr bwMode="auto">
+          <a:xfrm>
+            <a:off x="467544" y="2492896"/>
+            <a:ext cx="7668648" cy="2864938"/>
+          </a:xfrm>
+          <a:prstGeom prst="rect">
+            <a:avLst/>
+          </a:prstGeom>
+          <a:noFill/>
+          <a:ln>
+            <a:noFill/>
+          </a:ln>
+          <a:extLst>
+            <a:ext uri="{909E8E84-426E-40DD-AFC4-6F175D3DCCD1}">
+              <a14:hiddenFill xmlns:a14="http://schemas.microsoft.com/office/drawing/2010/main">
+                <a:solidFill>
+                  <a:schemeClr val="accent1"/>
+                </a:solidFill>
+              </a14:hiddenFill>
+            </a:ext>
+            <a:ext uri="{91240B29-F687-4F45-9708-019B960494DF}">
+              <a14:hiddenLine xmlns:a14="http://schemas.microsoft.com/office/drawing/2010/main" w="9525">
+                <a:solidFill>
+                  <a:schemeClr val="tx1"/>
+                </a:solidFill>
+                <a:miter lim="800000"/>
+                <a:headEnd/>
+                <a:tailEnd/>
+              </a14:hiddenLine>
+            </a:ext>
+          </a:extLst>
+        </p:spPr>
+      </p:pic>
     </p:spTree>
     <p:extLst>
       <p:ext uri="{BB962C8B-B14F-4D97-AF65-F5344CB8AC3E}">
-        <p14:creationId xmlns:p14="http://schemas.microsoft.com/office/powerpoint/2010/main" val="2879552582"/>
+        <p14:creationId xmlns:p14="http://schemas.microsoft.com/office/powerpoint/2010/main" val="3743397231"/>
       </p:ext>
     </p:extLst>
   </p:cSld>
   <p:clrMapOvr>
     <a:masterClrMapping/>
   </p:clrMapOvr>
-  <p:timing>
-    <p:tnLst>
-      <p:par>
-        <p:cTn id="1" dur="indefinite" restart="never" nodeType="tmRoot"/>
-      </p:par>
-    </p:tnLst>
-  </p:timing>
 </p:sld>
 </file>
 
@@ -11204,6 +11085,676 @@
           <a:lstStyle/>
           <a:p>
             <a:r>
+              <a:rPr lang="en-US" altLang="zh-TW" dirty="0"/>
+              <a:t>C</a:t>
+            </a:r>
+            <a:r>
+              <a:rPr lang="en-US" altLang="zh-TW" dirty="0" smtClean="0"/>
+              <a:t>omposer</a:t>
+            </a:r>
+            <a:endParaRPr lang="zh-TW" altLang="en-US" dirty="0"/>
+          </a:p>
+        </p:txBody>
+      </p:sp>
+      <p:sp>
+        <p:nvSpPr>
+          <p:cNvPr id="3" name="內容版面配置區 2"/>
+          <p:cNvSpPr>
+            <a:spLocks noGrp="1"/>
+          </p:cNvSpPr>
+          <p:nvPr>
+            <p:ph idx="1"/>
+          </p:nvPr>
+        </p:nvSpPr>
+        <p:spPr/>
+        <p:txBody>
+          <a:bodyPr/>
+          <a:lstStyle/>
+          <a:p>
+            <a:r>
+              <a:rPr lang="en-US" altLang="zh-TW" dirty="0" smtClean="0"/>
+              <a:t>PHP</a:t>
+            </a:r>
+            <a:r>
+              <a:rPr lang="zh-TW" altLang="en-US" dirty="0" smtClean="0"/>
+              <a:t>依賴性</a:t>
+            </a:r>
+            <a:r>
+              <a:rPr lang="zh-TW" altLang="en-US" dirty="0"/>
+              <a:t>管理</a:t>
+            </a:r>
+            <a:r>
+              <a:rPr lang="zh-TW" altLang="en-US" dirty="0" smtClean="0"/>
+              <a:t>工具</a:t>
+            </a:r>
+            <a:endParaRPr lang="en-US" altLang="zh-TW" dirty="0" smtClean="0"/>
+          </a:p>
+          <a:p>
+            <a:r>
+              <a:rPr lang="zh-TW" altLang="en-US" dirty="0" smtClean="0"/>
+              <a:t>安裝專案依賴</a:t>
+            </a:r>
+            <a:r>
+              <a:rPr lang="zh-TW" altLang="en-US" dirty="0"/>
+              <a:t>函式</a:t>
+            </a:r>
+            <a:r>
+              <a:rPr lang="zh-TW" altLang="en-US" dirty="0" smtClean="0"/>
+              <a:t>庫</a:t>
+            </a:r>
+            <a:endParaRPr lang="en-US" altLang="zh-TW" dirty="0" smtClean="0"/>
+          </a:p>
+          <a:p>
+            <a:r>
+              <a:rPr lang="zh-TW" altLang="en-US" dirty="0" smtClean="0"/>
+              <a:t>簡化部署開發環境步驟</a:t>
+            </a:r>
+            <a:br>
+              <a:rPr lang="zh-TW" altLang="en-US" dirty="0" smtClean="0"/>
+            </a:br>
+            <a:endParaRPr lang="zh-TW" altLang="en-US" dirty="0"/>
+          </a:p>
+        </p:txBody>
+      </p:sp>
+    </p:spTree>
+    <p:extLst>
+      <p:ext uri="{BB962C8B-B14F-4D97-AF65-F5344CB8AC3E}">
+        <p14:creationId xmlns:p14="http://schemas.microsoft.com/office/powerpoint/2010/main" val="598198643"/>
+      </p:ext>
+    </p:extLst>
+  </p:cSld>
+  <p:clrMapOvr>
+    <a:masterClrMapping/>
+  </p:clrMapOvr>
+  <p:timing>
+    <p:tnLst>
+      <p:par>
+        <p:cTn id="1" dur="indefinite" restart="never" nodeType="tmRoot"/>
+      </p:par>
+    </p:tnLst>
+  </p:timing>
+</p:sld>
+</file>
+
+<file path=ppt/slides/slide21.xml><?xml version="1.0" encoding="utf-8"?>
+<p:sld xmlns:a="http://schemas.openxmlformats.org/drawingml/2006/main" xmlns:r="http://schemas.openxmlformats.org/officeDocument/2006/relationships" xmlns:p="http://schemas.openxmlformats.org/presentationml/2006/main">
+  <p:cSld>
+    <p:spTree>
+      <p:nvGrpSpPr>
+        <p:cNvPr id="1" name=""/>
+        <p:cNvGrpSpPr/>
+        <p:nvPr/>
+      </p:nvGrpSpPr>
+      <p:grpSpPr>
+        <a:xfrm>
+          <a:off x="0" y="0"/>
+          <a:ext cx="0" cy="0"/>
+          <a:chOff x="0" y="0"/>
+          <a:chExt cx="0" cy="0"/>
+        </a:xfrm>
+      </p:grpSpPr>
+      <p:sp>
+        <p:nvSpPr>
+          <p:cNvPr id="2" name="標題 1"/>
+          <p:cNvSpPr>
+            <a:spLocks noGrp="1"/>
+          </p:cNvSpPr>
+          <p:nvPr>
+            <p:ph type="title"/>
+          </p:nvPr>
+        </p:nvSpPr>
+        <p:spPr/>
+        <p:txBody>
+          <a:bodyPr/>
+          <a:lstStyle/>
+          <a:p>
+            <a:r>
+              <a:rPr lang="en-US" altLang="zh-TW" dirty="0" err="1" smtClean="0"/>
+              <a:t>Git</a:t>
+            </a:r>
+            <a:endParaRPr lang="zh-TW" altLang="en-US" dirty="0"/>
+          </a:p>
+        </p:txBody>
+      </p:sp>
+      <p:sp>
+        <p:nvSpPr>
+          <p:cNvPr id="3" name="內容版面配置區 2"/>
+          <p:cNvSpPr>
+            <a:spLocks noGrp="1"/>
+          </p:cNvSpPr>
+          <p:nvPr>
+            <p:ph idx="1"/>
+          </p:nvPr>
+        </p:nvSpPr>
+        <p:spPr/>
+        <p:txBody>
+          <a:bodyPr>
+            <a:normAutofit/>
+          </a:bodyPr>
+          <a:lstStyle/>
+          <a:p>
+            <a:r>
+              <a:rPr lang="zh-TW" altLang="en-US" dirty="0" smtClean="0"/>
+              <a:t>分散式</a:t>
+            </a:r>
+            <a:r>
+              <a:rPr lang="zh-TW" altLang="en-US" dirty="0"/>
+              <a:t>版本控制</a:t>
+            </a:r>
+            <a:r>
+              <a:rPr lang="zh-TW" altLang="en-US" dirty="0" smtClean="0"/>
+              <a:t>軟體</a:t>
+            </a:r>
+            <a:endParaRPr lang="en-US" altLang="zh-TW" dirty="0" smtClean="0"/>
+          </a:p>
+          <a:p>
+            <a:r>
+              <a:rPr lang="zh-TW" altLang="en-US" dirty="0" smtClean="0"/>
+              <a:t>合併</a:t>
+            </a:r>
+            <a:r>
+              <a:rPr lang="zh-TW" altLang="en-US" dirty="0"/>
+              <a:t>追蹤（</a:t>
+            </a:r>
+            <a:r>
+              <a:rPr lang="en-US" altLang="zh-TW" dirty="0"/>
+              <a:t>merge tracing</a:t>
+            </a:r>
+            <a:r>
+              <a:rPr lang="zh-TW" altLang="en-US" dirty="0" smtClean="0"/>
+              <a:t>）</a:t>
+            </a:r>
+            <a:br>
+              <a:rPr lang="zh-TW" altLang="en-US" dirty="0" smtClean="0"/>
+            </a:br>
+            <a:endParaRPr lang="zh-TW" altLang="en-US" dirty="0"/>
+          </a:p>
+        </p:txBody>
+      </p:sp>
+    </p:spTree>
+    <p:extLst>
+      <p:ext uri="{BB962C8B-B14F-4D97-AF65-F5344CB8AC3E}">
+        <p14:creationId xmlns:p14="http://schemas.microsoft.com/office/powerpoint/2010/main" val="517783100"/>
+      </p:ext>
+    </p:extLst>
+  </p:cSld>
+  <p:clrMapOvr>
+    <a:masterClrMapping/>
+  </p:clrMapOvr>
+  <p:timing>
+    <p:tnLst>
+      <p:par>
+        <p:cTn id="1" dur="indefinite" restart="never" nodeType="tmRoot"/>
+      </p:par>
+    </p:tnLst>
+  </p:timing>
+</p:sld>
+</file>
+
+<file path=ppt/slides/slide22.xml><?xml version="1.0" encoding="utf-8"?>
+<p:sld xmlns:a="http://schemas.openxmlformats.org/drawingml/2006/main" xmlns:r="http://schemas.openxmlformats.org/officeDocument/2006/relationships" xmlns:p="http://schemas.openxmlformats.org/presentationml/2006/main">
+  <p:cSld>
+    <p:spTree>
+      <p:nvGrpSpPr>
+        <p:cNvPr id="1" name=""/>
+        <p:cNvGrpSpPr/>
+        <p:nvPr/>
+      </p:nvGrpSpPr>
+      <p:grpSpPr>
+        <a:xfrm>
+          <a:off x="0" y="0"/>
+          <a:ext cx="0" cy="0"/>
+          <a:chOff x="0" y="0"/>
+          <a:chExt cx="0" cy="0"/>
+        </a:xfrm>
+      </p:grpSpPr>
+      <p:sp>
+        <p:nvSpPr>
+          <p:cNvPr id="2" name="標題 1"/>
+          <p:cNvSpPr>
+            <a:spLocks noGrp="1"/>
+          </p:cNvSpPr>
+          <p:nvPr>
+            <p:ph type="title"/>
+          </p:nvPr>
+        </p:nvSpPr>
+        <p:spPr/>
+        <p:txBody>
+          <a:bodyPr/>
+          <a:lstStyle/>
+          <a:p>
+            <a:r>
+              <a:rPr lang="en-US" altLang="zh-TW" dirty="0" err="1" smtClean="0"/>
+              <a:t>Github</a:t>
+            </a:r>
+            <a:endParaRPr lang="zh-TW" altLang="en-US" dirty="0"/>
+          </a:p>
+        </p:txBody>
+      </p:sp>
+      <p:sp>
+        <p:nvSpPr>
+          <p:cNvPr id="3" name="內容版面配置區 2"/>
+          <p:cNvSpPr>
+            <a:spLocks noGrp="1"/>
+          </p:cNvSpPr>
+          <p:nvPr>
+            <p:ph idx="1"/>
+          </p:nvPr>
+        </p:nvSpPr>
+        <p:spPr/>
+        <p:txBody>
+          <a:bodyPr/>
+          <a:lstStyle/>
+          <a:p>
+            <a:r>
+              <a:rPr lang="zh-TW" altLang="en-US" dirty="0" smtClean="0"/>
+              <a:t>共享虛擬主機服務</a:t>
+            </a:r>
+            <a:endParaRPr lang="en-US" altLang="zh-TW" dirty="0" smtClean="0"/>
+          </a:p>
+          <a:p>
+            <a:r>
+              <a:rPr lang="zh-TW" altLang="en-US" dirty="0" smtClean="0"/>
+              <a:t>存放使用</a:t>
+            </a:r>
+            <a:r>
+              <a:rPr lang="en-US" altLang="zh-TW" dirty="0" err="1" smtClean="0"/>
+              <a:t>Git</a:t>
+            </a:r>
+            <a:r>
+              <a:rPr lang="zh-TW" altLang="en-US" dirty="0" smtClean="0"/>
+              <a:t>版本控制的程式、專案</a:t>
+            </a:r>
+            <a:endParaRPr lang="en-US" altLang="zh-TW" dirty="0" smtClean="0"/>
+          </a:p>
+          <a:p>
+            <a:r>
+              <a:rPr lang="zh-TW" altLang="en-US" dirty="0" smtClean="0"/>
+              <a:t>方便社會化軟體開發的功能</a:t>
+            </a:r>
+            <a:endParaRPr lang="en-US" altLang="zh-TW" dirty="0" smtClean="0"/>
+          </a:p>
+          <a:p>
+            <a:pPr lvl="1"/>
+            <a:r>
+              <a:rPr lang="zh-TW" altLang="en-US" dirty="0" smtClean="0"/>
+              <a:t>追蹤其它用戶</a:t>
+            </a:r>
+            <a:endParaRPr lang="en-US" altLang="zh-TW" dirty="0" smtClean="0"/>
+          </a:p>
+          <a:p>
+            <a:pPr lvl="1"/>
+            <a:r>
+              <a:rPr lang="zh-TW" altLang="en-US" dirty="0" smtClean="0"/>
+              <a:t>組織</a:t>
+            </a:r>
+            <a:r>
+              <a:rPr lang="en-US" altLang="zh-TW" dirty="0" smtClean="0"/>
+              <a:t>(group)</a:t>
+            </a:r>
+          </a:p>
+          <a:p>
+            <a:pPr lvl="1"/>
+            <a:r>
+              <a:rPr lang="zh-TW" altLang="en-US" dirty="0" smtClean="0"/>
+              <a:t>軟體庫</a:t>
+            </a:r>
+            <a:r>
+              <a:rPr lang="en-US" altLang="zh-TW" smtClean="0"/>
+              <a:t>(repository/repo)</a:t>
+            </a:r>
+            <a:r>
+              <a:rPr lang="zh-TW" altLang="en-US" dirty="0" smtClean="0"/>
+              <a:t>的動態</a:t>
+            </a:r>
+            <a:endParaRPr lang="en-US" altLang="zh-TW" dirty="0" smtClean="0"/>
+          </a:p>
+          <a:p>
+            <a:pPr lvl="1"/>
+            <a:r>
+              <a:rPr lang="zh-TW" altLang="en-US" dirty="0" smtClean="0"/>
+              <a:t>對程式的改動和</a:t>
+            </a:r>
+            <a:r>
+              <a:rPr lang="en-US" altLang="zh-TW" dirty="0" smtClean="0"/>
+              <a:t>bug</a:t>
+            </a:r>
+            <a:r>
+              <a:rPr lang="zh-TW" altLang="en-US" dirty="0" smtClean="0"/>
+              <a:t>提出評論</a:t>
+            </a:r>
+          </a:p>
+          <a:p>
+            <a:endParaRPr lang="zh-TW" altLang="en-US" dirty="0"/>
+          </a:p>
+        </p:txBody>
+      </p:sp>
+    </p:spTree>
+    <p:extLst>
+      <p:ext uri="{BB962C8B-B14F-4D97-AF65-F5344CB8AC3E}">
+        <p14:creationId xmlns:p14="http://schemas.microsoft.com/office/powerpoint/2010/main" val="837447092"/>
+      </p:ext>
+    </p:extLst>
+  </p:cSld>
+  <p:clrMapOvr>
+    <a:masterClrMapping/>
+  </p:clrMapOvr>
+  <p:timing>
+    <p:tnLst>
+      <p:par>
+        <p:cTn id="1" dur="indefinite" restart="never" nodeType="tmRoot"/>
+      </p:par>
+    </p:tnLst>
+  </p:timing>
+</p:sld>
+</file>
+
+<file path=ppt/slides/slide23.xml><?xml version="1.0" encoding="utf-8"?>
+<p:sld xmlns:a="http://schemas.openxmlformats.org/drawingml/2006/main" xmlns:r="http://schemas.openxmlformats.org/officeDocument/2006/relationships" xmlns:p="http://schemas.openxmlformats.org/presentationml/2006/main">
+  <p:cSld>
+    <p:spTree>
+      <p:nvGrpSpPr>
+        <p:cNvPr id="1" name=""/>
+        <p:cNvGrpSpPr/>
+        <p:nvPr/>
+      </p:nvGrpSpPr>
+      <p:grpSpPr>
+        <a:xfrm>
+          <a:off x="0" y="0"/>
+          <a:ext cx="0" cy="0"/>
+          <a:chOff x="0" y="0"/>
+          <a:chExt cx="0" cy="0"/>
+        </a:xfrm>
+      </p:grpSpPr>
+      <p:sp>
+        <p:nvSpPr>
+          <p:cNvPr id="4" name="標題 3"/>
+          <p:cNvSpPr>
+            <a:spLocks noGrp="1"/>
+          </p:cNvSpPr>
+          <p:nvPr>
+            <p:ph type="title"/>
+          </p:nvPr>
+        </p:nvSpPr>
+        <p:spPr>
+          <a:xfrm>
+            <a:off x="467544" y="2564904"/>
+            <a:ext cx="8229600" cy="1156990"/>
+          </a:xfrm>
+        </p:spPr>
+        <p:txBody>
+          <a:bodyPr/>
+          <a:lstStyle/>
+          <a:p>
+            <a:r>
+              <a:rPr lang="zh-TW" altLang="en-US" dirty="0" smtClean="0"/>
+              <a:t>系統實作與實驗</a:t>
+            </a:r>
+            <a:endParaRPr lang="zh-TW" altLang="en-US" dirty="0"/>
+          </a:p>
+        </p:txBody>
+      </p:sp>
+    </p:spTree>
+    <p:extLst>
+      <p:ext uri="{BB962C8B-B14F-4D97-AF65-F5344CB8AC3E}">
+        <p14:creationId xmlns:p14="http://schemas.microsoft.com/office/powerpoint/2010/main" val="829056583"/>
+      </p:ext>
+    </p:extLst>
+  </p:cSld>
+  <p:clrMapOvr>
+    <a:masterClrMapping/>
+  </p:clrMapOvr>
+  <p:timing>
+    <p:tnLst>
+      <p:par>
+        <p:cTn id="1" dur="indefinite" restart="never" nodeType="tmRoot"/>
+      </p:par>
+    </p:tnLst>
+  </p:timing>
+</p:sld>
+</file>
+
+<file path=ppt/slides/slide24.xml><?xml version="1.0" encoding="utf-8"?>
+<p:sld xmlns:a="http://schemas.openxmlformats.org/drawingml/2006/main" xmlns:r="http://schemas.openxmlformats.org/officeDocument/2006/relationships" xmlns:p="http://schemas.openxmlformats.org/presentationml/2006/main">
+  <p:cSld>
+    <p:spTree>
+      <p:nvGrpSpPr>
+        <p:cNvPr id="1" name=""/>
+        <p:cNvGrpSpPr/>
+        <p:nvPr/>
+      </p:nvGrpSpPr>
+      <p:grpSpPr>
+        <a:xfrm>
+          <a:off x="0" y="0"/>
+          <a:ext cx="0" cy="0"/>
+          <a:chOff x="0" y="0"/>
+          <a:chExt cx="0" cy="0"/>
+        </a:xfrm>
+      </p:grpSpPr>
+      <p:sp>
+        <p:nvSpPr>
+          <p:cNvPr id="2" name="標題 1"/>
+          <p:cNvSpPr>
+            <a:spLocks noGrp="1"/>
+          </p:cNvSpPr>
+          <p:nvPr>
+            <p:ph type="title"/>
+          </p:nvPr>
+        </p:nvSpPr>
+        <p:spPr/>
+        <p:txBody>
+          <a:bodyPr/>
+          <a:lstStyle/>
+          <a:p>
+            <a:r>
+              <a:rPr lang="zh-TW" altLang="en-US" dirty="0" smtClean="0"/>
+              <a:t>稽核事件、任務</a:t>
+            </a:r>
+            <a:endParaRPr lang="zh-TW" altLang="en-US" dirty="0"/>
+          </a:p>
+        </p:txBody>
+      </p:sp>
+      <p:sp>
+        <p:nvSpPr>
+          <p:cNvPr id="3" name="內容版面配置區 2"/>
+          <p:cNvSpPr>
+            <a:spLocks noGrp="1"/>
+          </p:cNvSpPr>
+          <p:nvPr>
+            <p:ph idx="1"/>
+          </p:nvPr>
+        </p:nvSpPr>
+        <p:spPr/>
+        <p:txBody>
+          <a:bodyPr>
+            <a:normAutofit/>
+          </a:bodyPr>
+          <a:lstStyle/>
+          <a:p>
+            <a:r>
+              <a:rPr lang="zh-TW" altLang="en-US" dirty="0" smtClean="0"/>
+              <a:t>持續一段時間</a:t>
+            </a:r>
+            <a:endParaRPr lang="en-US" altLang="zh-TW" dirty="0" smtClean="0"/>
+          </a:p>
+          <a:p>
+            <a:r>
+              <a:rPr lang="zh-TW" altLang="en-US" dirty="0" smtClean="0"/>
+              <a:t>期間</a:t>
+            </a:r>
+            <a:r>
+              <a:rPr lang="zh-TW" altLang="en-US" dirty="0"/>
+              <a:t>可以指派多筆稽核</a:t>
+            </a:r>
+            <a:r>
+              <a:rPr lang="zh-TW" altLang="en-US" dirty="0" smtClean="0"/>
+              <a:t>任務</a:t>
+            </a:r>
+            <a:endParaRPr lang="en-US" altLang="zh-TW" dirty="0" smtClean="0"/>
+          </a:p>
+          <a:p>
+            <a:r>
+              <a:rPr lang="zh-TW" altLang="en-US" dirty="0" smtClean="0"/>
+              <a:t>一</a:t>
+            </a:r>
+            <a:r>
+              <a:rPr lang="zh-TW" altLang="en-US" dirty="0"/>
+              <a:t>筆稽核</a:t>
+            </a:r>
+            <a:r>
+              <a:rPr lang="zh-TW" altLang="en-US" dirty="0" smtClean="0"/>
+              <a:t>任務由</a:t>
+            </a:r>
+            <a:r>
+              <a:rPr lang="zh-TW" altLang="en-US" dirty="0"/>
+              <a:t>一名稽核</a:t>
+            </a:r>
+            <a:r>
+              <a:rPr lang="zh-TW" altLang="en-US" dirty="0" smtClean="0"/>
+              <a:t>人員完成稽核、填寫回報</a:t>
+            </a:r>
+            <a:endParaRPr lang="en-US" altLang="zh-TW" dirty="0" smtClean="0"/>
+          </a:p>
+          <a:p>
+            <a:r>
+              <a:rPr lang="zh-TW" altLang="en-US" dirty="0" smtClean="0"/>
+              <a:t>填寫完成後寄信至主管信箱</a:t>
+            </a:r>
+            <a:endParaRPr lang="en-US" altLang="zh-TW" dirty="0" smtClean="0"/>
+          </a:p>
+          <a:p>
+            <a:r>
+              <a:rPr lang="zh-TW" altLang="en-US" dirty="0" smtClean="0"/>
+              <a:t>主管</a:t>
+            </a:r>
+            <a:r>
+              <a:rPr lang="zh-TW" altLang="en-US" dirty="0"/>
+              <a:t>簽署</a:t>
+            </a:r>
+            <a:r>
+              <a:rPr lang="zh-TW" altLang="en-US" dirty="0" smtClean="0"/>
+              <a:t>後寄信</a:t>
+            </a:r>
+            <a:r>
+              <a:rPr lang="zh-TW" altLang="en-US" dirty="0"/>
+              <a:t>至稽核小組</a:t>
+            </a:r>
+            <a:r>
+              <a:rPr lang="zh-TW" altLang="en-US" dirty="0" smtClean="0"/>
+              <a:t>信箱</a:t>
+            </a:r>
+            <a:endParaRPr lang="en-US" altLang="zh-TW" dirty="0" smtClean="0"/>
+          </a:p>
+          <a:p>
+            <a:r>
+              <a:rPr lang="zh-TW" altLang="en-US" dirty="0" smtClean="0"/>
+              <a:t>簽署結束＝回報完成</a:t>
+            </a:r>
+            <a:endParaRPr lang="en-US" altLang="zh-TW" dirty="0" smtClean="0"/>
+          </a:p>
+          <a:p>
+            <a:r>
+              <a:rPr lang="zh-TW" altLang="en-US" dirty="0" smtClean="0"/>
+              <a:t>由</a:t>
+            </a:r>
+            <a:r>
+              <a:rPr lang="zh-TW" altLang="en-US" dirty="0"/>
+              <a:t>受稽機關進行矯正預防</a:t>
+            </a:r>
+            <a:r>
+              <a:rPr lang="zh-TW" altLang="en-US" dirty="0" smtClean="0"/>
+              <a:t>處理、填寫</a:t>
+            </a:r>
+            <a:r>
+              <a:rPr lang="zh-TW" altLang="en-US" dirty="0"/>
+              <a:t>矯正預防</a:t>
+            </a:r>
+            <a:r>
+              <a:rPr lang="zh-TW" altLang="en-US" dirty="0" smtClean="0"/>
+              <a:t>結果</a:t>
+            </a:r>
+            <a:endParaRPr lang="en-US" altLang="zh-TW" dirty="0" smtClean="0"/>
+          </a:p>
+          <a:p>
+            <a:r>
+              <a:rPr lang="zh-TW" altLang="en-US" dirty="0" smtClean="0"/>
+              <a:t>填寫完成寄信</a:t>
+            </a:r>
+            <a:r>
+              <a:rPr lang="zh-TW" altLang="en-US" dirty="0"/>
+              <a:t>至主管</a:t>
+            </a:r>
+            <a:r>
+              <a:rPr lang="zh-TW" altLang="en-US" dirty="0" smtClean="0"/>
+              <a:t>信箱</a:t>
+            </a:r>
+            <a:endParaRPr lang="en-US" altLang="zh-TW" dirty="0" smtClean="0"/>
+          </a:p>
+          <a:p>
+            <a:r>
+              <a:rPr lang="zh-TW" altLang="en-US" dirty="0" smtClean="0"/>
+              <a:t>簽署成功＝矯正完成＝一筆稽核完成。</a:t>
+            </a:r>
+            <a:br>
+              <a:rPr lang="zh-TW" altLang="en-US" dirty="0" smtClean="0"/>
+            </a:br>
+            <a:endParaRPr lang="zh-TW" altLang="en-US" dirty="0"/>
+          </a:p>
+        </p:txBody>
+      </p:sp>
+    </p:spTree>
+    <p:extLst>
+      <p:ext uri="{BB962C8B-B14F-4D97-AF65-F5344CB8AC3E}">
+        <p14:creationId xmlns:p14="http://schemas.microsoft.com/office/powerpoint/2010/main" val="2879552582"/>
+      </p:ext>
+    </p:extLst>
+  </p:cSld>
+  <p:clrMapOvr>
+    <a:masterClrMapping/>
+  </p:clrMapOvr>
+  <p:timing>
+    <p:tnLst>
+      <p:par>
+        <p:cTn id="1" dur="indefinite" restart="never" nodeType="tmRoot"/>
+      </p:par>
+    </p:tnLst>
+  </p:timing>
+</p:sld>
+</file>
+
+<file path=ppt/slides/slide25.xml><?xml version="1.0" encoding="utf-8"?>
+<p:sld xmlns:a="http://schemas.openxmlformats.org/drawingml/2006/main" xmlns:r="http://schemas.openxmlformats.org/officeDocument/2006/relationships" xmlns:p="http://schemas.openxmlformats.org/presentationml/2006/main">
+  <p:cSld>
+    <p:spTree>
+      <p:nvGrpSpPr>
+        <p:cNvPr id="1" name=""/>
+        <p:cNvGrpSpPr/>
+        <p:nvPr/>
+      </p:nvGrpSpPr>
+      <p:grpSpPr>
+        <a:xfrm>
+          <a:off x="0" y="0"/>
+          <a:ext cx="0" cy="0"/>
+          <a:chOff x="0" y="0"/>
+          <a:chExt cx="0" cy="0"/>
+        </a:xfrm>
+      </p:grpSpPr>
+      <p:sp>
+        <p:nvSpPr>
+          <p:cNvPr id="2" name="標題 1"/>
+          <p:cNvSpPr>
+            <a:spLocks noGrp="1"/>
+          </p:cNvSpPr>
+          <p:nvPr>
+            <p:ph type="title"/>
+          </p:nvPr>
+        </p:nvSpPr>
+        <p:spPr/>
+        <p:txBody>
+          <a:bodyPr/>
+          <a:lstStyle/>
+          <a:p>
+            <a:r>
               <a:rPr lang="zh-TW" altLang="en-US" dirty="0" smtClean="0"/>
               <a:t>稽核人員</a:t>
             </a:r>
@@ -11306,7 +11857,7 @@
 </p:sld>
 </file>
 
-<file path=ppt/slides/slide21.xml><?xml version="1.0" encoding="utf-8"?>
+<file path=ppt/slides/slide26.xml><?xml version="1.0" encoding="utf-8"?>
 <p:sld xmlns:a="http://schemas.openxmlformats.org/drawingml/2006/main" xmlns:r="http://schemas.openxmlformats.org/officeDocument/2006/relationships" xmlns:p="http://schemas.openxmlformats.org/presentationml/2006/main">
   <p:cSld>
     <p:spTree>
@@ -11421,7 +11972,7 @@
 </p:sld>
 </file>
 
-<file path=ppt/slides/slide22.xml><?xml version="1.0" encoding="utf-8"?>
+<file path=ppt/slides/slide27.xml><?xml version="1.0" encoding="utf-8"?>
 <p:sld xmlns:a="http://schemas.openxmlformats.org/drawingml/2006/main" xmlns:r="http://schemas.openxmlformats.org/officeDocument/2006/relationships" xmlns:p="http://schemas.openxmlformats.org/presentationml/2006/main">
   <p:cSld>
     <p:spTree>
@@ -11536,7 +12087,7 @@
 </p:sld>
 </file>
 
-<file path=ppt/slides/slide23.xml><?xml version="1.0" encoding="utf-8"?>
+<file path=ppt/slides/slide28.xml><?xml version="1.0" encoding="utf-8"?>
 <p:sld xmlns:a="http://schemas.openxmlformats.org/drawingml/2006/main" xmlns:r="http://schemas.openxmlformats.org/officeDocument/2006/relationships" xmlns:p="http://schemas.openxmlformats.org/presentationml/2006/main">
   <p:cSld>
     <p:spTree>
@@ -11585,624 +12136,6 @@
     <p:extLst>
       <p:ext uri="{BB962C8B-B14F-4D97-AF65-F5344CB8AC3E}">
         <p14:creationId xmlns:p14="http://schemas.microsoft.com/office/powerpoint/2010/main" val="693232607"/>
-      </p:ext>
-    </p:extLst>
-  </p:cSld>
-  <p:clrMapOvr>
-    <a:masterClrMapping/>
-  </p:clrMapOvr>
-  <p:timing>
-    <p:tnLst>
-      <p:par>
-        <p:cTn id="1" dur="indefinite" restart="never" nodeType="tmRoot"/>
-      </p:par>
-    </p:tnLst>
-  </p:timing>
-</p:sld>
-</file>
-
-<file path=ppt/slides/slide24.xml><?xml version="1.0" encoding="utf-8"?>
-<p:sld xmlns:a="http://schemas.openxmlformats.org/drawingml/2006/main" xmlns:r="http://schemas.openxmlformats.org/officeDocument/2006/relationships" xmlns:p="http://schemas.openxmlformats.org/presentationml/2006/main">
-  <p:cSld>
-    <p:spTree>
-      <p:nvGrpSpPr>
-        <p:cNvPr id="1" name=""/>
-        <p:cNvGrpSpPr/>
-        <p:nvPr/>
-      </p:nvGrpSpPr>
-      <p:grpSpPr>
-        <a:xfrm>
-          <a:off x="0" y="0"/>
-          <a:ext cx="0" cy="0"/>
-          <a:chOff x="0" y="0"/>
-          <a:chExt cx="0" cy="0"/>
-        </a:xfrm>
-      </p:grpSpPr>
-      <p:sp>
-        <p:nvSpPr>
-          <p:cNvPr id="2" name="標題 1"/>
-          <p:cNvSpPr>
-            <a:spLocks noGrp="1"/>
-          </p:cNvSpPr>
-          <p:nvPr>
-            <p:ph type="title"/>
-          </p:nvPr>
-        </p:nvSpPr>
-        <p:spPr/>
-        <p:txBody>
-          <a:bodyPr/>
-          <a:lstStyle/>
-          <a:p>
-            <a:r>
-              <a:rPr lang="zh-TW" altLang="en-US" dirty="0" smtClean="0"/>
-              <a:t>功能介紹</a:t>
-            </a:r>
-            <a:endParaRPr lang="zh-TW" altLang="en-US" dirty="0"/>
-          </a:p>
-        </p:txBody>
-      </p:sp>
-      <p:sp>
-        <p:nvSpPr>
-          <p:cNvPr id="3" name="內容版面配置區 2"/>
-          <p:cNvSpPr>
-            <a:spLocks noGrp="1"/>
-          </p:cNvSpPr>
-          <p:nvPr>
-            <p:ph idx="1"/>
-          </p:nvPr>
-        </p:nvSpPr>
-        <p:spPr/>
-        <p:txBody>
-          <a:bodyPr>
-            <a:normAutofit/>
-          </a:bodyPr>
-          <a:lstStyle/>
-          <a:p>
-            <a:r>
-              <a:rPr lang="zh-TW" altLang="en-US" dirty="0" smtClean="0"/>
-              <a:t>身份驗證以及登入</a:t>
-            </a:r>
-            <a:endParaRPr lang="en-US" altLang="zh-TW" dirty="0" smtClean="0"/>
-          </a:p>
-          <a:p>
-            <a:pPr lvl="1"/>
-            <a:r>
-              <a:rPr lang="zh-TW" altLang="en-US" dirty="0" smtClean="0"/>
-              <a:t>資料庫存取</a:t>
-            </a:r>
-            <a:endParaRPr lang="en-US" altLang="zh-TW" dirty="0" smtClean="0"/>
-          </a:p>
-          <a:p>
-            <a:pPr lvl="1"/>
-            <a:r>
-              <a:rPr lang="en-US" altLang="zh-TW" dirty="0" smtClean="0"/>
-              <a:t>Session </a:t>
-            </a:r>
-            <a:r>
-              <a:rPr lang="zh-TW" altLang="en-US" dirty="0" smtClean="0"/>
-              <a:t>記錄</a:t>
-            </a:r>
-            <a:endParaRPr lang="en-US" altLang="zh-TW" dirty="0" smtClean="0"/>
-          </a:p>
-          <a:p>
-            <a:pPr lvl="1"/>
-            <a:r>
-              <a:rPr lang="zh-TW" altLang="en-US" dirty="0" smtClean="0"/>
-              <a:t>存</a:t>
-            </a:r>
-            <a:r>
-              <a:rPr lang="zh-TW" altLang="en-US" dirty="0"/>
-              <a:t>取控管</a:t>
-            </a:r>
-          </a:p>
-          <a:p>
-            <a:r>
-              <a:rPr lang="zh-TW" altLang="en-US" dirty="0"/>
-              <a:t>管理</a:t>
-            </a:r>
-            <a:r>
-              <a:rPr lang="zh-TW" altLang="en-US" dirty="0" smtClean="0"/>
-              <a:t>介面</a:t>
-            </a:r>
-            <a:endParaRPr lang="en-US" altLang="zh-TW" dirty="0" smtClean="0"/>
-          </a:p>
-          <a:p>
-            <a:pPr lvl="1"/>
-            <a:r>
-              <a:rPr lang="zh-TW" altLang="en-US" dirty="0" smtClean="0"/>
-              <a:t>使用者</a:t>
-            </a:r>
-            <a:endParaRPr lang="en-US" altLang="zh-TW" dirty="0" smtClean="0"/>
-          </a:p>
-          <a:p>
-            <a:pPr lvl="1"/>
-            <a:r>
-              <a:rPr lang="zh-TW" altLang="en-US" dirty="0" smtClean="0"/>
-              <a:t>設定</a:t>
-            </a:r>
-            <a:endParaRPr lang="en-US" altLang="zh-TW" dirty="0" smtClean="0"/>
-          </a:p>
-          <a:p>
-            <a:pPr lvl="1"/>
-            <a:r>
-              <a:rPr lang="zh-TW" altLang="en-US" dirty="0" smtClean="0"/>
-              <a:t>任務</a:t>
-            </a:r>
-            <a:r>
-              <a:rPr lang="zh-TW" altLang="en-US" dirty="0"/>
-              <a:t>管理</a:t>
-            </a:r>
-          </a:p>
-          <a:p>
-            <a:r>
-              <a:rPr lang="zh-TW" altLang="en-US" dirty="0" smtClean="0"/>
-              <a:t>稽核人員介面</a:t>
-            </a:r>
-            <a:endParaRPr lang="en-US" altLang="zh-TW" dirty="0" smtClean="0"/>
-          </a:p>
-          <a:p>
-            <a:pPr lvl="1"/>
-            <a:r>
-              <a:rPr lang="zh-TW" altLang="en-US" dirty="0" smtClean="0"/>
-              <a:t>稽核行事曆</a:t>
-            </a:r>
-            <a:endParaRPr lang="en-US" altLang="zh-TW" dirty="0"/>
-          </a:p>
-          <a:p>
-            <a:pPr lvl="1"/>
-            <a:r>
-              <a:rPr lang="zh-TW" altLang="en-US" dirty="0" smtClean="0"/>
-              <a:t>稽核報告填寫與暫存</a:t>
-            </a:r>
-            <a:endParaRPr lang="zh-TW" altLang="en-US" dirty="0"/>
-          </a:p>
-        </p:txBody>
-      </p:sp>
-    </p:spTree>
-    <p:extLst>
-      <p:ext uri="{BB962C8B-B14F-4D97-AF65-F5344CB8AC3E}">
-        <p14:creationId xmlns:p14="http://schemas.microsoft.com/office/powerpoint/2010/main" val="3227895633"/>
-      </p:ext>
-    </p:extLst>
-  </p:cSld>
-  <p:clrMapOvr>
-    <a:masterClrMapping/>
-  </p:clrMapOvr>
-  <p:timing>
-    <p:tnLst>
-      <p:par>
-        <p:cTn id="1" dur="indefinite" restart="never" nodeType="tmRoot"/>
-      </p:par>
-    </p:tnLst>
-  </p:timing>
-</p:sld>
-</file>
-
-<file path=ppt/slides/slide25.xml><?xml version="1.0" encoding="utf-8"?>
-<p:sld xmlns:a="http://schemas.openxmlformats.org/drawingml/2006/main" xmlns:r="http://schemas.openxmlformats.org/officeDocument/2006/relationships" xmlns:p="http://schemas.openxmlformats.org/presentationml/2006/main">
-  <p:cSld>
-    <p:spTree>
-      <p:nvGrpSpPr>
-        <p:cNvPr id="1" name=""/>
-        <p:cNvGrpSpPr/>
-        <p:nvPr/>
-      </p:nvGrpSpPr>
-      <p:grpSpPr>
-        <a:xfrm>
-          <a:off x="0" y="0"/>
-          <a:ext cx="0" cy="0"/>
-          <a:chOff x="0" y="0"/>
-          <a:chExt cx="0" cy="0"/>
-        </a:xfrm>
-      </p:grpSpPr>
-      <p:sp>
-        <p:nvSpPr>
-          <p:cNvPr id="2" name="標題 1"/>
-          <p:cNvSpPr>
-            <a:spLocks noGrp="1"/>
-          </p:cNvSpPr>
-          <p:nvPr>
-            <p:ph type="title"/>
-          </p:nvPr>
-        </p:nvSpPr>
-        <p:spPr/>
-        <p:txBody>
-          <a:bodyPr/>
-          <a:lstStyle/>
-          <a:p>
-            <a:r>
-              <a:rPr lang="zh-TW" altLang="en-US" dirty="0" smtClean="0"/>
-              <a:t>功能介紹</a:t>
-            </a:r>
-            <a:endParaRPr lang="zh-TW" altLang="en-US" dirty="0"/>
-          </a:p>
-        </p:txBody>
-      </p:sp>
-      <p:sp>
-        <p:nvSpPr>
-          <p:cNvPr id="3" name="內容版面配置區 2"/>
-          <p:cNvSpPr>
-            <a:spLocks noGrp="1"/>
-          </p:cNvSpPr>
-          <p:nvPr>
-            <p:ph idx="1"/>
-          </p:nvPr>
-        </p:nvSpPr>
-        <p:spPr/>
-        <p:txBody>
-          <a:bodyPr>
-            <a:normAutofit/>
-          </a:bodyPr>
-          <a:lstStyle/>
-          <a:p>
-            <a:r>
-              <a:rPr lang="zh-TW" altLang="en-US" dirty="0" smtClean="0"/>
-              <a:t>稽核以及矯正預防報告產生</a:t>
-            </a:r>
-            <a:endParaRPr lang="en-US" altLang="zh-TW" dirty="0" smtClean="0"/>
-          </a:p>
-          <a:p>
-            <a:pPr lvl="1"/>
-            <a:r>
-              <a:rPr lang="en-US" altLang="zh-TW" dirty="0" smtClean="0"/>
-              <a:t>PDF </a:t>
-            </a:r>
-            <a:r>
-              <a:rPr lang="zh-TW" altLang="en-US" dirty="0"/>
-              <a:t>產生器</a:t>
-            </a:r>
-          </a:p>
-          <a:p>
-            <a:r>
-              <a:rPr lang="zh-TW" altLang="en-US" dirty="0" smtClean="0"/>
-              <a:t>單位主管通知簽署</a:t>
-            </a:r>
-            <a:endParaRPr lang="en-US" altLang="zh-TW" dirty="0" smtClean="0"/>
-          </a:p>
-          <a:p>
-            <a:pPr lvl="1"/>
-            <a:r>
-              <a:rPr lang="zh-TW" altLang="en-US" dirty="0" smtClean="0"/>
-              <a:t>藉由信件寄送簽署連結以及稽核</a:t>
-            </a:r>
-            <a:r>
-              <a:rPr lang="zh-TW" altLang="en-US" dirty="0"/>
-              <a:t>報告 </a:t>
-            </a:r>
-            <a:r>
-              <a:rPr lang="en-US" altLang="zh-TW" dirty="0"/>
-              <a:t>PDF </a:t>
-            </a:r>
-            <a:r>
-              <a:rPr lang="zh-TW" altLang="en-US" dirty="0"/>
-              <a:t>給單位主管確認</a:t>
-            </a:r>
-          </a:p>
-          <a:p>
-            <a:r>
-              <a:rPr lang="zh-TW" altLang="en-US" dirty="0" smtClean="0"/>
-              <a:t>受稽單位介面</a:t>
-            </a:r>
-            <a:endParaRPr lang="en-US" altLang="zh-TW" dirty="0" smtClean="0"/>
-          </a:p>
-          <a:p>
-            <a:pPr lvl="1"/>
-            <a:r>
-              <a:rPr lang="zh-TW" altLang="en-US" dirty="0" smtClean="0"/>
-              <a:t>矯正預防報告填寫</a:t>
-            </a:r>
-            <a:r>
-              <a:rPr lang="zh-TW" altLang="en-US" dirty="0"/>
-              <a:t>或指定其他同仁填寫</a:t>
-            </a:r>
-          </a:p>
-        </p:txBody>
-      </p:sp>
-    </p:spTree>
-    <p:extLst>
-      <p:ext uri="{BB962C8B-B14F-4D97-AF65-F5344CB8AC3E}">
-        <p14:creationId xmlns:p14="http://schemas.microsoft.com/office/powerpoint/2010/main" val="950409900"/>
-      </p:ext>
-    </p:extLst>
-  </p:cSld>
-  <p:clrMapOvr>
-    <a:masterClrMapping/>
-  </p:clrMapOvr>
-  <p:timing>
-    <p:tnLst>
-      <p:par>
-        <p:cTn id="1" dur="indefinite" restart="never" nodeType="tmRoot"/>
-      </p:par>
-    </p:tnLst>
-  </p:timing>
-</p:sld>
-</file>
-
-<file path=ppt/slides/slide26.xml><?xml version="1.0" encoding="utf-8"?>
-<p:sld xmlns:a="http://schemas.openxmlformats.org/drawingml/2006/main" xmlns:r="http://schemas.openxmlformats.org/officeDocument/2006/relationships" xmlns:p="http://schemas.openxmlformats.org/presentationml/2006/main">
-  <p:cSld>
-    <p:spTree>
-      <p:nvGrpSpPr>
-        <p:cNvPr id="1" name=""/>
-        <p:cNvGrpSpPr/>
-        <p:nvPr/>
-      </p:nvGrpSpPr>
-      <p:grpSpPr>
-        <a:xfrm>
-          <a:off x="0" y="0"/>
-          <a:ext cx="0" cy="0"/>
-          <a:chOff x="0" y="0"/>
-          <a:chExt cx="0" cy="0"/>
-        </a:xfrm>
-      </p:grpSpPr>
-      <p:sp>
-        <p:nvSpPr>
-          <p:cNvPr id="4" name="標題 3"/>
-          <p:cNvSpPr>
-            <a:spLocks noGrp="1"/>
-          </p:cNvSpPr>
-          <p:nvPr>
-            <p:ph type="title"/>
-          </p:nvPr>
-        </p:nvSpPr>
-        <p:spPr>
-          <a:xfrm>
-            <a:off x="467544" y="2564904"/>
-            <a:ext cx="8229600" cy="1156990"/>
-          </a:xfrm>
-        </p:spPr>
-        <p:txBody>
-          <a:bodyPr/>
-          <a:lstStyle/>
-          <a:p>
-            <a:r>
-              <a:rPr lang="zh-TW" altLang="en-US" dirty="0" smtClean="0"/>
-              <a:t>管理介面</a:t>
-            </a:r>
-            <a:endParaRPr lang="en-US" altLang="zh-TW" dirty="0"/>
-          </a:p>
-        </p:txBody>
-      </p:sp>
-    </p:spTree>
-    <p:extLst>
-      <p:ext uri="{BB962C8B-B14F-4D97-AF65-F5344CB8AC3E}">
-        <p14:creationId xmlns:p14="http://schemas.microsoft.com/office/powerpoint/2010/main" val="1031223462"/>
-      </p:ext>
-    </p:extLst>
-  </p:cSld>
-  <p:clrMapOvr>
-    <a:masterClrMapping/>
-  </p:clrMapOvr>
-  <p:timing>
-    <p:tnLst>
-      <p:par>
-        <p:cTn id="1" dur="indefinite" restart="never" nodeType="tmRoot"/>
-      </p:par>
-    </p:tnLst>
-  </p:timing>
-</p:sld>
-</file>
-
-<file path=ppt/slides/slide27.xml><?xml version="1.0" encoding="utf-8"?>
-<p:sld xmlns:a="http://schemas.openxmlformats.org/drawingml/2006/main" xmlns:r="http://schemas.openxmlformats.org/officeDocument/2006/relationships" xmlns:p="http://schemas.openxmlformats.org/presentationml/2006/main">
-  <p:cSld>
-    <p:spTree>
-      <p:nvGrpSpPr>
-        <p:cNvPr id="1" name=""/>
-        <p:cNvGrpSpPr/>
-        <p:nvPr/>
-      </p:nvGrpSpPr>
-      <p:grpSpPr>
-        <a:xfrm>
-          <a:off x="0" y="0"/>
-          <a:ext cx="0" cy="0"/>
-          <a:chOff x="0" y="0"/>
-          <a:chExt cx="0" cy="0"/>
-        </a:xfrm>
-      </p:grpSpPr>
-      <p:sp>
-        <p:nvSpPr>
-          <p:cNvPr id="2" name="標題 1"/>
-          <p:cNvSpPr>
-            <a:spLocks noGrp="1"/>
-          </p:cNvSpPr>
-          <p:nvPr>
-            <p:ph type="title"/>
-          </p:nvPr>
-        </p:nvSpPr>
-        <p:spPr/>
-        <p:txBody>
-          <a:bodyPr/>
-          <a:lstStyle/>
-          <a:p>
-            <a:r>
-              <a:rPr kumimoji="1" lang="zh-TW" altLang="en-US" dirty="0" smtClean="0"/>
-              <a:t>行事曆</a:t>
-            </a:r>
-            <a:endParaRPr kumimoji="1" lang="zh-TW" altLang="en-US" dirty="0"/>
-          </a:p>
-        </p:txBody>
-      </p:sp>
-      <p:sp>
-        <p:nvSpPr>
-          <p:cNvPr id="3" name="內容版面配置區 2"/>
-          <p:cNvSpPr>
-            <a:spLocks noGrp="1"/>
-          </p:cNvSpPr>
-          <p:nvPr>
-            <p:ph idx="1"/>
-          </p:nvPr>
-        </p:nvSpPr>
-        <p:spPr/>
-        <p:txBody>
-          <a:bodyPr/>
-          <a:lstStyle/>
-          <a:p>
-            <a:r>
-              <a:rPr kumimoji="1" lang="zh-TW" altLang="en-US" dirty="0"/>
-              <a:t>使用 </a:t>
-            </a:r>
-            <a:r>
-              <a:rPr kumimoji="1" lang="en-US" altLang="zh-TW" dirty="0" err="1"/>
-              <a:t>FullCalendar</a:t>
-            </a:r>
-            <a:r>
-              <a:rPr kumimoji="1" lang="zh-TW" altLang="en-US" dirty="0"/>
-              <a:t>，一個開源的 </a:t>
-            </a:r>
-            <a:r>
-              <a:rPr kumimoji="1" lang="en-US" altLang="zh-TW" dirty="0"/>
-              <a:t>JavaScript </a:t>
-            </a:r>
-            <a:r>
-              <a:rPr kumimoji="1" lang="zh-TW" altLang="en-US" dirty="0"/>
-              <a:t>行事曆套件。</a:t>
-            </a:r>
-            <a:endParaRPr kumimoji="1" lang="en-US" altLang="zh-TW" dirty="0" smtClean="0"/>
-          </a:p>
-          <a:p>
-            <a:r>
-              <a:rPr kumimoji="1" lang="zh-TW" altLang="en-US" dirty="0" smtClean="0"/>
-              <a:t>透過 </a:t>
-            </a:r>
-            <a:r>
-              <a:rPr kumimoji="1" lang="en-US" altLang="zh-TW" dirty="0" smtClean="0"/>
-              <a:t>PHP </a:t>
-            </a:r>
-            <a:r>
-              <a:rPr kumimoji="1" lang="zh-TW" altLang="en-US" dirty="0" smtClean="0"/>
-              <a:t>從資料庫拿取資料給前端，再藉由 </a:t>
-            </a:r>
-            <a:r>
-              <a:rPr kumimoji="1" lang="en-US" altLang="zh-TW" dirty="0" smtClean="0"/>
-              <a:t>JavaScript </a:t>
-            </a:r>
-            <a:r>
-              <a:rPr kumimoji="1" lang="zh-TW" altLang="en-US" dirty="0" smtClean="0"/>
-              <a:t>將事件渲染至頁面上。</a:t>
-            </a:r>
-            <a:endParaRPr kumimoji="1" lang="en-US" altLang="zh-TW" dirty="0" smtClean="0"/>
-          </a:p>
-          <a:p>
-            <a:endParaRPr kumimoji="1" lang="en-US" altLang="zh-TW" dirty="0" smtClean="0"/>
-          </a:p>
-          <a:p>
-            <a:r>
-              <a:rPr kumimoji="1" lang="zh-TW" altLang="en-US" dirty="0" smtClean="0"/>
-              <a:t>行事曆上會顯示稽核</a:t>
-            </a:r>
-            <a:r>
-              <a:rPr kumimoji="1" lang="zh-TW" altLang="en-US" dirty="0"/>
-              <a:t>開始時間、稽核員與受稽單位，且顯示的最小單位可到一天的某分鐘。</a:t>
-            </a:r>
-            <a:endParaRPr kumimoji="1" lang="en-US" altLang="zh-Hant" dirty="0" smtClean="0"/>
-          </a:p>
-          <a:p>
-            <a:endParaRPr kumimoji="1" lang="en-US" altLang="zh-TW" dirty="0" smtClean="0"/>
-          </a:p>
-          <a:p>
-            <a:r>
-              <a:rPr kumimoji="1" lang="zh-TW" altLang="en-US" dirty="0" smtClean="0"/>
-              <a:t>（不確定要不要這頁）</a:t>
-            </a:r>
-            <a:endParaRPr kumimoji="1" lang="zh-TW" altLang="en-US" dirty="0"/>
-          </a:p>
-        </p:txBody>
-      </p:sp>
-    </p:spTree>
-    <p:extLst>
-      <p:ext uri="{BB962C8B-B14F-4D97-AF65-F5344CB8AC3E}">
-        <p14:creationId xmlns:p14="http://schemas.microsoft.com/office/powerpoint/2010/main" val="2139351975"/>
-      </p:ext>
-    </p:extLst>
-  </p:cSld>
-  <p:clrMapOvr>
-    <a:masterClrMapping/>
-  </p:clrMapOvr>
-  <p:timing>
-    <p:tnLst>
-      <p:par>
-        <p:cTn id="1" dur="indefinite" restart="never" nodeType="tmRoot"/>
-      </p:par>
-    </p:tnLst>
-  </p:timing>
-</p:sld>
-</file>
-
-<file path=ppt/slides/slide28.xml><?xml version="1.0" encoding="utf-8"?>
-<p:sld xmlns:a="http://schemas.openxmlformats.org/drawingml/2006/main" xmlns:r="http://schemas.openxmlformats.org/officeDocument/2006/relationships" xmlns:p="http://schemas.openxmlformats.org/presentationml/2006/main">
-  <p:cSld>
-    <p:spTree>
-      <p:nvGrpSpPr>
-        <p:cNvPr id="1" name=""/>
-        <p:cNvGrpSpPr/>
-        <p:nvPr/>
-      </p:nvGrpSpPr>
-      <p:grpSpPr>
-        <a:xfrm>
-          <a:off x="0" y="0"/>
-          <a:ext cx="0" cy="0"/>
-          <a:chOff x="0" y="0"/>
-          <a:chExt cx="0" cy="0"/>
-        </a:xfrm>
-      </p:grpSpPr>
-      <p:sp>
-        <p:nvSpPr>
-          <p:cNvPr id="2" name="標題 1"/>
-          <p:cNvSpPr>
-            <a:spLocks noGrp="1"/>
-          </p:cNvSpPr>
-          <p:nvPr>
-            <p:ph type="title"/>
-          </p:nvPr>
-        </p:nvSpPr>
-        <p:spPr/>
-        <p:txBody>
-          <a:bodyPr/>
-          <a:lstStyle/>
-          <a:p>
-            <a:r>
-              <a:rPr kumimoji="1" lang="zh-TW" altLang="en-US" dirty="0" smtClean="0"/>
-              <a:t>行事曆</a:t>
-            </a:r>
-            <a:endParaRPr kumimoji="1" lang="zh-TW" altLang="en-US" dirty="0"/>
-          </a:p>
-        </p:txBody>
-      </p:sp>
-      <p:pic>
-        <p:nvPicPr>
-          <p:cNvPr id="7" name="圖片 6" descr="Untitled1.gif"/>
-          <p:cNvPicPr>
-            <a:picLocks noChangeAspect="1"/>
-          </p:cNvPicPr>
-          <p:nvPr/>
-        </p:nvPicPr>
-        <p:blipFill>
-          <a:blip r:embed="rId3">
-            <a:extLst>
-              <a:ext uri="{28A0092B-C50C-407E-A947-70E740481C1C}">
-                <a14:useLocalDpi xmlns:a14="http://schemas.microsoft.com/office/drawing/2010/main" val="0"/>
-              </a:ext>
-            </a:extLst>
-          </a:blip>
-          <a:stretch>
-            <a:fillRect/>
-          </a:stretch>
-        </p:blipFill>
-        <p:spPr>
-          <a:xfrm>
-            <a:off x="1115616" y="1368152"/>
-            <a:ext cx="6503475" cy="5373216"/>
-          </a:xfrm>
-          <a:prstGeom prst="rect">
-            <a:avLst/>
-          </a:prstGeom>
-        </p:spPr>
-      </p:pic>
-    </p:spTree>
-    <p:extLst>
-      <p:ext uri="{BB962C8B-B14F-4D97-AF65-F5344CB8AC3E}">
-        <p14:creationId xmlns:p14="http://schemas.microsoft.com/office/powerpoint/2010/main" val="2303482676"/>
       </p:ext>
     </p:extLst>
   </p:cSld>
@@ -12252,16 +12185,16 @@
           <a:lstStyle/>
           <a:p>
             <a:r>
-              <a:rPr kumimoji="1" lang="zh-TW" altLang="en-US" dirty="0" smtClean="0"/>
-              <a:t>篩選器</a:t>
-            </a:r>
-            <a:endParaRPr kumimoji="1" lang="zh-TW" altLang="en-US" dirty="0"/>
+              <a:rPr lang="zh-TW" altLang="en-US" dirty="0" smtClean="0"/>
+              <a:t>功能介紹</a:t>
+            </a:r>
+            <a:endParaRPr lang="zh-TW" altLang="en-US" dirty="0"/>
           </a:p>
         </p:txBody>
       </p:sp>
       <p:sp>
         <p:nvSpPr>
-          <p:cNvPr id="7" name="內容版面配置區 6"/>
+          <p:cNvPr id="3" name="內容版面配置區 2"/>
           <p:cNvSpPr>
             <a:spLocks noGrp="1"/>
           </p:cNvSpPr>
@@ -12271,47 +12204,115 @@
         </p:nvSpPr>
         <p:spPr/>
         <p:txBody>
-          <a:bodyPr/>
+          <a:bodyPr>
+            <a:normAutofit/>
+          </a:bodyPr>
           <a:lstStyle/>
           <a:p>
-            <a:endParaRPr kumimoji="1" lang="zh-TW" altLang="en-US" dirty="0"/>
+            <a:r>
+              <a:rPr lang="zh-TW" altLang="en-US" dirty="0" smtClean="0"/>
+              <a:t>身份驗證以及登入</a:t>
+            </a:r>
+            <a:endParaRPr lang="en-US" altLang="zh-TW" dirty="0" smtClean="0"/>
+          </a:p>
+          <a:p>
+            <a:pPr lvl="1"/>
+            <a:r>
+              <a:rPr lang="zh-TW" altLang="en-US" dirty="0" smtClean="0"/>
+              <a:t>資料庫存取</a:t>
+            </a:r>
+            <a:endParaRPr lang="en-US" altLang="zh-TW" dirty="0" smtClean="0"/>
+          </a:p>
+          <a:p>
+            <a:pPr lvl="1"/>
+            <a:r>
+              <a:rPr lang="en-US" altLang="zh-TW" dirty="0" smtClean="0"/>
+              <a:t>Session </a:t>
+            </a:r>
+            <a:r>
+              <a:rPr lang="zh-TW" altLang="en-US" dirty="0" smtClean="0"/>
+              <a:t>記錄</a:t>
+            </a:r>
+            <a:endParaRPr lang="en-US" altLang="zh-TW" dirty="0" smtClean="0"/>
+          </a:p>
+          <a:p>
+            <a:pPr lvl="1"/>
+            <a:r>
+              <a:rPr lang="zh-TW" altLang="en-US" dirty="0" smtClean="0"/>
+              <a:t>存</a:t>
+            </a:r>
+            <a:r>
+              <a:rPr lang="zh-TW" altLang="en-US" dirty="0"/>
+              <a:t>取控管</a:t>
+            </a:r>
+          </a:p>
+          <a:p>
+            <a:r>
+              <a:rPr lang="zh-TW" altLang="en-US" dirty="0"/>
+              <a:t>管理</a:t>
+            </a:r>
+            <a:r>
+              <a:rPr lang="zh-TW" altLang="en-US" dirty="0" smtClean="0"/>
+              <a:t>介面</a:t>
+            </a:r>
+            <a:endParaRPr lang="en-US" altLang="zh-TW" dirty="0" smtClean="0"/>
+          </a:p>
+          <a:p>
+            <a:pPr lvl="1"/>
+            <a:r>
+              <a:rPr lang="zh-TW" altLang="en-US" dirty="0" smtClean="0"/>
+              <a:t>使用者</a:t>
+            </a:r>
+            <a:endParaRPr lang="en-US" altLang="zh-TW" dirty="0" smtClean="0"/>
+          </a:p>
+          <a:p>
+            <a:pPr lvl="1"/>
+            <a:r>
+              <a:rPr lang="zh-TW" altLang="en-US" dirty="0" smtClean="0"/>
+              <a:t>設定</a:t>
+            </a:r>
+            <a:endParaRPr lang="en-US" altLang="zh-TW" dirty="0" smtClean="0"/>
+          </a:p>
+          <a:p>
+            <a:pPr lvl="1"/>
+            <a:r>
+              <a:rPr lang="zh-TW" altLang="en-US" dirty="0" smtClean="0"/>
+              <a:t>任務</a:t>
+            </a:r>
+            <a:r>
+              <a:rPr lang="zh-TW" altLang="en-US" dirty="0"/>
+              <a:t>管理</a:t>
+            </a:r>
+          </a:p>
+          <a:p>
+            <a:r>
+              <a:rPr lang="zh-TW" altLang="en-US" dirty="0" smtClean="0"/>
+              <a:t>稽核人員介面</a:t>
+            </a:r>
+            <a:endParaRPr lang="en-US" altLang="zh-TW" dirty="0" smtClean="0"/>
+          </a:p>
+          <a:p>
+            <a:pPr lvl="1"/>
+            <a:r>
+              <a:rPr lang="zh-TW" altLang="en-US" dirty="0" smtClean="0"/>
+              <a:t>稽核行事曆</a:t>
+            </a:r>
+            <a:endParaRPr lang="en-US" altLang="zh-TW" dirty="0"/>
+          </a:p>
+          <a:p>
+            <a:pPr lvl="1"/>
+            <a:r>
+              <a:rPr lang="zh-TW" altLang="en-US" dirty="0" smtClean="0"/>
+              <a:t>稽核報告填寫與暫存</a:t>
+            </a:r>
+            <a:endParaRPr lang="zh-TW" altLang="en-US" dirty="0"/>
           </a:p>
         </p:txBody>
       </p:sp>
-      <p:pic>
-        <p:nvPicPr>
-          <p:cNvPr id="6" name="圖片 5" descr="Untitled.gif"/>
-          <p:cNvPicPr>
-            <a:picLocks noChangeAspect="1"/>
-          </p:cNvPicPr>
-          <p:nvPr/>
-        </p:nvPicPr>
-        <p:blipFill>
-          <a:blip r:embed="rId3">
-            <a:extLst>
-              <a:ext uri="{28A0092B-C50C-407E-A947-70E740481C1C}">
-                <a14:useLocalDpi xmlns:a14="http://schemas.microsoft.com/office/drawing/2010/main" val="0"/>
-              </a:ext>
-            </a:extLst>
-          </a:blip>
-          <a:stretch>
-            <a:fillRect/>
-          </a:stretch>
-        </p:blipFill>
-        <p:spPr>
-          <a:xfrm>
-            <a:off x="323528" y="1988840"/>
-            <a:ext cx="7991872" cy="3995936"/>
-          </a:xfrm>
-          <a:prstGeom prst="rect">
-            <a:avLst/>
-          </a:prstGeom>
-        </p:spPr>
-      </p:pic>
     </p:spTree>
     <p:extLst>
       <p:ext uri="{BB962C8B-B14F-4D97-AF65-F5344CB8AC3E}">
-        <p14:creationId xmlns:p14="http://schemas.microsoft.com/office/powerpoint/2010/main" val="3445478445"/>
+        <p14:creationId xmlns:p14="http://schemas.microsoft.com/office/powerpoint/2010/main" val="3227895633"/>
       </p:ext>
     </p:extLst>
   </p:cSld>
@@ -12744,6 +12745,556 @@
       </p:grpSpPr>
       <p:sp>
         <p:nvSpPr>
+          <p:cNvPr id="2" name="標題 1"/>
+          <p:cNvSpPr>
+            <a:spLocks noGrp="1"/>
+          </p:cNvSpPr>
+          <p:nvPr>
+            <p:ph type="title"/>
+          </p:nvPr>
+        </p:nvSpPr>
+        <p:spPr/>
+        <p:txBody>
+          <a:bodyPr/>
+          <a:lstStyle/>
+          <a:p>
+            <a:r>
+              <a:rPr lang="zh-TW" altLang="en-US" dirty="0" smtClean="0"/>
+              <a:t>功能介紹</a:t>
+            </a:r>
+            <a:endParaRPr lang="zh-TW" altLang="en-US" dirty="0"/>
+          </a:p>
+        </p:txBody>
+      </p:sp>
+      <p:sp>
+        <p:nvSpPr>
+          <p:cNvPr id="3" name="內容版面配置區 2"/>
+          <p:cNvSpPr>
+            <a:spLocks noGrp="1"/>
+          </p:cNvSpPr>
+          <p:nvPr>
+            <p:ph idx="1"/>
+          </p:nvPr>
+        </p:nvSpPr>
+        <p:spPr/>
+        <p:txBody>
+          <a:bodyPr>
+            <a:normAutofit/>
+          </a:bodyPr>
+          <a:lstStyle/>
+          <a:p>
+            <a:r>
+              <a:rPr lang="zh-TW" altLang="en-US" dirty="0" smtClean="0"/>
+              <a:t>稽核以及矯正預防報告產生</a:t>
+            </a:r>
+            <a:endParaRPr lang="en-US" altLang="zh-TW" dirty="0" smtClean="0"/>
+          </a:p>
+          <a:p>
+            <a:pPr lvl="1"/>
+            <a:r>
+              <a:rPr lang="en-US" altLang="zh-TW" dirty="0" smtClean="0"/>
+              <a:t>PDF </a:t>
+            </a:r>
+            <a:r>
+              <a:rPr lang="zh-TW" altLang="en-US" dirty="0"/>
+              <a:t>產生器</a:t>
+            </a:r>
+          </a:p>
+          <a:p>
+            <a:r>
+              <a:rPr lang="zh-TW" altLang="en-US" dirty="0" smtClean="0"/>
+              <a:t>單位主管通知簽署</a:t>
+            </a:r>
+            <a:endParaRPr lang="en-US" altLang="zh-TW" dirty="0" smtClean="0"/>
+          </a:p>
+          <a:p>
+            <a:pPr lvl="1"/>
+            <a:r>
+              <a:rPr lang="zh-TW" altLang="en-US" dirty="0" smtClean="0"/>
+              <a:t>藉由信件寄送簽署連結以及稽核</a:t>
+            </a:r>
+            <a:r>
+              <a:rPr lang="zh-TW" altLang="en-US" dirty="0"/>
+              <a:t>報告 </a:t>
+            </a:r>
+            <a:r>
+              <a:rPr lang="en-US" altLang="zh-TW" dirty="0"/>
+              <a:t>PDF </a:t>
+            </a:r>
+            <a:r>
+              <a:rPr lang="zh-TW" altLang="en-US" dirty="0"/>
+              <a:t>給單位主管確認</a:t>
+            </a:r>
+          </a:p>
+          <a:p>
+            <a:r>
+              <a:rPr lang="zh-TW" altLang="en-US" dirty="0" smtClean="0"/>
+              <a:t>受稽單位介面</a:t>
+            </a:r>
+            <a:endParaRPr lang="en-US" altLang="zh-TW" dirty="0" smtClean="0"/>
+          </a:p>
+          <a:p>
+            <a:pPr lvl="1"/>
+            <a:r>
+              <a:rPr lang="zh-TW" altLang="en-US" dirty="0" smtClean="0"/>
+              <a:t>矯正預防報告填寫</a:t>
+            </a:r>
+            <a:r>
+              <a:rPr lang="zh-TW" altLang="en-US" dirty="0"/>
+              <a:t>或指定其他同仁填寫</a:t>
+            </a:r>
+          </a:p>
+        </p:txBody>
+      </p:sp>
+    </p:spTree>
+    <p:extLst>
+      <p:ext uri="{BB962C8B-B14F-4D97-AF65-F5344CB8AC3E}">
+        <p14:creationId xmlns:p14="http://schemas.microsoft.com/office/powerpoint/2010/main" val="950409900"/>
+      </p:ext>
+    </p:extLst>
+  </p:cSld>
+  <p:clrMapOvr>
+    <a:masterClrMapping/>
+  </p:clrMapOvr>
+  <p:timing>
+    <p:tnLst>
+      <p:par>
+        <p:cTn id="1" dur="indefinite" restart="never" nodeType="tmRoot"/>
+      </p:par>
+    </p:tnLst>
+  </p:timing>
+</p:sld>
+</file>
+
+<file path=ppt/slides/slide31.xml><?xml version="1.0" encoding="utf-8"?>
+<p:sld xmlns:a="http://schemas.openxmlformats.org/drawingml/2006/main" xmlns:r="http://schemas.openxmlformats.org/officeDocument/2006/relationships" xmlns:p="http://schemas.openxmlformats.org/presentationml/2006/main">
+  <p:cSld>
+    <p:spTree>
+      <p:nvGrpSpPr>
+        <p:cNvPr id="1" name=""/>
+        <p:cNvGrpSpPr/>
+        <p:nvPr/>
+      </p:nvGrpSpPr>
+      <p:grpSpPr>
+        <a:xfrm>
+          <a:off x="0" y="0"/>
+          <a:ext cx="0" cy="0"/>
+          <a:chOff x="0" y="0"/>
+          <a:chExt cx="0" cy="0"/>
+        </a:xfrm>
+      </p:grpSpPr>
+      <p:sp>
+        <p:nvSpPr>
+          <p:cNvPr id="4" name="標題 3"/>
+          <p:cNvSpPr>
+            <a:spLocks noGrp="1"/>
+          </p:cNvSpPr>
+          <p:nvPr>
+            <p:ph type="title"/>
+          </p:nvPr>
+        </p:nvSpPr>
+        <p:spPr>
+          <a:xfrm>
+            <a:off x="467544" y="2564904"/>
+            <a:ext cx="8229600" cy="1156990"/>
+          </a:xfrm>
+        </p:spPr>
+        <p:txBody>
+          <a:bodyPr/>
+          <a:lstStyle/>
+          <a:p>
+            <a:r>
+              <a:rPr lang="zh-TW" altLang="en-US" dirty="0" smtClean="0"/>
+              <a:t>管理介面</a:t>
+            </a:r>
+            <a:endParaRPr lang="en-US" altLang="zh-TW" dirty="0"/>
+          </a:p>
+        </p:txBody>
+      </p:sp>
+    </p:spTree>
+    <p:extLst>
+      <p:ext uri="{BB962C8B-B14F-4D97-AF65-F5344CB8AC3E}">
+        <p14:creationId xmlns:p14="http://schemas.microsoft.com/office/powerpoint/2010/main" val="1031223462"/>
+      </p:ext>
+    </p:extLst>
+  </p:cSld>
+  <p:clrMapOvr>
+    <a:masterClrMapping/>
+  </p:clrMapOvr>
+  <p:timing>
+    <p:tnLst>
+      <p:par>
+        <p:cTn id="1" dur="indefinite" restart="never" nodeType="tmRoot"/>
+      </p:par>
+    </p:tnLst>
+  </p:timing>
+</p:sld>
+</file>
+
+<file path=ppt/slides/slide32.xml><?xml version="1.0" encoding="utf-8"?>
+<p:sld xmlns:a="http://schemas.openxmlformats.org/drawingml/2006/main" xmlns:r="http://schemas.openxmlformats.org/officeDocument/2006/relationships" xmlns:p="http://schemas.openxmlformats.org/presentationml/2006/main">
+  <p:cSld>
+    <p:spTree>
+      <p:nvGrpSpPr>
+        <p:cNvPr id="1" name=""/>
+        <p:cNvGrpSpPr/>
+        <p:nvPr/>
+      </p:nvGrpSpPr>
+      <p:grpSpPr>
+        <a:xfrm>
+          <a:off x="0" y="0"/>
+          <a:ext cx="0" cy="0"/>
+          <a:chOff x="0" y="0"/>
+          <a:chExt cx="0" cy="0"/>
+        </a:xfrm>
+      </p:grpSpPr>
+      <p:sp>
+        <p:nvSpPr>
+          <p:cNvPr id="2" name="標題 1"/>
+          <p:cNvSpPr>
+            <a:spLocks noGrp="1"/>
+          </p:cNvSpPr>
+          <p:nvPr>
+            <p:ph type="title"/>
+          </p:nvPr>
+        </p:nvSpPr>
+        <p:spPr/>
+        <p:txBody>
+          <a:bodyPr/>
+          <a:lstStyle/>
+          <a:p>
+            <a:r>
+              <a:rPr kumimoji="1" lang="zh-TW" altLang="en-US" dirty="0" smtClean="0"/>
+              <a:t>行事曆</a:t>
+            </a:r>
+            <a:endParaRPr kumimoji="1" lang="zh-TW" altLang="en-US" dirty="0"/>
+          </a:p>
+        </p:txBody>
+      </p:sp>
+      <p:sp>
+        <p:nvSpPr>
+          <p:cNvPr id="3" name="內容版面配置區 2"/>
+          <p:cNvSpPr>
+            <a:spLocks noGrp="1"/>
+          </p:cNvSpPr>
+          <p:nvPr>
+            <p:ph idx="1"/>
+          </p:nvPr>
+        </p:nvSpPr>
+        <p:spPr/>
+        <p:txBody>
+          <a:bodyPr/>
+          <a:lstStyle/>
+          <a:p>
+            <a:r>
+              <a:rPr kumimoji="1" lang="zh-TW" altLang="en-US" dirty="0"/>
+              <a:t>使用 </a:t>
+            </a:r>
+            <a:r>
+              <a:rPr kumimoji="1" lang="en-US" altLang="zh-TW" dirty="0" err="1"/>
+              <a:t>FullCalendar</a:t>
+            </a:r>
+            <a:r>
+              <a:rPr kumimoji="1" lang="zh-TW" altLang="en-US" dirty="0"/>
+              <a:t>，一個開源的 </a:t>
+            </a:r>
+            <a:r>
+              <a:rPr kumimoji="1" lang="en-US" altLang="zh-TW" dirty="0"/>
+              <a:t>JavaScript </a:t>
+            </a:r>
+            <a:r>
+              <a:rPr kumimoji="1" lang="zh-TW" altLang="en-US" dirty="0"/>
+              <a:t>行事曆套件。</a:t>
+            </a:r>
+            <a:endParaRPr kumimoji="1" lang="en-US" altLang="zh-TW" dirty="0" smtClean="0"/>
+          </a:p>
+          <a:p>
+            <a:r>
+              <a:rPr kumimoji="1" lang="zh-TW" altLang="en-US" dirty="0" smtClean="0"/>
+              <a:t>透過 </a:t>
+            </a:r>
+            <a:r>
+              <a:rPr kumimoji="1" lang="en-US" altLang="zh-TW" dirty="0" smtClean="0"/>
+              <a:t>PHP </a:t>
+            </a:r>
+            <a:r>
+              <a:rPr kumimoji="1" lang="zh-TW" altLang="en-US" dirty="0" smtClean="0"/>
+              <a:t>從資料庫拿取資料給前端，再藉由 </a:t>
+            </a:r>
+            <a:r>
+              <a:rPr kumimoji="1" lang="en-US" altLang="zh-TW" dirty="0" smtClean="0"/>
+              <a:t>JavaScript </a:t>
+            </a:r>
+            <a:r>
+              <a:rPr kumimoji="1" lang="zh-TW" altLang="en-US" dirty="0" smtClean="0"/>
+              <a:t>將事件渲染至頁面上。</a:t>
+            </a:r>
+            <a:endParaRPr kumimoji="1" lang="en-US" altLang="zh-TW" dirty="0" smtClean="0"/>
+          </a:p>
+          <a:p>
+            <a:endParaRPr kumimoji="1" lang="en-US" altLang="zh-TW" dirty="0" smtClean="0"/>
+          </a:p>
+          <a:p>
+            <a:r>
+              <a:rPr kumimoji="1" lang="zh-TW" altLang="en-US" dirty="0" smtClean="0"/>
+              <a:t>行事曆上會顯示稽核</a:t>
+            </a:r>
+            <a:r>
+              <a:rPr kumimoji="1" lang="zh-TW" altLang="en-US" dirty="0"/>
+              <a:t>開始時間、稽核員與受稽單位，且顯示的最小單位可到一天的某分鐘。</a:t>
+            </a:r>
+            <a:endParaRPr kumimoji="1" lang="en-US" altLang="zh-Hant" dirty="0" smtClean="0"/>
+          </a:p>
+          <a:p>
+            <a:endParaRPr kumimoji="1" lang="en-US" altLang="zh-TW" dirty="0" smtClean="0"/>
+          </a:p>
+          <a:p>
+            <a:r>
+              <a:rPr kumimoji="1" lang="zh-TW" altLang="en-US" dirty="0" smtClean="0"/>
+              <a:t>（不確定要不要這頁）</a:t>
+            </a:r>
+            <a:endParaRPr kumimoji="1" lang="zh-TW" altLang="en-US" dirty="0"/>
+          </a:p>
+        </p:txBody>
+      </p:sp>
+    </p:spTree>
+    <p:extLst>
+      <p:ext uri="{BB962C8B-B14F-4D97-AF65-F5344CB8AC3E}">
+        <p14:creationId xmlns:p14="http://schemas.microsoft.com/office/powerpoint/2010/main" val="2139351975"/>
+      </p:ext>
+    </p:extLst>
+  </p:cSld>
+  <p:clrMapOvr>
+    <a:masterClrMapping/>
+  </p:clrMapOvr>
+  <p:timing>
+    <p:tnLst>
+      <p:par>
+        <p:cTn id="1" dur="indefinite" restart="never" nodeType="tmRoot"/>
+      </p:par>
+    </p:tnLst>
+  </p:timing>
+</p:sld>
+</file>
+
+<file path=ppt/slides/slide33.xml><?xml version="1.0" encoding="utf-8"?>
+<p:sld xmlns:a="http://schemas.openxmlformats.org/drawingml/2006/main" xmlns:r="http://schemas.openxmlformats.org/officeDocument/2006/relationships" xmlns:p="http://schemas.openxmlformats.org/presentationml/2006/main">
+  <p:cSld>
+    <p:spTree>
+      <p:nvGrpSpPr>
+        <p:cNvPr id="1" name=""/>
+        <p:cNvGrpSpPr/>
+        <p:nvPr/>
+      </p:nvGrpSpPr>
+      <p:grpSpPr>
+        <a:xfrm>
+          <a:off x="0" y="0"/>
+          <a:ext cx="0" cy="0"/>
+          <a:chOff x="0" y="0"/>
+          <a:chExt cx="0" cy="0"/>
+        </a:xfrm>
+      </p:grpSpPr>
+      <p:sp>
+        <p:nvSpPr>
+          <p:cNvPr id="2" name="標題 1"/>
+          <p:cNvSpPr>
+            <a:spLocks noGrp="1"/>
+          </p:cNvSpPr>
+          <p:nvPr>
+            <p:ph type="title"/>
+          </p:nvPr>
+        </p:nvSpPr>
+        <p:spPr/>
+        <p:txBody>
+          <a:bodyPr/>
+          <a:lstStyle/>
+          <a:p>
+            <a:r>
+              <a:rPr kumimoji="1" lang="zh-TW" altLang="en-US" dirty="0" smtClean="0"/>
+              <a:t>行事曆</a:t>
+            </a:r>
+            <a:endParaRPr kumimoji="1" lang="zh-TW" altLang="en-US" dirty="0"/>
+          </a:p>
+        </p:txBody>
+      </p:sp>
+      <p:pic>
+        <p:nvPicPr>
+          <p:cNvPr id="7" name="圖片 6" descr="Untitled1.gif"/>
+          <p:cNvPicPr>
+            <a:picLocks noChangeAspect="1"/>
+          </p:cNvPicPr>
+          <p:nvPr/>
+        </p:nvPicPr>
+        <p:blipFill>
+          <a:blip r:embed="rId3">
+            <a:extLst>
+              <a:ext uri="{28A0092B-C50C-407E-A947-70E740481C1C}">
+                <a14:useLocalDpi xmlns:a14="http://schemas.microsoft.com/office/drawing/2010/main" val="0"/>
+              </a:ext>
+            </a:extLst>
+          </a:blip>
+          <a:stretch>
+            <a:fillRect/>
+          </a:stretch>
+        </p:blipFill>
+        <p:spPr>
+          <a:xfrm>
+            <a:off x="1115616" y="1368152"/>
+            <a:ext cx="6503475" cy="5373216"/>
+          </a:xfrm>
+          <a:prstGeom prst="rect">
+            <a:avLst/>
+          </a:prstGeom>
+        </p:spPr>
+      </p:pic>
+    </p:spTree>
+    <p:extLst>
+      <p:ext uri="{BB962C8B-B14F-4D97-AF65-F5344CB8AC3E}">
+        <p14:creationId xmlns:p14="http://schemas.microsoft.com/office/powerpoint/2010/main" val="2303482676"/>
+      </p:ext>
+    </p:extLst>
+  </p:cSld>
+  <p:clrMapOvr>
+    <a:masterClrMapping/>
+  </p:clrMapOvr>
+  <p:timing>
+    <p:tnLst>
+      <p:par>
+        <p:cTn id="1" dur="indefinite" restart="never" nodeType="tmRoot"/>
+      </p:par>
+    </p:tnLst>
+  </p:timing>
+</p:sld>
+</file>
+
+<file path=ppt/slides/slide34.xml><?xml version="1.0" encoding="utf-8"?>
+<p:sld xmlns:a="http://schemas.openxmlformats.org/drawingml/2006/main" xmlns:r="http://schemas.openxmlformats.org/officeDocument/2006/relationships" xmlns:p="http://schemas.openxmlformats.org/presentationml/2006/main">
+  <p:cSld>
+    <p:spTree>
+      <p:nvGrpSpPr>
+        <p:cNvPr id="1" name=""/>
+        <p:cNvGrpSpPr/>
+        <p:nvPr/>
+      </p:nvGrpSpPr>
+      <p:grpSpPr>
+        <a:xfrm>
+          <a:off x="0" y="0"/>
+          <a:ext cx="0" cy="0"/>
+          <a:chOff x="0" y="0"/>
+          <a:chExt cx="0" cy="0"/>
+        </a:xfrm>
+      </p:grpSpPr>
+      <p:sp>
+        <p:nvSpPr>
+          <p:cNvPr id="2" name="標題 1"/>
+          <p:cNvSpPr>
+            <a:spLocks noGrp="1"/>
+          </p:cNvSpPr>
+          <p:nvPr>
+            <p:ph type="title"/>
+          </p:nvPr>
+        </p:nvSpPr>
+        <p:spPr/>
+        <p:txBody>
+          <a:bodyPr/>
+          <a:lstStyle/>
+          <a:p>
+            <a:r>
+              <a:rPr kumimoji="1" lang="zh-TW" altLang="en-US" dirty="0" smtClean="0"/>
+              <a:t>篩選器</a:t>
+            </a:r>
+            <a:endParaRPr kumimoji="1" lang="zh-TW" altLang="en-US" dirty="0"/>
+          </a:p>
+        </p:txBody>
+      </p:sp>
+      <p:sp>
+        <p:nvSpPr>
+          <p:cNvPr id="7" name="內容版面配置區 6"/>
+          <p:cNvSpPr>
+            <a:spLocks noGrp="1"/>
+          </p:cNvSpPr>
+          <p:nvPr>
+            <p:ph idx="1"/>
+          </p:nvPr>
+        </p:nvSpPr>
+        <p:spPr/>
+        <p:txBody>
+          <a:bodyPr/>
+          <a:lstStyle/>
+          <a:p>
+            <a:endParaRPr kumimoji="1" lang="zh-TW" altLang="en-US" dirty="0"/>
+          </a:p>
+        </p:txBody>
+      </p:sp>
+      <p:pic>
+        <p:nvPicPr>
+          <p:cNvPr id="6" name="圖片 5" descr="Untitled.gif"/>
+          <p:cNvPicPr>
+            <a:picLocks noChangeAspect="1"/>
+          </p:cNvPicPr>
+          <p:nvPr/>
+        </p:nvPicPr>
+        <p:blipFill>
+          <a:blip r:embed="rId3">
+            <a:extLst>
+              <a:ext uri="{28A0092B-C50C-407E-A947-70E740481C1C}">
+                <a14:useLocalDpi xmlns:a14="http://schemas.microsoft.com/office/drawing/2010/main" val="0"/>
+              </a:ext>
+            </a:extLst>
+          </a:blip>
+          <a:stretch>
+            <a:fillRect/>
+          </a:stretch>
+        </p:blipFill>
+        <p:spPr>
+          <a:xfrm>
+            <a:off x="323528" y="1988840"/>
+            <a:ext cx="7991872" cy="3995936"/>
+          </a:xfrm>
+          <a:prstGeom prst="rect">
+            <a:avLst/>
+          </a:prstGeom>
+        </p:spPr>
+      </p:pic>
+    </p:spTree>
+    <p:extLst>
+      <p:ext uri="{BB962C8B-B14F-4D97-AF65-F5344CB8AC3E}">
+        <p14:creationId xmlns:p14="http://schemas.microsoft.com/office/powerpoint/2010/main" val="3445478445"/>
+      </p:ext>
+    </p:extLst>
+  </p:cSld>
+  <p:clrMapOvr>
+    <a:masterClrMapping/>
+  </p:clrMapOvr>
+  <p:timing>
+    <p:tnLst>
+      <p:par>
+        <p:cTn id="1" dur="indefinite" restart="never" nodeType="tmRoot"/>
+      </p:par>
+    </p:tnLst>
+  </p:timing>
+</p:sld>
+</file>
+
+<file path=ppt/slides/slide35.xml><?xml version="1.0" encoding="utf-8"?>
+<p:sld xmlns:a="http://schemas.openxmlformats.org/drawingml/2006/main" xmlns:r="http://schemas.openxmlformats.org/officeDocument/2006/relationships" xmlns:p="http://schemas.openxmlformats.org/presentationml/2006/main">
+  <p:cSld>
+    <p:spTree>
+      <p:nvGrpSpPr>
+        <p:cNvPr id="1" name=""/>
+        <p:cNvGrpSpPr/>
+        <p:nvPr/>
+      </p:nvGrpSpPr>
+      <p:grpSpPr>
+        <a:xfrm>
+          <a:off x="0" y="0"/>
+          <a:ext cx="0" cy="0"/>
+          <a:chOff x="0" y="0"/>
+          <a:chExt cx="0" cy="0"/>
+        </a:xfrm>
+      </p:grpSpPr>
+      <p:sp>
+        <p:nvSpPr>
           <p:cNvPr id="4" name="標題 3"/>
           <p:cNvSpPr>
             <a:spLocks noGrp="1"/>
@@ -12790,7 +13341,7 @@
 </p:sld>
 </file>
 
-<file path=ppt/slides/slide31.xml><?xml version="1.0" encoding="utf-8"?>
+<file path=ppt/slides/slide36.xml><?xml version="1.0" encoding="utf-8"?>
 <p:sld xmlns:a="http://schemas.openxmlformats.org/drawingml/2006/main" xmlns:r="http://schemas.openxmlformats.org/officeDocument/2006/relationships" xmlns:p="http://schemas.openxmlformats.org/presentationml/2006/main">
   <p:cSld>
     <p:spTree>
@@ -13022,7 +13573,7 @@
 </p:sld>
 </file>
 
-<file path=ppt/slides/slide32.xml><?xml version="1.0" encoding="utf-8"?>
+<file path=ppt/slides/slide37.xml><?xml version="1.0" encoding="utf-8"?>
 <p:sld xmlns:a="http://schemas.openxmlformats.org/drawingml/2006/main" xmlns:r="http://schemas.openxmlformats.org/officeDocument/2006/relationships" xmlns:p="http://schemas.openxmlformats.org/presentationml/2006/main">
   <p:cSld>
     <p:spTree>
@@ -13087,7 +13638,7 @@
 </p:sld>
 </file>
 
-<file path=ppt/slides/slide33.xml><?xml version="1.0" encoding="utf-8"?>
+<file path=ppt/slides/slide38.xml><?xml version="1.0" encoding="utf-8"?>
 <p:sld xmlns:a="http://schemas.openxmlformats.org/drawingml/2006/main" xmlns:r="http://schemas.openxmlformats.org/officeDocument/2006/relationships" xmlns:p="http://schemas.openxmlformats.org/presentationml/2006/main">
   <p:cSld>
     <p:spTree>
@@ -13221,7 +13772,7 @@
 </p:sld>
 </file>
 
-<file path=ppt/slides/slide34.xml><?xml version="1.0" encoding="utf-8"?>
+<file path=ppt/slides/slide39.xml><?xml version="1.0" encoding="utf-8"?>
 <p:sld xmlns:a="http://schemas.openxmlformats.org/drawingml/2006/main" xmlns:r="http://schemas.openxmlformats.org/officeDocument/2006/relationships" xmlns:p="http://schemas.openxmlformats.org/presentationml/2006/main">
   <p:cSld>
     <p:spTree>
@@ -13269,293 +13820,6 @@
     <p:extLst>
       <p:ext uri="{BB962C8B-B14F-4D97-AF65-F5344CB8AC3E}">
         <p14:creationId xmlns:p14="http://schemas.microsoft.com/office/powerpoint/2010/main" val="1814644749"/>
-      </p:ext>
-    </p:extLst>
-  </p:cSld>
-  <p:clrMapOvr>
-    <a:masterClrMapping/>
-  </p:clrMapOvr>
-  <p:timing>
-    <p:tnLst>
-      <p:par>
-        <p:cTn id="1" dur="indefinite" restart="never" nodeType="tmRoot"/>
-      </p:par>
-    </p:tnLst>
-  </p:timing>
-</p:sld>
-</file>
-
-<file path=ppt/slides/slide35.xml><?xml version="1.0" encoding="utf-8"?>
-<p:sld xmlns:a="http://schemas.openxmlformats.org/drawingml/2006/main" xmlns:r="http://schemas.openxmlformats.org/officeDocument/2006/relationships" xmlns:p="http://schemas.openxmlformats.org/presentationml/2006/main">
-  <p:cSld>
-    <p:spTree>
-      <p:nvGrpSpPr>
-        <p:cNvPr id="1" name=""/>
-        <p:cNvGrpSpPr/>
-        <p:nvPr/>
-      </p:nvGrpSpPr>
-      <p:grpSpPr>
-        <a:xfrm>
-          <a:off x="0" y="0"/>
-          <a:ext cx="0" cy="0"/>
-          <a:chOff x="0" y="0"/>
-          <a:chExt cx="0" cy="0"/>
-        </a:xfrm>
-      </p:grpSpPr>
-      <p:sp>
-        <p:nvSpPr>
-          <p:cNvPr id="2" name="標題 1"/>
-          <p:cNvSpPr>
-            <a:spLocks noGrp="1"/>
-          </p:cNvSpPr>
-          <p:nvPr>
-            <p:ph type="title"/>
-          </p:nvPr>
-        </p:nvSpPr>
-        <p:spPr/>
-        <p:txBody>
-          <a:bodyPr/>
-          <a:lstStyle/>
-          <a:p>
-            <a:r>
-              <a:rPr kumimoji="1" lang="zh-TW" altLang="en-US" dirty="0" smtClean="0"/>
-              <a:t>填寫矯正預防報告</a:t>
-            </a:r>
-            <a:endParaRPr kumimoji="1" lang="zh-TW" altLang="en-US" dirty="0"/>
-          </a:p>
-        </p:txBody>
-      </p:sp>
-      <p:sp>
-        <p:nvSpPr>
-          <p:cNvPr id="3" name="內容版面配置區 2"/>
-          <p:cNvSpPr>
-            <a:spLocks noGrp="1"/>
-          </p:cNvSpPr>
-          <p:nvPr>
-            <p:ph idx="1"/>
-          </p:nvPr>
-        </p:nvSpPr>
-        <p:spPr/>
-        <p:txBody>
-          <a:bodyPr/>
-          <a:lstStyle/>
-          <a:p>
-            <a:r>
-              <a:rPr kumimoji="1" lang="zh-TW" altLang="en-US" dirty="0" smtClean="0"/>
-              <a:t>問題</a:t>
-            </a:r>
-            <a:endParaRPr kumimoji="1" lang="en-US" altLang="zh-TW" dirty="0" smtClean="0"/>
-          </a:p>
-          <a:p>
-            <a:pPr lvl="1"/>
-            <a:r>
-              <a:rPr kumimoji="1" lang="zh-TW" altLang="en-US" dirty="0" smtClean="0"/>
-              <a:t>窗口不一定是填寫報告的人</a:t>
-            </a:r>
-            <a:endParaRPr kumimoji="1" lang="en-US" altLang="zh-TW" dirty="0" smtClean="0"/>
-          </a:p>
-          <a:p>
-            <a:pPr lvl="1"/>
-            <a:r>
-              <a:rPr kumimoji="1" lang="zh-TW" altLang="en-US" dirty="0" smtClean="0"/>
-              <a:t>要如何指派給他人</a:t>
-            </a:r>
-            <a:endParaRPr kumimoji="1" lang="en-US" altLang="zh-TW" dirty="0" smtClean="0"/>
-          </a:p>
-          <a:p>
-            <a:pPr lvl="1"/>
-            <a:r>
-              <a:rPr kumimoji="1" lang="zh-TW" altLang="en-US" dirty="0" smtClean="0"/>
-              <a:t>如果要取消指派呢</a:t>
-            </a:r>
-            <a:endParaRPr kumimoji="1" lang="en-US" altLang="zh-TW" dirty="0" smtClean="0"/>
-          </a:p>
-          <a:p>
-            <a:pPr lvl="1"/>
-            <a:endParaRPr kumimoji="1" lang="en-US" altLang="zh-TW" dirty="0"/>
-          </a:p>
-          <a:p>
-            <a:r>
-              <a:rPr kumimoji="1" lang="zh-TW" altLang="en-US" dirty="0" smtClean="0"/>
-              <a:t>解決方式</a:t>
-            </a:r>
-            <a:endParaRPr kumimoji="1" lang="en-US" altLang="zh-TW" dirty="0" smtClean="0"/>
-          </a:p>
-          <a:p>
-            <a:pPr lvl="1"/>
-            <a:r>
-              <a:rPr kumimoji="1" lang="zh-TW" altLang="en-US" dirty="0" smtClean="0"/>
-              <a:t>透過電子郵</a:t>
-            </a:r>
-            <a:r>
-              <a:rPr kumimoji="1" lang="zh-TW" altLang="en-US" dirty="0"/>
-              <a:t>件通知</a:t>
-            </a:r>
-            <a:endParaRPr kumimoji="1" lang="en-US" altLang="zh-TW" dirty="0"/>
-          </a:p>
-          <a:p>
-            <a:pPr lvl="1"/>
-            <a:r>
-              <a:rPr kumimoji="1" lang="zh-TW" altLang="en-US" dirty="0" smtClean="0"/>
-              <a:t>內含一個一次性的矯正預防表單</a:t>
-            </a:r>
-            <a:endParaRPr kumimoji="1" lang="zh-TW" altLang="en-US" dirty="0"/>
-          </a:p>
-        </p:txBody>
-      </p:sp>
-    </p:spTree>
-    <p:extLst>
-      <p:ext uri="{BB962C8B-B14F-4D97-AF65-F5344CB8AC3E}">
-        <p14:creationId xmlns:p14="http://schemas.microsoft.com/office/powerpoint/2010/main" val="3856537675"/>
-      </p:ext>
-    </p:extLst>
-  </p:cSld>
-  <p:clrMapOvr>
-    <a:masterClrMapping/>
-  </p:clrMapOvr>
-  <p:timing>
-    <p:tnLst>
-      <p:par>
-        <p:cTn id="1" dur="indefinite" restart="never" nodeType="tmRoot"/>
-      </p:par>
-    </p:tnLst>
-  </p:timing>
-</p:sld>
-</file>
-
-<file path=ppt/slides/slide36.xml><?xml version="1.0" encoding="utf-8"?>
-<p:sld xmlns:a="http://schemas.openxmlformats.org/drawingml/2006/main" xmlns:r="http://schemas.openxmlformats.org/officeDocument/2006/relationships" xmlns:p="http://schemas.openxmlformats.org/presentationml/2006/main">
-  <p:cSld>
-    <p:spTree>
-      <p:nvGrpSpPr>
-        <p:cNvPr id="1" name=""/>
-        <p:cNvGrpSpPr/>
-        <p:nvPr/>
-      </p:nvGrpSpPr>
-      <p:grpSpPr>
-        <a:xfrm>
-          <a:off x="0" y="0"/>
-          <a:ext cx="0" cy="0"/>
-          <a:chOff x="0" y="0"/>
-          <a:chExt cx="0" cy="0"/>
-        </a:xfrm>
-      </p:grpSpPr>
-      <p:sp>
-        <p:nvSpPr>
-          <p:cNvPr id="3" name="標題 2"/>
-          <p:cNvSpPr>
-            <a:spLocks noGrp="1"/>
-          </p:cNvSpPr>
-          <p:nvPr>
-            <p:ph type="title"/>
-          </p:nvPr>
-        </p:nvSpPr>
-        <p:spPr/>
-        <p:txBody>
-          <a:bodyPr/>
-          <a:lstStyle/>
-          <a:p>
-            <a:r>
-              <a:rPr lang="zh-TW" altLang="en-US" dirty="0"/>
-              <a:t>參考資料</a:t>
-            </a:r>
-          </a:p>
-        </p:txBody>
-      </p:sp>
-      <p:sp>
-        <p:nvSpPr>
-          <p:cNvPr id="4" name="內容版面配置區 3"/>
-          <p:cNvSpPr>
-            <a:spLocks noGrp="1"/>
-          </p:cNvSpPr>
-          <p:nvPr>
-            <p:ph idx="1"/>
-          </p:nvPr>
-        </p:nvSpPr>
-        <p:spPr/>
-        <p:txBody>
-          <a:bodyPr>
-            <a:normAutofit/>
-          </a:bodyPr>
-          <a:lstStyle/>
-          <a:p>
-            <a:r>
-              <a:rPr lang="pt-BR" altLang="zh-TW" dirty="0">
-                <a:hlinkClick r:id="rId2"/>
-              </a:rPr>
-              <a:t>Laravel http://laravel.tw/</a:t>
-            </a:r>
-            <a:endParaRPr lang="pt-BR" altLang="zh-TW" dirty="0"/>
-          </a:p>
-          <a:p>
-            <a:r>
-              <a:rPr lang="pt-BR" altLang="zh-TW" dirty="0">
-                <a:hlinkClick r:id="rId3"/>
-              </a:rPr>
-              <a:t>Composer https://getcomposer.org/</a:t>
-            </a:r>
-            <a:endParaRPr lang="pt-BR" altLang="zh-TW" dirty="0"/>
-          </a:p>
-          <a:p>
-            <a:r>
-              <a:rPr lang="pt-BR" altLang="zh-TW" dirty="0">
-                <a:hlinkClick r:id="rId4"/>
-              </a:rPr>
-              <a:t>wkhtmltopdf http://wkhtmltopdf.org/</a:t>
-            </a:r>
-            <a:endParaRPr lang="pt-BR" altLang="zh-TW" dirty="0"/>
-          </a:p>
-          <a:p>
-            <a:r>
-              <a:rPr lang="pt-BR" altLang="zh-TW" dirty="0">
-                <a:hlinkClick r:id="rId5"/>
-              </a:rPr>
-              <a:t>FullCalendar http://fullcalendar.io/</a:t>
-            </a:r>
-            <a:endParaRPr lang="pt-BR" altLang="zh-TW" dirty="0"/>
-          </a:p>
-          <a:p>
-            <a:r>
-              <a:rPr lang="zh-TW" altLang="pt-BR" dirty="0">
-                <a:hlinkClick r:id="rId6"/>
-              </a:rPr>
-              <a:t>思源正黑體 </a:t>
-            </a:r>
-            <a:r>
-              <a:rPr lang="pt-BR" altLang="zh-TW" dirty="0">
-                <a:hlinkClick r:id="rId6"/>
-              </a:rPr>
-              <a:t>https://github.com/adobe-fonts/source-han-sans</a:t>
-            </a:r>
-            <a:endParaRPr lang="pt-BR" altLang="zh-TW" dirty="0"/>
-          </a:p>
-          <a:p>
-            <a:r>
-              <a:rPr lang="pt-BR" altLang="zh-TW" dirty="0">
-                <a:hlinkClick r:id="rId7"/>
-              </a:rPr>
-              <a:t>Vagrant https://www.vagrantup.com/</a:t>
-            </a:r>
-            <a:endParaRPr lang="pt-BR" altLang="zh-TW" dirty="0"/>
-          </a:p>
-          <a:p>
-            <a:r>
-              <a:rPr lang="pt-BR" altLang="zh-TW" dirty="0">
-                <a:hlinkClick r:id="rId8"/>
-              </a:rPr>
-              <a:t>Docker https://www.docker.com/</a:t>
-            </a:r>
-            <a:endParaRPr lang="pt-BR" altLang="zh-TW" dirty="0"/>
-          </a:p>
-          <a:p>
-            <a:endParaRPr lang="zh-TW" altLang="en-US" dirty="0"/>
-          </a:p>
-        </p:txBody>
-      </p:sp>
-    </p:spTree>
-    <p:extLst>
-      <p:ext uri="{BB962C8B-B14F-4D97-AF65-F5344CB8AC3E}">
-        <p14:creationId xmlns:p14="http://schemas.microsoft.com/office/powerpoint/2010/main" val="3133800750"/>
       </p:ext>
     </p:extLst>
   </p:cSld>
@@ -15602,6 +15866,293 @@
 </p:sld>
 </file>
 
+<file path=ppt/slides/slide40.xml><?xml version="1.0" encoding="utf-8"?>
+<p:sld xmlns:a="http://schemas.openxmlformats.org/drawingml/2006/main" xmlns:r="http://schemas.openxmlformats.org/officeDocument/2006/relationships" xmlns:p="http://schemas.openxmlformats.org/presentationml/2006/main">
+  <p:cSld>
+    <p:spTree>
+      <p:nvGrpSpPr>
+        <p:cNvPr id="1" name=""/>
+        <p:cNvGrpSpPr/>
+        <p:nvPr/>
+      </p:nvGrpSpPr>
+      <p:grpSpPr>
+        <a:xfrm>
+          <a:off x="0" y="0"/>
+          <a:ext cx="0" cy="0"/>
+          <a:chOff x="0" y="0"/>
+          <a:chExt cx="0" cy="0"/>
+        </a:xfrm>
+      </p:grpSpPr>
+      <p:sp>
+        <p:nvSpPr>
+          <p:cNvPr id="2" name="標題 1"/>
+          <p:cNvSpPr>
+            <a:spLocks noGrp="1"/>
+          </p:cNvSpPr>
+          <p:nvPr>
+            <p:ph type="title"/>
+          </p:nvPr>
+        </p:nvSpPr>
+        <p:spPr/>
+        <p:txBody>
+          <a:bodyPr/>
+          <a:lstStyle/>
+          <a:p>
+            <a:r>
+              <a:rPr kumimoji="1" lang="zh-TW" altLang="en-US" dirty="0" smtClean="0"/>
+              <a:t>填寫矯正預防報告</a:t>
+            </a:r>
+            <a:endParaRPr kumimoji="1" lang="zh-TW" altLang="en-US" dirty="0"/>
+          </a:p>
+        </p:txBody>
+      </p:sp>
+      <p:sp>
+        <p:nvSpPr>
+          <p:cNvPr id="3" name="內容版面配置區 2"/>
+          <p:cNvSpPr>
+            <a:spLocks noGrp="1"/>
+          </p:cNvSpPr>
+          <p:nvPr>
+            <p:ph idx="1"/>
+          </p:nvPr>
+        </p:nvSpPr>
+        <p:spPr/>
+        <p:txBody>
+          <a:bodyPr/>
+          <a:lstStyle/>
+          <a:p>
+            <a:r>
+              <a:rPr kumimoji="1" lang="zh-TW" altLang="en-US" dirty="0" smtClean="0"/>
+              <a:t>問題</a:t>
+            </a:r>
+            <a:endParaRPr kumimoji="1" lang="en-US" altLang="zh-TW" dirty="0" smtClean="0"/>
+          </a:p>
+          <a:p>
+            <a:pPr lvl="1"/>
+            <a:r>
+              <a:rPr kumimoji="1" lang="zh-TW" altLang="en-US" dirty="0" smtClean="0"/>
+              <a:t>窗口不一定是填寫報告的人</a:t>
+            </a:r>
+            <a:endParaRPr kumimoji="1" lang="en-US" altLang="zh-TW" dirty="0" smtClean="0"/>
+          </a:p>
+          <a:p>
+            <a:pPr lvl="1"/>
+            <a:r>
+              <a:rPr kumimoji="1" lang="zh-TW" altLang="en-US" dirty="0" smtClean="0"/>
+              <a:t>要如何指派給他人</a:t>
+            </a:r>
+            <a:endParaRPr kumimoji="1" lang="en-US" altLang="zh-TW" dirty="0" smtClean="0"/>
+          </a:p>
+          <a:p>
+            <a:pPr lvl="1"/>
+            <a:r>
+              <a:rPr kumimoji="1" lang="zh-TW" altLang="en-US" dirty="0" smtClean="0"/>
+              <a:t>如果要取消指派呢</a:t>
+            </a:r>
+            <a:endParaRPr kumimoji="1" lang="en-US" altLang="zh-TW" dirty="0" smtClean="0"/>
+          </a:p>
+          <a:p>
+            <a:pPr lvl="1"/>
+            <a:endParaRPr kumimoji="1" lang="en-US" altLang="zh-TW" dirty="0"/>
+          </a:p>
+          <a:p>
+            <a:r>
+              <a:rPr kumimoji="1" lang="zh-TW" altLang="en-US" dirty="0" smtClean="0"/>
+              <a:t>解決方式</a:t>
+            </a:r>
+            <a:endParaRPr kumimoji="1" lang="en-US" altLang="zh-TW" dirty="0" smtClean="0"/>
+          </a:p>
+          <a:p>
+            <a:pPr lvl="1"/>
+            <a:r>
+              <a:rPr kumimoji="1" lang="zh-TW" altLang="en-US" dirty="0" smtClean="0"/>
+              <a:t>透過電子郵</a:t>
+            </a:r>
+            <a:r>
+              <a:rPr kumimoji="1" lang="zh-TW" altLang="en-US" dirty="0"/>
+              <a:t>件通知</a:t>
+            </a:r>
+            <a:endParaRPr kumimoji="1" lang="en-US" altLang="zh-TW" dirty="0"/>
+          </a:p>
+          <a:p>
+            <a:pPr lvl="1"/>
+            <a:r>
+              <a:rPr kumimoji="1" lang="zh-TW" altLang="en-US" dirty="0" smtClean="0"/>
+              <a:t>內含一個一次性的矯正預防表單</a:t>
+            </a:r>
+            <a:endParaRPr kumimoji="1" lang="zh-TW" altLang="en-US" dirty="0"/>
+          </a:p>
+        </p:txBody>
+      </p:sp>
+    </p:spTree>
+    <p:extLst>
+      <p:ext uri="{BB962C8B-B14F-4D97-AF65-F5344CB8AC3E}">
+        <p14:creationId xmlns:p14="http://schemas.microsoft.com/office/powerpoint/2010/main" val="3856537675"/>
+      </p:ext>
+    </p:extLst>
+  </p:cSld>
+  <p:clrMapOvr>
+    <a:masterClrMapping/>
+  </p:clrMapOvr>
+  <p:timing>
+    <p:tnLst>
+      <p:par>
+        <p:cTn id="1" dur="indefinite" restart="never" nodeType="tmRoot"/>
+      </p:par>
+    </p:tnLst>
+  </p:timing>
+</p:sld>
+</file>
+
+<file path=ppt/slides/slide41.xml><?xml version="1.0" encoding="utf-8"?>
+<p:sld xmlns:a="http://schemas.openxmlformats.org/drawingml/2006/main" xmlns:r="http://schemas.openxmlformats.org/officeDocument/2006/relationships" xmlns:p="http://schemas.openxmlformats.org/presentationml/2006/main">
+  <p:cSld>
+    <p:spTree>
+      <p:nvGrpSpPr>
+        <p:cNvPr id="1" name=""/>
+        <p:cNvGrpSpPr/>
+        <p:nvPr/>
+      </p:nvGrpSpPr>
+      <p:grpSpPr>
+        <a:xfrm>
+          <a:off x="0" y="0"/>
+          <a:ext cx="0" cy="0"/>
+          <a:chOff x="0" y="0"/>
+          <a:chExt cx="0" cy="0"/>
+        </a:xfrm>
+      </p:grpSpPr>
+      <p:sp>
+        <p:nvSpPr>
+          <p:cNvPr id="3" name="標題 2"/>
+          <p:cNvSpPr>
+            <a:spLocks noGrp="1"/>
+          </p:cNvSpPr>
+          <p:nvPr>
+            <p:ph type="title"/>
+          </p:nvPr>
+        </p:nvSpPr>
+        <p:spPr/>
+        <p:txBody>
+          <a:bodyPr/>
+          <a:lstStyle/>
+          <a:p>
+            <a:r>
+              <a:rPr lang="zh-TW" altLang="en-US" dirty="0"/>
+              <a:t>參考資料</a:t>
+            </a:r>
+          </a:p>
+        </p:txBody>
+      </p:sp>
+      <p:sp>
+        <p:nvSpPr>
+          <p:cNvPr id="4" name="內容版面配置區 3"/>
+          <p:cNvSpPr>
+            <a:spLocks noGrp="1"/>
+          </p:cNvSpPr>
+          <p:nvPr>
+            <p:ph idx="1"/>
+          </p:nvPr>
+        </p:nvSpPr>
+        <p:spPr/>
+        <p:txBody>
+          <a:bodyPr>
+            <a:normAutofit/>
+          </a:bodyPr>
+          <a:lstStyle/>
+          <a:p>
+            <a:r>
+              <a:rPr lang="pt-BR" altLang="zh-TW" dirty="0">
+                <a:hlinkClick r:id="rId2"/>
+              </a:rPr>
+              <a:t>Laravel http://laravel.tw/</a:t>
+            </a:r>
+            <a:endParaRPr lang="pt-BR" altLang="zh-TW" dirty="0"/>
+          </a:p>
+          <a:p>
+            <a:r>
+              <a:rPr lang="pt-BR" altLang="zh-TW" dirty="0">
+                <a:hlinkClick r:id="rId3"/>
+              </a:rPr>
+              <a:t>Composer https://getcomposer.org/</a:t>
+            </a:r>
+            <a:endParaRPr lang="pt-BR" altLang="zh-TW" dirty="0"/>
+          </a:p>
+          <a:p>
+            <a:r>
+              <a:rPr lang="pt-BR" altLang="zh-TW" dirty="0">
+                <a:hlinkClick r:id="rId4"/>
+              </a:rPr>
+              <a:t>wkhtmltopdf http://wkhtmltopdf.org/</a:t>
+            </a:r>
+            <a:endParaRPr lang="pt-BR" altLang="zh-TW" dirty="0"/>
+          </a:p>
+          <a:p>
+            <a:r>
+              <a:rPr lang="pt-BR" altLang="zh-TW" dirty="0">
+                <a:hlinkClick r:id="rId5"/>
+              </a:rPr>
+              <a:t>FullCalendar http://fullcalendar.io/</a:t>
+            </a:r>
+            <a:endParaRPr lang="pt-BR" altLang="zh-TW" dirty="0"/>
+          </a:p>
+          <a:p>
+            <a:r>
+              <a:rPr lang="zh-TW" altLang="pt-BR" dirty="0">
+                <a:hlinkClick r:id="rId6"/>
+              </a:rPr>
+              <a:t>思源正黑體 </a:t>
+            </a:r>
+            <a:r>
+              <a:rPr lang="pt-BR" altLang="zh-TW" dirty="0">
+                <a:hlinkClick r:id="rId6"/>
+              </a:rPr>
+              <a:t>https://github.com/adobe-fonts/source-han-sans</a:t>
+            </a:r>
+            <a:endParaRPr lang="pt-BR" altLang="zh-TW" dirty="0"/>
+          </a:p>
+          <a:p>
+            <a:r>
+              <a:rPr lang="pt-BR" altLang="zh-TW" dirty="0">
+                <a:hlinkClick r:id="rId7"/>
+              </a:rPr>
+              <a:t>Vagrant https://www.vagrantup.com/</a:t>
+            </a:r>
+            <a:endParaRPr lang="pt-BR" altLang="zh-TW" dirty="0"/>
+          </a:p>
+          <a:p>
+            <a:r>
+              <a:rPr lang="pt-BR" altLang="zh-TW" dirty="0">
+                <a:hlinkClick r:id="rId8"/>
+              </a:rPr>
+              <a:t>Docker https://www.docker.com/</a:t>
+            </a:r>
+            <a:endParaRPr lang="pt-BR" altLang="zh-TW" dirty="0"/>
+          </a:p>
+          <a:p>
+            <a:endParaRPr lang="zh-TW" altLang="en-US" dirty="0"/>
+          </a:p>
+        </p:txBody>
+      </p:sp>
+    </p:spTree>
+    <p:extLst>
+      <p:ext uri="{BB962C8B-B14F-4D97-AF65-F5344CB8AC3E}">
+        <p14:creationId xmlns:p14="http://schemas.microsoft.com/office/powerpoint/2010/main" val="3133800750"/>
+      </p:ext>
+    </p:extLst>
+  </p:cSld>
+  <p:clrMapOvr>
+    <a:masterClrMapping/>
+  </p:clrMapOvr>
+  <p:timing>
+    <p:tnLst>
+      <p:par>
+        <p:cTn id="1" dur="indefinite" restart="never" nodeType="tmRoot"/>
+      </p:par>
+    </p:tnLst>
+  </p:timing>
+</p:sld>
+</file>
+
 <file path=ppt/slides/slide5.xml><?xml version="1.0" encoding="utf-8"?>
 <p:sld xmlns:a="http://schemas.openxmlformats.org/drawingml/2006/main" xmlns:r="http://schemas.openxmlformats.org/officeDocument/2006/relationships" xmlns:p="http://schemas.openxmlformats.org/presentationml/2006/main">
   <p:cSld>
@@ -16814,7 +17365,7 @@
   <a:extraClrSchemeLst/>
   <a:extLst>
     <a:ext uri="{05A4C25C-085E-4340-85A3-A5531E510DB2}">
-      <thm15:themeFamily xmlns:thm15="http://schemas.microsoft.com/office/thememl/2012/main" xmlns="" name="Office Theme" id="{62F939B6-93AF-4DB8-9C6B-D6C7DFDC589F}" vid="{4A3C46E8-61CC-4603-A589-7422A47A8E4A}"/>
+      <thm15:themeFamily xmlns="" xmlns:thm15="http://schemas.microsoft.com/office/thememl/2012/main" name="Office Theme" id="{62F939B6-93AF-4DB8-9C6B-D6C7DFDC589F}" vid="{4A3C46E8-61CC-4603-A589-7422A47A8E4A}"/>
     </a:ext>
   </a:extLst>
 </a:theme>

--- a/Presentation/報告投影片.pptx
+++ b/Presentation/報告投影片.pptx
@@ -5,7 +5,7 @@
     <p:sldMasterId id="2147483660" r:id="rId1"/>
   </p:sldMasterIdLst>
   <p:notesMasterIdLst>
-    <p:notesMasterId r:id="rId43"/>
+    <p:notesMasterId r:id="rId45"/>
   </p:notesMasterIdLst>
   <p:sldIdLst>
     <p:sldId id="256" r:id="rId2"/>
@@ -22,33 +22,35 @@
     <p:sldId id="273" r:id="rId13"/>
     <p:sldId id="274" r:id="rId14"/>
     <p:sldId id="275" r:id="rId15"/>
-    <p:sldId id="309" r:id="rId16"/>
-    <p:sldId id="310" r:id="rId17"/>
-    <p:sldId id="311" r:id="rId18"/>
-    <p:sldId id="312" r:id="rId19"/>
-    <p:sldId id="313" r:id="rId20"/>
-    <p:sldId id="276" r:id="rId21"/>
-    <p:sldId id="277" r:id="rId22"/>
-    <p:sldId id="278" r:id="rId23"/>
-    <p:sldId id="280" r:id="rId24"/>
-    <p:sldId id="282" r:id="rId25"/>
-    <p:sldId id="283" r:id="rId26"/>
-    <p:sldId id="284" r:id="rId27"/>
-    <p:sldId id="285" r:id="rId28"/>
-    <p:sldId id="296" r:id="rId29"/>
-    <p:sldId id="297" r:id="rId30"/>
-    <p:sldId id="298" r:id="rId31"/>
-    <p:sldId id="299" r:id="rId32"/>
-    <p:sldId id="300" r:id="rId33"/>
-    <p:sldId id="301" r:id="rId34"/>
-    <p:sldId id="302" r:id="rId35"/>
-    <p:sldId id="303" r:id="rId36"/>
-    <p:sldId id="304" r:id="rId37"/>
-    <p:sldId id="305" r:id="rId38"/>
-    <p:sldId id="306" r:id="rId39"/>
-    <p:sldId id="307" r:id="rId40"/>
-    <p:sldId id="308" r:id="rId41"/>
-    <p:sldId id="295" r:id="rId42"/>
+    <p:sldId id="314" r:id="rId16"/>
+    <p:sldId id="309" r:id="rId17"/>
+    <p:sldId id="310" r:id="rId18"/>
+    <p:sldId id="311" r:id="rId19"/>
+    <p:sldId id="312" r:id="rId20"/>
+    <p:sldId id="313" r:id="rId21"/>
+    <p:sldId id="315" r:id="rId22"/>
+    <p:sldId id="276" r:id="rId23"/>
+    <p:sldId id="277" r:id="rId24"/>
+    <p:sldId id="278" r:id="rId25"/>
+    <p:sldId id="280" r:id="rId26"/>
+    <p:sldId id="282" r:id="rId27"/>
+    <p:sldId id="283" r:id="rId28"/>
+    <p:sldId id="284" r:id="rId29"/>
+    <p:sldId id="285" r:id="rId30"/>
+    <p:sldId id="296" r:id="rId31"/>
+    <p:sldId id="297" r:id="rId32"/>
+    <p:sldId id="298" r:id="rId33"/>
+    <p:sldId id="299" r:id="rId34"/>
+    <p:sldId id="300" r:id="rId35"/>
+    <p:sldId id="301" r:id="rId36"/>
+    <p:sldId id="302" r:id="rId37"/>
+    <p:sldId id="303" r:id="rId38"/>
+    <p:sldId id="304" r:id="rId39"/>
+    <p:sldId id="305" r:id="rId40"/>
+    <p:sldId id="306" r:id="rId41"/>
+    <p:sldId id="307" r:id="rId42"/>
+    <p:sldId id="308" r:id="rId43"/>
+    <p:sldId id="295" r:id="rId44"/>
   </p:sldIdLst>
   <p:sldSz cx="9144000" cy="6858000" type="screen4x3"/>
   <p:notesSz cx="6858000" cy="9144000"/>
@@ -6201,7 +6203,7 @@
           <a:p>
             <a:fld id="{B23E3EE3-903C-6049-ABF9-CB22CD5F18D1}" type="slidenum">
               <a:rPr kumimoji="1" lang="zh-TW" altLang="en-US" smtClean="0"/>
-              <a:t>33</a:t>
+              <a:t>35</a:t>
             </a:fld>
             <a:endParaRPr kumimoji="1" lang="zh-TW" altLang="en-US"/>
           </a:p>
@@ -6383,7 +6385,7 @@
           <a:p>
             <a:fld id="{B23E3EE3-903C-6049-ABF9-CB22CD5F18D1}" type="slidenum">
               <a:rPr kumimoji="1" lang="zh-TW" altLang="en-US" smtClean="0"/>
-              <a:t>34</a:t>
+              <a:t>36</a:t>
             </a:fld>
             <a:endParaRPr kumimoji="1" lang="zh-TW" altLang="en-US"/>
           </a:p>
@@ -6478,7 +6480,7 @@
           <a:p>
             <a:fld id="{B23E3EE3-903C-6049-ABF9-CB22CD5F18D1}" type="slidenum">
               <a:rPr kumimoji="1" lang="zh-TW" altLang="en-US" smtClean="0"/>
-              <a:t>38</a:t>
+              <a:t>40</a:t>
             </a:fld>
             <a:endParaRPr kumimoji="1" lang="zh-TW" altLang="en-US"/>
           </a:p>
@@ -6573,7 +6575,7 @@
           <a:p>
             <a:fld id="{B23E3EE3-903C-6049-ABF9-CB22CD5F18D1}" type="slidenum">
               <a:rPr kumimoji="1" lang="zh-TW" altLang="en-US" smtClean="0"/>
-              <a:t>40</a:t>
+              <a:t>42</a:t>
             </a:fld>
             <a:endParaRPr kumimoji="1" lang="zh-TW" altLang="en-US"/>
           </a:p>
@@ -9905,8 +9907,12 @@
           <a:lstStyle/>
           <a:p>
             <a:r>
+              <a:rPr lang="zh-TW" altLang="en-US" dirty="0" smtClean="0"/>
+              <a:t>技術介紹</a:t>
+            </a:r>
+            <a:r>
               <a:rPr lang="en-US" altLang="zh-TW" dirty="0" smtClean="0"/>
-              <a:t>Bootstrap</a:t>
+              <a:t>-Bootstrap</a:t>
             </a:r>
             <a:endParaRPr lang="zh-TW" altLang="en-US" dirty="0"/>
           </a:p>
@@ -10291,16 +10297,11 @@
               <a:rPr lang="en-US" altLang="zh-TW" dirty="0" smtClean="0"/>
               <a:t>Form input</a:t>
             </a:r>
-            <a:endParaRPr lang="en-US" altLang="zh-TW" dirty="0" smtClean="0"/>
           </a:p>
           <a:p>
             <a:r>
               <a:rPr lang="en-US" altLang="zh-TW" dirty="0" smtClean="0"/>
-              <a:t>Eloquent </a:t>
-            </a:r>
-            <a:r>
-              <a:rPr lang="en-US" altLang="zh-TW" dirty="0" smtClean="0"/>
-              <a:t>ORM</a:t>
+              <a:t>Eloquent ORM</a:t>
             </a:r>
           </a:p>
           <a:p>
@@ -10329,6 +10330,12 @@
             <a:r>
               <a:rPr lang="en-US" altLang="zh-TW" dirty="0" smtClean="0"/>
               <a:t>)</a:t>
+            </a:r>
+          </a:p>
+          <a:p>
+            <a:r>
+              <a:rPr lang="en-US" altLang="zh-TW" dirty="0" smtClean="0"/>
+              <a:t>Migration file</a:t>
             </a:r>
             <a:endParaRPr lang="en-US" altLang="zh-TW" dirty="0"/>
           </a:p>
@@ -10388,7 +10395,116 @@
           <a:p>
             <a:r>
               <a:rPr lang="en-US" altLang="zh-TW" dirty="0" smtClean="0"/>
-              <a:t>Input, ORM</a:t>
+              <a:t>Input verification</a:t>
+            </a:r>
+            <a:endParaRPr lang="zh-TW" altLang="en-US" dirty="0"/>
+          </a:p>
+        </p:txBody>
+      </p:sp>
+      <p:pic>
+        <p:nvPicPr>
+          <p:cNvPr id="1026" name="Picture 2"/>
+          <p:cNvPicPr>
+            <a:picLocks noGrp="1" noChangeAspect="1" noChangeArrowheads="1"/>
+          </p:cNvPicPr>
+          <p:nvPr>
+            <p:ph idx="1"/>
+          </p:nvPr>
+        </p:nvPicPr>
+        <p:blipFill>
+          <a:blip r:embed="rId2">
+            <a:extLst>
+              <a:ext uri="{28A0092B-C50C-407E-A947-70E740481C1C}">
+                <a14:useLocalDpi xmlns:a14="http://schemas.microsoft.com/office/drawing/2010/main" val="0"/>
+              </a:ext>
+            </a:extLst>
+          </a:blip>
+          <a:srcRect/>
+          <a:stretch>
+            <a:fillRect/>
+          </a:stretch>
+        </p:blipFill>
+        <p:spPr bwMode="auto">
+          <a:xfrm>
+            <a:off x="755576" y="1772816"/>
+            <a:ext cx="6707435" cy="4390616"/>
+          </a:xfrm>
+          <a:prstGeom prst="rect">
+            <a:avLst/>
+          </a:prstGeom>
+          <a:noFill/>
+          <a:ln>
+            <a:noFill/>
+          </a:ln>
+          <a:extLst>
+            <a:ext uri="{909E8E84-426E-40DD-AFC4-6F175D3DCCD1}">
+              <a14:hiddenFill xmlns:a14="http://schemas.microsoft.com/office/drawing/2010/main">
+                <a:solidFill>
+                  <a:schemeClr val="accent1"/>
+                </a:solidFill>
+              </a14:hiddenFill>
+            </a:ext>
+            <a:ext uri="{91240B29-F687-4F45-9708-019B960494DF}">
+              <a14:hiddenLine xmlns:a14="http://schemas.microsoft.com/office/drawing/2010/main" w="9525">
+                <a:solidFill>
+                  <a:schemeClr val="tx1"/>
+                </a:solidFill>
+                <a:miter lim="800000"/>
+                <a:headEnd/>
+                <a:tailEnd/>
+              </a14:hiddenLine>
+            </a:ext>
+          </a:extLst>
+        </p:spPr>
+      </p:pic>
+    </p:spTree>
+    <p:extLst>
+      <p:ext uri="{BB962C8B-B14F-4D97-AF65-F5344CB8AC3E}">
+        <p14:creationId xmlns:p14="http://schemas.microsoft.com/office/powerpoint/2010/main" val="3477876374"/>
+      </p:ext>
+    </p:extLst>
+  </p:cSld>
+  <p:clrMapOvr>
+    <a:masterClrMapping/>
+  </p:clrMapOvr>
+</p:sld>
+</file>
+
+<file path=ppt/slides/slide16.xml><?xml version="1.0" encoding="utf-8"?>
+<p:sld xmlns:a="http://schemas.openxmlformats.org/drawingml/2006/main" xmlns:r="http://schemas.openxmlformats.org/officeDocument/2006/relationships" xmlns:p="http://schemas.openxmlformats.org/presentationml/2006/main">
+  <p:cSld>
+    <p:spTree>
+      <p:nvGrpSpPr>
+        <p:cNvPr id="1" name=""/>
+        <p:cNvGrpSpPr/>
+        <p:nvPr/>
+      </p:nvGrpSpPr>
+      <p:grpSpPr>
+        <a:xfrm>
+          <a:off x="0" y="0"/>
+          <a:ext cx="0" cy="0"/>
+          <a:chOff x="0" y="0"/>
+          <a:chExt cx="0" cy="0"/>
+        </a:xfrm>
+      </p:grpSpPr>
+      <p:sp>
+        <p:nvSpPr>
+          <p:cNvPr id="2" name="標題 1"/>
+          <p:cNvSpPr>
+            <a:spLocks noGrp="1"/>
+          </p:cNvSpPr>
+          <p:nvPr>
+            <p:ph type="title"/>
+          </p:nvPr>
+        </p:nvSpPr>
+        <p:spPr/>
+        <p:txBody>
+          <a:bodyPr/>
+          <a:lstStyle/>
+          <a:p>
+            <a:r>
+              <a:rPr lang="en-US" altLang="zh-TW" dirty="0" smtClean="0"/>
+              <a:t>Input retrieving, ORM</a:t>
             </a:r>
             <a:endParaRPr lang="zh-TW" altLang="en-US" dirty="0"/>
           </a:p>
@@ -10463,7 +10579,7 @@
 </p:sld>
 </file>
 
-<file path=ppt/slides/slide16.xml><?xml version="1.0" encoding="utf-8"?>
+<file path=ppt/slides/slide17.xml><?xml version="1.0" encoding="utf-8"?>
 <p:sld xmlns:a="http://schemas.openxmlformats.org/drawingml/2006/main" xmlns:r="http://schemas.openxmlformats.org/officeDocument/2006/relationships" xmlns:p="http://schemas.openxmlformats.org/presentationml/2006/main">
   <p:cSld>
     <p:spTree>
@@ -10572,7 +10688,7 @@
 </p:sld>
 </file>
 
-<file path=ppt/slides/slide17.xml><?xml version="1.0" encoding="utf-8"?>
+<file path=ppt/slides/slide18.xml><?xml version="1.0" encoding="utf-8"?>
 <p:sld xmlns:a="http://schemas.openxmlformats.org/drawingml/2006/main" xmlns:r="http://schemas.openxmlformats.org/officeDocument/2006/relationships" xmlns:p="http://schemas.openxmlformats.org/presentationml/2006/main">
   <p:cSld>
     <p:spTree>
@@ -10681,7 +10797,7 @@
 </p:sld>
 </file>
 
-<file path=ppt/slides/slide18.xml><?xml version="1.0" encoding="utf-8"?>
+<file path=ppt/slides/slide19.xml><?xml version="1.0" encoding="utf-8"?>
 <p:sld xmlns:a="http://schemas.openxmlformats.org/drawingml/2006/main" xmlns:r="http://schemas.openxmlformats.org/officeDocument/2006/relationships" xmlns:p="http://schemas.openxmlformats.org/presentationml/2006/main">
   <p:cSld>
     <p:spTree>
@@ -10790,7 +10906,160 @@
 </p:sld>
 </file>
 
-<file path=ppt/slides/slide19.xml><?xml version="1.0" encoding="utf-8"?>
+<file path=ppt/slides/slide2.xml><?xml version="1.0" encoding="utf-8"?>
+<p:sld xmlns:a="http://schemas.openxmlformats.org/drawingml/2006/main" xmlns:r="http://schemas.openxmlformats.org/officeDocument/2006/relationships" xmlns:p="http://schemas.openxmlformats.org/presentationml/2006/main">
+  <p:cSld>
+    <p:spTree>
+      <p:nvGrpSpPr>
+        <p:cNvPr id="1" name=""/>
+        <p:cNvGrpSpPr/>
+        <p:nvPr/>
+      </p:nvGrpSpPr>
+      <p:grpSpPr>
+        <a:xfrm>
+          <a:off x="0" y="0"/>
+          <a:ext cx="0" cy="0"/>
+          <a:chOff x="0" y="0"/>
+          <a:chExt cx="0" cy="0"/>
+        </a:xfrm>
+      </p:grpSpPr>
+      <p:sp>
+        <p:nvSpPr>
+          <p:cNvPr id="2" name="標題 1"/>
+          <p:cNvSpPr>
+            <a:spLocks noGrp="1"/>
+          </p:cNvSpPr>
+          <p:nvPr>
+            <p:ph type="title"/>
+          </p:nvPr>
+        </p:nvSpPr>
+        <p:spPr/>
+        <p:txBody>
+          <a:bodyPr/>
+          <a:lstStyle/>
+          <a:p>
+            <a:r>
+              <a:rPr lang="zh-TW" altLang="en-US" dirty="0" smtClean="0"/>
+              <a:t>我們將會報告</a:t>
+            </a:r>
+            <a:r>
+              <a:rPr lang="en-US" altLang="zh-TW" dirty="0" smtClean="0"/>
+              <a:t>…</a:t>
+            </a:r>
+            <a:endParaRPr lang="zh-TW" altLang="en-US" dirty="0"/>
+          </a:p>
+        </p:txBody>
+      </p:sp>
+      <p:sp>
+        <p:nvSpPr>
+          <p:cNvPr id="3" name="內容版面配置區 2"/>
+          <p:cNvSpPr>
+            <a:spLocks noGrp="1"/>
+          </p:cNvSpPr>
+          <p:nvPr>
+            <p:ph idx="1"/>
+          </p:nvPr>
+        </p:nvSpPr>
+        <p:spPr/>
+        <p:txBody>
+          <a:bodyPr>
+            <a:normAutofit/>
+          </a:bodyPr>
+          <a:lstStyle/>
+          <a:p>
+            <a:pPr marL="514350" indent="-514350">
+              <a:buFont typeface="+mj-lt"/>
+              <a:buAutoNum type="arabicPeriod"/>
+            </a:pPr>
+            <a:r>
+              <a:rPr lang="zh-TW" altLang="en-US" dirty="0" smtClean="0"/>
+              <a:t>動機</a:t>
+            </a:r>
+            <a:r>
+              <a:rPr lang="zh-TW" altLang="en-US" dirty="0"/>
+              <a:t>、</a:t>
+            </a:r>
+            <a:r>
+              <a:rPr lang="zh-TW" altLang="en-US" dirty="0" smtClean="0"/>
+              <a:t>目的以及重要貢獻</a:t>
+            </a:r>
+          </a:p>
+          <a:p>
+            <a:pPr marL="514350" indent="-514350">
+              <a:buFont typeface="+mj-lt"/>
+              <a:buAutoNum type="arabicPeriod"/>
+            </a:pPr>
+            <a:r>
+              <a:rPr lang="zh-TW" altLang="en-US" dirty="0" smtClean="0"/>
+              <a:t>團隊合作方式</a:t>
+            </a:r>
+          </a:p>
+          <a:p>
+            <a:pPr marL="514350" indent="-514350">
+              <a:buFont typeface="+mj-lt"/>
+              <a:buAutoNum type="arabicPeriod"/>
+            </a:pPr>
+            <a:r>
+              <a:rPr lang="zh-TW" altLang="en-US" dirty="0" smtClean="0"/>
+              <a:t>設計原理、研究方法與步驟</a:t>
+            </a:r>
+            <a:endParaRPr lang="en-US" altLang="zh-TW" dirty="0" smtClean="0"/>
+          </a:p>
+          <a:p>
+            <a:pPr marL="514350" indent="-514350">
+              <a:buFont typeface="+mj-lt"/>
+              <a:buAutoNum type="arabicPeriod"/>
+            </a:pPr>
+            <a:r>
+              <a:rPr lang="zh-TW" altLang="en-US" dirty="0"/>
+              <a:t>系統實作與實驗</a:t>
+            </a:r>
+            <a:endParaRPr lang="zh-TW" altLang="en-US" dirty="0" smtClean="0"/>
+          </a:p>
+          <a:p>
+            <a:pPr marL="514350" indent="-514350">
+              <a:buFont typeface="+mj-lt"/>
+              <a:buAutoNum type="arabicPeriod"/>
+            </a:pPr>
+            <a:r>
+              <a:rPr lang="zh-TW" altLang="en-US" dirty="0" smtClean="0"/>
+              <a:t>功能介紹</a:t>
+            </a:r>
+          </a:p>
+          <a:p>
+            <a:pPr marL="514350" indent="-514350">
+              <a:buFont typeface="+mj-lt"/>
+              <a:buAutoNum type="arabicPeriod"/>
+            </a:pPr>
+            <a:r>
+              <a:rPr lang="zh-TW" altLang="en-US" dirty="0" smtClean="0"/>
+              <a:t>參考資料</a:t>
+            </a:r>
+            <a:endParaRPr lang="zh-TW" altLang="en-US" dirty="0"/>
+          </a:p>
+        </p:txBody>
+      </p:sp>
+    </p:spTree>
+    <p:extLst>
+      <p:ext uri="{BB962C8B-B14F-4D97-AF65-F5344CB8AC3E}">
+        <p14:creationId xmlns:p14="http://schemas.microsoft.com/office/powerpoint/2010/main" val="3319367334"/>
+      </p:ext>
+    </p:extLst>
+  </p:cSld>
+  <p:clrMapOvr>
+    <a:masterClrMapping/>
+  </p:clrMapOvr>
+  <p:timing>
+    <p:tnLst>
+      <p:par>
+        <p:cTn id="1" dur="indefinite" restart="never" nodeType="tmRoot"/>
+      </p:par>
+    </p:tnLst>
+  </p:timing>
+</p:sld>
+</file>
+
+<file path=ppt/slides/slide20.xml><?xml version="1.0" encoding="utf-8"?>
 <p:sld xmlns:a="http://schemas.openxmlformats.org/drawingml/2006/main" xmlns:r="http://schemas.openxmlformats.org/officeDocument/2006/relationships" xmlns:p="http://schemas.openxmlformats.org/presentationml/2006/main">
   <p:cSld>
     <p:spTree>
@@ -10899,283 +11168,6 @@
 </p:sld>
 </file>
 
-<file path=ppt/slides/slide2.xml><?xml version="1.0" encoding="utf-8"?>
-<p:sld xmlns:a="http://schemas.openxmlformats.org/drawingml/2006/main" xmlns:r="http://schemas.openxmlformats.org/officeDocument/2006/relationships" xmlns:p="http://schemas.openxmlformats.org/presentationml/2006/main">
-  <p:cSld>
-    <p:spTree>
-      <p:nvGrpSpPr>
-        <p:cNvPr id="1" name=""/>
-        <p:cNvGrpSpPr/>
-        <p:nvPr/>
-      </p:nvGrpSpPr>
-      <p:grpSpPr>
-        <a:xfrm>
-          <a:off x="0" y="0"/>
-          <a:ext cx="0" cy="0"/>
-          <a:chOff x="0" y="0"/>
-          <a:chExt cx="0" cy="0"/>
-        </a:xfrm>
-      </p:grpSpPr>
-      <p:sp>
-        <p:nvSpPr>
-          <p:cNvPr id="2" name="標題 1"/>
-          <p:cNvSpPr>
-            <a:spLocks noGrp="1"/>
-          </p:cNvSpPr>
-          <p:nvPr>
-            <p:ph type="title"/>
-          </p:nvPr>
-        </p:nvSpPr>
-        <p:spPr/>
-        <p:txBody>
-          <a:bodyPr/>
-          <a:lstStyle/>
-          <a:p>
-            <a:r>
-              <a:rPr lang="zh-TW" altLang="en-US" dirty="0" smtClean="0"/>
-              <a:t>我們將會報告</a:t>
-            </a:r>
-            <a:r>
-              <a:rPr lang="en-US" altLang="zh-TW" dirty="0" smtClean="0"/>
-              <a:t>…</a:t>
-            </a:r>
-            <a:endParaRPr lang="zh-TW" altLang="en-US" dirty="0"/>
-          </a:p>
-        </p:txBody>
-      </p:sp>
-      <p:sp>
-        <p:nvSpPr>
-          <p:cNvPr id="3" name="內容版面配置區 2"/>
-          <p:cNvSpPr>
-            <a:spLocks noGrp="1"/>
-          </p:cNvSpPr>
-          <p:nvPr>
-            <p:ph idx="1"/>
-          </p:nvPr>
-        </p:nvSpPr>
-        <p:spPr/>
-        <p:txBody>
-          <a:bodyPr>
-            <a:normAutofit/>
-          </a:bodyPr>
-          <a:lstStyle/>
-          <a:p>
-            <a:pPr marL="514350" indent="-514350">
-              <a:buFont typeface="+mj-lt"/>
-              <a:buAutoNum type="arabicPeriod"/>
-            </a:pPr>
-            <a:r>
-              <a:rPr lang="zh-TW" altLang="en-US" dirty="0" smtClean="0"/>
-              <a:t>動機</a:t>
-            </a:r>
-            <a:r>
-              <a:rPr lang="zh-TW" altLang="en-US" dirty="0"/>
-              <a:t>、</a:t>
-            </a:r>
-            <a:r>
-              <a:rPr lang="zh-TW" altLang="en-US" dirty="0" smtClean="0"/>
-              <a:t>目的以及重要貢獻</a:t>
-            </a:r>
-          </a:p>
-          <a:p>
-            <a:pPr marL="514350" indent="-514350">
-              <a:buFont typeface="+mj-lt"/>
-              <a:buAutoNum type="arabicPeriod"/>
-            </a:pPr>
-            <a:r>
-              <a:rPr lang="zh-TW" altLang="en-US" dirty="0" smtClean="0"/>
-              <a:t>團隊合作方式</a:t>
-            </a:r>
-          </a:p>
-          <a:p>
-            <a:pPr marL="514350" indent="-514350">
-              <a:buFont typeface="+mj-lt"/>
-              <a:buAutoNum type="arabicPeriod"/>
-            </a:pPr>
-            <a:r>
-              <a:rPr lang="zh-TW" altLang="en-US" dirty="0" smtClean="0"/>
-              <a:t>設計原理、研究方法與步驟</a:t>
-            </a:r>
-            <a:endParaRPr lang="en-US" altLang="zh-TW" dirty="0" smtClean="0"/>
-          </a:p>
-          <a:p>
-            <a:pPr marL="514350" indent="-514350">
-              <a:buFont typeface="+mj-lt"/>
-              <a:buAutoNum type="arabicPeriod"/>
-            </a:pPr>
-            <a:r>
-              <a:rPr lang="zh-TW" altLang="en-US" dirty="0"/>
-              <a:t>系統實作與實驗</a:t>
-            </a:r>
-            <a:endParaRPr lang="zh-TW" altLang="en-US" dirty="0" smtClean="0"/>
-          </a:p>
-          <a:p>
-            <a:pPr marL="514350" indent="-514350">
-              <a:buFont typeface="+mj-lt"/>
-              <a:buAutoNum type="arabicPeriod"/>
-            </a:pPr>
-            <a:r>
-              <a:rPr lang="zh-TW" altLang="en-US" dirty="0" smtClean="0"/>
-              <a:t>功能介紹</a:t>
-            </a:r>
-          </a:p>
-          <a:p>
-            <a:pPr marL="514350" indent="-514350">
-              <a:buFont typeface="+mj-lt"/>
-              <a:buAutoNum type="arabicPeriod"/>
-            </a:pPr>
-            <a:r>
-              <a:rPr lang="zh-TW" altLang="en-US" dirty="0" smtClean="0"/>
-              <a:t>參考資料</a:t>
-            </a:r>
-            <a:endParaRPr lang="zh-TW" altLang="en-US" dirty="0"/>
-          </a:p>
-        </p:txBody>
-      </p:sp>
-    </p:spTree>
-    <p:extLst>
-      <p:ext uri="{BB962C8B-B14F-4D97-AF65-F5344CB8AC3E}">
-        <p14:creationId xmlns:p14="http://schemas.microsoft.com/office/powerpoint/2010/main" val="3319367334"/>
-      </p:ext>
-    </p:extLst>
-  </p:cSld>
-  <p:clrMapOvr>
-    <a:masterClrMapping/>
-  </p:clrMapOvr>
-  <p:timing>
-    <p:tnLst>
-      <p:par>
-        <p:cTn id="1" dur="indefinite" restart="never" nodeType="tmRoot"/>
-      </p:par>
-    </p:tnLst>
-  </p:timing>
-</p:sld>
-</file>
-
-<file path=ppt/slides/slide20.xml><?xml version="1.0" encoding="utf-8"?>
-<p:sld xmlns:a="http://schemas.openxmlformats.org/drawingml/2006/main" xmlns:r="http://schemas.openxmlformats.org/officeDocument/2006/relationships" xmlns:p="http://schemas.openxmlformats.org/presentationml/2006/main">
-  <p:cSld>
-    <p:spTree>
-      <p:nvGrpSpPr>
-        <p:cNvPr id="1" name=""/>
-        <p:cNvGrpSpPr/>
-        <p:nvPr/>
-      </p:nvGrpSpPr>
-      <p:grpSpPr>
-        <a:xfrm>
-          <a:off x="0" y="0"/>
-          <a:ext cx="0" cy="0"/>
-          <a:chOff x="0" y="0"/>
-          <a:chExt cx="0" cy="0"/>
-        </a:xfrm>
-      </p:grpSpPr>
-      <p:sp>
-        <p:nvSpPr>
-          <p:cNvPr id="2" name="標題 1"/>
-          <p:cNvSpPr>
-            <a:spLocks noGrp="1"/>
-          </p:cNvSpPr>
-          <p:nvPr>
-            <p:ph type="title"/>
-          </p:nvPr>
-        </p:nvSpPr>
-        <p:spPr/>
-        <p:txBody>
-          <a:bodyPr/>
-          <a:lstStyle/>
-          <a:p>
-            <a:r>
-              <a:rPr lang="en-US" altLang="zh-TW" dirty="0"/>
-              <a:t>C</a:t>
-            </a:r>
-            <a:r>
-              <a:rPr lang="en-US" altLang="zh-TW" dirty="0" smtClean="0"/>
-              <a:t>omposer</a:t>
-            </a:r>
-            <a:endParaRPr lang="zh-TW" altLang="en-US" dirty="0"/>
-          </a:p>
-        </p:txBody>
-      </p:sp>
-      <p:sp>
-        <p:nvSpPr>
-          <p:cNvPr id="3" name="內容版面配置區 2"/>
-          <p:cNvSpPr>
-            <a:spLocks noGrp="1"/>
-          </p:cNvSpPr>
-          <p:nvPr>
-            <p:ph idx="1"/>
-          </p:nvPr>
-        </p:nvSpPr>
-        <p:spPr/>
-        <p:txBody>
-          <a:bodyPr/>
-          <a:lstStyle/>
-          <a:p>
-            <a:r>
-              <a:rPr lang="en-US" altLang="zh-TW" dirty="0" smtClean="0"/>
-              <a:t>PHP</a:t>
-            </a:r>
-            <a:r>
-              <a:rPr lang="zh-TW" altLang="en-US" dirty="0" smtClean="0"/>
-              <a:t>依賴性</a:t>
-            </a:r>
-            <a:r>
-              <a:rPr lang="zh-TW" altLang="en-US" dirty="0"/>
-              <a:t>管理</a:t>
-            </a:r>
-            <a:r>
-              <a:rPr lang="zh-TW" altLang="en-US" dirty="0" smtClean="0"/>
-              <a:t>工具</a:t>
-            </a:r>
-            <a:endParaRPr lang="en-US" altLang="zh-TW" dirty="0" smtClean="0"/>
-          </a:p>
-          <a:p>
-            <a:r>
-              <a:rPr lang="zh-TW" altLang="en-US" dirty="0" smtClean="0"/>
-              <a:t>安裝專案依賴</a:t>
-            </a:r>
-            <a:r>
-              <a:rPr lang="zh-TW" altLang="en-US" dirty="0"/>
-              <a:t>函式</a:t>
-            </a:r>
-            <a:r>
-              <a:rPr lang="zh-TW" altLang="en-US" dirty="0" smtClean="0"/>
-              <a:t>庫</a:t>
-            </a:r>
-            <a:endParaRPr lang="en-US" altLang="zh-TW" dirty="0" smtClean="0"/>
-          </a:p>
-          <a:p>
-            <a:r>
-              <a:rPr lang="zh-TW" altLang="en-US" dirty="0" smtClean="0"/>
-              <a:t>簡化部署開發環境步驟</a:t>
-            </a:r>
-            <a:br>
-              <a:rPr lang="zh-TW" altLang="en-US" dirty="0" smtClean="0"/>
-            </a:br>
-            <a:endParaRPr lang="zh-TW" altLang="en-US" dirty="0"/>
-          </a:p>
-        </p:txBody>
-      </p:sp>
-    </p:spTree>
-    <p:extLst>
-      <p:ext uri="{BB962C8B-B14F-4D97-AF65-F5344CB8AC3E}">
-        <p14:creationId xmlns:p14="http://schemas.microsoft.com/office/powerpoint/2010/main" val="598198643"/>
-      </p:ext>
-    </p:extLst>
-  </p:cSld>
-  <p:clrMapOvr>
-    <a:masterClrMapping/>
-  </p:clrMapOvr>
-  <p:timing>
-    <p:tnLst>
-      <p:par>
-        <p:cTn id="1" dur="indefinite" restart="never" nodeType="tmRoot"/>
-      </p:par>
-    </p:tnLst>
-  </p:timing>
-</p:sld>
-</file>
-
 <file path=ppt/slides/slide21.xml><?xml version="1.0" encoding="utf-8"?>
 <p:sld xmlns:a="http://schemas.openxmlformats.org/drawingml/2006/main" xmlns:r="http://schemas.openxmlformats.org/officeDocument/2006/relationships" xmlns:p="http://schemas.openxmlformats.org/presentationml/2006/main">
   <p:cSld>
@@ -11209,85 +11201,79 @@
           <a:lstStyle/>
           <a:p>
             <a:r>
-              <a:rPr lang="en-US" altLang="zh-TW" dirty="0" err="1" smtClean="0"/>
-              <a:t>Git</a:t>
+              <a:rPr lang="en-US" altLang="zh-TW" dirty="0" smtClean="0"/>
+              <a:t>Migration file</a:t>
             </a:r>
             <a:endParaRPr lang="zh-TW" altLang="en-US" dirty="0"/>
           </a:p>
         </p:txBody>
       </p:sp>
-      <p:sp>
-        <p:nvSpPr>
-          <p:cNvPr id="3" name="內容版面配置區 2"/>
-          <p:cNvSpPr>
-            <a:spLocks noGrp="1"/>
-          </p:cNvSpPr>
+      <p:pic>
+        <p:nvPicPr>
+          <p:cNvPr id="1026" name="Picture 2"/>
+          <p:cNvPicPr>
+            <a:picLocks noGrp="1" noChangeAspect="1" noChangeArrowheads="1"/>
+          </p:cNvPicPr>
           <p:nvPr>
             <p:ph idx="1"/>
           </p:nvPr>
-        </p:nvSpPr>
-        <p:spPr/>
-        <p:txBody>
-          <a:bodyPr>
-            <a:normAutofit/>
-          </a:bodyPr>
-          <a:lstStyle/>
-          <a:p>
-            <a:r>
-              <a:rPr lang="zh-TW" altLang="en-US" dirty="0" smtClean="0"/>
-              <a:t>分散式</a:t>
-            </a:r>
-            <a:r>
-              <a:rPr lang="zh-TW" altLang="en-US" dirty="0"/>
-              <a:t>版本控制</a:t>
-            </a:r>
-            <a:r>
-              <a:rPr lang="zh-TW" altLang="en-US" dirty="0" smtClean="0"/>
-              <a:t>軟體</a:t>
-            </a:r>
-            <a:endParaRPr lang="en-US" altLang="zh-TW" dirty="0" smtClean="0"/>
-          </a:p>
-          <a:p>
-            <a:r>
-              <a:rPr lang="zh-TW" altLang="en-US" dirty="0" smtClean="0"/>
-              <a:t>合併</a:t>
-            </a:r>
-            <a:r>
-              <a:rPr lang="zh-TW" altLang="en-US" dirty="0"/>
-              <a:t>追蹤（</a:t>
-            </a:r>
-            <a:r>
-              <a:rPr lang="en-US" altLang="zh-TW" dirty="0"/>
-              <a:t>merge tracing</a:t>
-            </a:r>
-            <a:r>
-              <a:rPr lang="zh-TW" altLang="en-US" dirty="0" smtClean="0"/>
-              <a:t>）</a:t>
-            </a:r>
-            <a:br>
-              <a:rPr lang="zh-TW" altLang="en-US" dirty="0" smtClean="0"/>
-            </a:br>
-            <a:endParaRPr lang="zh-TW" altLang="en-US" dirty="0"/>
-          </a:p>
-        </p:txBody>
-      </p:sp>
+        </p:nvPicPr>
+        <p:blipFill>
+          <a:blip r:embed="rId2">
+            <a:extLst>
+              <a:ext uri="{28A0092B-C50C-407E-A947-70E740481C1C}">
+                <a14:useLocalDpi xmlns:a14="http://schemas.microsoft.com/office/drawing/2010/main" val="0"/>
+              </a:ext>
+            </a:extLst>
+          </a:blip>
+          <a:srcRect/>
+          <a:stretch>
+            <a:fillRect/>
+          </a:stretch>
+        </p:blipFill>
+        <p:spPr bwMode="auto">
+          <a:xfrm>
+            <a:off x="1115616" y="1700808"/>
+            <a:ext cx="5943267" cy="4480718"/>
+          </a:xfrm>
+          <a:prstGeom prst="rect">
+            <a:avLst/>
+          </a:prstGeom>
+          <a:noFill/>
+          <a:ln>
+            <a:noFill/>
+          </a:ln>
+          <a:extLst>
+            <a:ext uri="{909E8E84-426E-40DD-AFC4-6F175D3DCCD1}">
+              <a14:hiddenFill xmlns:a14="http://schemas.microsoft.com/office/drawing/2010/main">
+                <a:solidFill>
+                  <a:schemeClr val="accent1"/>
+                </a:solidFill>
+              </a14:hiddenFill>
+            </a:ext>
+            <a:ext uri="{91240B29-F687-4F45-9708-019B960494DF}">
+              <a14:hiddenLine xmlns:a14="http://schemas.microsoft.com/office/drawing/2010/main" w="9525">
+                <a:solidFill>
+                  <a:schemeClr val="tx1"/>
+                </a:solidFill>
+                <a:miter lim="800000"/>
+                <a:headEnd/>
+                <a:tailEnd/>
+              </a14:hiddenLine>
+            </a:ext>
+          </a:extLst>
+        </p:spPr>
+      </p:pic>
     </p:spTree>
     <p:extLst>
       <p:ext uri="{BB962C8B-B14F-4D97-AF65-F5344CB8AC3E}">
-        <p14:creationId xmlns:p14="http://schemas.microsoft.com/office/powerpoint/2010/main" val="517783100"/>
+        <p14:creationId xmlns:p14="http://schemas.microsoft.com/office/powerpoint/2010/main" val="1870860460"/>
       </p:ext>
     </p:extLst>
   </p:cSld>
   <p:clrMapOvr>
     <a:masterClrMapping/>
   </p:clrMapOvr>
-  <p:timing>
-    <p:tnLst>
-      <p:par>
-        <p:cTn id="1" dur="indefinite" restart="never" nodeType="tmRoot"/>
-      </p:par>
-    </p:tnLst>
-  </p:timing>
 </p:sld>
 </file>
 
@@ -11324,8 +11310,12 @@
           <a:lstStyle/>
           <a:p>
             <a:r>
-              <a:rPr lang="en-US" altLang="zh-TW" dirty="0" err="1" smtClean="0"/>
-              <a:t>Github</a:t>
+              <a:rPr lang="en-US" altLang="zh-TW" dirty="0"/>
+              <a:t>C</a:t>
+            </a:r>
+            <a:r>
+              <a:rPr lang="en-US" altLang="zh-TW" dirty="0" smtClean="0"/>
+              <a:t>omposer</a:t>
             </a:r>
             <a:endParaRPr lang="zh-TW" altLang="en-US" dirty="0"/>
           </a:p>
@@ -11347,84 +11337,46 @@
           <a:lstStyle/>
           <a:p>
             <a:r>
+              <a:rPr lang="en-US" altLang="zh-TW" dirty="0" smtClean="0"/>
+              <a:t>PHP</a:t>
+            </a:r>
+            <a:r>
               <a:rPr lang="zh-TW" altLang="en-US" dirty="0" smtClean="0"/>
-              <a:t>共享虛擬主機服務</a:t>
+              <a:t>依賴性</a:t>
+            </a:r>
+            <a:r>
+              <a:rPr lang="zh-TW" altLang="en-US" dirty="0"/>
+              <a:t>管理</a:t>
+            </a:r>
+            <a:r>
+              <a:rPr lang="zh-TW" altLang="en-US" dirty="0" smtClean="0"/>
+              <a:t>工具</a:t>
             </a:r>
             <a:endParaRPr lang="en-US" altLang="zh-TW" dirty="0" smtClean="0"/>
           </a:p>
           <a:p>
             <a:r>
               <a:rPr lang="zh-TW" altLang="en-US" dirty="0" smtClean="0"/>
-              <a:t>存放使用</a:t>
-            </a:r>
-            <a:r>
-              <a:rPr lang="en-US" altLang="zh-TW" dirty="0" err="1" smtClean="0"/>
-              <a:t>Git</a:t>
+              <a:t>安裝專案依賴</a:t>
+            </a:r>
+            <a:r>
+              <a:rPr lang="zh-TW" altLang="en-US" dirty="0"/>
+              <a:t>函式</a:t>
             </a:r>
             <a:r>
               <a:rPr lang="zh-TW" altLang="en-US" dirty="0" smtClean="0"/>
-              <a:t>版本控制的程式、專案</a:t>
+              <a:t>庫</a:t>
             </a:r>
             <a:endParaRPr lang="en-US" altLang="zh-TW" dirty="0" smtClean="0"/>
           </a:p>
           <a:p>
             <a:r>
               <a:rPr lang="zh-TW" altLang="en-US" dirty="0" smtClean="0"/>
-              <a:t>方便社會化軟體開發的功能</a:t>
-            </a:r>
-            <a:endParaRPr lang="en-US" altLang="zh-TW" dirty="0" smtClean="0"/>
-          </a:p>
-          <a:p>
-            <a:pPr lvl="1"/>
-            <a:r>
+              <a:t>簡化部署開發環境步驟</a:t>
+            </a:r>
+            <a:br>
               <a:rPr lang="zh-TW" altLang="en-US" dirty="0" smtClean="0"/>
-              <a:t>追蹤其它用戶</a:t>
-            </a:r>
-            <a:endParaRPr lang="en-US" altLang="zh-TW" dirty="0" smtClean="0"/>
-          </a:p>
-          <a:p>
-            <a:pPr lvl="1"/>
-            <a:r>
-              <a:rPr lang="zh-TW" altLang="en-US" dirty="0" smtClean="0"/>
-              <a:t>組織</a:t>
-            </a:r>
-            <a:r>
-              <a:rPr lang="en-US" altLang="zh-TW" dirty="0" smtClean="0"/>
-              <a:t>(group)</a:t>
-            </a:r>
-          </a:p>
-          <a:p>
-            <a:pPr lvl="1"/>
-            <a:r>
-              <a:rPr lang="zh-TW" altLang="en-US" dirty="0" smtClean="0"/>
-              <a:t>軟體庫</a:t>
-            </a:r>
-            <a:r>
-              <a:rPr lang="en-US" altLang="zh-TW" smtClean="0"/>
-              <a:t>(repository/repo)</a:t>
-            </a:r>
-            <a:r>
-              <a:rPr lang="zh-TW" altLang="en-US" dirty="0" smtClean="0"/>
-              <a:t>的動態</a:t>
-            </a:r>
-            <a:endParaRPr lang="en-US" altLang="zh-TW" dirty="0" smtClean="0"/>
-          </a:p>
-          <a:p>
-            <a:pPr lvl="1"/>
-            <a:r>
-              <a:rPr lang="zh-TW" altLang="en-US" dirty="0" smtClean="0"/>
-              <a:t>對程式的改動和</a:t>
-            </a:r>
-            <a:r>
-              <a:rPr lang="en-US" altLang="zh-TW" dirty="0" smtClean="0"/>
-              <a:t>bug</a:t>
-            </a:r>
-            <a:r>
-              <a:rPr lang="zh-TW" altLang="en-US" dirty="0" smtClean="0"/>
-              <a:t>提出評論</a:t>
-            </a:r>
-          </a:p>
-          <a:p>
+            </a:br>
             <a:endParaRPr lang="zh-TW" altLang="en-US" dirty="0"/>
           </a:p>
         </p:txBody>
@@ -11432,7 +11384,7 @@
     </p:spTree>
     <p:extLst>
       <p:ext uri="{BB962C8B-B14F-4D97-AF65-F5344CB8AC3E}">
-        <p14:creationId xmlns:p14="http://schemas.microsoft.com/office/powerpoint/2010/main" val="837447092"/>
+        <p14:creationId xmlns:p14="http://schemas.microsoft.com/office/powerpoint/2010/main" val="598198643"/>
       </p:ext>
     </p:extLst>
   </p:cSld>
@@ -11468,7 +11420,7 @@
       </p:grpSpPr>
       <p:sp>
         <p:nvSpPr>
-          <p:cNvPr id="4" name="標題 3"/>
+          <p:cNvPr id="2" name="標題 1"/>
           <p:cNvSpPr>
             <a:spLocks noGrp="1"/>
           </p:cNvSpPr>
@@ -11476,28 +11428,132 @@
             <p:ph type="title"/>
           </p:nvPr>
         </p:nvSpPr>
-        <p:spPr>
-          <a:xfrm>
-            <a:off x="467544" y="2564904"/>
-            <a:ext cx="8229600" cy="1156990"/>
-          </a:xfrm>
-        </p:spPr>
+        <p:spPr/>
         <p:txBody>
           <a:bodyPr/>
           <a:lstStyle/>
           <a:p>
             <a:r>
-              <a:rPr lang="zh-TW" altLang="en-US" dirty="0" smtClean="0"/>
-              <a:t>系統實作與實驗</a:t>
+              <a:rPr lang="en-US" altLang="zh-TW" dirty="0" err="1" smtClean="0"/>
+              <a:t>Git</a:t>
             </a:r>
             <a:endParaRPr lang="zh-TW" altLang="en-US" dirty="0"/>
           </a:p>
         </p:txBody>
       </p:sp>
+      <p:sp>
+        <p:nvSpPr>
+          <p:cNvPr id="3" name="內容版面配置區 2"/>
+          <p:cNvSpPr>
+            <a:spLocks noGrp="1"/>
+          </p:cNvSpPr>
+          <p:nvPr>
+            <p:ph idx="1"/>
+          </p:nvPr>
+        </p:nvSpPr>
+        <p:spPr/>
+        <p:txBody>
+          <a:bodyPr>
+            <a:normAutofit/>
+          </a:bodyPr>
+          <a:lstStyle/>
+          <a:p>
+            <a:r>
+              <a:rPr lang="zh-TW" altLang="en-US" dirty="0" smtClean="0"/>
+              <a:t>分散式</a:t>
+            </a:r>
+            <a:r>
+              <a:rPr lang="zh-TW" altLang="en-US" dirty="0"/>
+              <a:t>版本控制</a:t>
+            </a:r>
+            <a:r>
+              <a:rPr lang="zh-TW" altLang="en-US" dirty="0" smtClean="0"/>
+              <a:t>軟體</a:t>
+            </a:r>
+            <a:endParaRPr lang="en-US" altLang="zh-TW" dirty="0" smtClean="0"/>
+          </a:p>
+          <a:p>
+            <a:r>
+              <a:rPr lang="zh-TW" altLang="en-US" dirty="0" smtClean="0"/>
+              <a:t>合併</a:t>
+            </a:r>
+            <a:r>
+              <a:rPr lang="zh-TW" altLang="en-US" dirty="0"/>
+              <a:t>追蹤（</a:t>
+            </a:r>
+            <a:r>
+              <a:rPr lang="en-US" altLang="zh-TW" dirty="0"/>
+              <a:t>merge tracing</a:t>
+            </a:r>
+            <a:r>
+              <a:rPr lang="zh-TW" altLang="en-US" dirty="0" smtClean="0"/>
+              <a:t>）</a:t>
+            </a:r>
+            <a:br>
+              <a:rPr lang="zh-TW" altLang="en-US" dirty="0" smtClean="0"/>
+            </a:br>
+            <a:endParaRPr lang="zh-TW" altLang="en-US" dirty="0"/>
+          </a:p>
+        </p:txBody>
+      </p:sp>
+      <p:pic>
+        <p:nvPicPr>
+          <p:cNvPr id="2052" name="Picture 4"/>
+          <p:cNvPicPr>
+            <a:picLocks noChangeAspect="1" noChangeArrowheads="1"/>
+          </p:cNvPicPr>
+          <p:nvPr/>
+        </p:nvPicPr>
+        <p:blipFill>
+          <a:blip r:embed="rId2">
+            <a:extLst>
+              <a:ext uri="{28A0092B-C50C-407E-A947-70E740481C1C}">
+                <a14:useLocalDpi xmlns:a14="http://schemas.microsoft.com/office/drawing/2010/main" val="0"/>
+              </a:ext>
+            </a:extLst>
+          </a:blip>
+          <a:srcRect/>
+          <a:stretch>
+            <a:fillRect/>
+          </a:stretch>
+        </p:blipFill>
+        <p:spPr bwMode="auto">
+          <a:xfrm>
+            <a:off x="611560" y="2708920"/>
+            <a:ext cx="7378416" cy="3287413"/>
+          </a:xfrm>
+          <a:prstGeom prst="rect">
+            <a:avLst/>
+          </a:prstGeom>
+          <a:noFill/>
+          <a:ln>
+            <a:noFill/>
+          </a:ln>
+          <a:extLst>
+            <a:ext uri="{909E8E84-426E-40DD-AFC4-6F175D3DCCD1}">
+              <a14:hiddenFill xmlns:a14="http://schemas.microsoft.com/office/drawing/2010/main">
+                <a:solidFill>
+                  <a:schemeClr val="accent1"/>
+                </a:solidFill>
+              </a14:hiddenFill>
+            </a:ext>
+            <a:ext uri="{91240B29-F687-4F45-9708-019B960494DF}">
+              <a14:hiddenLine xmlns:a14="http://schemas.microsoft.com/office/drawing/2010/main" w="9525">
+                <a:solidFill>
+                  <a:schemeClr val="tx1"/>
+                </a:solidFill>
+                <a:miter lim="800000"/>
+                <a:headEnd/>
+                <a:tailEnd/>
+              </a14:hiddenLine>
+            </a:ext>
+          </a:extLst>
+        </p:spPr>
+      </p:pic>
     </p:spTree>
     <p:extLst>
       <p:ext uri="{BB962C8B-B14F-4D97-AF65-F5344CB8AC3E}">
-        <p14:creationId xmlns:p14="http://schemas.microsoft.com/office/powerpoint/2010/main" val="829056583"/>
+        <p14:creationId xmlns:p14="http://schemas.microsoft.com/office/powerpoint/2010/main" val="517783100"/>
       </p:ext>
     </p:extLst>
   </p:cSld>
@@ -11547,8 +11603,8 @@
           <a:lstStyle/>
           <a:p>
             <a:r>
-              <a:rPr lang="zh-TW" altLang="en-US" dirty="0" smtClean="0"/>
-              <a:t>稽核事件、任務</a:t>
+              <a:rPr lang="en-US" altLang="zh-TW" dirty="0" err="1" smtClean="0"/>
+              <a:t>Github</a:t>
             </a:r>
             <a:endParaRPr lang="zh-TW" altLang="en-US" dirty="0"/>
           </a:p>
@@ -11566,138 +11622,88 @@
         </p:nvSpPr>
         <p:spPr/>
         <p:txBody>
-          <a:bodyPr>
-            <a:normAutofit/>
-          </a:bodyPr>
+          <a:bodyPr/>
           <a:lstStyle/>
           <a:p>
             <a:r>
               <a:rPr lang="zh-TW" altLang="en-US" dirty="0" smtClean="0"/>
-              <a:t>持續一段時間</a:t>
+              <a:t>共享虛擬主機服務</a:t>
             </a:r>
             <a:endParaRPr lang="en-US" altLang="zh-TW" dirty="0" smtClean="0"/>
           </a:p>
           <a:p>
             <a:r>
               <a:rPr lang="zh-TW" altLang="en-US" dirty="0" smtClean="0"/>
-              <a:t>期間</a:t>
-            </a:r>
-            <a:r>
-              <a:rPr lang="zh-TW" altLang="en-US" dirty="0"/>
-              <a:t>可以指派多筆稽核</a:t>
+              <a:t>存放使用</a:t>
+            </a:r>
+            <a:r>
+              <a:rPr lang="en-US" altLang="zh-TW" dirty="0" err="1" smtClean="0"/>
+              <a:t>Git</a:t>
             </a:r>
             <a:r>
               <a:rPr lang="zh-TW" altLang="en-US" dirty="0" smtClean="0"/>
-              <a:t>任務</a:t>
+              <a:t>版本控制的程式、專案</a:t>
             </a:r>
             <a:endParaRPr lang="en-US" altLang="zh-TW" dirty="0" smtClean="0"/>
           </a:p>
           <a:p>
             <a:r>
               <a:rPr lang="zh-TW" altLang="en-US" dirty="0" smtClean="0"/>
-              <a:t>一</a:t>
-            </a:r>
-            <a:r>
-              <a:rPr lang="zh-TW" altLang="en-US" dirty="0"/>
-              <a:t>筆稽核</a:t>
-            </a:r>
+              <a:t>方便社會化軟體開發的功能</a:t>
+            </a:r>
+            <a:endParaRPr lang="en-US" altLang="zh-TW" dirty="0" smtClean="0"/>
+          </a:p>
+          <a:p>
+            <a:pPr lvl="1"/>
             <a:r>
               <a:rPr lang="zh-TW" altLang="en-US" dirty="0" smtClean="0"/>
-              <a:t>任務由</a:t>
-            </a:r>
-            <a:r>
-              <a:rPr lang="zh-TW" altLang="en-US" dirty="0"/>
-              <a:t>一名稽核</a:t>
-            </a:r>
+              <a:t>追蹤其它用戶</a:t>
+            </a:r>
+            <a:endParaRPr lang="en-US" altLang="zh-TW" dirty="0" smtClean="0"/>
+          </a:p>
+          <a:p>
+            <a:pPr lvl="1"/>
             <a:r>
               <a:rPr lang="zh-TW" altLang="en-US" dirty="0" smtClean="0"/>
-              <a:t>人員完成稽核、填寫回報</a:t>
+              <a:t>組織</a:t>
+            </a:r>
+            <a:r>
+              <a:rPr lang="en-US" altLang="zh-TW" dirty="0" smtClean="0"/>
+              <a:t>(group)</a:t>
+            </a:r>
+          </a:p>
+          <a:p>
+            <a:pPr lvl="1"/>
+            <a:r>
+              <a:rPr lang="zh-TW" altLang="en-US" dirty="0" smtClean="0"/>
+              <a:t>軟體庫</a:t>
+            </a:r>
+            <a:r>
+              <a:rPr lang="en-US" altLang="zh-TW" smtClean="0"/>
+              <a:t>(repository/repo)</a:t>
+            </a:r>
+            <a:r>
+              <a:rPr lang="zh-TW" altLang="en-US" dirty="0" smtClean="0"/>
+              <a:t>的動態</a:t>
             </a:r>
             <a:endParaRPr lang="en-US" altLang="zh-TW" dirty="0" smtClean="0"/>
           </a:p>
           <a:p>
+            <a:pPr lvl="1"/>
             <a:r>
               <a:rPr lang="zh-TW" altLang="en-US" dirty="0" smtClean="0"/>
-              <a:t>填寫完成後寄信至主管信箱</a:t>
-            </a:r>
-            <a:endParaRPr lang="en-US" altLang="zh-TW" dirty="0" smtClean="0"/>
-          </a:p>
-          <a:p>
+              <a:t>對程式的改動和</a:t>
+            </a:r>
+            <a:r>
+              <a:rPr lang="en-US" altLang="zh-TW" dirty="0" smtClean="0"/>
+              <a:t>bug</a:t>
+            </a:r>
             <a:r>
               <a:rPr lang="zh-TW" altLang="en-US" dirty="0" smtClean="0"/>
-              <a:t>主管</a:t>
-            </a:r>
-            <a:r>
-              <a:rPr lang="zh-TW" altLang="en-US" dirty="0"/>
-              <a:t>簽署</a:t>
-            </a:r>
-            <a:r>
-              <a:rPr lang="zh-TW" altLang="en-US" dirty="0" smtClean="0"/>
-              <a:t>後寄信</a:t>
-            </a:r>
-            <a:r>
-              <a:rPr lang="zh-TW" altLang="en-US" dirty="0"/>
-              <a:t>至稽核小組</a:t>
-            </a:r>
-            <a:r>
-              <a:rPr lang="zh-TW" altLang="en-US" dirty="0" smtClean="0"/>
-              <a:t>信箱</a:t>
-            </a:r>
-            <a:endParaRPr lang="en-US" altLang="zh-TW" dirty="0" smtClean="0"/>
-          </a:p>
-          <a:p>
-            <a:r>
-              <a:rPr lang="zh-TW" altLang="en-US" dirty="0" smtClean="0"/>
-              <a:t>簽署結束＝回報完成</a:t>
-            </a:r>
-            <a:endParaRPr lang="en-US" altLang="zh-TW" dirty="0" smtClean="0"/>
-          </a:p>
-          <a:p>
-            <a:r>
-              <a:rPr lang="zh-TW" altLang="en-US" dirty="0" smtClean="0"/>
-              <a:t>由</a:t>
-            </a:r>
-            <a:r>
-              <a:rPr lang="zh-TW" altLang="en-US" dirty="0"/>
-              <a:t>受稽機關進行矯正預防</a:t>
-            </a:r>
-            <a:r>
-              <a:rPr lang="zh-TW" altLang="en-US" dirty="0" smtClean="0"/>
-              <a:t>處理、填寫</a:t>
-            </a:r>
-            <a:r>
-              <a:rPr lang="zh-TW" altLang="en-US" dirty="0"/>
-              <a:t>矯正預防</a:t>
-            </a:r>
-            <a:r>
-              <a:rPr lang="zh-TW" altLang="en-US" dirty="0" smtClean="0"/>
-              <a:t>結果</a:t>
-            </a:r>
-            <a:endParaRPr lang="en-US" altLang="zh-TW" dirty="0" smtClean="0"/>
-          </a:p>
-          <a:p>
-            <a:r>
-              <a:rPr lang="zh-TW" altLang="en-US" dirty="0" smtClean="0"/>
-              <a:t>填寫完成寄信</a:t>
-            </a:r>
-            <a:r>
-              <a:rPr lang="zh-TW" altLang="en-US" dirty="0"/>
-              <a:t>至主管</a:t>
-            </a:r>
-            <a:r>
-              <a:rPr lang="zh-TW" altLang="en-US" dirty="0" smtClean="0"/>
-              <a:t>信箱</a:t>
-            </a:r>
-            <a:endParaRPr lang="en-US" altLang="zh-TW" dirty="0" smtClean="0"/>
-          </a:p>
-          <a:p>
-            <a:r>
-              <a:rPr lang="zh-TW" altLang="en-US" dirty="0" smtClean="0"/>
-              <a:t>簽署成功＝矯正完成＝一筆稽核完成。</a:t>
-            </a:r>
-            <a:br>
-              <a:rPr lang="zh-TW" altLang="en-US" dirty="0" smtClean="0"/>
-            </a:br>
+              <a:t>提出評論</a:t>
+            </a:r>
+          </a:p>
+          <a:p>
             <a:endParaRPr lang="zh-TW" altLang="en-US" dirty="0"/>
           </a:p>
         </p:txBody>
@@ -11705,7 +11711,7 @@
     </p:spTree>
     <p:extLst>
       <p:ext uri="{BB962C8B-B14F-4D97-AF65-F5344CB8AC3E}">
-        <p14:creationId xmlns:p14="http://schemas.microsoft.com/office/powerpoint/2010/main" val="2879552582"/>
+        <p14:creationId xmlns:p14="http://schemas.microsoft.com/office/powerpoint/2010/main" val="837447092"/>
       </p:ext>
     </p:extLst>
   </p:cSld>
@@ -11741,6 +11747,279 @@
       </p:grpSpPr>
       <p:sp>
         <p:nvSpPr>
+          <p:cNvPr id="4" name="標題 3"/>
+          <p:cNvSpPr>
+            <a:spLocks noGrp="1"/>
+          </p:cNvSpPr>
+          <p:nvPr>
+            <p:ph type="title"/>
+          </p:nvPr>
+        </p:nvSpPr>
+        <p:spPr>
+          <a:xfrm>
+            <a:off x="467544" y="2564904"/>
+            <a:ext cx="8229600" cy="1156990"/>
+          </a:xfrm>
+        </p:spPr>
+        <p:txBody>
+          <a:bodyPr/>
+          <a:lstStyle/>
+          <a:p>
+            <a:r>
+              <a:rPr lang="zh-TW" altLang="en-US" dirty="0" smtClean="0"/>
+              <a:t>系統實作與實驗</a:t>
+            </a:r>
+            <a:endParaRPr lang="zh-TW" altLang="en-US" dirty="0"/>
+          </a:p>
+        </p:txBody>
+      </p:sp>
+    </p:spTree>
+    <p:extLst>
+      <p:ext uri="{BB962C8B-B14F-4D97-AF65-F5344CB8AC3E}">
+        <p14:creationId xmlns:p14="http://schemas.microsoft.com/office/powerpoint/2010/main" val="829056583"/>
+      </p:ext>
+    </p:extLst>
+  </p:cSld>
+  <p:clrMapOvr>
+    <a:masterClrMapping/>
+  </p:clrMapOvr>
+  <p:timing>
+    <p:tnLst>
+      <p:par>
+        <p:cTn id="1" dur="indefinite" restart="never" nodeType="tmRoot"/>
+      </p:par>
+    </p:tnLst>
+  </p:timing>
+</p:sld>
+</file>
+
+<file path=ppt/slides/slide26.xml><?xml version="1.0" encoding="utf-8"?>
+<p:sld xmlns:a="http://schemas.openxmlformats.org/drawingml/2006/main" xmlns:r="http://schemas.openxmlformats.org/officeDocument/2006/relationships" xmlns:p="http://schemas.openxmlformats.org/presentationml/2006/main">
+  <p:cSld>
+    <p:spTree>
+      <p:nvGrpSpPr>
+        <p:cNvPr id="1" name=""/>
+        <p:cNvGrpSpPr/>
+        <p:nvPr/>
+      </p:nvGrpSpPr>
+      <p:grpSpPr>
+        <a:xfrm>
+          <a:off x="0" y="0"/>
+          <a:ext cx="0" cy="0"/>
+          <a:chOff x="0" y="0"/>
+          <a:chExt cx="0" cy="0"/>
+        </a:xfrm>
+      </p:grpSpPr>
+      <p:sp>
+        <p:nvSpPr>
+          <p:cNvPr id="2" name="標題 1"/>
+          <p:cNvSpPr>
+            <a:spLocks noGrp="1"/>
+          </p:cNvSpPr>
+          <p:nvPr>
+            <p:ph type="title"/>
+          </p:nvPr>
+        </p:nvSpPr>
+        <p:spPr/>
+        <p:txBody>
+          <a:bodyPr/>
+          <a:lstStyle/>
+          <a:p>
+            <a:r>
+              <a:rPr lang="zh-TW" altLang="en-US" dirty="0" smtClean="0"/>
+              <a:t>稽核事件、任務</a:t>
+            </a:r>
+            <a:endParaRPr lang="zh-TW" altLang="en-US" dirty="0"/>
+          </a:p>
+        </p:txBody>
+      </p:sp>
+      <p:sp>
+        <p:nvSpPr>
+          <p:cNvPr id="3" name="內容版面配置區 2"/>
+          <p:cNvSpPr>
+            <a:spLocks noGrp="1"/>
+          </p:cNvSpPr>
+          <p:nvPr>
+            <p:ph idx="1"/>
+          </p:nvPr>
+        </p:nvSpPr>
+        <p:spPr/>
+        <p:txBody>
+          <a:bodyPr>
+            <a:normAutofit/>
+          </a:bodyPr>
+          <a:lstStyle/>
+          <a:p>
+            <a:r>
+              <a:rPr lang="zh-TW" altLang="en-US" dirty="0" smtClean="0"/>
+              <a:t>持續一段時間</a:t>
+            </a:r>
+            <a:endParaRPr lang="en-US" altLang="zh-TW" dirty="0" smtClean="0"/>
+          </a:p>
+          <a:p>
+            <a:r>
+              <a:rPr lang="zh-TW" altLang="en-US" dirty="0" smtClean="0"/>
+              <a:t>期間</a:t>
+            </a:r>
+            <a:r>
+              <a:rPr lang="zh-TW" altLang="en-US" dirty="0"/>
+              <a:t>可以指派多筆稽核</a:t>
+            </a:r>
+            <a:r>
+              <a:rPr lang="zh-TW" altLang="en-US" dirty="0" smtClean="0"/>
+              <a:t>任務</a:t>
+            </a:r>
+            <a:endParaRPr lang="en-US" altLang="zh-TW" dirty="0" smtClean="0"/>
+          </a:p>
+          <a:p>
+            <a:r>
+              <a:rPr lang="zh-TW" altLang="en-US" dirty="0" smtClean="0"/>
+              <a:t>一</a:t>
+            </a:r>
+            <a:r>
+              <a:rPr lang="zh-TW" altLang="en-US" dirty="0"/>
+              <a:t>筆稽核</a:t>
+            </a:r>
+            <a:r>
+              <a:rPr lang="zh-TW" altLang="en-US" dirty="0" smtClean="0"/>
+              <a:t>任務由</a:t>
+            </a:r>
+            <a:r>
+              <a:rPr lang="zh-TW" altLang="en-US" dirty="0"/>
+              <a:t>一名稽核</a:t>
+            </a:r>
+            <a:r>
+              <a:rPr lang="zh-TW" altLang="en-US" dirty="0" smtClean="0"/>
+              <a:t>人員完成稽核、填寫回報</a:t>
+            </a:r>
+            <a:endParaRPr lang="en-US" altLang="zh-TW" dirty="0" smtClean="0"/>
+          </a:p>
+          <a:p>
+            <a:r>
+              <a:rPr lang="zh-TW" altLang="en-US" dirty="0" smtClean="0"/>
+              <a:t>填寫完成後寄信至主管信箱</a:t>
+            </a:r>
+            <a:endParaRPr lang="en-US" altLang="zh-TW" dirty="0" smtClean="0"/>
+          </a:p>
+          <a:p>
+            <a:r>
+              <a:rPr lang="zh-TW" altLang="en-US" dirty="0" smtClean="0"/>
+              <a:t>主管</a:t>
+            </a:r>
+            <a:r>
+              <a:rPr lang="zh-TW" altLang="en-US" dirty="0"/>
+              <a:t>簽署</a:t>
+            </a:r>
+            <a:r>
+              <a:rPr lang="zh-TW" altLang="en-US" dirty="0" smtClean="0"/>
+              <a:t>後寄信</a:t>
+            </a:r>
+            <a:r>
+              <a:rPr lang="zh-TW" altLang="en-US" dirty="0"/>
+              <a:t>至稽核小組</a:t>
+            </a:r>
+            <a:r>
+              <a:rPr lang="zh-TW" altLang="en-US" dirty="0" smtClean="0"/>
+              <a:t>信箱</a:t>
+            </a:r>
+            <a:endParaRPr lang="en-US" altLang="zh-TW" dirty="0" smtClean="0"/>
+          </a:p>
+          <a:p>
+            <a:r>
+              <a:rPr lang="zh-TW" altLang="en-US" dirty="0" smtClean="0"/>
+              <a:t>簽署結束＝回報完成</a:t>
+            </a:r>
+            <a:endParaRPr lang="en-US" altLang="zh-TW" dirty="0" smtClean="0"/>
+          </a:p>
+          <a:p>
+            <a:r>
+              <a:rPr lang="zh-TW" altLang="en-US" dirty="0" smtClean="0"/>
+              <a:t>由</a:t>
+            </a:r>
+            <a:r>
+              <a:rPr lang="zh-TW" altLang="en-US" dirty="0"/>
+              <a:t>受稽機關進行矯正預防</a:t>
+            </a:r>
+            <a:r>
+              <a:rPr lang="zh-TW" altLang="en-US" dirty="0" smtClean="0"/>
+              <a:t>處理、填寫</a:t>
+            </a:r>
+            <a:r>
+              <a:rPr lang="zh-TW" altLang="en-US" dirty="0"/>
+              <a:t>矯正預防</a:t>
+            </a:r>
+            <a:r>
+              <a:rPr lang="zh-TW" altLang="en-US" dirty="0" smtClean="0"/>
+              <a:t>結果</a:t>
+            </a:r>
+            <a:endParaRPr lang="en-US" altLang="zh-TW" dirty="0" smtClean="0"/>
+          </a:p>
+          <a:p>
+            <a:r>
+              <a:rPr lang="zh-TW" altLang="en-US" dirty="0" smtClean="0"/>
+              <a:t>填寫完成寄信</a:t>
+            </a:r>
+            <a:r>
+              <a:rPr lang="zh-TW" altLang="en-US" dirty="0"/>
+              <a:t>至主管</a:t>
+            </a:r>
+            <a:r>
+              <a:rPr lang="zh-TW" altLang="en-US" dirty="0" smtClean="0"/>
+              <a:t>信箱</a:t>
+            </a:r>
+            <a:endParaRPr lang="en-US" altLang="zh-TW" dirty="0" smtClean="0"/>
+          </a:p>
+          <a:p>
+            <a:r>
+              <a:rPr lang="zh-TW" altLang="en-US" dirty="0" smtClean="0"/>
+              <a:t>簽署成功＝矯正完成＝一筆稽核完成。</a:t>
+            </a:r>
+            <a:br>
+              <a:rPr lang="zh-TW" altLang="en-US" dirty="0" smtClean="0"/>
+            </a:br>
+            <a:endParaRPr lang="zh-TW" altLang="en-US" dirty="0"/>
+          </a:p>
+        </p:txBody>
+      </p:sp>
+    </p:spTree>
+    <p:extLst>
+      <p:ext uri="{BB962C8B-B14F-4D97-AF65-F5344CB8AC3E}">
+        <p14:creationId xmlns:p14="http://schemas.microsoft.com/office/powerpoint/2010/main" val="2879552582"/>
+      </p:ext>
+    </p:extLst>
+  </p:cSld>
+  <p:clrMapOvr>
+    <a:masterClrMapping/>
+  </p:clrMapOvr>
+  <p:timing>
+    <p:tnLst>
+      <p:par>
+        <p:cTn id="1" dur="indefinite" restart="never" nodeType="tmRoot"/>
+      </p:par>
+    </p:tnLst>
+  </p:timing>
+</p:sld>
+</file>
+
+<file path=ppt/slides/slide27.xml><?xml version="1.0" encoding="utf-8"?>
+<p:sld xmlns:a="http://schemas.openxmlformats.org/drawingml/2006/main" xmlns:r="http://schemas.openxmlformats.org/officeDocument/2006/relationships" xmlns:p="http://schemas.openxmlformats.org/presentationml/2006/main">
+  <p:cSld>
+    <p:spTree>
+      <p:nvGrpSpPr>
+        <p:cNvPr id="1" name=""/>
+        <p:cNvGrpSpPr/>
+        <p:nvPr/>
+      </p:nvGrpSpPr>
+      <p:grpSpPr>
+        <a:xfrm>
+          <a:off x="0" y="0"/>
+          <a:ext cx="0" cy="0"/>
+          <a:chOff x="0" y="0"/>
+          <a:chExt cx="0" cy="0"/>
+        </a:xfrm>
+      </p:grpSpPr>
+      <p:sp>
+        <p:nvSpPr>
           <p:cNvPr id="2" name="標題 1"/>
           <p:cNvSpPr>
             <a:spLocks noGrp="1"/>
@@ -11857,7 +12136,7 @@
 </p:sld>
 </file>
 
-<file path=ppt/slides/slide26.xml><?xml version="1.0" encoding="utf-8"?>
+<file path=ppt/slides/slide28.xml><?xml version="1.0" encoding="utf-8"?>
 <p:sld xmlns:a="http://schemas.openxmlformats.org/drawingml/2006/main" xmlns:r="http://schemas.openxmlformats.org/officeDocument/2006/relationships" xmlns:p="http://schemas.openxmlformats.org/presentationml/2006/main">
   <p:cSld>
     <p:spTree>
@@ -11972,7 +12251,7 @@
 </p:sld>
 </file>
 
-<file path=ppt/slides/slide27.xml><?xml version="1.0" encoding="utf-8"?>
+<file path=ppt/slides/slide29.xml><?xml version="1.0" encoding="utf-8"?>
 <p:sld xmlns:a="http://schemas.openxmlformats.org/drawingml/2006/main" xmlns:r="http://schemas.openxmlformats.org/officeDocument/2006/relationships" xmlns:p="http://schemas.openxmlformats.org/presentationml/2006/main">
   <p:cSld>
     <p:spTree>
@@ -12071,248 +12350,6 @@
     <p:extLst>
       <p:ext uri="{BB962C8B-B14F-4D97-AF65-F5344CB8AC3E}">
         <p14:creationId xmlns:p14="http://schemas.microsoft.com/office/powerpoint/2010/main" val="2751504223"/>
-      </p:ext>
-    </p:extLst>
-  </p:cSld>
-  <p:clrMapOvr>
-    <a:masterClrMapping/>
-  </p:clrMapOvr>
-  <p:timing>
-    <p:tnLst>
-      <p:par>
-        <p:cTn id="1" dur="indefinite" restart="never" nodeType="tmRoot"/>
-      </p:par>
-    </p:tnLst>
-  </p:timing>
-</p:sld>
-</file>
-
-<file path=ppt/slides/slide28.xml><?xml version="1.0" encoding="utf-8"?>
-<p:sld xmlns:a="http://schemas.openxmlformats.org/drawingml/2006/main" xmlns:r="http://schemas.openxmlformats.org/officeDocument/2006/relationships" xmlns:p="http://schemas.openxmlformats.org/presentationml/2006/main">
-  <p:cSld>
-    <p:spTree>
-      <p:nvGrpSpPr>
-        <p:cNvPr id="1" name=""/>
-        <p:cNvGrpSpPr/>
-        <p:nvPr/>
-      </p:nvGrpSpPr>
-      <p:grpSpPr>
-        <a:xfrm>
-          <a:off x="0" y="0"/>
-          <a:ext cx="0" cy="0"/>
-          <a:chOff x="0" y="0"/>
-          <a:chExt cx="0" cy="0"/>
-        </a:xfrm>
-      </p:grpSpPr>
-      <p:sp>
-        <p:nvSpPr>
-          <p:cNvPr id="4" name="標題 3"/>
-          <p:cNvSpPr>
-            <a:spLocks noGrp="1"/>
-          </p:cNvSpPr>
-          <p:nvPr>
-            <p:ph type="title"/>
-          </p:nvPr>
-        </p:nvSpPr>
-        <p:spPr>
-          <a:xfrm>
-            <a:off x="467544" y="2564904"/>
-            <a:ext cx="8229600" cy="1156990"/>
-          </a:xfrm>
-        </p:spPr>
-        <p:txBody>
-          <a:bodyPr/>
-          <a:lstStyle/>
-          <a:p>
-            <a:r>
-              <a:rPr lang="zh-TW" altLang="en-US" dirty="0" smtClean="0"/>
-              <a:t>功能介紹</a:t>
-            </a:r>
-            <a:endParaRPr lang="zh-TW" altLang="en-US" dirty="0"/>
-          </a:p>
-        </p:txBody>
-      </p:sp>
-    </p:spTree>
-    <p:extLst>
-      <p:ext uri="{BB962C8B-B14F-4D97-AF65-F5344CB8AC3E}">
-        <p14:creationId xmlns:p14="http://schemas.microsoft.com/office/powerpoint/2010/main" val="693232607"/>
-      </p:ext>
-    </p:extLst>
-  </p:cSld>
-  <p:clrMapOvr>
-    <a:masterClrMapping/>
-  </p:clrMapOvr>
-  <p:timing>
-    <p:tnLst>
-      <p:par>
-        <p:cTn id="1" dur="indefinite" restart="never" nodeType="tmRoot"/>
-      </p:par>
-    </p:tnLst>
-  </p:timing>
-</p:sld>
-</file>
-
-<file path=ppt/slides/slide29.xml><?xml version="1.0" encoding="utf-8"?>
-<p:sld xmlns:a="http://schemas.openxmlformats.org/drawingml/2006/main" xmlns:r="http://schemas.openxmlformats.org/officeDocument/2006/relationships" xmlns:p="http://schemas.openxmlformats.org/presentationml/2006/main">
-  <p:cSld>
-    <p:spTree>
-      <p:nvGrpSpPr>
-        <p:cNvPr id="1" name=""/>
-        <p:cNvGrpSpPr/>
-        <p:nvPr/>
-      </p:nvGrpSpPr>
-      <p:grpSpPr>
-        <a:xfrm>
-          <a:off x="0" y="0"/>
-          <a:ext cx="0" cy="0"/>
-          <a:chOff x="0" y="0"/>
-          <a:chExt cx="0" cy="0"/>
-        </a:xfrm>
-      </p:grpSpPr>
-      <p:sp>
-        <p:nvSpPr>
-          <p:cNvPr id="2" name="標題 1"/>
-          <p:cNvSpPr>
-            <a:spLocks noGrp="1"/>
-          </p:cNvSpPr>
-          <p:nvPr>
-            <p:ph type="title"/>
-          </p:nvPr>
-        </p:nvSpPr>
-        <p:spPr/>
-        <p:txBody>
-          <a:bodyPr/>
-          <a:lstStyle/>
-          <a:p>
-            <a:r>
-              <a:rPr lang="zh-TW" altLang="en-US" dirty="0" smtClean="0"/>
-              <a:t>功能介紹</a:t>
-            </a:r>
-            <a:endParaRPr lang="zh-TW" altLang="en-US" dirty="0"/>
-          </a:p>
-        </p:txBody>
-      </p:sp>
-      <p:sp>
-        <p:nvSpPr>
-          <p:cNvPr id="3" name="內容版面配置區 2"/>
-          <p:cNvSpPr>
-            <a:spLocks noGrp="1"/>
-          </p:cNvSpPr>
-          <p:nvPr>
-            <p:ph idx="1"/>
-          </p:nvPr>
-        </p:nvSpPr>
-        <p:spPr/>
-        <p:txBody>
-          <a:bodyPr>
-            <a:normAutofit/>
-          </a:bodyPr>
-          <a:lstStyle/>
-          <a:p>
-            <a:r>
-              <a:rPr lang="zh-TW" altLang="en-US" dirty="0" smtClean="0"/>
-              <a:t>身份驗證以及登入</a:t>
-            </a:r>
-            <a:endParaRPr lang="en-US" altLang="zh-TW" dirty="0" smtClean="0"/>
-          </a:p>
-          <a:p>
-            <a:pPr lvl="1"/>
-            <a:r>
-              <a:rPr lang="zh-TW" altLang="en-US" dirty="0" smtClean="0"/>
-              <a:t>資料庫存取</a:t>
-            </a:r>
-            <a:endParaRPr lang="en-US" altLang="zh-TW" dirty="0" smtClean="0"/>
-          </a:p>
-          <a:p>
-            <a:pPr lvl="1"/>
-            <a:r>
-              <a:rPr lang="en-US" altLang="zh-TW" dirty="0" smtClean="0"/>
-              <a:t>Session </a:t>
-            </a:r>
-            <a:r>
-              <a:rPr lang="zh-TW" altLang="en-US" dirty="0" smtClean="0"/>
-              <a:t>記錄</a:t>
-            </a:r>
-            <a:endParaRPr lang="en-US" altLang="zh-TW" dirty="0" smtClean="0"/>
-          </a:p>
-          <a:p>
-            <a:pPr lvl="1"/>
-            <a:r>
-              <a:rPr lang="zh-TW" altLang="en-US" dirty="0" smtClean="0"/>
-              <a:t>存</a:t>
-            </a:r>
-            <a:r>
-              <a:rPr lang="zh-TW" altLang="en-US" dirty="0"/>
-              <a:t>取控管</a:t>
-            </a:r>
-          </a:p>
-          <a:p>
-            <a:r>
-              <a:rPr lang="zh-TW" altLang="en-US" dirty="0"/>
-              <a:t>管理</a:t>
-            </a:r>
-            <a:r>
-              <a:rPr lang="zh-TW" altLang="en-US" dirty="0" smtClean="0"/>
-              <a:t>介面</a:t>
-            </a:r>
-            <a:endParaRPr lang="en-US" altLang="zh-TW" dirty="0" smtClean="0"/>
-          </a:p>
-          <a:p>
-            <a:pPr lvl="1"/>
-            <a:r>
-              <a:rPr lang="zh-TW" altLang="en-US" dirty="0" smtClean="0"/>
-              <a:t>使用者</a:t>
-            </a:r>
-            <a:endParaRPr lang="en-US" altLang="zh-TW" dirty="0" smtClean="0"/>
-          </a:p>
-          <a:p>
-            <a:pPr lvl="1"/>
-            <a:r>
-              <a:rPr lang="zh-TW" altLang="en-US" dirty="0" smtClean="0"/>
-              <a:t>設定</a:t>
-            </a:r>
-            <a:endParaRPr lang="en-US" altLang="zh-TW" dirty="0" smtClean="0"/>
-          </a:p>
-          <a:p>
-            <a:pPr lvl="1"/>
-            <a:r>
-              <a:rPr lang="zh-TW" altLang="en-US" dirty="0" smtClean="0"/>
-              <a:t>任務</a:t>
-            </a:r>
-            <a:r>
-              <a:rPr lang="zh-TW" altLang="en-US" dirty="0"/>
-              <a:t>管理</a:t>
-            </a:r>
-          </a:p>
-          <a:p>
-            <a:r>
-              <a:rPr lang="zh-TW" altLang="en-US" dirty="0" smtClean="0"/>
-              <a:t>稽核人員介面</a:t>
-            </a:r>
-            <a:endParaRPr lang="en-US" altLang="zh-TW" dirty="0" smtClean="0"/>
-          </a:p>
-          <a:p>
-            <a:pPr lvl="1"/>
-            <a:r>
-              <a:rPr lang="zh-TW" altLang="en-US" dirty="0" smtClean="0"/>
-              <a:t>稽核行事曆</a:t>
-            </a:r>
-            <a:endParaRPr lang="en-US" altLang="zh-TW" dirty="0"/>
-          </a:p>
-          <a:p>
-            <a:pPr lvl="1"/>
-            <a:r>
-              <a:rPr lang="zh-TW" altLang="en-US" dirty="0" smtClean="0"/>
-              <a:t>稽核報告填寫與暫存</a:t>
-            </a:r>
-            <a:endParaRPr lang="zh-TW" altLang="en-US" dirty="0"/>
-          </a:p>
-        </p:txBody>
-      </p:sp>
-    </p:spTree>
-    <p:extLst>
-      <p:ext uri="{BB962C8B-B14F-4D97-AF65-F5344CB8AC3E}">
-        <p14:creationId xmlns:p14="http://schemas.microsoft.com/office/powerpoint/2010/main" val="3227895633"/>
       </p:ext>
     </p:extLst>
   </p:cSld>
@@ -12745,7 +12782,7 @@
       </p:grpSpPr>
       <p:sp>
         <p:nvSpPr>
-          <p:cNvPr id="2" name="標題 1"/>
+          <p:cNvPr id="4" name="標題 3"/>
           <p:cNvSpPr>
             <a:spLocks noGrp="1"/>
           </p:cNvSpPr>
@@ -12753,7 +12790,12 @@
             <p:ph type="title"/>
           </p:nvPr>
         </p:nvSpPr>
-        <p:spPr/>
+        <p:spPr>
+          <a:xfrm>
+            <a:off x="467544" y="2564904"/>
+            <a:ext cx="8229600" cy="1156990"/>
+          </a:xfrm>
+        </p:spPr>
         <p:txBody>
           <a:bodyPr/>
           <a:lstStyle/>
@@ -12763,93 +12805,13 @@
               <a:t>功能介紹</a:t>
             </a:r>
             <a:endParaRPr lang="zh-TW" altLang="en-US" dirty="0"/>
-          </a:p>
-        </p:txBody>
-      </p:sp>
-      <p:sp>
-        <p:nvSpPr>
-          <p:cNvPr id="3" name="內容版面配置區 2"/>
-          <p:cNvSpPr>
-            <a:spLocks noGrp="1"/>
-          </p:cNvSpPr>
-          <p:nvPr>
-            <p:ph idx="1"/>
-          </p:nvPr>
-        </p:nvSpPr>
-        <p:spPr/>
-        <p:txBody>
-          <a:bodyPr>
-            <a:normAutofit/>
-          </a:bodyPr>
-          <a:lstStyle/>
-          <a:p>
-            <a:r>
-              <a:rPr lang="zh-TW" altLang="en-US" dirty="0" smtClean="0"/>
-              <a:t>稽核以及矯正預防報告產生</a:t>
-            </a:r>
-            <a:endParaRPr lang="en-US" altLang="zh-TW" dirty="0" smtClean="0"/>
-          </a:p>
-          <a:p>
-            <a:pPr lvl="1"/>
-            <a:r>
-              <a:rPr lang="en-US" altLang="zh-TW" dirty="0" smtClean="0"/>
-              <a:t>PDF </a:t>
-            </a:r>
-            <a:r>
-              <a:rPr lang="zh-TW" altLang="en-US" dirty="0"/>
-              <a:t>產生器</a:t>
-            </a:r>
-          </a:p>
-          <a:p>
-            <a:r>
-              <a:rPr lang="zh-TW" altLang="en-US" dirty="0" smtClean="0"/>
-              <a:t>單位主管通知簽署</a:t>
-            </a:r>
-            <a:endParaRPr lang="en-US" altLang="zh-TW" dirty="0" smtClean="0"/>
-          </a:p>
-          <a:p>
-            <a:pPr lvl="1"/>
-            <a:r>
-              <a:rPr lang="zh-TW" altLang="en-US" dirty="0" smtClean="0"/>
-              <a:t>藉由信件寄送簽署連結以及稽核</a:t>
-            </a:r>
-            <a:r>
-              <a:rPr lang="zh-TW" altLang="en-US" dirty="0"/>
-              <a:t>報告 </a:t>
-            </a:r>
-            <a:r>
-              <a:rPr lang="en-US" altLang="zh-TW" dirty="0"/>
-              <a:t>PDF </a:t>
-            </a:r>
-            <a:r>
-              <a:rPr lang="zh-TW" altLang="en-US" dirty="0"/>
-              <a:t>給單位主管確認</a:t>
-            </a:r>
-          </a:p>
-          <a:p>
-            <a:r>
-              <a:rPr lang="zh-TW" altLang="en-US" dirty="0" smtClean="0"/>
-              <a:t>受稽單位介面</a:t>
-            </a:r>
-            <a:endParaRPr lang="en-US" altLang="zh-TW" dirty="0" smtClean="0"/>
-          </a:p>
-          <a:p>
-            <a:pPr lvl="1"/>
-            <a:r>
-              <a:rPr lang="zh-TW" altLang="en-US" dirty="0" smtClean="0"/>
-              <a:t>矯正預防報告填寫</a:t>
-            </a:r>
-            <a:r>
-              <a:rPr lang="zh-TW" altLang="en-US" dirty="0"/>
-              <a:t>或指定其他同仁填寫</a:t>
-            </a:r>
           </a:p>
         </p:txBody>
       </p:sp>
     </p:spTree>
     <p:extLst>
       <p:ext uri="{BB962C8B-B14F-4D97-AF65-F5344CB8AC3E}">
-        <p14:creationId xmlns:p14="http://schemas.microsoft.com/office/powerpoint/2010/main" val="950409900"/>
+        <p14:creationId xmlns:p14="http://schemas.microsoft.com/office/powerpoint/2010/main" val="693232607"/>
       </p:ext>
     </p:extLst>
   </p:cSld>
@@ -12885,7 +12847,7 @@
       </p:grpSpPr>
       <p:sp>
         <p:nvSpPr>
-          <p:cNvPr id="4" name="標題 3"/>
+          <p:cNvPr id="2" name="標題 1"/>
           <p:cNvSpPr>
             <a:spLocks noGrp="1"/>
           </p:cNvSpPr>
@@ -12893,28 +12855,140 @@
             <p:ph type="title"/>
           </p:nvPr>
         </p:nvSpPr>
-        <p:spPr>
-          <a:xfrm>
-            <a:off x="467544" y="2564904"/>
-            <a:ext cx="8229600" cy="1156990"/>
-          </a:xfrm>
-        </p:spPr>
+        <p:spPr/>
         <p:txBody>
           <a:bodyPr/>
           <a:lstStyle/>
           <a:p>
             <a:r>
               <a:rPr lang="zh-TW" altLang="en-US" dirty="0" smtClean="0"/>
-              <a:t>管理介面</a:t>
+              <a:t>功能介紹</a:t>
+            </a:r>
+            <a:endParaRPr lang="zh-TW" altLang="en-US" dirty="0"/>
+          </a:p>
+        </p:txBody>
+      </p:sp>
+      <p:sp>
+        <p:nvSpPr>
+          <p:cNvPr id="3" name="內容版面配置區 2"/>
+          <p:cNvSpPr>
+            <a:spLocks noGrp="1"/>
+          </p:cNvSpPr>
+          <p:nvPr>
+            <p:ph idx="1"/>
+          </p:nvPr>
+        </p:nvSpPr>
+        <p:spPr/>
+        <p:txBody>
+          <a:bodyPr>
+            <a:normAutofit/>
+          </a:bodyPr>
+          <a:lstStyle/>
+          <a:p>
+            <a:r>
+              <a:rPr lang="zh-TW" altLang="en-US" dirty="0" smtClean="0"/>
+              <a:t>身份驗證以及登入</a:t>
+            </a:r>
+            <a:endParaRPr lang="en-US" altLang="zh-TW" dirty="0" smtClean="0"/>
+          </a:p>
+          <a:p>
+            <a:pPr lvl="1"/>
+            <a:r>
+              <a:rPr lang="zh-TW" altLang="en-US" dirty="0" smtClean="0"/>
+              <a:t>資料庫存取</a:t>
+            </a:r>
+            <a:endParaRPr lang="en-US" altLang="zh-TW" dirty="0" smtClean="0"/>
+          </a:p>
+          <a:p>
+            <a:pPr lvl="1"/>
+            <a:r>
+              <a:rPr lang="en-US" altLang="zh-TW" dirty="0" smtClean="0"/>
+              <a:t>Session </a:t>
+            </a:r>
+            <a:r>
+              <a:rPr lang="zh-TW" altLang="en-US" dirty="0" smtClean="0"/>
+              <a:t>記錄</a:t>
+            </a:r>
+            <a:endParaRPr lang="en-US" altLang="zh-TW" dirty="0" smtClean="0"/>
+          </a:p>
+          <a:p>
+            <a:pPr lvl="1"/>
+            <a:r>
+              <a:rPr lang="zh-TW" altLang="en-US" dirty="0" smtClean="0"/>
+              <a:t>存</a:t>
+            </a:r>
+            <a:r>
+              <a:rPr lang="zh-TW" altLang="en-US" dirty="0"/>
+              <a:t>取控管</a:t>
+            </a:r>
+          </a:p>
+          <a:p>
+            <a:r>
+              <a:rPr lang="zh-TW" altLang="en-US" dirty="0"/>
+              <a:t>管理</a:t>
+            </a:r>
+            <a:r>
+              <a:rPr lang="zh-TW" altLang="en-US" dirty="0" smtClean="0"/>
+              <a:t>介面</a:t>
+            </a:r>
+            <a:endParaRPr lang="en-US" altLang="zh-TW" dirty="0" smtClean="0"/>
+          </a:p>
+          <a:p>
+            <a:pPr lvl="1"/>
+            <a:r>
+              <a:rPr lang="zh-TW" altLang="en-US" dirty="0" smtClean="0"/>
+              <a:t>使用者</a:t>
+            </a:r>
+            <a:endParaRPr lang="en-US" altLang="zh-TW" dirty="0" smtClean="0"/>
+          </a:p>
+          <a:p>
+            <a:pPr lvl="1"/>
+            <a:r>
+              <a:rPr lang="zh-TW" altLang="en-US" dirty="0" smtClean="0"/>
+              <a:t>設定</a:t>
+            </a:r>
+            <a:endParaRPr lang="en-US" altLang="zh-TW" dirty="0" smtClean="0"/>
+          </a:p>
+          <a:p>
+            <a:pPr lvl="1"/>
+            <a:r>
+              <a:rPr lang="zh-TW" altLang="en-US" dirty="0" smtClean="0"/>
+              <a:t>任務</a:t>
+            </a:r>
+            <a:r>
+              <a:rPr lang="zh-TW" altLang="en-US" dirty="0"/>
+              <a:t>管理</a:t>
+            </a:r>
+          </a:p>
+          <a:p>
+            <a:r>
+              <a:rPr lang="zh-TW" altLang="en-US" dirty="0" smtClean="0"/>
+              <a:t>稽核人員介面</a:t>
+            </a:r>
+            <a:endParaRPr lang="en-US" altLang="zh-TW" dirty="0" smtClean="0"/>
+          </a:p>
+          <a:p>
+            <a:pPr lvl="1"/>
+            <a:r>
+              <a:rPr lang="zh-TW" altLang="en-US" dirty="0" smtClean="0"/>
+              <a:t>稽核行事曆</a:t>
             </a:r>
             <a:endParaRPr lang="en-US" altLang="zh-TW" dirty="0"/>
+          </a:p>
+          <a:p>
+            <a:pPr lvl="1"/>
+            <a:r>
+              <a:rPr lang="zh-TW" altLang="en-US" dirty="0" smtClean="0"/>
+              <a:t>稽核報告填寫與暫存</a:t>
+            </a:r>
+            <a:endParaRPr lang="zh-TW" altLang="en-US" dirty="0"/>
           </a:p>
         </p:txBody>
       </p:sp>
     </p:spTree>
     <p:extLst>
       <p:ext uri="{BB962C8B-B14F-4D97-AF65-F5344CB8AC3E}">
-        <p14:creationId xmlns:p14="http://schemas.microsoft.com/office/powerpoint/2010/main" val="1031223462"/>
+        <p14:creationId xmlns:p14="http://schemas.microsoft.com/office/powerpoint/2010/main" val="3227895633"/>
       </p:ext>
     </p:extLst>
   </p:cSld>
@@ -12964,6 +13038,211 @@
           <a:lstStyle/>
           <a:p>
             <a:r>
+              <a:rPr lang="zh-TW" altLang="en-US" dirty="0" smtClean="0"/>
+              <a:t>功能介紹</a:t>
+            </a:r>
+            <a:endParaRPr lang="zh-TW" altLang="en-US" dirty="0"/>
+          </a:p>
+        </p:txBody>
+      </p:sp>
+      <p:sp>
+        <p:nvSpPr>
+          <p:cNvPr id="3" name="內容版面配置區 2"/>
+          <p:cNvSpPr>
+            <a:spLocks noGrp="1"/>
+          </p:cNvSpPr>
+          <p:nvPr>
+            <p:ph idx="1"/>
+          </p:nvPr>
+        </p:nvSpPr>
+        <p:spPr/>
+        <p:txBody>
+          <a:bodyPr>
+            <a:normAutofit/>
+          </a:bodyPr>
+          <a:lstStyle/>
+          <a:p>
+            <a:r>
+              <a:rPr lang="zh-TW" altLang="en-US" dirty="0" smtClean="0"/>
+              <a:t>稽核以及矯正預防報告產生</a:t>
+            </a:r>
+            <a:endParaRPr lang="en-US" altLang="zh-TW" dirty="0" smtClean="0"/>
+          </a:p>
+          <a:p>
+            <a:pPr lvl="1"/>
+            <a:r>
+              <a:rPr lang="en-US" altLang="zh-TW" dirty="0" smtClean="0"/>
+              <a:t>PDF </a:t>
+            </a:r>
+            <a:r>
+              <a:rPr lang="zh-TW" altLang="en-US" dirty="0"/>
+              <a:t>產生器</a:t>
+            </a:r>
+          </a:p>
+          <a:p>
+            <a:r>
+              <a:rPr lang="zh-TW" altLang="en-US" dirty="0" smtClean="0"/>
+              <a:t>單位主管通知簽署</a:t>
+            </a:r>
+            <a:endParaRPr lang="en-US" altLang="zh-TW" dirty="0" smtClean="0"/>
+          </a:p>
+          <a:p>
+            <a:pPr lvl="1"/>
+            <a:r>
+              <a:rPr lang="zh-TW" altLang="en-US" dirty="0" smtClean="0"/>
+              <a:t>藉由信件寄送簽署連結以及稽核</a:t>
+            </a:r>
+            <a:r>
+              <a:rPr lang="zh-TW" altLang="en-US" dirty="0"/>
+              <a:t>報告 </a:t>
+            </a:r>
+            <a:r>
+              <a:rPr lang="en-US" altLang="zh-TW" dirty="0"/>
+              <a:t>PDF </a:t>
+            </a:r>
+            <a:r>
+              <a:rPr lang="zh-TW" altLang="en-US" dirty="0"/>
+              <a:t>給單位主管確認</a:t>
+            </a:r>
+          </a:p>
+          <a:p>
+            <a:r>
+              <a:rPr lang="zh-TW" altLang="en-US" dirty="0" smtClean="0"/>
+              <a:t>受稽單位介面</a:t>
+            </a:r>
+            <a:endParaRPr lang="en-US" altLang="zh-TW" dirty="0" smtClean="0"/>
+          </a:p>
+          <a:p>
+            <a:pPr lvl="1"/>
+            <a:r>
+              <a:rPr lang="zh-TW" altLang="en-US" dirty="0" smtClean="0"/>
+              <a:t>矯正預防報告填寫</a:t>
+            </a:r>
+            <a:r>
+              <a:rPr lang="zh-TW" altLang="en-US" dirty="0"/>
+              <a:t>或指定其他同仁填寫</a:t>
+            </a:r>
+          </a:p>
+        </p:txBody>
+      </p:sp>
+    </p:spTree>
+    <p:extLst>
+      <p:ext uri="{BB962C8B-B14F-4D97-AF65-F5344CB8AC3E}">
+        <p14:creationId xmlns:p14="http://schemas.microsoft.com/office/powerpoint/2010/main" val="950409900"/>
+      </p:ext>
+    </p:extLst>
+  </p:cSld>
+  <p:clrMapOvr>
+    <a:masterClrMapping/>
+  </p:clrMapOvr>
+  <p:timing>
+    <p:tnLst>
+      <p:par>
+        <p:cTn id="1" dur="indefinite" restart="never" nodeType="tmRoot"/>
+      </p:par>
+    </p:tnLst>
+  </p:timing>
+</p:sld>
+</file>
+
+<file path=ppt/slides/slide33.xml><?xml version="1.0" encoding="utf-8"?>
+<p:sld xmlns:a="http://schemas.openxmlformats.org/drawingml/2006/main" xmlns:r="http://schemas.openxmlformats.org/officeDocument/2006/relationships" xmlns:p="http://schemas.openxmlformats.org/presentationml/2006/main">
+  <p:cSld>
+    <p:spTree>
+      <p:nvGrpSpPr>
+        <p:cNvPr id="1" name=""/>
+        <p:cNvGrpSpPr/>
+        <p:nvPr/>
+      </p:nvGrpSpPr>
+      <p:grpSpPr>
+        <a:xfrm>
+          <a:off x="0" y="0"/>
+          <a:ext cx="0" cy="0"/>
+          <a:chOff x="0" y="0"/>
+          <a:chExt cx="0" cy="0"/>
+        </a:xfrm>
+      </p:grpSpPr>
+      <p:sp>
+        <p:nvSpPr>
+          <p:cNvPr id="4" name="標題 3"/>
+          <p:cNvSpPr>
+            <a:spLocks noGrp="1"/>
+          </p:cNvSpPr>
+          <p:nvPr>
+            <p:ph type="title"/>
+          </p:nvPr>
+        </p:nvSpPr>
+        <p:spPr>
+          <a:xfrm>
+            <a:off x="467544" y="2564904"/>
+            <a:ext cx="8229600" cy="1156990"/>
+          </a:xfrm>
+        </p:spPr>
+        <p:txBody>
+          <a:bodyPr/>
+          <a:lstStyle/>
+          <a:p>
+            <a:r>
+              <a:rPr lang="zh-TW" altLang="en-US" dirty="0" smtClean="0"/>
+              <a:t>管理介面</a:t>
+            </a:r>
+            <a:endParaRPr lang="en-US" altLang="zh-TW" dirty="0"/>
+          </a:p>
+        </p:txBody>
+      </p:sp>
+    </p:spTree>
+    <p:extLst>
+      <p:ext uri="{BB962C8B-B14F-4D97-AF65-F5344CB8AC3E}">
+        <p14:creationId xmlns:p14="http://schemas.microsoft.com/office/powerpoint/2010/main" val="1031223462"/>
+      </p:ext>
+    </p:extLst>
+  </p:cSld>
+  <p:clrMapOvr>
+    <a:masterClrMapping/>
+  </p:clrMapOvr>
+  <p:timing>
+    <p:tnLst>
+      <p:par>
+        <p:cTn id="1" dur="indefinite" restart="never" nodeType="tmRoot"/>
+      </p:par>
+    </p:tnLst>
+  </p:timing>
+</p:sld>
+</file>
+
+<file path=ppt/slides/slide34.xml><?xml version="1.0" encoding="utf-8"?>
+<p:sld xmlns:a="http://schemas.openxmlformats.org/drawingml/2006/main" xmlns:r="http://schemas.openxmlformats.org/officeDocument/2006/relationships" xmlns:p="http://schemas.openxmlformats.org/presentationml/2006/main">
+  <p:cSld>
+    <p:spTree>
+      <p:nvGrpSpPr>
+        <p:cNvPr id="1" name=""/>
+        <p:cNvGrpSpPr/>
+        <p:nvPr/>
+      </p:nvGrpSpPr>
+      <p:grpSpPr>
+        <a:xfrm>
+          <a:off x="0" y="0"/>
+          <a:ext cx="0" cy="0"/>
+          <a:chOff x="0" y="0"/>
+          <a:chExt cx="0" cy="0"/>
+        </a:xfrm>
+      </p:grpSpPr>
+      <p:sp>
+        <p:nvSpPr>
+          <p:cNvPr id="2" name="標題 1"/>
+          <p:cNvSpPr>
+            <a:spLocks noGrp="1"/>
+          </p:cNvSpPr>
+          <p:nvPr>
+            <p:ph type="title"/>
+          </p:nvPr>
+        </p:nvSpPr>
+        <p:spPr/>
+        <p:txBody>
+          <a:bodyPr/>
+          <a:lstStyle/>
+          <a:p>
+            <a:r>
               <a:rPr kumimoji="1" lang="zh-TW" altLang="en-US" dirty="0" smtClean="0"/>
               <a:t>行事曆</a:t>
             </a:r>
@@ -13077,7 +13356,7 @@
 </p:sld>
 </file>
 
-<file path=ppt/slides/slide33.xml><?xml version="1.0" encoding="utf-8"?>
+<file path=ppt/slides/slide35.xml><?xml version="1.0" encoding="utf-8"?>
 <p:sld xmlns:a="http://schemas.openxmlformats.org/drawingml/2006/main" xmlns:r="http://schemas.openxmlformats.org/officeDocument/2006/relationships" xmlns:p="http://schemas.openxmlformats.org/presentationml/2006/main">
   <p:cSld>
     <p:spTree>
@@ -13167,7 +13446,7 @@
 </p:sld>
 </file>
 
-<file path=ppt/slides/slide34.xml><?xml version="1.0" encoding="utf-8"?>
+<file path=ppt/slides/slide36.xml><?xml version="1.0" encoding="utf-8"?>
 <p:sld xmlns:a="http://schemas.openxmlformats.org/drawingml/2006/main" xmlns:r="http://schemas.openxmlformats.org/officeDocument/2006/relationships" xmlns:p="http://schemas.openxmlformats.org/presentationml/2006/main">
   <p:cSld>
     <p:spTree>
@@ -13276,303 +13555,6 @@
 </p:sld>
 </file>
 
-<file path=ppt/slides/slide35.xml><?xml version="1.0" encoding="utf-8"?>
-<p:sld xmlns:a="http://schemas.openxmlformats.org/drawingml/2006/main" xmlns:r="http://schemas.openxmlformats.org/officeDocument/2006/relationships" xmlns:p="http://schemas.openxmlformats.org/presentationml/2006/main">
-  <p:cSld>
-    <p:spTree>
-      <p:nvGrpSpPr>
-        <p:cNvPr id="1" name=""/>
-        <p:cNvGrpSpPr/>
-        <p:nvPr/>
-      </p:nvGrpSpPr>
-      <p:grpSpPr>
-        <a:xfrm>
-          <a:off x="0" y="0"/>
-          <a:ext cx="0" cy="0"/>
-          <a:chOff x="0" y="0"/>
-          <a:chExt cx="0" cy="0"/>
-        </a:xfrm>
-      </p:grpSpPr>
-      <p:sp>
-        <p:nvSpPr>
-          <p:cNvPr id="4" name="標題 3"/>
-          <p:cNvSpPr>
-            <a:spLocks noGrp="1"/>
-          </p:cNvSpPr>
-          <p:nvPr>
-            <p:ph type="title"/>
-          </p:nvPr>
-        </p:nvSpPr>
-        <p:spPr>
-          <a:xfrm>
-            <a:off x="467544" y="2564904"/>
-            <a:ext cx="8229600" cy="1156990"/>
-          </a:xfrm>
-        </p:spPr>
-        <p:txBody>
-          <a:bodyPr/>
-          <a:lstStyle/>
-          <a:p>
-            <a:r>
-              <a:rPr lang="zh-TW" altLang="en-US" dirty="0"/>
-              <a:t>稽核以及矯正預防報告產生 </a:t>
-            </a:r>
-            <a:endParaRPr lang="en-US" altLang="zh-TW" dirty="0"/>
-          </a:p>
-        </p:txBody>
-      </p:sp>
-    </p:spTree>
-    <p:extLst>
-      <p:ext uri="{BB962C8B-B14F-4D97-AF65-F5344CB8AC3E}">
-        <p14:creationId xmlns:p14="http://schemas.microsoft.com/office/powerpoint/2010/main" val="1070661113"/>
-      </p:ext>
-    </p:extLst>
-  </p:cSld>
-  <p:clrMapOvr>
-    <a:masterClrMapping/>
-  </p:clrMapOvr>
-  <p:timing>
-    <p:tnLst>
-      <p:par>
-        <p:cTn id="1" dur="indefinite" restart="never" nodeType="tmRoot"/>
-      </p:par>
-    </p:tnLst>
-  </p:timing>
-</p:sld>
-</file>
-
-<file path=ppt/slides/slide36.xml><?xml version="1.0" encoding="utf-8"?>
-<p:sld xmlns:a="http://schemas.openxmlformats.org/drawingml/2006/main" xmlns:r="http://schemas.openxmlformats.org/officeDocument/2006/relationships" xmlns:p="http://schemas.openxmlformats.org/presentationml/2006/main">
-  <p:cSld>
-    <p:spTree>
-      <p:nvGrpSpPr>
-        <p:cNvPr id="1" name=""/>
-        <p:cNvGrpSpPr/>
-        <p:nvPr/>
-      </p:nvGrpSpPr>
-      <p:grpSpPr>
-        <a:xfrm>
-          <a:off x="0" y="0"/>
-          <a:ext cx="0" cy="0"/>
-          <a:chOff x="0" y="0"/>
-          <a:chExt cx="0" cy="0"/>
-        </a:xfrm>
-      </p:grpSpPr>
-      <p:sp>
-        <p:nvSpPr>
-          <p:cNvPr id="2" name="標題 1"/>
-          <p:cNvSpPr>
-            <a:spLocks noGrp="1"/>
-          </p:cNvSpPr>
-          <p:nvPr>
-            <p:ph type="title"/>
-          </p:nvPr>
-        </p:nvSpPr>
-        <p:spPr/>
-        <p:txBody>
-          <a:bodyPr/>
-          <a:lstStyle/>
-          <a:p>
-            <a:r>
-              <a:rPr kumimoji="1" lang="en-US" altLang="zh-Hant" dirty="0"/>
-              <a:t>PDF </a:t>
-            </a:r>
-            <a:r>
-              <a:rPr kumimoji="1" lang="zh-Hant" altLang="en-US" dirty="0"/>
-              <a:t>產生器</a:t>
-            </a:r>
-            <a:endParaRPr kumimoji="1" lang="zh-TW" altLang="en-US" dirty="0"/>
-          </a:p>
-        </p:txBody>
-      </p:sp>
-      <p:sp>
-        <p:nvSpPr>
-          <p:cNvPr id="3" name="內容版面配置區 2"/>
-          <p:cNvSpPr>
-            <a:spLocks noGrp="1"/>
-          </p:cNvSpPr>
-          <p:nvPr>
-            <p:ph idx="1"/>
-          </p:nvPr>
-        </p:nvSpPr>
-        <p:spPr/>
-        <p:txBody>
-          <a:bodyPr/>
-          <a:lstStyle/>
-          <a:p>
-            <a:r>
-              <a:rPr kumimoji="1" lang="en-US" altLang="zh-TW" dirty="0" smtClean="0">
-                <a:latin typeface="Century Gothic"/>
-                <a:cs typeface="Century Gothic"/>
-              </a:rPr>
-              <a:t>WK</a:t>
-            </a:r>
-            <a:r>
-              <a:rPr kumimoji="1" lang="en-US" altLang="zh-TW" b="1" dirty="0" smtClean="0">
-                <a:latin typeface="Courier"/>
-                <a:cs typeface="Courier"/>
-              </a:rPr>
-              <a:t>&lt;html&gt;</a:t>
-            </a:r>
-            <a:r>
-              <a:rPr kumimoji="1" lang="en-US" altLang="zh-TW" dirty="0" err="1" smtClean="0">
-                <a:latin typeface="Century Gothic"/>
-                <a:cs typeface="Century Gothic"/>
-              </a:rPr>
-              <a:t>TO</a:t>
-            </a:r>
-            <a:r>
-              <a:rPr kumimoji="1" lang="en-US" altLang="zh-TW" b="1" dirty="0" err="1" smtClean="0">
-                <a:latin typeface="Cochin"/>
-                <a:cs typeface="Cochin"/>
-              </a:rPr>
-              <a:t>pdf</a:t>
-            </a:r>
-            <a:endParaRPr kumimoji="1" lang="en-US" altLang="zh-TW" dirty="0" smtClean="0">
-              <a:latin typeface="Cochin"/>
-              <a:cs typeface="Cochin"/>
-            </a:endParaRPr>
-          </a:p>
-          <a:p>
-            <a:pPr lvl="1"/>
-            <a:r>
-              <a:rPr kumimoji="1" lang="zh-TW" altLang="en-US" dirty="0" smtClean="0"/>
-              <a:t>利用</a:t>
-            </a:r>
-            <a:r>
-              <a:rPr kumimoji="1" lang="en-US" altLang="zh-TW" dirty="0" smtClean="0"/>
-              <a:t> </a:t>
-            </a:r>
-            <a:r>
-              <a:rPr kumimoji="1" lang="en-US" altLang="zh-TW" dirty="0" err="1"/>
-              <a:t>webkit</a:t>
-            </a:r>
-            <a:r>
-              <a:rPr kumimoji="1" lang="en-US" altLang="zh-TW" dirty="0"/>
-              <a:t> </a:t>
-            </a:r>
-            <a:r>
-              <a:rPr kumimoji="1" lang="zh-TW" altLang="en-US" dirty="0"/>
-              <a:t>作為渲染引擎產生 </a:t>
-            </a:r>
-            <a:r>
-              <a:rPr kumimoji="1" lang="en-US" altLang="zh-TW" dirty="0"/>
-              <a:t>PDF </a:t>
-            </a:r>
-            <a:r>
-              <a:rPr kumimoji="1" lang="zh-TW" altLang="en-US" dirty="0"/>
-              <a:t>的</a:t>
-            </a:r>
-            <a:r>
-              <a:rPr kumimoji="1" lang="zh-TW" altLang="en-US" dirty="0" smtClean="0"/>
-              <a:t>工具</a:t>
-            </a:r>
-            <a:endParaRPr kumimoji="1" lang="en-US" altLang="zh-TW" dirty="0" smtClean="0"/>
-          </a:p>
-          <a:p>
-            <a:pPr lvl="1"/>
-            <a:r>
-              <a:rPr kumimoji="1" lang="zh-TW" altLang="en-US" dirty="0" smtClean="0"/>
-              <a:t>直接將 </a:t>
-            </a:r>
-            <a:r>
-              <a:rPr kumimoji="1" lang="en-US" altLang="zh-TW" dirty="0" smtClean="0"/>
-              <a:t>HTML </a:t>
-            </a:r>
-            <a:r>
-              <a:rPr kumimoji="1" lang="zh-TW" altLang="en-US" dirty="0" smtClean="0"/>
-              <a:t>匯出成 </a:t>
-            </a:r>
-            <a:r>
-              <a:rPr kumimoji="1" lang="en-US" altLang="zh-TW" dirty="0" smtClean="0"/>
-              <a:t>PDF</a:t>
-            </a:r>
-          </a:p>
-          <a:p>
-            <a:pPr lvl="1"/>
-            <a:r>
-              <a:rPr kumimoji="1" lang="zh-TW" altLang="en-US" dirty="0" smtClean="0"/>
-              <a:t>透過 </a:t>
-            </a:r>
-            <a:r>
-              <a:rPr kumimoji="1" lang="en-US" altLang="zh-TW" dirty="0" smtClean="0"/>
-              <a:t>Composer </a:t>
-            </a:r>
-            <a:r>
-              <a:rPr kumimoji="1" lang="zh-TW" altLang="en-US" dirty="0" smtClean="0"/>
-              <a:t>來安裝</a:t>
-            </a:r>
-            <a:endParaRPr kumimoji="1" lang="en-US" altLang="zh-TW" dirty="0"/>
-          </a:p>
-          <a:p>
-            <a:pPr lvl="1"/>
-            <a:endParaRPr kumimoji="1" lang="en-US" altLang="zh-TW" dirty="0" smtClean="0"/>
-          </a:p>
-          <a:p>
-            <a:r>
-              <a:rPr kumimoji="1" lang="zh-TW" altLang="en-US" dirty="0" smtClean="0"/>
-              <a:t>優點</a:t>
-            </a:r>
-            <a:endParaRPr kumimoji="1" lang="en-US" altLang="zh-TW" dirty="0" smtClean="0"/>
-          </a:p>
-          <a:p>
-            <a:pPr lvl="1"/>
-            <a:r>
-              <a:rPr kumimoji="1" lang="zh-TW" altLang="en-US" dirty="0" smtClean="0"/>
-              <a:t>中文支援性良好</a:t>
-            </a:r>
-            <a:endParaRPr kumimoji="1" lang="en-US" altLang="zh-TW" dirty="0"/>
-          </a:p>
-        </p:txBody>
-      </p:sp>
-      <p:pic>
-        <p:nvPicPr>
-          <p:cNvPr id="6" name="圖片 5"/>
-          <p:cNvPicPr>
-            <a:picLocks noChangeAspect="1"/>
-          </p:cNvPicPr>
-          <p:nvPr/>
-        </p:nvPicPr>
-        <p:blipFill>
-          <a:blip r:embed="rId2"/>
-          <a:stretch>
-            <a:fillRect/>
-          </a:stretch>
-        </p:blipFill>
-        <p:spPr>
-          <a:xfrm>
-            <a:off x="899592" y="1628800"/>
-            <a:ext cx="2304256" cy="380202"/>
-          </a:xfrm>
-          <a:prstGeom prst="rect">
-            <a:avLst/>
-          </a:prstGeom>
-          <a:noFill/>
-          <a:ln>
-            <a:noFill/>
-          </a:ln>
-        </p:spPr>
-      </p:pic>
-    </p:spTree>
-    <p:extLst>
-      <p:ext uri="{BB962C8B-B14F-4D97-AF65-F5344CB8AC3E}">
-        <p14:creationId xmlns:p14="http://schemas.microsoft.com/office/powerpoint/2010/main" val="1285971285"/>
-      </p:ext>
-    </p:extLst>
-  </p:cSld>
-  <p:clrMapOvr>
-    <a:masterClrMapping/>
-  </p:clrMapOvr>
-  <p:timing>
-    <p:tnLst>
-      <p:par>
-        <p:cTn id="1" dur="indefinite" restart="never" nodeType="tmRoot"/>
-      </p:par>
-    </p:tnLst>
-  </p:timing>
-</p:sld>
-</file>
-
 <file path=ppt/slides/slide37.xml><?xml version="1.0" encoding="utf-8"?>
 <p:sld xmlns:a="http://schemas.openxmlformats.org/drawingml/2006/main" xmlns:r="http://schemas.openxmlformats.org/officeDocument/2006/relationships" xmlns:p="http://schemas.openxmlformats.org/presentationml/2006/main">
   <p:cSld>
@@ -13612,7 +13594,7 @@
           <a:p>
             <a:r>
               <a:rPr lang="zh-TW" altLang="en-US" dirty="0"/>
-              <a:t>單位主管通知簽署</a:t>
+              <a:t>稽核以及矯正預防報告產生 </a:t>
             </a:r>
             <a:endParaRPr lang="en-US" altLang="zh-TW" dirty="0"/>
           </a:p>
@@ -13621,7 +13603,7 @@
     </p:spTree>
     <p:extLst>
       <p:ext uri="{BB962C8B-B14F-4D97-AF65-F5344CB8AC3E}">
-        <p14:creationId xmlns:p14="http://schemas.microsoft.com/office/powerpoint/2010/main" val="377343677"/>
+        <p14:creationId xmlns:p14="http://schemas.microsoft.com/office/powerpoint/2010/main" val="1070661113"/>
       </p:ext>
     </p:extLst>
   </p:cSld>
@@ -13671,8 +13653,12 @@
           <a:lstStyle/>
           <a:p>
             <a:r>
-              <a:rPr lang="zh-TW" altLang="en-US" dirty="0"/>
-              <a:t>單位主管通知簽署</a:t>
+              <a:rPr kumimoji="1" lang="en-US" altLang="zh-Hant" dirty="0"/>
+              <a:t>PDF </a:t>
+            </a:r>
+            <a:r>
+              <a:rPr kumimoji="1" lang="zh-Hant" altLang="en-US" dirty="0"/>
+              <a:t>產生器</a:t>
             </a:r>
             <a:endParaRPr kumimoji="1" lang="zh-TW" altLang="en-US" dirty="0"/>
           </a:p>
@@ -13690,14 +13676,75 @@
         </p:nvSpPr>
         <p:spPr/>
         <p:txBody>
-          <a:bodyPr>
-            <a:normAutofit/>
-          </a:bodyPr>
+          <a:bodyPr/>
           <a:lstStyle/>
           <a:p>
             <a:r>
+              <a:rPr kumimoji="1" lang="en-US" altLang="zh-TW" dirty="0" smtClean="0">
+                <a:latin typeface="Century Gothic"/>
+                <a:cs typeface="Century Gothic"/>
+              </a:rPr>
+              <a:t>WK</a:t>
+            </a:r>
+            <a:r>
+              <a:rPr kumimoji="1" lang="en-US" altLang="zh-TW" b="1" dirty="0" smtClean="0">
+                <a:latin typeface="Courier"/>
+                <a:cs typeface="Courier"/>
+              </a:rPr>
+              <a:t>&lt;html&gt;</a:t>
+            </a:r>
+            <a:r>
+              <a:rPr kumimoji="1" lang="en-US" altLang="zh-TW" dirty="0" err="1" smtClean="0">
+                <a:latin typeface="Century Gothic"/>
+                <a:cs typeface="Century Gothic"/>
+              </a:rPr>
+              <a:t>TO</a:t>
+            </a:r>
+            <a:r>
+              <a:rPr kumimoji="1" lang="en-US" altLang="zh-TW" b="1" dirty="0" err="1" smtClean="0">
+                <a:latin typeface="Cochin"/>
+                <a:cs typeface="Cochin"/>
+              </a:rPr>
+              <a:t>pdf</a:t>
+            </a:r>
+            <a:endParaRPr kumimoji="1" lang="en-US" altLang="zh-TW" dirty="0" smtClean="0">
+              <a:latin typeface="Cochin"/>
+              <a:cs typeface="Cochin"/>
+            </a:endParaRPr>
+          </a:p>
+          <a:p>
+            <a:pPr lvl="1"/>
+            <a:r>
               <a:rPr kumimoji="1" lang="zh-TW" altLang="en-US" dirty="0" smtClean="0"/>
-              <a:t>問題</a:t>
+              <a:t>利用</a:t>
+            </a:r>
+            <a:r>
+              <a:rPr kumimoji="1" lang="en-US" altLang="zh-TW" dirty="0" smtClean="0"/>
+              <a:t> </a:t>
+            </a:r>
+            <a:r>
+              <a:rPr kumimoji="1" lang="en-US" altLang="zh-TW" dirty="0" err="1"/>
+              <a:t>webkit</a:t>
+            </a:r>
+            <a:r>
+              <a:rPr kumimoji="1" lang="en-US" altLang="zh-TW" dirty="0"/>
+              <a:t> </a:t>
+            </a:r>
+            <a:r>
+              <a:rPr kumimoji="1" lang="zh-TW" altLang="en-US" dirty="0"/>
+              <a:t>作為渲染引擎產生 </a:t>
+            </a:r>
+            <a:r>
+              <a:rPr kumimoji="1" lang="en-US" altLang="zh-TW" dirty="0"/>
+              <a:t>PDF </a:t>
+            </a:r>
+            <a:r>
+              <a:rPr kumimoji="1" lang="zh-TW" altLang="en-US" dirty="0"/>
+              <a:t>的</a:t>
+            </a:r>
+            <a:r>
+              <a:rPr kumimoji="1" lang="zh-TW" altLang="en-US" dirty="0" smtClean="0"/>
+              <a:t>工具</a:t>
             </a:r>
             <a:endParaRPr kumimoji="1" lang="en-US" altLang="zh-TW" dirty="0" smtClean="0"/>
           </a:p>
@@ -13705,17 +13752,36 @@
             <a:pPr lvl="1"/>
             <a:r>
               <a:rPr kumimoji="1" lang="zh-TW" altLang="en-US" dirty="0" smtClean="0"/>
-              <a:t>主管帳號</a:t>
-            </a:r>
-            <a:endParaRPr kumimoji="1" lang="en-US" altLang="zh-TW" dirty="0" smtClean="0"/>
+              <a:t>直接將 </a:t>
+            </a:r>
+            <a:r>
+              <a:rPr kumimoji="1" lang="en-US" altLang="zh-TW" dirty="0" smtClean="0"/>
+              <a:t>HTML </a:t>
+            </a:r>
+            <a:r>
+              <a:rPr kumimoji="1" lang="zh-TW" altLang="en-US" dirty="0" smtClean="0"/>
+              <a:t>匯出成 </a:t>
+            </a:r>
+            <a:r>
+              <a:rPr kumimoji="1" lang="en-US" altLang="zh-TW" dirty="0" smtClean="0"/>
+              <a:t>PDF</a:t>
+            </a:r>
           </a:p>
           <a:p>
             <a:pPr lvl="1"/>
             <a:r>
               <a:rPr kumimoji="1" lang="zh-TW" altLang="en-US" dirty="0" smtClean="0"/>
-              <a:t>要如何讓主管簽署</a:t>
-            </a:r>
-            <a:endParaRPr kumimoji="1" lang="en-US" altLang="zh-TW" dirty="0" smtClean="0"/>
+              <a:t>透過 </a:t>
+            </a:r>
+            <a:r>
+              <a:rPr kumimoji="1" lang="en-US" altLang="zh-TW" dirty="0" smtClean="0"/>
+              <a:t>Composer </a:t>
+            </a:r>
+            <a:r>
+              <a:rPr kumimoji="1" lang="zh-TW" altLang="en-US" dirty="0" smtClean="0"/>
+              <a:t>來安裝</a:t>
+            </a:r>
+            <a:endParaRPr kumimoji="1" lang="en-US" altLang="zh-TW" dirty="0"/>
           </a:p>
           <a:p>
             <a:pPr lvl="1"/>
@@ -13724,7 +13790,7 @@
           <a:p>
             <a:r>
               <a:rPr kumimoji="1" lang="zh-TW" altLang="en-US" dirty="0" smtClean="0"/>
-              <a:t>解決方式</a:t>
+              <a:t>優點</a:t>
             </a:r>
             <a:endParaRPr kumimoji="1" lang="en-US" altLang="zh-TW" dirty="0" smtClean="0"/>
           </a:p>
@@ -13732,30 +13798,44 @@
             <a:pPr lvl="1"/>
             <a:r>
               <a:rPr kumimoji="1" lang="zh-TW" altLang="en-US" dirty="0" smtClean="0"/>
-              <a:t>寄電子郵件通知</a:t>
-            </a:r>
-            <a:endParaRPr kumimoji="1" lang="en-US" altLang="zh-TW" dirty="0" smtClean="0"/>
-          </a:p>
-          <a:p>
-            <a:pPr lvl="1"/>
-            <a:r>
-              <a:rPr kumimoji="1" lang="zh-TW" altLang="en-US" dirty="0" smtClean="0"/>
-              <a:t>透過一次性的簽署連結讓主管完成簽署動作。</a:t>
-            </a:r>
-            <a:endParaRPr kumimoji="1" lang="en-US" altLang="zh-TW" dirty="0" smtClean="0"/>
-          </a:p>
-          <a:p>
+              <a:t>中文支援性良好</a:t>
+            </a:r>
             <a:endParaRPr kumimoji="1" lang="en-US" altLang="zh-TW" dirty="0"/>
-          </a:p>
-          <a:p>
-            <a:endParaRPr kumimoji="1" lang="zh-TW" altLang="en-US" dirty="0"/>
           </a:p>
         </p:txBody>
       </p:sp>
+      <p:pic>
+        <p:nvPicPr>
+          <p:cNvPr id="6" name="圖片 5"/>
+          <p:cNvPicPr>
+            <a:picLocks noChangeAspect="1"/>
+          </p:cNvPicPr>
+          <p:nvPr/>
+        </p:nvPicPr>
+        <p:blipFill>
+          <a:blip r:embed="rId2"/>
+          <a:stretch>
+            <a:fillRect/>
+          </a:stretch>
+        </p:blipFill>
+        <p:spPr>
+          <a:xfrm>
+            <a:off x="899592" y="1628800"/>
+            <a:ext cx="2304256" cy="380202"/>
+          </a:xfrm>
+          <a:prstGeom prst="rect">
+            <a:avLst/>
+          </a:prstGeom>
+          <a:noFill/>
+          <a:ln>
+            <a:noFill/>
+          </a:ln>
+        </p:spPr>
+      </p:pic>
     </p:spTree>
     <p:extLst>
       <p:ext uri="{BB962C8B-B14F-4D97-AF65-F5344CB8AC3E}">
-        <p14:creationId xmlns:p14="http://schemas.microsoft.com/office/powerpoint/2010/main" val="3430539868"/>
+        <p14:creationId xmlns:p14="http://schemas.microsoft.com/office/powerpoint/2010/main" val="1285971285"/>
       </p:ext>
     </p:extLst>
   </p:cSld>
@@ -13811,15 +13891,16 @@
           <a:p>
             <a:r>
               <a:rPr lang="zh-TW" altLang="en-US" dirty="0"/>
-              <a:t>受稽單位介面</a:t>
-            </a:r>
+              <a:t>單位主管通知簽署</a:t>
+            </a:r>
+            <a:endParaRPr lang="en-US" altLang="zh-TW" dirty="0"/>
           </a:p>
         </p:txBody>
       </p:sp>
     </p:spTree>
     <p:extLst>
       <p:ext uri="{BB962C8B-B14F-4D97-AF65-F5344CB8AC3E}">
-        <p14:creationId xmlns:p14="http://schemas.microsoft.com/office/powerpoint/2010/main" val="1814644749"/>
+        <p14:creationId xmlns:p14="http://schemas.microsoft.com/office/powerpoint/2010/main" val="377343677"/>
       </p:ext>
     </p:extLst>
   </p:cSld>
@@ -15899,6 +15980,204 @@
           <a:lstStyle/>
           <a:p>
             <a:r>
+              <a:rPr lang="zh-TW" altLang="en-US" dirty="0"/>
+              <a:t>單位主管通知簽署</a:t>
+            </a:r>
+            <a:endParaRPr kumimoji="1" lang="zh-TW" altLang="en-US" dirty="0"/>
+          </a:p>
+        </p:txBody>
+      </p:sp>
+      <p:sp>
+        <p:nvSpPr>
+          <p:cNvPr id="3" name="內容版面配置區 2"/>
+          <p:cNvSpPr>
+            <a:spLocks noGrp="1"/>
+          </p:cNvSpPr>
+          <p:nvPr>
+            <p:ph idx="1"/>
+          </p:nvPr>
+        </p:nvSpPr>
+        <p:spPr/>
+        <p:txBody>
+          <a:bodyPr>
+            <a:normAutofit/>
+          </a:bodyPr>
+          <a:lstStyle/>
+          <a:p>
+            <a:r>
+              <a:rPr kumimoji="1" lang="zh-TW" altLang="en-US" dirty="0" smtClean="0"/>
+              <a:t>問題</a:t>
+            </a:r>
+            <a:endParaRPr kumimoji="1" lang="en-US" altLang="zh-TW" dirty="0" smtClean="0"/>
+          </a:p>
+          <a:p>
+            <a:pPr lvl="1"/>
+            <a:r>
+              <a:rPr kumimoji="1" lang="zh-TW" altLang="en-US" dirty="0" smtClean="0"/>
+              <a:t>主管帳號</a:t>
+            </a:r>
+            <a:endParaRPr kumimoji="1" lang="en-US" altLang="zh-TW" dirty="0" smtClean="0"/>
+          </a:p>
+          <a:p>
+            <a:pPr lvl="1"/>
+            <a:r>
+              <a:rPr kumimoji="1" lang="zh-TW" altLang="en-US" dirty="0" smtClean="0"/>
+              <a:t>要如何讓主管簽署</a:t>
+            </a:r>
+            <a:endParaRPr kumimoji="1" lang="en-US" altLang="zh-TW" dirty="0" smtClean="0"/>
+          </a:p>
+          <a:p>
+            <a:pPr lvl="1"/>
+            <a:endParaRPr kumimoji="1" lang="en-US" altLang="zh-TW" dirty="0" smtClean="0"/>
+          </a:p>
+          <a:p>
+            <a:r>
+              <a:rPr kumimoji="1" lang="zh-TW" altLang="en-US" dirty="0" smtClean="0"/>
+              <a:t>解決方式</a:t>
+            </a:r>
+            <a:endParaRPr kumimoji="1" lang="en-US" altLang="zh-TW" dirty="0" smtClean="0"/>
+          </a:p>
+          <a:p>
+            <a:pPr lvl="1"/>
+            <a:r>
+              <a:rPr kumimoji="1" lang="zh-TW" altLang="en-US" dirty="0" smtClean="0"/>
+              <a:t>寄電子郵件通知</a:t>
+            </a:r>
+            <a:endParaRPr kumimoji="1" lang="en-US" altLang="zh-TW" dirty="0" smtClean="0"/>
+          </a:p>
+          <a:p>
+            <a:pPr lvl="1"/>
+            <a:r>
+              <a:rPr kumimoji="1" lang="zh-TW" altLang="en-US" dirty="0" smtClean="0"/>
+              <a:t>透過一次性的簽署連結讓主管完成簽署動作。</a:t>
+            </a:r>
+            <a:endParaRPr kumimoji="1" lang="en-US" altLang="zh-TW" dirty="0" smtClean="0"/>
+          </a:p>
+          <a:p>
+            <a:endParaRPr kumimoji="1" lang="en-US" altLang="zh-TW" dirty="0"/>
+          </a:p>
+          <a:p>
+            <a:endParaRPr kumimoji="1" lang="zh-TW" altLang="en-US" dirty="0"/>
+          </a:p>
+        </p:txBody>
+      </p:sp>
+    </p:spTree>
+    <p:extLst>
+      <p:ext uri="{BB962C8B-B14F-4D97-AF65-F5344CB8AC3E}">
+        <p14:creationId xmlns:p14="http://schemas.microsoft.com/office/powerpoint/2010/main" val="3430539868"/>
+      </p:ext>
+    </p:extLst>
+  </p:cSld>
+  <p:clrMapOvr>
+    <a:masterClrMapping/>
+  </p:clrMapOvr>
+  <p:timing>
+    <p:tnLst>
+      <p:par>
+        <p:cTn id="1" dur="indefinite" restart="never" nodeType="tmRoot"/>
+      </p:par>
+    </p:tnLst>
+  </p:timing>
+</p:sld>
+</file>
+
+<file path=ppt/slides/slide41.xml><?xml version="1.0" encoding="utf-8"?>
+<p:sld xmlns:a="http://schemas.openxmlformats.org/drawingml/2006/main" xmlns:r="http://schemas.openxmlformats.org/officeDocument/2006/relationships" xmlns:p="http://schemas.openxmlformats.org/presentationml/2006/main">
+  <p:cSld>
+    <p:spTree>
+      <p:nvGrpSpPr>
+        <p:cNvPr id="1" name=""/>
+        <p:cNvGrpSpPr/>
+        <p:nvPr/>
+      </p:nvGrpSpPr>
+      <p:grpSpPr>
+        <a:xfrm>
+          <a:off x="0" y="0"/>
+          <a:ext cx="0" cy="0"/>
+          <a:chOff x="0" y="0"/>
+          <a:chExt cx="0" cy="0"/>
+        </a:xfrm>
+      </p:grpSpPr>
+      <p:sp>
+        <p:nvSpPr>
+          <p:cNvPr id="4" name="標題 3"/>
+          <p:cNvSpPr>
+            <a:spLocks noGrp="1"/>
+          </p:cNvSpPr>
+          <p:nvPr>
+            <p:ph type="title"/>
+          </p:nvPr>
+        </p:nvSpPr>
+        <p:spPr>
+          <a:xfrm>
+            <a:off x="467544" y="2564904"/>
+            <a:ext cx="8229600" cy="1156990"/>
+          </a:xfrm>
+        </p:spPr>
+        <p:txBody>
+          <a:bodyPr/>
+          <a:lstStyle/>
+          <a:p>
+            <a:r>
+              <a:rPr lang="zh-TW" altLang="en-US" dirty="0"/>
+              <a:t>受稽單位介面</a:t>
+            </a:r>
+          </a:p>
+        </p:txBody>
+      </p:sp>
+    </p:spTree>
+    <p:extLst>
+      <p:ext uri="{BB962C8B-B14F-4D97-AF65-F5344CB8AC3E}">
+        <p14:creationId xmlns:p14="http://schemas.microsoft.com/office/powerpoint/2010/main" val="1814644749"/>
+      </p:ext>
+    </p:extLst>
+  </p:cSld>
+  <p:clrMapOvr>
+    <a:masterClrMapping/>
+  </p:clrMapOvr>
+  <p:timing>
+    <p:tnLst>
+      <p:par>
+        <p:cTn id="1" dur="indefinite" restart="never" nodeType="tmRoot"/>
+      </p:par>
+    </p:tnLst>
+  </p:timing>
+</p:sld>
+</file>
+
+<file path=ppt/slides/slide42.xml><?xml version="1.0" encoding="utf-8"?>
+<p:sld xmlns:a="http://schemas.openxmlformats.org/drawingml/2006/main" xmlns:r="http://schemas.openxmlformats.org/officeDocument/2006/relationships" xmlns:p="http://schemas.openxmlformats.org/presentationml/2006/main">
+  <p:cSld>
+    <p:spTree>
+      <p:nvGrpSpPr>
+        <p:cNvPr id="1" name=""/>
+        <p:cNvGrpSpPr/>
+        <p:nvPr/>
+      </p:nvGrpSpPr>
+      <p:grpSpPr>
+        <a:xfrm>
+          <a:off x="0" y="0"/>
+          <a:ext cx="0" cy="0"/>
+          <a:chOff x="0" y="0"/>
+          <a:chExt cx="0" cy="0"/>
+        </a:xfrm>
+      </p:grpSpPr>
+      <p:sp>
+        <p:nvSpPr>
+          <p:cNvPr id="2" name="標題 1"/>
+          <p:cNvSpPr>
+            <a:spLocks noGrp="1"/>
+          </p:cNvSpPr>
+          <p:nvPr>
+            <p:ph type="title"/>
+          </p:nvPr>
+        </p:nvSpPr>
+        <p:spPr/>
+        <p:txBody>
+          <a:bodyPr/>
+          <a:lstStyle/>
+          <a:p>
+            <a:r>
               <a:rPr kumimoji="1" lang="zh-TW" altLang="en-US" dirty="0" smtClean="0"/>
               <a:t>填寫矯正預防報告</a:t>
             </a:r>
@@ -16004,7 +16283,7 @@
 </p:sld>
 </file>
 
-<file path=ppt/slides/slide41.xml><?xml version="1.0" encoding="utf-8"?>
+<file path=ppt/slides/slide43.xml><?xml version="1.0" encoding="utf-8"?>
 <p:sld xmlns:a="http://schemas.openxmlformats.org/drawingml/2006/main" xmlns:r="http://schemas.openxmlformats.org/officeDocument/2006/relationships" xmlns:p="http://schemas.openxmlformats.org/presentationml/2006/main">
   <p:cSld>
     <p:spTree>

--- a/Presentation/報告投影片.pptx
+++ b/Presentation/報告投影片.pptx
@@ -5,7 +5,7 @@
     <p:sldMasterId id="2147483660" r:id="rId1"/>
   </p:sldMasterIdLst>
   <p:notesMasterIdLst>
-    <p:notesMasterId r:id="rId45"/>
+    <p:notesMasterId r:id="rId44"/>
   </p:notesMasterIdLst>
   <p:sldIdLst>
     <p:sldId id="256" r:id="rId2"/>
@@ -41,16 +41,15 @@
     <p:sldId id="297" r:id="rId32"/>
     <p:sldId id="298" r:id="rId33"/>
     <p:sldId id="299" r:id="rId34"/>
-    <p:sldId id="300" r:id="rId35"/>
-    <p:sldId id="301" r:id="rId36"/>
-    <p:sldId id="302" r:id="rId37"/>
-    <p:sldId id="303" r:id="rId38"/>
-    <p:sldId id="304" r:id="rId39"/>
-    <p:sldId id="305" r:id="rId40"/>
-    <p:sldId id="306" r:id="rId41"/>
-    <p:sldId id="307" r:id="rId42"/>
-    <p:sldId id="308" r:id="rId43"/>
-    <p:sldId id="295" r:id="rId44"/>
+    <p:sldId id="301" r:id="rId35"/>
+    <p:sldId id="302" r:id="rId36"/>
+    <p:sldId id="303" r:id="rId37"/>
+    <p:sldId id="304" r:id="rId38"/>
+    <p:sldId id="305" r:id="rId39"/>
+    <p:sldId id="306" r:id="rId40"/>
+    <p:sldId id="307" r:id="rId41"/>
+    <p:sldId id="308" r:id="rId42"/>
+    <p:sldId id="295" r:id="rId43"/>
   </p:sldIdLst>
   <p:sldSz cx="9144000" cy="6858000" type="screen4x3"/>
   <p:notesSz cx="6858000" cy="9144000"/>
@@ -151,7 +150,7 @@
   </p:defaultTextStyle>
   <p:extLst>
     <p:ext uri="{EFAFB233-063F-42B5-8137-9DF3F51BA10A}">
-      <p15:sldGuideLst xmlns="" xmlns:p15="http://schemas.microsoft.com/office/powerpoint/2012/main">
+      <p15:sldGuideLst xmlns:p15="http://schemas.microsoft.com/office/powerpoint/2012/main" xmlns="">
         <p15:guide id="1" orient="horz" pos="2160">
           <p15:clr>
             <a:srgbClr val="A4A3A4"/>
@@ -2330,391 +2329,6 @@
       <dsp:cNvGrpSpPr/>
     </dsp:nvGrpSpPr>
     <dsp:grpSpPr/>
-    <dsp:sp modelId="{720DA88E-584C-487D-9E85-60CB32483A0B}">
-      <dsp:nvSpPr>
-        <dsp:cNvPr id="0" name=""/>
-        <dsp:cNvSpPr/>
-      </dsp:nvSpPr>
-      <dsp:spPr>
-        <a:xfrm>
-          <a:off x="808" y="692730"/>
-          <a:ext cx="1576909" cy="630763"/>
-        </a:xfrm>
-        <a:prstGeom prst="homePlate">
-          <a:avLst/>
-        </a:prstGeom>
-        <a:solidFill>
-          <a:schemeClr val="accent3">
-            <a:hueOff val="0"/>
-            <a:satOff val="0"/>
-            <a:lumOff val="0"/>
-            <a:alphaOff val="0"/>
-          </a:schemeClr>
-        </a:solidFill>
-        <a:ln w="25400" cap="flat" cmpd="sng" algn="ctr">
-          <a:solidFill>
-            <a:schemeClr val="lt1">
-              <a:hueOff val="0"/>
-              <a:satOff val="0"/>
-              <a:lumOff val="0"/>
-              <a:alphaOff val="0"/>
-            </a:schemeClr>
-          </a:solidFill>
-          <a:prstDash val="solid"/>
-        </a:ln>
-        <a:effectLst/>
-      </dsp:spPr>
-      <dsp:style>
-        <a:lnRef idx="2">
-          <a:scrgbClr r="0" g="0" b="0"/>
-        </a:lnRef>
-        <a:fillRef idx="1">
-          <a:scrgbClr r="0" g="0" b="0"/>
-        </a:fillRef>
-        <a:effectRef idx="0">
-          <a:scrgbClr r="0" g="0" b="0"/>
-        </a:effectRef>
-        <a:fontRef idx="minor">
-          <a:schemeClr val="lt1"/>
-        </a:fontRef>
-      </dsp:style>
-      <dsp:txBody>
-        <a:bodyPr spcFirstLastPara="0" vert="horz" wrap="square" lIns="90678" tIns="45339" rIns="22670" bIns="45339" numCol="1" spcCol="1270" anchor="ctr" anchorCtr="0">
-          <a:noAutofit/>
-        </a:bodyPr>
-        <a:lstStyle/>
-        <a:p>
-          <a:pPr lvl="0" algn="ctr" defTabSz="755650">
-            <a:lnSpc>
-              <a:spcPct val="90000"/>
-            </a:lnSpc>
-            <a:spcBef>
-              <a:spcPct val="0"/>
-            </a:spcBef>
-            <a:spcAft>
-              <a:spcPct val="35000"/>
-            </a:spcAft>
-          </a:pPr>
-          <a:r>
-            <a:rPr lang="zh-TW" altLang="en-US" sz="1700" kern="1200" dirty="0" smtClean="0"/>
-            <a:t>稽核範圍決定</a:t>
-          </a:r>
-          <a:endParaRPr lang="zh-TW" altLang="en-US" sz="1700" kern="1200" dirty="0"/>
-        </a:p>
-      </dsp:txBody>
-      <dsp:txXfrm>
-        <a:off x="808" y="692730"/>
-        <a:ext cx="1419218" cy="630763"/>
-      </dsp:txXfrm>
-    </dsp:sp>
-    <dsp:sp modelId="{81BE97D0-F5C7-4A30-85FB-6AB04F67FF42}">
-      <dsp:nvSpPr>
-        <dsp:cNvPr id="0" name=""/>
-        <dsp:cNvSpPr/>
-      </dsp:nvSpPr>
-      <dsp:spPr>
-        <a:xfrm>
-          <a:off x="1262336" y="692730"/>
-          <a:ext cx="1576909" cy="630763"/>
-        </a:xfrm>
-        <a:prstGeom prst="chevron">
-          <a:avLst/>
-        </a:prstGeom>
-        <a:solidFill>
-          <a:schemeClr val="accent3">
-            <a:hueOff val="1476047"/>
-            <a:satOff val="-11513"/>
-            <a:lumOff val="-294"/>
-            <a:alphaOff val="0"/>
-          </a:schemeClr>
-        </a:solidFill>
-        <a:ln w="25400" cap="flat" cmpd="sng" algn="ctr">
-          <a:solidFill>
-            <a:schemeClr val="lt1">
-              <a:hueOff val="0"/>
-              <a:satOff val="0"/>
-              <a:lumOff val="0"/>
-              <a:alphaOff val="0"/>
-            </a:schemeClr>
-          </a:solidFill>
-          <a:prstDash val="solid"/>
-        </a:ln>
-        <a:effectLst/>
-      </dsp:spPr>
-      <dsp:style>
-        <a:lnRef idx="2">
-          <a:scrgbClr r="0" g="0" b="0"/>
-        </a:lnRef>
-        <a:fillRef idx="1">
-          <a:scrgbClr r="0" g="0" b="0"/>
-        </a:fillRef>
-        <a:effectRef idx="0">
-          <a:scrgbClr r="0" g="0" b="0"/>
-        </a:effectRef>
-        <a:fontRef idx="minor">
-          <a:schemeClr val="lt1"/>
-        </a:fontRef>
-      </dsp:style>
-      <dsp:txBody>
-        <a:bodyPr spcFirstLastPara="0" vert="horz" wrap="square" lIns="64008" tIns="42672" rIns="21336" bIns="42672" numCol="1" spcCol="1270" anchor="ctr" anchorCtr="0">
-          <a:noAutofit/>
-        </a:bodyPr>
-        <a:lstStyle/>
-        <a:p>
-          <a:pPr lvl="0" algn="ctr" defTabSz="711200">
-            <a:lnSpc>
-              <a:spcPct val="90000"/>
-            </a:lnSpc>
-            <a:spcBef>
-              <a:spcPct val="0"/>
-            </a:spcBef>
-            <a:spcAft>
-              <a:spcPct val="35000"/>
-            </a:spcAft>
-          </a:pPr>
-          <a:r>
-            <a:rPr lang="zh-TW" altLang="en-US" sz="1600" kern="1200" dirty="0" smtClean="0"/>
-            <a:t>人員安排</a:t>
-          </a:r>
-          <a:endParaRPr lang="zh-TW" altLang="en-US" sz="1600" kern="1200" dirty="0"/>
-        </a:p>
-      </dsp:txBody>
-      <dsp:txXfrm>
-        <a:off x="1577718" y="692730"/>
-        <a:ext cx="946146" cy="630763"/>
-      </dsp:txXfrm>
-    </dsp:sp>
-    <dsp:sp modelId="{7BCC2E6B-C192-4904-A430-EAEDDCE773B3}">
-      <dsp:nvSpPr>
-        <dsp:cNvPr id="0" name=""/>
-        <dsp:cNvSpPr/>
-      </dsp:nvSpPr>
-      <dsp:spPr>
-        <a:xfrm>
-          <a:off x="2523863" y="692730"/>
-          <a:ext cx="1576909" cy="630763"/>
-        </a:xfrm>
-        <a:prstGeom prst="chevron">
-          <a:avLst/>
-        </a:prstGeom>
-        <a:solidFill>
-          <a:schemeClr val="accent3">
-            <a:hueOff val="2952094"/>
-            <a:satOff val="-23027"/>
-            <a:lumOff val="-588"/>
-            <a:alphaOff val="0"/>
-          </a:schemeClr>
-        </a:solidFill>
-        <a:ln w="25400" cap="flat" cmpd="sng" algn="ctr">
-          <a:solidFill>
-            <a:schemeClr val="lt1">
-              <a:hueOff val="0"/>
-              <a:satOff val="0"/>
-              <a:lumOff val="0"/>
-              <a:alphaOff val="0"/>
-            </a:schemeClr>
-          </a:solidFill>
-          <a:prstDash val="solid"/>
-        </a:ln>
-        <a:effectLst/>
-      </dsp:spPr>
-      <dsp:style>
-        <a:lnRef idx="2">
-          <a:scrgbClr r="0" g="0" b="0"/>
-        </a:lnRef>
-        <a:fillRef idx="1">
-          <a:scrgbClr r="0" g="0" b="0"/>
-        </a:fillRef>
-        <a:effectRef idx="0">
-          <a:scrgbClr r="0" g="0" b="0"/>
-        </a:effectRef>
-        <a:fontRef idx="minor">
-          <a:schemeClr val="lt1"/>
-        </a:fontRef>
-      </dsp:style>
-      <dsp:txBody>
-        <a:bodyPr spcFirstLastPara="0" vert="horz" wrap="square" lIns="64008" tIns="42672" rIns="21336" bIns="42672" numCol="1" spcCol="1270" anchor="ctr" anchorCtr="0">
-          <a:noAutofit/>
-        </a:bodyPr>
-        <a:lstStyle/>
-        <a:p>
-          <a:pPr lvl="0" algn="ctr" defTabSz="711200">
-            <a:lnSpc>
-              <a:spcPct val="90000"/>
-            </a:lnSpc>
-            <a:spcBef>
-              <a:spcPct val="0"/>
-            </a:spcBef>
-            <a:spcAft>
-              <a:spcPct val="35000"/>
-            </a:spcAft>
-          </a:pPr>
-          <a:r>
-            <a:rPr lang="zh-TW" altLang="en-US" sz="1600" kern="1200" dirty="0" smtClean="0"/>
-            <a:t>稽核時間安排</a:t>
-          </a:r>
-          <a:endParaRPr lang="zh-TW" altLang="en-US" sz="1600" kern="1200" dirty="0"/>
-        </a:p>
-      </dsp:txBody>
-      <dsp:txXfrm>
-        <a:off x="2839245" y="692730"/>
-        <a:ext cx="946146" cy="630763"/>
-      </dsp:txXfrm>
-    </dsp:sp>
-    <dsp:sp modelId="{1E39676C-75D1-4A84-81B6-739B5F2E2E33}">
-      <dsp:nvSpPr>
-        <dsp:cNvPr id="0" name=""/>
-        <dsp:cNvSpPr/>
-      </dsp:nvSpPr>
-      <dsp:spPr>
-        <a:xfrm>
-          <a:off x="3785391" y="692730"/>
-          <a:ext cx="1576909" cy="630763"/>
-        </a:xfrm>
-        <a:prstGeom prst="chevron">
-          <a:avLst/>
-        </a:prstGeom>
-        <a:solidFill>
-          <a:schemeClr val="accent3">
-            <a:hueOff val="4428140"/>
-            <a:satOff val="-34540"/>
-            <a:lumOff val="-883"/>
-            <a:alphaOff val="0"/>
-          </a:schemeClr>
-        </a:solidFill>
-        <a:ln w="25400" cap="flat" cmpd="sng" algn="ctr">
-          <a:solidFill>
-            <a:schemeClr val="lt1">
-              <a:hueOff val="0"/>
-              <a:satOff val="0"/>
-              <a:lumOff val="0"/>
-              <a:alphaOff val="0"/>
-            </a:schemeClr>
-          </a:solidFill>
-          <a:prstDash val="solid"/>
-        </a:ln>
-        <a:effectLst/>
-      </dsp:spPr>
-      <dsp:style>
-        <a:lnRef idx="2">
-          <a:scrgbClr r="0" g="0" b="0"/>
-        </a:lnRef>
-        <a:fillRef idx="1">
-          <a:scrgbClr r="0" g="0" b="0"/>
-        </a:fillRef>
-        <a:effectRef idx="0">
-          <a:scrgbClr r="0" g="0" b="0"/>
-        </a:effectRef>
-        <a:fontRef idx="minor">
-          <a:schemeClr val="lt1"/>
-        </a:fontRef>
-      </dsp:style>
-      <dsp:txBody>
-        <a:bodyPr spcFirstLastPara="0" vert="horz" wrap="square" lIns="68009" tIns="45339" rIns="22670" bIns="45339" numCol="1" spcCol="1270" anchor="ctr" anchorCtr="0">
-          <a:noAutofit/>
-        </a:bodyPr>
-        <a:lstStyle/>
-        <a:p>
-          <a:pPr lvl="0" algn="ctr" defTabSz="755650">
-            <a:lnSpc>
-              <a:spcPct val="90000"/>
-            </a:lnSpc>
-            <a:spcBef>
-              <a:spcPct val="0"/>
-            </a:spcBef>
-            <a:spcAft>
-              <a:spcPct val="35000"/>
-            </a:spcAft>
-          </a:pPr>
-          <a:r>
-            <a:rPr lang="zh-TW" altLang="en-US" sz="1700" kern="1200" smtClean="0"/>
-            <a:t>稽核日</a:t>
-          </a:r>
-          <a:endParaRPr lang="zh-TW" altLang="en-US" sz="1700" kern="1200"/>
-        </a:p>
-      </dsp:txBody>
-      <dsp:txXfrm>
-        <a:off x="4100773" y="692730"/>
-        <a:ext cx="946146" cy="630763"/>
-      </dsp:txXfrm>
-    </dsp:sp>
-    <dsp:sp modelId="{B308DFA5-EF74-4899-9E6E-7AA2B4D6D1AE}">
-      <dsp:nvSpPr>
-        <dsp:cNvPr id="0" name=""/>
-        <dsp:cNvSpPr/>
-      </dsp:nvSpPr>
-      <dsp:spPr>
-        <a:xfrm>
-          <a:off x="5046918" y="692730"/>
-          <a:ext cx="1576909" cy="630763"/>
-        </a:xfrm>
-        <a:prstGeom prst="chevron">
-          <a:avLst/>
-        </a:prstGeom>
-        <a:solidFill>
-          <a:schemeClr val="accent3">
-            <a:hueOff val="5904187"/>
-            <a:satOff val="-46054"/>
-            <a:lumOff val="-1177"/>
-            <a:alphaOff val="0"/>
-          </a:schemeClr>
-        </a:solidFill>
-        <a:ln w="25400" cap="flat" cmpd="sng" algn="ctr">
-          <a:solidFill>
-            <a:schemeClr val="lt1">
-              <a:hueOff val="0"/>
-              <a:satOff val="0"/>
-              <a:lumOff val="0"/>
-              <a:alphaOff val="0"/>
-            </a:schemeClr>
-          </a:solidFill>
-          <a:prstDash val="solid"/>
-        </a:ln>
-        <a:effectLst/>
-      </dsp:spPr>
-      <dsp:style>
-        <a:lnRef idx="2">
-          <a:scrgbClr r="0" g="0" b="0"/>
-        </a:lnRef>
-        <a:fillRef idx="1">
-          <a:scrgbClr r="0" g="0" b="0"/>
-        </a:fillRef>
-        <a:effectRef idx="0">
-          <a:scrgbClr r="0" g="0" b="0"/>
-        </a:effectRef>
-        <a:fontRef idx="minor">
-          <a:schemeClr val="lt1"/>
-        </a:fontRef>
-      </dsp:style>
-      <dsp:txBody>
-        <a:bodyPr spcFirstLastPara="0" vert="horz" wrap="square" lIns="48006" tIns="32004" rIns="16002" bIns="32004" numCol="1" spcCol="1270" anchor="ctr" anchorCtr="0">
-          <a:noAutofit/>
-        </a:bodyPr>
-        <a:lstStyle/>
-        <a:p>
-          <a:pPr lvl="0" algn="ctr" defTabSz="533400">
-            <a:lnSpc>
-              <a:spcPct val="90000"/>
-            </a:lnSpc>
-            <a:spcBef>
-              <a:spcPct val="0"/>
-            </a:spcBef>
-            <a:spcAft>
-              <a:spcPct val="35000"/>
-            </a:spcAft>
-          </a:pPr>
-          <a:r>
-            <a:rPr lang="zh-TW" altLang="en-US" sz="1200" kern="1200" dirty="0" smtClean="0"/>
-            <a:t>稽核員撰寫稽核報告</a:t>
-          </a:r>
-          <a:endParaRPr lang="zh-TW" altLang="en-US" sz="1200" kern="1200" dirty="0"/>
-        </a:p>
-      </dsp:txBody>
-      <dsp:txXfrm>
-        <a:off x="5362300" y="692730"/>
-        <a:ext cx="946146" cy="630763"/>
-      </dsp:txXfrm>
-    </dsp:sp>
   </dsp:spTree>
 </dsp:drawing>
 </file>
@@ -2727,314 +2341,6 @@
       <dsp:cNvGrpSpPr/>
     </dsp:nvGrpSpPr>
     <dsp:grpSpPr/>
-    <dsp:sp modelId="{720DA88E-584C-487D-9E85-60CB32483A0B}">
-      <dsp:nvSpPr>
-        <dsp:cNvPr id="0" name=""/>
-        <dsp:cNvSpPr/>
-      </dsp:nvSpPr>
-      <dsp:spPr>
-        <a:xfrm>
-          <a:off x="1940" y="618928"/>
-          <a:ext cx="1947280" cy="778912"/>
-        </a:xfrm>
-        <a:prstGeom prst="homePlate">
-          <a:avLst/>
-        </a:prstGeom>
-        <a:solidFill>
-          <a:schemeClr val="accent5">
-            <a:hueOff val="0"/>
-            <a:satOff val="0"/>
-            <a:lumOff val="0"/>
-            <a:alphaOff val="0"/>
-          </a:schemeClr>
-        </a:solidFill>
-        <a:ln w="25400" cap="flat" cmpd="sng" algn="ctr">
-          <a:solidFill>
-            <a:schemeClr val="lt1">
-              <a:hueOff val="0"/>
-              <a:satOff val="0"/>
-              <a:lumOff val="0"/>
-              <a:alphaOff val="0"/>
-            </a:schemeClr>
-          </a:solidFill>
-          <a:prstDash val="solid"/>
-        </a:ln>
-        <a:effectLst/>
-      </dsp:spPr>
-      <dsp:style>
-        <a:lnRef idx="2">
-          <a:scrgbClr r="0" g="0" b="0"/>
-        </a:lnRef>
-        <a:fillRef idx="1">
-          <a:scrgbClr r="0" g="0" b="0"/>
-        </a:fillRef>
-        <a:effectRef idx="0">
-          <a:scrgbClr r="0" g="0" b="0"/>
-        </a:effectRef>
-        <a:fontRef idx="minor">
-          <a:schemeClr val="lt1"/>
-        </a:fontRef>
-      </dsp:style>
-      <dsp:txBody>
-        <a:bodyPr spcFirstLastPara="0" vert="horz" wrap="square" lIns="106680" tIns="53340" rIns="26670" bIns="53340" numCol="1" spcCol="1270" anchor="ctr" anchorCtr="0">
-          <a:noAutofit/>
-        </a:bodyPr>
-        <a:lstStyle/>
-        <a:p>
-          <a:pPr lvl="0" algn="ctr" defTabSz="889000">
-            <a:lnSpc>
-              <a:spcPct val="90000"/>
-            </a:lnSpc>
-            <a:spcBef>
-              <a:spcPct val="0"/>
-            </a:spcBef>
-            <a:spcAft>
-              <a:spcPct val="35000"/>
-            </a:spcAft>
-          </a:pPr>
-          <a:r>
-            <a:rPr lang="zh-TW" altLang="en-US" sz="2000" kern="1200" dirty="0" smtClean="0"/>
-            <a:t>受稽單位接收稽核報告</a:t>
-          </a:r>
-          <a:endParaRPr lang="zh-TW" altLang="en-US" sz="2000" kern="1200" dirty="0"/>
-        </a:p>
-      </dsp:txBody>
-      <dsp:txXfrm>
-        <a:off x="1940" y="618928"/>
-        <a:ext cx="1752552" cy="778912"/>
-      </dsp:txXfrm>
-    </dsp:sp>
-    <dsp:sp modelId="{81BE97D0-F5C7-4A30-85FB-6AB04F67FF42}">
-      <dsp:nvSpPr>
-        <dsp:cNvPr id="0" name=""/>
-        <dsp:cNvSpPr/>
-      </dsp:nvSpPr>
-      <dsp:spPr>
-        <a:xfrm>
-          <a:off x="1559765" y="618928"/>
-          <a:ext cx="1947280" cy="778912"/>
-        </a:xfrm>
-        <a:prstGeom prst="chevron">
-          <a:avLst/>
-        </a:prstGeom>
-        <a:solidFill>
-          <a:schemeClr val="accent5">
-            <a:hueOff val="-50212"/>
-            <a:satOff val="-9634"/>
-            <a:lumOff val="1373"/>
-            <a:alphaOff val="0"/>
-          </a:schemeClr>
-        </a:solidFill>
-        <a:ln w="25400" cap="flat" cmpd="sng" algn="ctr">
-          <a:solidFill>
-            <a:schemeClr val="lt1">
-              <a:hueOff val="0"/>
-              <a:satOff val="0"/>
-              <a:lumOff val="0"/>
-              <a:alphaOff val="0"/>
-            </a:schemeClr>
-          </a:solidFill>
-          <a:prstDash val="solid"/>
-        </a:ln>
-        <a:effectLst/>
-      </dsp:spPr>
-      <dsp:style>
-        <a:lnRef idx="2">
-          <a:scrgbClr r="0" g="0" b="0"/>
-        </a:lnRef>
-        <a:fillRef idx="1">
-          <a:scrgbClr r="0" g="0" b="0"/>
-        </a:fillRef>
-        <a:effectRef idx="0">
-          <a:scrgbClr r="0" g="0" b="0"/>
-        </a:effectRef>
-        <a:fontRef idx="minor">
-          <a:schemeClr val="lt1"/>
-        </a:fontRef>
-      </dsp:style>
-      <dsp:txBody>
-        <a:bodyPr spcFirstLastPara="0" vert="horz" wrap="square" lIns="80010" tIns="53340" rIns="26670" bIns="53340" numCol="1" spcCol="1270" anchor="ctr" anchorCtr="0">
-          <a:noAutofit/>
-        </a:bodyPr>
-        <a:lstStyle/>
-        <a:p>
-          <a:pPr lvl="0" algn="ctr" defTabSz="889000">
-            <a:lnSpc>
-              <a:spcPct val="90000"/>
-            </a:lnSpc>
-            <a:spcBef>
-              <a:spcPct val="0"/>
-            </a:spcBef>
-            <a:spcAft>
-              <a:spcPct val="35000"/>
-            </a:spcAft>
-          </a:pPr>
-          <a:r>
-            <a:rPr lang="zh-TW" altLang="en-US" sz="2000" kern="1200" dirty="0" smtClean="0"/>
-            <a:t>受稽單位矯正預防</a:t>
-          </a:r>
-          <a:endParaRPr lang="zh-TW" altLang="en-US" sz="2000" kern="1200" dirty="0"/>
-        </a:p>
-      </dsp:txBody>
-      <dsp:txXfrm>
-        <a:off x="1949221" y="618928"/>
-        <a:ext cx="1168368" cy="778912"/>
-      </dsp:txXfrm>
-    </dsp:sp>
-    <dsp:sp modelId="{7BCC2E6B-C192-4904-A430-EAEDDCE773B3}">
-      <dsp:nvSpPr>
-        <dsp:cNvPr id="0" name=""/>
-        <dsp:cNvSpPr/>
-      </dsp:nvSpPr>
-      <dsp:spPr>
-        <a:xfrm>
-          <a:off x="3117590" y="618928"/>
-          <a:ext cx="1947280" cy="778912"/>
-        </a:xfrm>
-        <a:prstGeom prst="chevron">
-          <a:avLst/>
-        </a:prstGeom>
-        <a:solidFill>
-          <a:schemeClr val="accent5">
-            <a:hueOff val="-100423"/>
-            <a:satOff val="-19267"/>
-            <a:lumOff val="2745"/>
-            <a:alphaOff val="0"/>
-          </a:schemeClr>
-        </a:solidFill>
-        <a:ln w="25400" cap="flat" cmpd="sng" algn="ctr">
-          <a:solidFill>
-            <a:schemeClr val="lt1">
-              <a:hueOff val="0"/>
-              <a:satOff val="0"/>
-              <a:lumOff val="0"/>
-              <a:alphaOff val="0"/>
-            </a:schemeClr>
-          </a:solidFill>
-          <a:prstDash val="solid"/>
-        </a:ln>
-        <a:effectLst/>
-      </dsp:spPr>
-      <dsp:style>
-        <a:lnRef idx="2">
-          <a:scrgbClr r="0" g="0" b="0"/>
-        </a:lnRef>
-        <a:fillRef idx="1">
-          <a:scrgbClr r="0" g="0" b="0"/>
-        </a:fillRef>
-        <a:effectRef idx="0">
-          <a:scrgbClr r="0" g="0" b="0"/>
-        </a:effectRef>
-        <a:fontRef idx="minor">
-          <a:schemeClr val="lt1"/>
-        </a:fontRef>
-      </dsp:style>
-      <dsp:txBody>
-        <a:bodyPr spcFirstLastPara="0" vert="horz" wrap="square" lIns="80010" tIns="53340" rIns="26670" bIns="53340" numCol="1" spcCol="1270" anchor="ctr" anchorCtr="0">
-          <a:noAutofit/>
-        </a:bodyPr>
-        <a:lstStyle/>
-        <a:p>
-          <a:pPr lvl="0" algn="ctr" defTabSz="889000">
-            <a:lnSpc>
-              <a:spcPct val="90000"/>
-            </a:lnSpc>
-            <a:spcBef>
-              <a:spcPct val="0"/>
-            </a:spcBef>
-            <a:spcAft>
-              <a:spcPct val="35000"/>
-            </a:spcAft>
-          </a:pPr>
-          <a:r>
-            <a:rPr lang="zh-TW" altLang="en-US" sz="2000" kern="1200" dirty="0" smtClean="0"/>
-            <a:t>受稽單位提交報告</a:t>
-          </a:r>
-          <a:endParaRPr lang="zh-TW" altLang="en-US" sz="2000" kern="1200" dirty="0"/>
-        </a:p>
-      </dsp:txBody>
-      <dsp:txXfrm>
-        <a:off x="3507046" y="618928"/>
-        <a:ext cx="1168368" cy="778912"/>
-      </dsp:txXfrm>
-    </dsp:sp>
-    <dsp:sp modelId="{1E39676C-75D1-4A84-81B6-739B5F2E2E33}">
-      <dsp:nvSpPr>
-        <dsp:cNvPr id="0" name=""/>
-        <dsp:cNvSpPr/>
-      </dsp:nvSpPr>
-      <dsp:spPr>
-        <a:xfrm>
-          <a:off x="4675415" y="618928"/>
-          <a:ext cx="1947280" cy="778912"/>
-        </a:xfrm>
-        <a:prstGeom prst="chevron">
-          <a:avLst/>
-        </a:prstGeom>
-        <a:solidFill>
-          <a:schemeClr val="accent5">
-            <a:hueOff val="-150635"/>
-            <a:satOff val="-28901"/>
-            <a:lumOff val="4118"/>
-            <a:alphaOff val="0"/>
-          </a:schemeClr>
-        </a:solidFill>
-        <a:ln w="25400" cap="flat" cmpd="sng" algn="ctr">
-          <a:solidFill>
-            <a:schemeClr val="lt1">
-              <a:hueOff val="0"/>
-              <a:satOff val="0"/>
-              <a:lumOff val="0"/>
-              <a:alphaOff val="0"/>
-            </a:schemeClr>
-          </a:solidFill>
-          <a:prstDash val="solid"/>
-        </a:ln>
-        <a:effectLst/>
-      </dsp:spPr>
-      <dsp:style>
-        <a:lnRef idx="2">
-          <a:scrgbClr r="0" g="0" b="0"/>
-        </a:lnRef>
-        <a:fillRef idx="1">
-          <a:scrgbClr r="0" g="0" b="0"/>
-        </a:fillRef>
-        <a:effectRef idx="0">
-          <a:scrgbClr r="0" g="0" b="0"/>
-        </a:effectRef>
-        <a:fontRef idx="minor">
-          <a:schemeClr val="lt1"/>
-        </a:fontRef>
-      </dsp:style>
-      <dsp:txBody>
-        <a:bodyPr spcFirstLastPara="0" vert="horz" wrap="square" lIns="80010" tIns="53340" rIns="26670" bIns="53340" numCol="1" spcCol="1270" anchor="ctr" anchorCtr="0">
-          <a:noAutofit/>
-        </a:bodyPr>
-        <a:lstStyle/>
-        <a:p>
-          <a:pPr lvl="0" algn="ctr" defTabSz="889000">
-            <a:lnSpc>
-              <a:spcPct val="90000"/>
-            </a:lnSpc>
-            <a:spcBef>
-              <a:spcPct val="0"/>
-            </a:spcBef>
-            <a:spcAft>
-              <a:spcPct val="35000"/>
-            </a:spcAft>
-          </a:pPr>
-          <a:r>
-            <a:rPr lang="zh-TW" altLang="en-US" sz="2000" kern="1200" dirty="0" smtClean="0"/>
-            <a:t>結案歸檔</a:t>
-          </a:r>
-          <a:endParaRPr lang="zh-TW" altLang="en-US" sz="2000" kern="1200" dirty="0"/>
-        </a:p>
-      </dsp:txBody>
-      <dsp:txXfrm>
-        <a:off x="5064871" y="618928"/>
-        <a:ext cx="1168368" cy="778912"/>
-      </dsp:txXfrm>
-    </dsp:sp>
   </dsp:spTree>
 </dsp:drawing>
 </file>
@@ -5733,7 +5039,7 @@
           <a:p>
             <a:fld id="{8D3E782C-8BA5-4E75-AB3A-6430B2EE33F5}" type="datetimeFigureOut">
               <a:rPr lang="zh-TW" altLang="en-US" smtClean="0"/>
-              <a:t>2015/5/28</a:t>
+              <a:t>15/5/28</a:t>
             </a:fld>
             <a:endParaRPr lang="zh-TW" altLang="en-US"/>
           </a:p>
@@ -6203,7 +5509,7 @@
           <a:p>
             <a:fld id="{B23E3EE3-903C-6049-ABF9-CB22CD5F18D1}" type="slidenum">
               <a:rPr kumimoji="1" lang="zh-TW" altLang="en-US" smtClean="0"/>
-              <a:t>35</a:t>
+              <a:t>34</a:t>
             </a:fld>
             <a:endParaRPr kumimoji="1" lang="zh-TW" altLang="en-US"/>
           </a:p>
@@ -6385,7 +5691,7 @@
           <a:p>
             <a:fld id="{B23E3EE3-903C-6049-ABF9-CB22CD5F18D1}" type="slidenum">
               <a:rPr kumimoji="1" lang="zh-TW" altLang="en-US" smtClean="0"/>
-              <a:t>36</a:t>
+              <a:t>35</a:t>
             </a:fld>
             <a:endParaRPr kumimoji="1" lang="zh-TW" altLang="en-US"/>
           </a:p>
@@ -6480,7 +5786,7 @@
           <a:p>
             <a:fld id="{B23E3EE3-903C-6049-ABF9-CB22CD5F18D1}" type="slidenum">
               <a:rPr kumimoji="1" lang="zh-TW" altLang="en-US" smtClean="0"/>
-              <a:t>40</a:t>
+              <a:t>39</a:t>
             </a:fld>
             <a:endParaRPr kumimoji="1" lang="zh-TW" altLang="en-US"/>
           </a:p>
@@ -6575,7 +5881,7 @@
           <a:p>
             <a:fld id="{B23E3EE3-903C-6049-ABF9-CB22CD5F18D1}" type="slidenum">
               <a:rPr kumimoji="1" lang="zh-TW" altLang="en-US" smtClean="0"/>
-              <a:t>42</a:t>
+              <a:t>41</a:t>
             </a:fld>
             <a:endParaRPr kumimoji="1" lang="zh-TW" altLang="en-US"/>
           </a:p>
@@ -6788,7 +6094,7 @@
           <a:p>
             <a:fld id="{630FF765-17E2-4CE6-9E8D-D311E8FC59D5}" type="datetimeFigureOut">
               <a:rPr lang="zh-TW" altLang="en-US" smtClean="0"/>
-              <a:t>2015/5/28</a:t>
+              <a:t>15/5/28</a:t>
             </a:fld>
             <a:endParaRPr lang="zh-TW" altLang="en-US"/>
           </a:p>
@@ -6953,7 +6259,7 @@
           <a:p>
             <a:fld id="{630FF765-17E2-4CE6-9E8D-D311E8FC59D5}" type="datetimeFigureOut">
               <a:rPr lang="zh-TW" altLang="en-US" smtClean="0"/>
-              <a:t>2015/5/28</a:t>
+              <a:t>15/5/28</a:t>
             </a:fld>
             <a:endParaRPr lang="zh-TW" altLang="en-US"/>
           </a:p>
@@ -7128,7 +6434,7 @@
           <a:p>
             <a:fld id="{630FF765-17E2-4CE6-9E8D-D311E8FC59D5}" type="datetimeFigureOut">
               <a:rPr lang="zh-TW" altLang="en-US" smtClean="0"/>
-              <a:t>2015/5/28</a:t>
+              <a:t>15/5/28</a:t>
             </a:fld>
             <a:endParaRPr lang="zh-TW" altLang="en-US"/>
           </a:p>
@@ -7293,7 +6599,7 @@
           <a:p>
             <a:fld id="{630FF765-17E2-4CE6-9E8D-D311E8FC59D5}" type="datetimeFigureOut">
               <a:rPr lang="zh-TW" altLang="en-US" smtClean="0"/>
-              <a:t>2015/5/28</a:t>
+              <a:t>15/5/28</a:t>
             </a:fld>
             <a:endParaRPr lang="zh-TW" altLang="en-US"/>
           </a:p>
@@ -7534,7 +6840,7 @@
           <a:p>
             <a:fld id="{630FF765-17E2-4CE6-9E8D-D311E8FC59D5}" type="datetimeFigureOut">
               <a:rPr lang="zh-TW" altLang="en-US" smtClean="0"/>
-              <a:t>2015/5/28</a:t>
+              <a:t>15/5/28</a:t>
             </a:fld>
             <a:endParaRPr lang="zh-TW" altLang="en-US"/>
           </a:p>
@@ -7817,7 +7123,7 @@
           <a:p>
             <a:fld id="{630FF765-17E2-4CE6-9E8D-D311E8FC59D5}" type="datetimeFigureOut">
               <a:rPr lang="zh-TW" altLang="en-US" smtClean="0"/>
-              <a:t>2015/5/28</a:t>
+              <a:t>15/5/28</a:t>
             </a:fld>
             <a:endParaRPr lang="zh-TW" altLang="en-US"/>
           </a:p>
@@ -8246,7 +7552,7 @@
           <a:p>
             <a:fld id="{630FF765-17E2-4CE6-9E8D-D311E8FC59D5}" type="datetimeFigureOut">
               <a:rPr lang="zh-TW" altLang="en-US" smtClean="0"/>
-              <a:t>2015/5/28</a:t>
+              <a:t>15/5/28</a:t>
             </a:fld>
             <a:endParaRPr lang="zh-TW" altLang="en-US"/>
           </a:p>
@@ -8359,7 +7665,7 @@
           <a:p>
             <a:fld id="{630FF765-17E2-4CE6-9E8D-D311E8FC59D5}" type="datetimeFigureOut">
               <a:rPr lang="zh-TW" altLang="en-US" smtClean="0"/>
-              <a:t>2015/5/28</a:t>
+              <a:t>15/5/28</a:t>
             </a:fld>
             <a:endParaRPr lang="zh-TW" altLang="en-US"/>
           </a:p>
@@ -8449,7 +7755,7 @@
           <a:p>
             <a:fld id="{630FF765-17E2-4CE6-9E8D-D311E8FC59D5}" type="datetimeFigureOut">
               <a:rPr lang="zh-TW" altLang="en-US" smtClean="0"/>
-              <a:t>2015/5/28</a:t>
+              <a:t>15/5/28</a:t>
             </a:fld>
             <a:endParaRPr lang="zh-TW" altLang="en-US"/>
           </a:p>
@@ -8638,7 +7944,7 @@
           <a:p>
             <a:fld id="{630FF765-17E2-4CE6-9E8D-D311E8FC59D5}" type="datetimeFigureOut">
               <a:rPr lang="zh-TW" altLang="en-US" smtClean="0"/>
-              <a:t>2015/5/28</a:t>
+              <a:t>15/5/28</a:t>
             </a:fld>
             <a:endParaRPr lang="zh-TW" altLang="en-US"/>
           </a:p>
@@ -8956,7 +8262,7 @@
           <a:p>
             <a:fld id="{630FF765-17E2-4CE6-9E8D-D311E8FC59D5}" type="datetimeFigureOut">
               <a:rPr lang="zh-TW" altLang="en-US" smtClean="0"/>
-              <a:t>2015/5/28</a:t>
+              <a:t>15/5/28</a:t>
             </a:fld>
             <a:endParaRPr lang="zh-TW" altLang="en-US"/>
           </a:p>
@@ -9335,7 +8641,7 @@
           <a:p>
             <a:fld id="{630FF765-17E2-4CE6-9E8D-D311E8FC59D5}" type="datetimeFigureOut">
               <a:rPr lang="zh-TW" altLang="en-US" smtClean="0"/>
-              <a:t>2015/5/28</a:t>
+              <a:t>15/5/28</a:t>
             </a:fld>
             <a:endParaRPr lang="zh-TW" altLang="en-US"/>
           </a:p>
@@ -9764,7 +9070,7 @@
   <p:timing>
     <p:tnLst>
       <p:par>
-        <p:cTn id="1" dur="indefinite" restart="never" nodeType="tmRoot"/>
+        <p:cTn xmlns:p14="http://schemas.microsoft.com/office/powerpoint/2010/main" id="1" dur="indefinite" restart="never" nodeType="tmRoot"/>
       </p:par>
     </p:tnLst>
   </p:timing>
@@ -9867,7 +9173,7 @@
   <p:timing>
     <p:tnLst>
       <p:par>
-        <p:cTn id="1" dur="indefinite" restart="never" nodeType="tmRoot"/>
+        <p:cTn xmlns:p14="http://schemas.microsoft.com/office/powerpoint/2010/main" id="1" dur="indefinite" restart="never" nodeType="tmRoot"/>
       </p:par>
     </p:tnLst>
   </p:timing>
@@ -9999,7 +9305,7 @@
   <p:timing>
     <p:tnLst>
       <p:par>
-        <p:cTn id="1" dur="indefinite" restart="never" nodeType="tmRoot"/>
+        <p:cTn xmlns:p14="http://schemas.microsoft.com/office/powerpoint/2010/main" id="1" dur="indefinite" restart="never" nodeType="tmRoot"/>
       </p:par>
     </p:tnLst>
   </p:timing>
@@ -10126,7 +9432,7 @@
   <p:timing>
     <p:tnLst>
       <p:par>
-        <p:cTn id="1" dur="indefinite" restart="never" nodeType="tmRoot"/>
+        <p:cTn xmlns:p14="http://schemas.microsoft.com/office/powerpoint/2010/main" id="1" dur="indefinite" restart="never" nodeType="tmRoot"/>
       </p:par>
     </p:tnLst>
   </p:timing>
@@ -10231,7 +9537,7 @@
   <p:timing>
     <p:tnLst>
       <p:par>
-        <p:cTn id="1" dur="indefinite" restart="never" nodeType="tmRoot"/>
+        <p:cTn xmlns:p14="http://schemas.microsoft.com/office/powerpoint/2010/main" id="1" dur="indefinite" restart="never" nodeType="tmRoot"/>
       </p:par>
     </p:tnLst>
   </p:timing>
@@ -10354,7 +9660,7 @@
   <p:timing>
     <p:tnLst>
       <p:par>
-        <p:cTn id="1" dur="indefinite" restart="never" nodeType="tmRoot"/>
+        <p:cTn xmlns:p14="http://schemas.microsoft.com/office/powerpoint/2010/main" id="1" dur="indefinite" restart="never" nodeType="tmRoot"/>
       </p:par>
     </p:tnLst>
   </p:timing>
@@ -10437,14 +9743,14 @@
             <a:noFill/>
           </a:ln>
           <a:extLst>
-            <a:ext uri="{909E8E84-426E-40DD-AFC4-6F175D3DCCD1}">
+            <a:ext uri="{909E8E84-426E-40dd-AFC4-6F175D3DCCD1}">
               <a14:hiddenFill xmlns:a14="http://schemas.microsoft.com/office/drawing/2010/main">
                 <a:solidFill>
                   <a:schemeClr val="accent1"/>
                 </a:solidFill>
               </a14:hiddenFill>
             </a:ext>
-            <a:ext uri="{91240B29-F687-4F45-9708-019B960494DF}">
+            <a:ext uri="{91240B29-F687-4f45-9708-019B960494DF}">
               <a14:hiddenLine xmlns:a14="http://schemas.microsoft.com/office/drawing/2010/main" w="9525">
                 <a:solidFill>
                   <a:schemeClr val="tx1"/>
@@ -10546,14 +9852,14 @@
             <a:noFill/>
           </a:ln>
           <a:extLst>
-            <a:ext uri="{909E8E84-426E-40DD-AFC4-6F175D3DCCD1}">
+            <a:ext uri="{909E8E84-426E-40dd-AFC4-6F175D3DCCD1}">
               <a14:hiddenFill xmlns:a14="http://schemas.microsoft.com/office/drawing/2010/main">
                 <a:solidFill>
                   <a:schemeClr val="accent1"/>
                 </a:solidFill>
               </a14:hiddenFill>
             </a:ext>
-            <a:ext uri="{91240B29-F687-4F45-9708-019B960494DF}">
+            <a:ext uri="{91240B29-F687-4f45-9708-019B960494DF}">
               <a14:hiddenLine xmlns:a14="http://schemas.microsoft.com/office/drawing/2010/main" w="9525">
                 <a:solidFill>
                   <a:schemeClr val="tx1"/>
@@ -10655,14 +9961,14 @@
             <a:noFill/>
           </a:ln>
           <a:extLst>
-            <a:ext uri="{909E8E84-426E-40DD-AFC4-6F175D3DCCD1}">
+            <a:ext uri="{909E8E84-426E-40dd-AFC4-6F175D3DCCD1}">
               <a14:hiddenFill xmlns:a14="http://schemas.microsoft.com/office/drawing/2010/main">
                 <a:solidFill>
                   <a:schemeClr val="accent1"/>
                 </a:solidFill>
               </a14:hiddenFill>
             </a:ext>
-            <a:ext uri="{91240B29-F687-4F45-9708-019B960494DF}">
+            <a:ext uri="{91240B29-F687-4f45-9708-019B960494DF}">
               <a14:hiddenLine xmlns:a14="http://schemas.microsoft.com/office/drawing/2010/main" w="9525">
                 <a:solidFill>
                   <a:schemeClr val="tx1"/>
@@ -10764,14 +10070,14 @@
             <a:noFill/>
           </a:ln>
           <a:extLst>
-            <a:ext uri="{909E8E84-426E-40DD-AFC4-6F175D3DCCD1}">
+            <a:ext uri="{909E8E84-426E-40dd-AFC4-6F175D3DCCD1}">
               <a14:hiddenFill xmlns:a14="http://schemas.microsoft.com/office/drawing/2010/main">
                 <a:solidFill>
                   <a:schemeClr val="accent1"/>
                 </a:solidFill>
               </a14:hiddenFill>
             </a:ext>
-            <a:ext uri="{91240B29-F687-4F45-9708-019B960494DF}">
+            <a:ext uri="{91240B29-F687-4f45-9708-019B960494DF}">
               <a14:hiddenLine xmlns:a14="http://schemas.microsoft.com/office/drawing/2010/main" w="9525">
                 <a:solidFill>
                   <a:schemeClr val="tx1"/>
@@ -10873,14 +10179,14 @@
             <a:noFill/>
           </a:ln>
           <a:extLst>
-            <a:ext uri="{909E8E84-426E-40DD-AFC4-6F175D3DCCD1}">
+            <a:ext uri="{909E8E84-426E-40dd-AFC4-6F175D3DCCD1}">
               <a14:hiddenFill xmlns:a14="http://schemas.microsoft.com/office/drawing/2010/main">
                 <a:solidFill>
                   <a:schemeClr val="accent1"/>
                 </a:solidFill>
               </a14:hiddenFill>
             </a:ext>
-            <a:ext uri="{91240B29-F687-4F45-9708-019B960494DF}">
+            <a:ext uri="{91240B29-F687-4f45-9708-019B960494DF}">
               <a14:hiddenLine xmlns:a14="http://schemas.microsoft.com/office/drawing/2010/main" w="9525">
                 <a:solidFill>
                   <a:schemeClr val="tx1"/>
@@ -11052,7 +10358,7 @@
   <p:timing>
     <p:tnLst>
       <p:par>
-        <p:cTn id="1" dur="indefinite" restart="never" nodeType="tmRoot"/>
+        <p:cTn xmlns:p14="http://schemas.microsoft.com/office/powerpoint/2010/main" id="1" dur="indefinite" restart="never" nodeType="tmRoot"/>
       </p:par>
     </p:tnLst>
   </p:timing>
@@ -11135,14 +10441,14 @@
             <a:noFill/>
           </a:ln>
           <a:extLst>
-            <a:ext uri="{909E8E84-426E-40DD-AFC4-6F175D3DCCD1}">
+            <a:ext uri="{909E8E84-426E-40dd-AFC4-6F175D3DCCD1}">
               <a14:hiddenFill xmlns:a14="http://schemas.microsoft.com/office/drawing/2010/main">
                 <a:solidFill>
                   <a:schemeClr val="accent1"/>
                 </a:solidFill>
               </a14:hiddenFill>
             </a:ext>
-            <a:ext uri="{91240B29-F687-4F45-9708-019B960494DF}">
+            <a:ext uri="{91240B29-F687-4f45-9708-019B960494DF}">
               <a14:hiddenLine xmlns:a14="http://schemas.microsoft.com/office/drawing/2010/main" w="9525">
                 <a:solidFill>
                   <a:schemeClr val="tx1"/>
@@ -11244,14 +10550,14 @@
             <a:noFill/>
           </a:ln>
           <a:extLst>
-            <a:ext uri="{909E8E84-426E-40DD-AFC4-6F175D3DCCD1}">
+            <a:ext uri="{909E8E84-426E-40dd-AFC4-6F175D3DCCD1}">
               <a14:hiddenFill xmlns:a14="http://schemas.microsoft.com/office/drawing/2010/main">
                 <a:solidFill>
                   <a:schemeClr val="accent1"/>
                 </a:solidFill>
               </a14:hiddenFill>
             </a:ext>
-            <a:ext uri="{91240B29-F687-4F45-9708-019B960494DF}">
+            <a:ext uri="{91240B29-F687-4f45-9708-019B960494DF}">
               <a14:hiddenLine xmlns:a14="http://schemas.microsoft.com/office/drawing/2010/main" w="9525">
                 <a:solidFill>
                   <a:schemeClr val="tx1"/>
@@ -11394,7 +10700,7 @@
   <p:timing>
     <p:tnLst>
       <p:par>
-        <p:cTn id="1" dur="indefinite" restart="never" nodeType="tmRoot"/>
+        <p:cTn xmlns:p14="http://schemas.microsoft.com/office/powerpoint/2010/main" id="1" dur="indefinite" restart="never" nodeType="tmRoot"/>
       </p:par>
     </p:tnLst>
   </p:timing>
@@ -11530,14 +10836,14 @@
             <a:noFill/>
           </a:ln>
           <a:extLst>
-            <a:ext uri="{909E8E84-426E-40DD-AFC4-6F175D3DCCD1}">
+            <a:ext uri="{909E8E84-426E-40dd-AFC4-6F175D3DCCD1}">
               <a14:hiddenFill xmlns:a14="http://schemas.microsoft.com/office/drawing/2010/main">
                 <a:solidFill>
                   <a:schemeClr val="accent1"/>
                 </a:solidFill>
               </a14:hiddenFill>
             </a:ext>
-            <a:ext uri="{91240B29-F687-4F45-9708-019B960494DF}">
+            <a:ext uri="{91240B29-F687-4f45-9708-019B960494DF}">
               <a14:hiddenLine xmlns:a14="http://schemas.microsoft.com/office/drawing/2010/main" w="9525">
                 <a:solidFill>
                   <a:schemeClr val="tx1"/>
@@ -11563,7 +10869,7 @@
   <p:timing>
     <p:tnLst>
       <p:par>
-        <p:cTn id="1" dur="indefinite" restart="never" nodeType="tmRoot"/>
+        <p:cTn xmlns:p14="http://schemas.microsoft.com/office/powerpoint/2010/main" id="1" dur="indefinite" restart="never" nodeType="tmRoot"/>
       </p:par>
     </p:tnLst>
   </p:timing>
@@ -11721,7 +11027,7 @@
   <p:timing>
     <p:tnLst>
       <p:par>
-        <p:cTn id="1" dur="indefinite" restart="never" nodeType="tmRoot"/>
+        <p:cTn xmlns:p14="http://schemas.microsoft.com/office/powerpoint/2010/main" id="1" dur="indefinite" restart="never" nodeType="tmRoot"/>
       </p:par>
     </p:tnLst>
   </p:timing>
@@ -11786,7 +11092,7 @@
   <p:timing>
     <p:tnLst>
       <p:par>
-        <p:cTn id="1" dur="indefinite" restart="never" nodeType="tmRoot"/>
+        <p:cTn xmlns:p14="http://schemas.microsoft.com/office/powerpoint/2010/main" id="1" dur="indefinite" restart="never" nodeType="tmRoot"/>
       </p:par>
     </p:tnLst>
   </p:timing>
@@ -11994,7 +11300,7 @@
   <p:timing>
     <p:tnLst>
       <p:par>
-        <p:cTn id="1" dur="indefinite" restart="never" nodeType="tmRoot"/>
+        <p:cTn xmlns:p14="http://schemas.microsoft.com/office/powerpoint/2010/main" id="1" dur="indefinite" restart="never" nodeType="tmRoot"/>
       </p:par>
     </p:tnLst>
   </p:timing>
@@ -12129,7 +11435,7 @@
   <p:timing>
     <p:tnLst>
       <p:par>
-        <p:cTn id="1" dur="indefinite" restart="never" nodeType="tmRoot"/>
+        <p:cTn xmlns:p14="http://schemas.microsoft.com/office/powerpoint/2010/main" id="1" dur="indefinite" restart="never" nodeType="tmRoot"/>
       </p:par>
     </p:tnLst>
   </p:timing>
@@ -12211,14 +11517,14 @@
             <a:noFill/>
           </a:ln>
           <a:extLst>
-            <a:ext uri="{909E8E84-426E-40DD-AFC4-6F175D3DCCD1}">
+            <a:ext uri="{909E8E84-426E-40dd-AFC4-6F175D3DCCD1}">
               <a14:hiddenFill xmlns:a14="http://schemas.microsoft.com/office/drawing/2010/main">
                 <a:solidFill>
                   <a:schemeClr val="accent1"/>
                 </a:solidFill>
               </a14:hiddenFill>
             </a:ext>
-            <a:ext uri="{91240B29-F687-4F45-9708-019B960494DF}">
+            <a:ext uri="{91240B29-F687-4f45-9708-019B960494DF}">
               <a14:hiddenLine xmlns:a14="http://schemas.microsoft.com/office/drawing/2010/main" w="9525">
                 <a:solidFill>
                   <a:schemeClr val="tx1"/>
@@ -12244,7 +11550,7 @@
   <p:timing>
     <p:tnLst>
       <p:par>
-        <p:cTn id="1" dur="indefinite" restart="never" nodeType="tmRoot"/>
+        <p:cTn xmlns:p14="http://schemas.microsoft.com/office/powerpoint/2010/main" id="1" dur="indefinite" restart="never" nodeType="tmRoot"/>
       </p:par>
     </p:tnLst>
   </p:timing>
@@ -12326,14 +11632,14 @@
             <a:noFill/>
           </a:ln>
           <a:extLst>
-            <a:ext uri="{909E8E84-426E-40DD-AFC4-6F175D3DCCD1}">
+            <a:ext uri="{909E8E84-426E-40dd-AFC4-6F175D3DCCD1}">
               <a14:hiddenFill xmlns:a14="http://schemas.microsoft.com/office/drawing/2010/main">
                 <a:solidFill>
                   <a:schemeClr val="accent1"/>
                 </a:solidFill>
               </a14:hiddenFill>
             </a:ext>
-            <a:ext uri="{91240B29-F687-4F45-9708-019B960494DF}">
+            <a:ext uri="{91240B29-F687-4f45-9708-019B960494DF}">
               <a14:hiddenLine xmlns:a14="http://schemas.microsoft.com/office/drawing/2010/main" w="9525">
                 <a:solidFill>
                   <a:schemeClr val="tx1"/>
@@ -12359,7 +11665,7 @@
   <p:timing>
     <p:tnLst>
       <p:par>
-        <p:cTn id="1" dur="indefinite" restart="never" nodeType="tmRoot"/>
+        <p:cTn xmlns:p14="http://schemas.microsoft.com/office/powerpoint/2010/main" id="1" dur="indefinite" restart="never" nodeType="tmRoot"/>
       </p:par>
     </p:tnLst>
   </p:timing>
@@ -12486,7 +11792,7 @@
   <p:timing>
     <p:tnLst>
       <p:par>
-        <p:cTn id="1" dur="indefinite" restart="never" nodeType="tmRoot">
+        <p:cTn xmlns:p14="http://schemas.microsoft.com/office/powerpoint/2010/main" id="1" dur="indefinite" restart="never" nodeType="tmRoot">
           <p:childTnLst>
             <p:seq concurrent="1" nextAc="seek">
               <p:cTn id="2" dur="indefinite" nodeType="mainSeq">
@@ -12821,7 +12127,7 @@
   <p:timing>
     <p:tnLst>
       <p:par>
-        <p:cTn id="1" dur="indefinite" restart="never" nodeType="tmRoot"/>
+        <p:cTn xmlns:p14="http://schemas.microsoft.com/office/powerpoint/2010/main" id="1" dur="indefinite" restart="never" nodeType="tmRoot"/>
       </p:par>
     </p:tnLst>
   </p:timing>
@@ -12998,7 +12304,7 @@
   <p:timing>
     <p:tnLst>
       <p:par>
-        <p:cTn id="1" dur="indefinite" restart="never" nodeType="tmRoot"/>
+        <p:cTn xmlns:p14="http://schemas.microsoft.com/office/powerpoint/2010/main" id="1" dur="indefinite" restart="never" nodeType="tmRoot"/>
       </p:par>
     </p:tnLst>
   </p:timing>
@@ -13138,7 +12444,7 @@
   <p:timing>
     <p:tnLst>
       <p:par>
-        <p:cTn id="1" dur="indefinite" restart="never" nodeType="tmRoot"/>
+        <p:cTn xmlns:p14="http://schemas.microsoft.com/office/powerpoint/2010/main" id="1" dur="indefinite" restart="never" nodeType="tmRoot"/>
       </p:par>
     </p:tnLst>
   </p:timing>
@@ -13203,7 +12509,7 @@
   <p:timing>
     <p:tnLst>
       <p:par>
-        <p:cTn id="1" dur="indefinite" restart="never" nodeType="tmRoot"/>
+        <p:cTn xmlns:p14="http://schemas.microsoft.com/office/powerpoint/2010/main" id="1" dur="indefinite" restart="never" nodeType="tmRoot"/>
       </p:par>
     </p:tnLst>
   </p:timing>
@@ -13211,152 +12517,6 @@
 </file>
 
 <file path=ppt/slides/slide34.xml><?xml version="1.0" encoding="utf-8"?>
-<p:sld xmlns:a="http://schemas.openxmlformats.org/drawingml/2006/main" xmlns:r="http://schemas.openxmlformats.org/officeDocument/2006/relationships" xmlns:p="http://schemas.openxmlformats.org/presentationml/2006/main">
-  <p:cSld>
-    <p:spTree>
-      <p:nvGrpSpPr>
-        <p:cNvPr id="1" name=""/>
-        <p:cNvGrpSpPr/>
-        <p:nvPr/>
-      </p:nvGrpSpPr>
-      <p:grpSpPr>
-        <a:xfrm>
-          <a:off x="0" y="0"/>
-          <a:ext cx="0" cy="0"/>
-          <a:chOff x="0" y="0"/>
-          <a:chExt cx="0" cy="0"/>
-        </a:xfrm>
-      </p:grpSpPr>
-      <p:sp>
-        <p:nvSpPr>
-          <p:cNvPr id="2" name="標題 1"/>
-          <p:cNvSpPr>
-            <a:spLocks noGrp="1"/>
-          </p:cNvSpPr>
-          <p:nvPr>
-            <p:ph type="title"/>
-          </p:nvPr>
-        </p:nvSpPr>
-        <p:spPr/>
-        <p:txBody>
-          <a:bodyPr/>
-          <a:lstStyle/>
-          <a:p>
-            <a:r>
-              <a:rPr kumimoji="1" lang="zh-TW" altLang="en-US" dirty="0" smtClean="0"/>
-              <a:t>行事曆</a:t>
-            </a:r>
-            <a:endParaRPr kumimoji="1" lang="zh-TW" altLang="en-US" dirty="0"/>
-          </a:p>
-        </p:txBody>
-      </p:sp>
-      <p:sp>
-        <p:nvSpPr>
-          <p:cNvPr id="3" name="內容版面配置區 2"/>
-          <p:cNvSpPr>
-            <a:spLocks noGrp="1"/>
-          </p:cNvSpPr>
-          <p:nvPr>
-            <p:ph idx="1"/>
-          </p:nvPr>
-        </p:nvSpPr>
-        <p:spPr/>
-        <p:txBody>
-          <a:bodyPr/>
-          <a:lstStyle/>
-          <a:p>
-            <a:r>
-              <a:rPr kumimoji="1" lang="zh-TW" altLang="en-US" dirty="0"/>
-              <a:t>使用 </a:t>
-            </a:r>
-            <a:r>
-              <a:rPr kumimoji="1" lang="en-US" altLang="zh-TW" dirty="0" err="1"/>
-              <a:t>FullCalendar</a:t>
-            </a:r>
-            <a:r>
-              <a:rPr kumimoji="1" lang="zh-TW" altLang="en-US" dirty="0"/>
-              <a:t>，一個開源的 </a:t>
-            </a:r>
-            <a:r>
-              <a:rPr kumimoji="1" lang="en-US" altLang="zh-TW" dirty="0"/>
-              <a:t>JavaScript </a:t>
-            </a:r>
-            <a:r>
-              <a:rPr kumimoji="1" lang="zh-TW" altLang="en-US" dirty="0"/>
-              <a:t>行事曆套件。</a:t>
-            </a:r>
-            <a:endParaRPr kumimoji="1" lang="en-US" altLang="zh-TW" dirty="0" smtClean="0"/>
-          </a:p>
-          <a:p>
-            <a:r>
-              <a:rPr kumimoji="1" lang="zh-TW" altLang="en-US" dirty="0" smtClean="0"/>
-              <a:t>透過 </a:t>
-            </a:r>
-            <a:r>
-              <a:rPr kumimoji="1" lang="en-US" altLang="zh-TW" dirty="0" smtClean="0"/>
-              <a:t>PHP </a:t>
-            </a:r>
-            <a:r>
-              <a:rPr kumimoji="1" lang="zh-TW" altLang="en-US" dirty="0" smtClean="0"/>
-              <a:t>從資料庫拿取資料給前端，再藉由 </a:t>
-            </a:r>
-            <a:r>
-              <a:rPr kumimoji="1" lang="en-US" altLang="zh-TW" dirty="0" smtClean="0"/>
-              <a:t>JavaScript </a:t>
-            </a:r>
-            <a:r>
-              <a:rPr kumimoji="1" lang="zh-TW" altLang="en-US" dirty="0" smtClean="0"/>
-              <a:t>將事件渲染至頁面上。</a:t>
-            </a:r>
-            <a:endParaRPr kumimoji="1" lang="en-US" altLang="zh-TW" dirty="0" smtClean="0"/>
-          </a:p>
-          <a:p>
-            <a:endParaRPr kumimoji="1" lang="en-US" altLang="zh-TW" dirty="0" smtClean="0"/>
-          </a:p>
-          <a:p>
-            <a:r>
-              <a:rPr kumimoji="1" lang="zh-TW" altLang="en-US" dirty="0" smtClean="0"/>
-              <a:t>行事曆上會顯示稽核</a:t>
-            </a:r>
-            <a:r>
-              <a:rPr kumimoji="1" lang="zh-TW" altLang="en-US" dirty="0"/>
-              <a:t>開始時間、稽核員與受稽單位，且顯示的最小單位可到一天的某分鐘。</a:t>
-            </a:r>
-            <a:endParaRPr kumimoji="1" lang="en-US" altLang="zh-Hant" dirty="0" smtClean="0"/>
-          </a:p>
-          <a:p>
-            <a:endParaRPr kumimoji="1" lang="en-US" altLang="zh-TW" dirty="0" smtClean="0"/>
-          </a:p>
-          <a:p>
-            <a:r>
-              <a:rPr kumimoji="1" lang="zh-TW" altLang="en-US" dirty="0" smtClean="0"/>
-              <a:t>（不確定要不要這頁）</a:t>
-            </a:r>
-            <a:endParaRPr kumimoji="1" lang="zh-TW" altLang="en-US" dirty="0"/>
-          </a:p>
-        </p:txBody>
-      </p:sp>
-    </p:spTree>
-    <p:extLst>
-      <p:ext uri="{BB962C8B-B14F-4D97-AF65-F5344CB8AC3E}">
-        <p14:creationId xmlns:p14="http://schemas.microsoft.com/office/powerpoint/2010/main" val="2139351975"/>
-      </p:ext>
-    </p:extLst>
-  </p:cSld>
-  <p:clrMapOvr>
-    <a:masterClrMapping/>
-  </p:clrMapOvr>
-  <p:timing>
-    <p:tnLst>
-      <p:par>
-        <p:cTn id="1" dur="indefinite" restart="never" nodeType="tmRoot"/>
-      </p:par>
-    </p:tnLst>
-  </p:timing>
-</p:sld>
-</file>
-
-<file path=ppt/slides/slide35.xml><?xml version="1.0" encoding="utf-8"?>
 <p:sld xmlns:a="http://schemas.openxmlformats.org/drawingml/2006/main" xmlns:r="http://schemas.openxmlformats.org/officeDocument/2006/relationships" xmlns:p="http://schemas.openxmlformats.org/presentationml/2006/main">
   <p:cSld>
     <p:spTree>
@@ -13439,14 +12599,14 @@
   <p:timing>
     <p:tnLst>
       <p:par>
-        <p:cTn id="1" dur="indefinite" restart="never" nodeType="tmRoot"/>
+        <p:cTn xmlns:p14="http://schemas.microsoft.com/office/powerpoint/2010/main" id="1" dur="indefinite" restart="never" nodeType="tmRoot"/>
       </p:par>
     </p:tnLst>
   </p:timing>
 </p:sld>
 </file>
 
-<file path=ppt/slides/slide36.xml><?xml version="1.0" encoding="utf-8"?>
+<file path=ppt/slides/slide35.xml><?xml version="1.0" encoding="utf-8"?>
 <p:sld xmlns:a="http://schemas.openxmlformats.org/drawingml/2006/main" xmlns:r="http://schemas.openxmlformats.org/officeDocument/2006/relationships" xmlns:p="http://schemas.openxmlformats.org/presentationml/2006/main">
   <p:cSld>
     <p:spTree>
@@ -13548,7 +12708,72 @@
   <p:timing>
     <p:tnLst>
       <p:par>
-        <p:cTn id="1" dur="indefinite" restart="never" nodeType="tmRoot"/>
+        <p:cTn xmlns:p14="http://schemas.microsoft.com/office/powerpoint/2010/main" id="1" dur="indefinite" restart="never" nodeType="tmRoot"/>
+      </p:par>
+    </p:tnLst>
+  </p:timing>
+</p:sld>
+</file>
+
+<file path=ppt/slides/slide36.xml><?xml version="1.0" encoding="utf-8"?>
+<p:sld xmlns:a="http://schemas.openxmlformats.org/drawingml/2006/main" xmlns:r="http://schemas.openxmlformats.org/officeDocument/2006/relationships" xmlns:p="http://schemas.openxmlformats.org/presentationml/2006/main">
+  <p:cSld>
+    <p:spTree>
+      <p:nvGrpSpPr>
+        <p:cNvPr id="1" name=""/>
+        <p:cNvGrpSpPr/>
+        <p:nvPr/>
+      </p:nvGrpSpPr>
+      <p:grpSpPr>
+        <a:xfrm>
+          <a:off x="0" y="0"/>
+          <a:ext cx="0" cy="0"/>
+          <a:chOff x="0" y="0"/>
+          <a:chExt cx="0" cy="0"/>
+        </a:xfrm>
+      </p:grpSpPr>
+      <p:sp>
+        <p:nvSpPr>
+          <p:cNvPr id="4" name="標題 3"/>
+          <p:cNvSpPr>
+            <a:spLocks noGrp="1"/>
+          </p:cNvSpPr>
+          <p:nvPr>
+            <p:ph type="title"/>
+          </p:nvPr>
+        </p:nvSpPr>
+        <p:spPr>
+          <a:xfrm>
+            <a:off x="467544" y="2564904"/>
+            <a:ext cx="8229600" cy="1156990"/>
+          </a:xfrm>
+        </p:spPr>
+        <p:txBody>
+          <a:bodyPr/>
+          <a:lstStyle/>
+          <a:p>
+            <a:r>
+              <a:rPr lang="zh-TW" altLang="en-US" dirty="0"/>
+              <a:t>稽核以及矯正預防報告產生 </a:t>
+            </a:r>
+            <a:endParaRPr lang="en-US" altLang="zh-TW" dirty="0"/>
+          </a:p>
+        </p:txBody>
+      </p:sp>
+    </p:spTree>
+    <p:extLst>
+      <p:ext uri="{BB962C8B-B14F-4D97-AF65-F5344CB8AC3E}">
+        <p14:creationId xmlns:p14="http://schemas.microsoft.com/office/powerpoint/2010/main" val="1070661113"/>
+      </p:ext>
+    </p:extLst>
+  </p:cSld>
+  <p:clrMapOvr>
+    <a:masterClrMapping/>
+  </p:clrMapOvr>
+  <p:timing>
+    <p:tnLst>
+      <p:par>
+        <p:cTn xmlns:p14="http://schemas.microsoft.com/office/powerpoint/2010/main" id="1" dur="indefinite" restart="never" nodeType="tmRoot"/>
       </p:par>
     </p:tnLst>
   </p:timing>
@@ -13574,71 +12799,6 @@
       </p:grpSpPr>
       <p:sp>
         <p:nvSpPr>
-          <p:cNvPr id="4" name="標題 3"/>
-          <p:cNvSpPr>
-            <a:spLocks noGrp="1"/>
-          </p:cNvSpPr>
-          <p:nvPr>
-            <p:ph type="title"/>
-          </p:nvPr>
-        </p:nvSpPr>
-        <p:spPr>
-          <a:xfrm>
-            <a:off x="467544" y="2564904"/>
-            <a:ext cx="8229600" cy="1156990"/>
-          </a:xfrm>
-        </p:spPr>
-        <p:txBody>
-          <a:bodyPr/>
-          <a:lstStyle/>
-          <a:p>
-            <a:r>
-              <a:rPr lang="zh-TW" altLang="en-US" dirty="0"/>
-              <a:t>稽核以及矯正預防報告產生 </a:t>
-            </a:r>
-            <a:endParaRPr lang="en-US" altLang="zh-TW" dirty="0"/>
-          </a:p>
-        </p:txBody>
-      </p:sp>
-    </p:spTree>
-    <p:extLst>
-      <p:ext uri="{BB962C8B-B14F-4D97-AF65-F5344CB8AC3E}">
-        <p14:creationId xmlns:p14="http://schemas.microsoft.com/office/powerpoint/2010/main" val="1070661113"/>
-      </p:ext>
-    </p:extLst>
-  </p:cSld>
-  <p:clrMapOvr>
-    <a:masterClrMapping/>
-  </p:clrMapOvr>
-  <p:timing>
-    <p:tnLst>
-      <p:par>
-        <p:cTn id="1" dur="indefinite" restart="never" nodeType="tmRoot"/>
-      </p:par>
-    </p:tnLst>
-  </p:timing>
-</p:sld>
-</file>
-
-<file path=ppt/slides/slide38.xml><?xml version="1.0" encoding="utf-8"?>
-<p:sld xmlns:a="http://schemas.openxmlformats.org/drawingml/2006/main" xmlns:r="http://schemas.openxmlformats.org/officeDocument/2006/relationships" xmlns:p="http://schemas.openxmlformats.org/presentationml/2006/main">
-  <p:cSld>
-    <p:spTree>
-      <p:nvGrpSpPr>
-        <p:cNvPr id="1" name=""/>
-        <p:cNvGrpSpPr/>
-        <p:nvPr/>
-      </p:nvGrpSpPr>
-      <p:grpSpPr>
-        <a:xfrm>
-          <a:off x="0" y="0"/>
-          <a:ext cx="0" cy="0"/>
-          <a:chOff x="0" y="0"/>
-          <a:chExt cx="0" cy="0"/>
-        </a:xfrm>
-      </p:grpSpPr>
-      <p:sp>
-        <p:nvSpPr>
           <p:cNvPr id="2" name="標題 1"/>
           <p:cNvSpPr>
             <a:spLocks noGrp="1"/>
@@ -13653,11 +12813,11 @@
           <a:lstStyle/>
           <a:p>
             <a:r>
-              <a:rPr kumimoji="1" lang="en-US" altLang="zh-Hant" dirty="0"/>
+              <a:rPr kumimoji="1" lang="en-US" altLang="zh-CHT" dirty="0"/>
               <a:t>PDF </a:t>
             </a:r>
             <a:r>
-              <a:rPr kumimoji="1" lang="zh-Hant" altLang="en-US" dirty="0"/>
+              <a:rPr kumimoji="1" lang="zh-CHT" altLang="en-US" dirty="0"/>
               <a:t>產生器</a:t>
             </a:r>
             <a:endParaRPr kumimoji="1" lang="zh-TW" altLang="en-US" dirty="0"/>
@@ -13845,7 +13005,72 @@
   <p:timing>
     <p:tnLst>
       <p:par>
-        <p:cTn id="1" dur="indefinite" restart="never" nodeType="tmRoot"/>
+        <p:cTn xmlns:p14="http://schemas.microsoft.com/office/powerpoint/2010/main" id="1" dur="indefinite" restart="never" nodeType="tmRoot"/>
+      </p:par>
+    </p:tnLst>
+  </p:timing>
+</p:sld>
+</file>
+
+<file path=ppt/slides/slide38.xml><?xml version="1.0" encoding="utf-8"?>
+<p:sld xmlns:a="http://schemas.openxmlformats.org/drawingml/2006/main" xmlns:r="http://schemas.openxmlformats.org/officeDocument/2006/relationships" xmlns:p="http://schemas.openxmlformats.org/presentationml/2006/main">
+  <p:cSld>
+    <p:spTree>
+      <p:nvGrpSpPr>
+        <p:cNvPr id="1" name=""/>
+        <p:cNvGrpSpPr/>
+        <p:nvPr/>
+      </p:nvGrpSpPr>
+      <p:grpSpPr>
+        <a:xfrm>
+          <a:off x="0" y="0"/>
+          <a:ext cx="0" cy="0"/>
+          <a:chOff x="0" y="0"/>
+          <a:chExt cx="0" cy="0"/>
+        </a:xfrm>
+      </p:grpSpPr>
+      <p:sp>
+        <p:nvSpPr>
+          <p:cNvPr id="4" name="標題 3"/>
+          <p:cNvSpPr>
+            <a:spLocks noGrp="1"/>
+          </p:cNvSpPr>
+          <p:nvPr>
+            <p:ph type="title"/>
+          </p:nvPr>
+        </p:nvSpPr>
+        <p:spPr>
+          <a:xfrm>
+            <a:off x="467544" y="2564904"/>
+            <a:ext cx="8229600" cy="1156990"/>
+          </a:xfrm>
+        </p:spPr>
+        <p:txBody>
+          <a:bodyPr/>
+          <a:lstStyle/>
+          <a:p>
+            <a:r>
+              <a:rPr lang="zh-TW" altLang="en-US" dirty="0"/>
+              <a:t>單位主管通知簽署</a:t>
+            </a:r>
+            <a:endParaRPr lang="en-US" altLang="zh-TW" dirty="0"/>
+          </a:p>
+        </p:txBody>
+      </p:sp>
+    </p:spTree>
+    <p:extLst>
+      <p:ext uri="{BB962C8B-B14F-4D97-AF65-F5344CB8AC3E}">
+        <p14:creationId xmlns:p14="http://schemas.microsoft.com/office/powerpoint/2010/main" val="377343677"/>
+      </p:ext>
+    </p:extLst>
+  </p:cSld>
+  <p:clrMapOvr>
+    <a:masterClrMapping/>
+  </p:clrMapOvr>
+  <p:timing>
+    <p:tnLst>
+      <p:par>
+        <p:cTn xmlns:p14="http://schemas.microsoft.com/office/powerpoint/2010/main" id="1" dur="indefinite" restart="never" nodeType="tmRoot"/>
       </p:par>
     </p:tnLst>
   </p:timing>
@@ -13871,7 +13096,7 @@
       </p:grpSpPr>
       <p:sp>
         <p:nvSpPr>
-          <p:cNvPr id="4" name="標題 3"/>
+          <p:cNvPr id="2" name="標題 1"/>
           <p:cNvSpPr>
             <a:spLocks noGrp="1"/>
           </p:cNvSpPr>
@@ -13879,12 +13104,7 @@
             <p:ph type="title"/>
           </p:nvPr>
         </p:nvSpPr>
-        <p:spPr>
-          <a:xfrm>
-            <a:off x="467544" y="2564904"/>
-            <a:ext cx="8229600" cy="1156990"/>
-          </a:xfrm>
-        </p:spPr>
+        <p:spPr/>
         <p:txBody>
           <a:bodyPr/>
           <a:lstStyle/>
@@ -13893,14 +13113,88 @@
               <a:rPr lang="zh-TW" altLang="en-US" dirty="0"/>
               <a:t>單位主管通知簽署</a:t>
             </a:r>
-            <a:endParaRPr lang="en-US" altLang="zh-TW" dirty="0"/>
+            <a:endParaRPr kumimoji="1" lang="zh-TW" altLang="en-US" dirty="0"/>
+          </a:p>
+        </p:txBody>
+      </p:sp>
+      <p:sp>
+        <p:nvSpPr>
+          <p:cNvPr id="3" name="內容版面配置區 2"/>
+          <p:cNvSpPr>
+            <a:spLocks noGrp="1"/>
+          </p:cNvSpPr>
+          <p:nvPr>
+            <p:ph idx="1"/>
+          </p:nvPr>
+        </p:nvSpPr>
+        <p:spPr/>
+        <p:txBody>
+          <a:bodyPr>
+            <a:normAutofit/>
+          </a:bodyPr>
+          <a:lstStyle/>
+          <a:p>
+            <a:r>
+              <a:rPr kumimoji="1" lang="zh-TW" altLang="en-US" dirty="0" smtClean="0"/>
+              <a:t>問題</a:t>
+            </a:r>
+            <a:endParaRPr kumimoji="1" lang="en-US" altLang="zh-TW" dirty="0" smtClean="0"/>
+          </a:p>
+          <a:p>
+            <a:pPr lvl="1"/>
+            <a:r>
+              <a:rPr kumimoji="1" lang="zh-TW" altLang="en-US" dirty="0" smtClean="0"/>
+              <a:t>主管帳號</a:t>
+            </a:r>
+            <a:endParaRPr kumimoji="1" lang="en-US" altLang="zh-TW" dirty="0" smtClean="0"/>
+          </a:p>
+          <a:p>
+            <a:pPr lvl="1"/>
+            <a:r>
+              <a:rPr kumimoji="1" lang="zh-TW" altLang="en-US" dirty="0" smtClean="0"/>
+              <a:t>要如何讓主管簽署</a:t>
+            </a:r>
+            <a:endParaRPr kumimoji="1" lang="en-US" altLang="zh-TW" dirty="0" smtClean="0"/>
+          </a:p>
+          <a:p>
+            <a:pPr lvl="1"/>
+            <a:endParaRPr kumimoji="1" lang="en-US" altLang="zh-TW" dirty="0" smtClean="0"/>
+          </a:p>
+          <a:p>
+            <a:r>
+              <a:rPr kumimoji="1" lang="zh-TW" altLang="en-US" dirty="0" smtClean="0"/>
+              <a:t>解決方式</a:t>
+            </a:r>
+            <a:endParaRPr kumimoji="1" lang="en-US" altLang="zh-TW" dirty="0" smtClean="0"/>
+          </a:p>
+          <a:p>
+            <a:pPr lvl="1"/>
+            <a:r>
+              <a:rPr kumimoji="1" lang="zh-TW" altLang="en-US" dirty="0" smtClean="0"/>
+              <a:t>寄電子郵件通知</a:t>
+            </a:r>
+            <a:endParaRPr kumimoji="1" lang="en-US" altLang="zh-TW" dirty="0" smtClean="0"/>
+          </a:p>
+          <a:p>
+            <a:pPr lvl="1"/>
+            <a:r>
+              <a:rPr kumimoji="1" lang="zh-TW" altLang="en-US" dirty="0" smtClean="0"/>
+              <a:t>透過一次性的簽署連結讓主管完成簽署動作。</a:t>
+            </a:r>
+            <a:endParaRPr kumimoji="1" lang="en-US" altLang="zh-TW" dirty="0" smtClean="0"/>
+          </a:p>
+          <a:p>
+            <a:endParaRPr kumimoji="1" lang="en-US" altLang="zh-TW" dirty="0"/>
+          </a:p>
+          <a:p>
+            <a:endParaRPr kumimoji="1" lang="zh-TW" altLang="en-US" dirty="0"/>
           </a:p>
         </p:txBody>
       </p:sp>
     </p:spTree>
     <p:extLst>
       <p:ext uri="{BB962C8B-B14F-4D97-AF65-F5344CB8AC3E}">
-        <p14:creationId xmlns:p14="http://schemas.microsoft.com/office/powerpoint/2010/main" val="377343677"/>
+        <p14:creationId xmlns:p14="http://schemas.microsoft.com/office/powerpoint/2010/main" val="3430539868"/>
       </p:ext>
     </p:extLst>
   </p:cSld>
@@ -13910,7 +13204,7 @@
   <p:timing>
     <p:tnLst>
       <p:par>
-        <p:cTn id="1" dur="indefinite" restart="never" nodeType="tmRoot"/>
+        <p:cTn xmlns:p14="http://schemas.microsoft.com/office/powerpoint/2010/main" id="1" dur="indefinite" restart="never" nodeType="tmRoot"/>
       </p:par>
     </p:tnLst>
   </p:timing>
@@ -14925,7 +14219,7 @@
   <p:timing>
     <p:tnLst>
       <p:par>
-        <p:cTn id="1" dur="indefinite" restart="never" nodeType="tmRoot">
+        <p:cTn xmlns:p14="http://schemas.microsoft.com/office/powerpoint/2010/main" id="1" dur="indefinite" restart="never" nodeType="tmRoot">
           <p:childTnLst>
             <p:seq concurrent="1" nextAc="seek">
               <p:cTn id="2" dur="indefinite" nodeType="mainSeq">
@@ -15966,7 +15260,7 @@
       </p:grpSpPr>
       <p:sp>
         <p:nvSpPr>
-          <p:cNvPr id="2" name="標題 1"/>
+          <p:cNvPr id="4" name="標題 3"/>
           <p:cNvSpPr>
             <a:spLocks noGrp="1"/>
           </p:cNvSpPr>
@@ -15974,97 +15268,27 @@
             <p:ph type="title"/>
           </p:nvPr>
         </p:nvSpPr>
-        <p:spPr/>
+        <p:spPr>
+          <a:xfrm>
+            <a:off x="467544" y="2564904"/>
+            <a:ext cx="8229600" cy="1156990"/>
+          </a:xfrm>
+        </p:spPr>
         <p:txBody>
           <a:bodyPr/>
           <a:lstStyle/>
           <a:p>
             <a:r>
               <a:rPr lang="zh-TW" altLang="en-US" dirty="0"/>
-              <a:t>單位主管通知簽署</a:t>
-            </a:r>
-            <a:endParaRPr kumimoji="1" lang="zh-TW" altLang="en-US" dirty="0"/>
-          </a:p>
-        </p:txBody>
-      </p:sp>
-      <p:sp>
-        <p:nvSpPr>
-          <p:cNvPr id="3" name="內容版面配置區 2"/>
-          <p:cNvSpPr>
-            <a:spLocks noGrp="1"/>
-          </p:cNvSpPr>
-          <p:nvPr>
-            <p:ph idx="1"/>
-          </p:nvPr>
-        </p:nvSpPr>
-        <p:spPr/>
-        <p:txBody>
-          <a:bodyPr>
-            <a:normAutofit/>
-          </a:bodyPr>
-          <a:lstStyle/>
-          <a:p>
-            <a:r>
-              <a:rPr kumimoji="1" lang="zh-TW" altLang="en-US" dirty="0" smtClean="0"/>
-              <a:t>問題</a:t>
-            </a:r>
-            <a:endParaRPr kumimoji="1" lang="en-US" altLang="zh-TW" dirty="0" smtClean="0"/>
-          </a:p>
-          <a:p>
-            <a:pPr lvl="1"/>
-            <a:r>
-              <a:rPr kumimoji="1" lang="zh-TW" altLang="en-US" dirty="0" smtClean="0"/>
-              <a:t>主管帳號</a:t>
-            </a:r>
-            <a:endParaRPr kumimoji="1" lang="en-US" altLang="zh-TW" dirty="0" smtClean="0"/>
-          </a:p>
-          <a:p>
-            <a:pPr lvl="1"/>
-            <a:r>
-              <a:rPr kumimoji="1" lang="zh-TW" altLang="en-US" dirty="0" smtClean="0"/>
-              <a:t>要如何讓主管簽署</a:t>
-            </a:r>
-            <a:endParaRPr kumimoji="1" lang="en-US" altLang="zh-TW" dirty="0" smtClean="0"/>
-          </a:p>
-          <a:p>
-            <a:pPr lvl="1"/>
-            <a:endParaRPr kumimoji="1" lang="en-US" altLang="zh-TW" dirty="0" smtClean="0"/>
-          </a:p>
-          <a:p>
-            <a:r>
-              <a:rPr kumimoji="1" lang="zh-TW" altLang="en-US" dirty="0" smtClean="0"/>
-              <a:t>解決方式</a:t>
-            </a:r>
-            <a:endParaRPr kumimoji="1" lang="en-US" altLang="zh-TW" dirty="0" smtClean="0"/>
-          </a:p>
-          <a:p>
-            <a:pPr lvl="1"/>
-            <a:r>
-              <a:rPr kumimoji="1" lang="zh-TW" altLang="en-US" dirty="0" smtClean="0"/>
-              <a:t>寄電子郵件通知</a:t>
-            </a:r>
-            <a:endParaRPr kumimoji="1" lang="en-US" altLang="zh-TW" dirty="0" smtClean="0"/>
-          </a:p>
-          <a:p>
-            <a:pPr lvl="1"/>
-            <a:r>
-              <a:rPr kumimoji="1" lang="zh-TW" altLang="en-US" dirty="0" smtClean="0"/>
-              <a:t>透過一次性的簽署連結讓主管完成簽署動作。</a:t>
-            </a:r>
-            <a:endParaRPr kumimoji="1" lang="en-US" altLang="zh-TW" dirty="0" smtClean="0"/>
-          </a:p>
-          <a:p>
-            <a:endParaRPr kumimoji="1" lang="en-US" altLang="zh-TW" dirty="0"/>
-          </a:p>
-          <a:p>
-            <a:endParaRPr kumimoji="1" lang="zh-TW" altLang="en-US" dirty="0"/>
+              <a:t>受稽單位介面</a:t>
+            </a:r>
           </a:p>
         </p:txBody>
       </p:sp>
     </p:spTree>
     <p:extLst>
       <p:ext uri="{BB962C8B-B14F-4D97-AF65-F5344CB8AC3E}">
-        <p14:creationId xmlns:p14="http://schemas.microsoft.com/office/powerpoint/2010/main" val="3430539868"/>
+        <p14:creationId xmlns:p14="http://schemas.microsoft.com/office/powerpoint/2010/main" val="1814644749"/>
       </p:ext>
     </p:extLst>
   </p:cSld>
@@ -16074,7 +15298,7 @@
   <p:timing>
     <p:tnLst>
       <p:par>
-        <p:cTn id="1" dur="indefinite" restart="never" nodeType="tmRoot"/>
+        <p:cTn xmlns:p14="http://schemas.microsoft.com/office/powerpoint/2010/main" id="1" dur="indefinite" restart="never" nodeType="tmRoot"/>
       </p:par>
     </p:tnLst>
   </p:timing>
@@ -16100,7 +15324,7 @@
       </p:grpSpPr>
       <p:sp>
         <p:nvSpPr>
-          <p:cNvPr id="4" name="標題 3"/>
+          <p:cNvPr id="2" name="標題 1"/>
           <p:cNvSpPr>
             <a:spLocks noGrp="1"/>
           </p:cNvSpPr>
@@ -16108,27 +15332,101 @@
             <p:ph type="title"/>
           </p:nvPr>
         </p:nvSpPr>
-        <p:spPr>
-          <a:xfrm>
-            <a:off x="467544" y="2564904"/>
-            <a:ext cx="8229600" cy="1156990"/>
-          </a:xfrm>
-        </p:spPr>
+        <p:spPr/>
         <p:txBody>
           <a:bodyPr/>
           <a:lstStyle/>
           <a:p>
             <a:r>
-              <a:rPr lang="zh-TW" altLang="en-US" dirty="0"/>
-              <a:t>受稽單位介面</a:t>
-            </a:r>
+              <a:rPr kumimoji="1" lang="zh-TW" altLang="en-US" dirty="0" smtClean="0"/>
+              <a:t>填寫矯正預防報告</a:t>
+            </a:r>
+            <a:endParaRPr kumimoji="1" lang="zh-TW" altLang="en-US" dirty="0"/>
+          </a:p>
+        </p:txBody>
+      </p:sp>
+      <p:sp>
+        <p:nvSpPr>
+          <p:cNvPr id="3" name="內容版面配置區 2"/>
+          <p:cNvSpPr>
+            <a:spLocks noGrp="1"/>
+          </p:cNvSpPr>
+          <p:nvPr>
+            <p:ph idx="1"/>
+          </p:nvPr>
+        </p:nvSpPr>
+        <p:spPr/>
+        <p:txBody>
+          <a:bodyPr/>
+          <a:lstStyle/>
+          <a:p>
+            <a:r>
+              <a:rPr kumimoji="1" lang="zh-TW" altLang="en-US" dirty="0" smtClean="0"/>
+              <a:t>問題</a:t>
+            </a:r>
+            <a:endParaRPr kumimoji="1" lang="en-US" altLang="zh-TW" dirty="0" smtClean="0"/>
+          </a:p>
+          <a:p>
+            <a:pPr lvl="1"/>
+            <a:r>
+              <a:rPr kumimoji="1" lang="zh-TW" altLang="en-US" dirty="0" smtClean="0"/>
+              <a:t>窗口不一定是填寫報告的人</a:t>
+            </a:r>
+            <a:endParaRPr kumimoji="1" lang="en-US" altLang="zh-TW" dirty="0" smtClean="0"/>
+          </a:p>
+          <a:p>
+            <a:pPr lvl="1"/>
+            <a:r>
+              <a:rPr kumimoji="1" lang="zh-TW" altLang="en-US" dirty="0" smtClean="0"/>
+              <a:t>要如何指派給他人</a:t>
+            </a:r>
+            <a:endParaRPr kumimoji="1" lang="en-US" altLang="zh-TW" dirty="0" smtClean="0"/>
+          </a:p>
+          <a:p>
+            <a:pPr lvl="1"/>
+            <a:r>
+              <a:rPr kumimoji="1" lang="zh-TW" altLang="en-US" dirty="0" smtClean="0"/>
+              <a:t>如果要取消指派呢</a:t>
+            </a:r>
+            <a:endParaRPr kumimoji="1" lang="en-US" altLang="zh-TW" dirty="0" smtClean="0"/>
+          </a:p>
+          <a:p>
+            <a:pPr lvl="1"/>
+            <a:endParaRPr kumimoji="1" lang="en-US" altLang="zh-TW" dirty="0"/>
+          </a:p>
+          <a:p>
+            <a:r>
+              <a:rPr kumimoji="1" lang="zh-TW" altLang="en-US" dirty="0" smtClean="0"/>
+              <a:t>解決方式</a:t>
+            </a:r>
+            <a:endParaRPr kumimoji="1" lang="en-US" altLang="zh-TW" dirty="0" smtClean="0"/>
+          </a:p>
+          <a:p>
+            <a:pPr lvl="1"/>
+            <a:r>
+              <a:rPr kumimoji="1" lang="zh-TW" altLang="en-US" dirty="0" smtClean="0"/>
+              <a:t>透過電子郵</a:t>
+            </a:r>
+            <a:r>
+              <a:rPr kumimoji="1" lang="zh-TW" altLang="en-US" dirty="0"/>
+              <a:t>件通知</a:t>
+            </a:r>
+            <a:endParaRPr kumimoji="1" lang="en-US" altLang="zh-TW" dirty="0"/>
+          </a:p>
+          <a:p>
+            <a:pPr lvl="1"/>
+            <a:r>
+              <a:rPr kumimoji="1" lang="zh-TW" altLang="en-US" dirty="0" smtClean="0"/>
+              <a:t>內含一個一次性的矯正預防表單</a:t>
+            </a:r>
+            <a:endParaRPr kumimoji="1" lang="zh-TW" altLang="en-US" dirty="0"/>
           </a:p>
         </p:txBody>
       </p:sp>
     </p:spTree>
     <p:extLst>
       <p:ext uri="{BB962C8B-B14F-4D97-AF65-F5344CB8AC3E}">
-        <p14:creationId xmlns:p14="http://schemas.microsoft.com/office/powerpoint/2010/main" val="1814644749"/>
+        <p14:creationId xmlns:p14="http://schemas.microsoft.com/office/powerpoint/2010/main" val="3856537675"/>
       </p:ext>
     </p:extLst>
   </p:cSld>
@@ -16138,7 +15436,7 @@
   <p:timing>
     <p:tnLst>
       <p:par>
-        <p:cTn id="1" dur="indefinite" restart="never" nodeType="tmRoot"/>
+        <p:cTn xmlns:p14="http://schemas.microsoft.com/office/powerpoint/2010/main" id="1" dur="indefinite" restart="never" nodeType="tmRoot"/>
       </p:par>
     </p:tnLst>
   </p:timing>
@@ -16164,144 +15462,6 @@
       </p:grpSpPr>
       <p:sp>
         <p:nvSpPr>
-          <p:cNvPr id="2" name="標題 1"/>
-          <p:cNvSpPr>
-            <a:spLocks noGrp="1"/>
-          </p:cNvSpPr>
-          <p:nvPr>
-            <p:ph type="title"/>
-          </p:nvPr>
-        </p:nvSpPr>
-        <p:spPr/>
-        <p:txBody>
-          <a:bodyPr/>
-          <a:lstStyle/>
-          <a:p>
-            <a:r>
-              <a:rPr kumimoji="1" lang="zh-TW" altLang="en-US" dirty="0" smtClean="0"/>
-              <a:t>填寫矯正預防報告</a:t>
-            </a:r>
-            <a:endParaRPr kumimoji="1" lang="zh-TW" altLang="en-US" dirty="0"/>
-          </a:p>
-        </p:txBody>
-      </p:sp>
-      <p:sp>
-        <p:nvSpPr>
-          <p:cNvPr id="3" name="內容版面配置區 2"/>
-          <p:cNvSpPr>
-            <a:spLocks noGrp="1"/>
-          </p:cNvSpPr>
-          <p:nvPr>
-            <p:ph idx="1"/>
-          </p:nvPr>
-        </p:nvSpPr>
-        <p:spPr/>
-        <p:txBody>
-          <a:bodyPr/>
-          <a:lstStyle/>
-          <a:p>
-            <a:r>
-              <a:rPr kumimoji="1" lang="zh-TW" altLang="en-US" dirty="0" smtClean="0"/>
-              <a:t>問題</a:t>
-            </a:r>
-            <a:endParaRPr kumimoji="1" lang="en-US" altLang="zh-TW" dirty="0" smtClean="0"/>
-          </a:p>
-          <a:p>
-            <a:pPr lvl="1"/>
-            <a:r>
-              <a:rPr kumimoji="1" lang="zh-TW" altLang="en-US" dirty="0" smtClean="0"/>
-              <a:t>窗口不一定是填寫報告的人</a:t>
-            </a:r>
-            <a:endParaRPr kumimoji="1" lang="en-US" altLang="zh-TW" dirty="0" smtClean="0"/>
-          </a:p>
-          <a:p>
-            <a:pPr lvl="1"/>
-            <a:r>
-              <a:rPr kumimoji="1" lang="zh-TW" altLang="en-US" dirty="0" smtClean="0"/>
-              <a:t>要如何指派給他人</a:t>
-            </a:r>
-            <a:endParaRPr kumimoji="1" lang="en-US" altLang="zh-TW" dirty="0" smtClean="0"/>
-          </a:p>
-          <a:p>
-            <a:pPr lvl="1"/>
-            <a:r>
-              <a:rPr kumimoji="1" lang="zh-TW" altLang="en-US" dirty="0" smtClean="0"/>
-              <a:t>如果要取消指派呢</a:t>
-            </a:r>
-            <a:endParaRPr kumimoji="1" lang="en-US" altLang="zh-TW" dirty="0" smtClean="0"/>
-          </a:p>
-          <a:p>
-            <a:pPr lvl="1"/>
-            <a:endParaRPr kumimoji="1" lang="en-US" altLang="zh-TW" dirty="0"/>
-          </a:p>
-          <a:p>
-            <a:r>
-              <a:rPr kumimoji="1" lang="zh-TW" altLang="en-US" dirty="0" smtClean="0"/>
-              <a:t>解決方式</a:t>
-            </a:r>
-            <a:endParaRPr kumimoji="1" lang="en-US" altLang="zh-TW" dirty="0" smtClean="0"/>
-          </a:p>
-          <a:p>
-            <a:pPr lvl="1"/>
-            <a:r>
-              <a:rPr kumimoji="1" lang="zh-TW" altLang="en-US" dirty="0" smtClean="0"/>
-              <a:t>透過電子郵</a:t>
-            </a:r>
-            <a:r>
-              <a:rPr kumimoji="1" lang="zh-TW" altLang="en-US" dirty="0"/>
-              <a:t>件通知</a:t>
-            </a:r>
-            <a:endParaRPr kumimoji="1" lang="en-US" altLang="zh-TW" dirty="0"/>
-          </a:p>
-          <a:p>
-            <a:pPr lvl="1"/>
-            <a:r>
-              <a:rPr kumimoji="1" lang="zh-TW" altLang="en-US" dirty="0" smtClean="0"/>
-              <a:t>內含一個一次性的矯正預防表單</a:t>
-            </a:r>
-            <a:endParaRPr kumimoji="1" lang="zh-TW" altLang="en-US" dirty="0"/>
-          </a:p>
-        </p:txBody>
-      </p:sp>
-    </p:spTree>
-    <p:extLst>
-      <p:ext uri="{BB962C8B-B14F-4D97-AF65-F5344CB8AC3E}">
-        <p14:creationId xmlns:p14="http://schemas.microsoft.com/office/powerpoint/2010/main" val="3856537675"/>
-      </p:ext>
-    </p:extLst>
-  </p:cSld>
-  <p:clrMapOvr>
-    <a:masterClrMapping/>
-  </p:clrMapOvr>
-  <p:timing>
-    <p:tnLst>
-      <p:par>
-        <p:cTn id="1" dur="indefinite" restart="never" nodeType="tmRoot"/>
-      </p:par>
-    </p:tnLst>
-  </p:timing>
-</p:sld>
-</file>
-
-<file path=ppt/slides/slide43.xml><?xml version="1.0" encoding="utf-8"?>
-<p:sld xmlns:a="http://schemas.openxmlformats.org/drawingml/2006/main" xmlns:r="http://schemas.openxmlformats.org/officeDocument/2006/relationships" xmlns:p="http://schemas.openxmlformats.org/presentationml/2006/main">
-  <p:cSld>
-    <p:spTree>
-      <p:nvGrpSpPr>
-        <p:cNvPr id="1" name=""/>
-        <p:cNvGrpSpPr/>
-        <p:nvPr/>
-      </p:nvGrpSpPr>
-      <p:grpSpPr>
-        <a:xfrm>
-          <a:off x="0" y="0"/>
-          <a:ext cx="0" cy="0"/>
-          <a:chOff x="0" y="0"/>
-          <a:chExt cx="0" cy="0"/>
-        </a:xfrm>
-      </p:grpSpPr>
-      <p:sp>
-        <p:nvSpPr>
           <p:cNvPr id="3" name="標題 2"/>
           <p:cNvSpPr>
             <a:spLocks noGrp="1"/>
@@ -16425,7 +15585,7 @@
   <p:timing>
     <p:tnLst>
       <p:par>
-        <p:cTn id="1" dur="indefinite" restart="never" nodeType="tmRoot"/>
+        <p:cTn xmlns:p14="http://schemas.microsoft.com/office/powerpoint/2010/main" id="1" dur="indefinite" restart="never" nodeType="tmRoot"/>
       </p:par>
     </p:tnLst>
   </p:timing>
@@ -16604,7 +15764,7 @@
   <p:timing>
     <p:tnLst>
       <p:par>
-        <p:cTn id="1" dur="indefinite" restart="never" nodeType="tmRoot"/>
+        <p:cTn xmlns:p14="http://schemas.microsoft.com/office/powerpoint/2010/main" id="1" dur="indefinite" restart="never" nodeType="tmRoot"/>
       </p:par>
     </p:tnLst>
   </p:timing>
@@ -16803,7 +15963,7 @@
   <p:timing>
     <p:tnLst>
       <p:par>
-        <p:cTn id="1" dur="indefinite" restart="never" nodeType="tmRoot"/>
+        <p:cTn xmlns:p14="http://schemas.microsoft.com/office/powerpoint/2010/main" id="1" dur="indefinite" restart="never" nodeType="tmRoot"/>
       </p:par>
     </p:tnLst>
   </p:timing>
@@ -16963,7 +16123,7 @@
   <p:timing>
     <p:tnLst>
       <p:par>
-        <p:cTn id="1" dur="indefinite" restart="never" nodeType="tmRoot"/>
+        <p:cTn xmlns:p14="http://schemas.microsoft.com/office/powerpoint/2010/main" id="1" dur="indefinite" restart="never" nodeType="tmRoot"/>
       </p:par>
     </p:tnLst>
   </p:timing>
@@ -17028,7 +16188,7 @@
   <p:timing>
     <p:tnLst>
       <p:par>
-        <p:cTn id="1" dur="indefinite" restart="never" nodeType="tmRoot"/>
+        <p:cTn xmlns:p14="http://schemas.microsoft.com/office/powerpoint/2010/main" id="1" dur="indefinite" restart="never" nodeType="tmRoot"/>
       </p:par>
     </p:tnLst>
   </p:timing>
@@ -17149,7 +16309,7 @@
   <p:timing>
     <p:tnLst>
       <p:par>
-        <p:cTn id="1" dur="indefinite" restart="never" nodeType="tmRoot"/>
+        <p:cTn xmlns:p14="http://schemas.microsoft.com/office/powerpoint/2010/main" id="1" dur="indefinite" restart="never" nodeType="tmRoot"/>
       </p:par>
     </p:tnLst>
   </p:timing>
@@ -17394,10 +16554,10 @@
   <a:themeElements>
     <a:clrScheme name="Office">
       <a:dk1>
-        <a:sysClr val="windowText" lastClr="0080FF"/>
+        <a:sysClr val="windowText" lastClr="000000"/>
       </a:dk1>
       <a:lt1>
-        <a:sysClr val="window" lastClr="D6ECFF"/>
+        <a:sysClr val="window" lastClr="FFFFFF"/>
       </a:lt1>
       <a:dk2>
         <a:srgbClr val="44546A"/>
@@ -17432,7 +16592,7 @@
     </a:clrScheme>
     <a:fontScheme name="Office">
       <a:majorFont>
-        <a:latin typeface="Calibri Light" panose="020F0302020204030204"/>
+        <a:latin typeface="Calibri Light"/>
         <a:ea typeface=""/>
         <a:cs typeface=""/>
         <a:font script="Jpan" typeface="ＭＳ Ｐゴシック"/>
@@ -17467,7 +16627,7 @@
         <a:font script="Geor" typeface="Sylfaen"/>
       </a:majorFont>
       <a:minorFont>
-        <a:latin typeface="Calibri" panose="020F0502020204030204"/>
+        <a:latin typeface="Calibri"/>
         <a:ea typeface=""/>
         <a:cs typeface=""/>
         <a:font script="Jpan" typeface="ＭＳ Ｐゴシック"/>
@@ -17644,7 +16804,7 @@
   <a:extraClrSchemeLst/>
   <a:extLst>
     <a:ext uri="{05A4C25C-085E-4340-85A3-A5531E510DB2}">
-      <thm15:themeFamily xmlns="" xmlns:thm15="http://schemas.microsoft.com/office/thememl/2012/main" name="Office Theme" id="{62F939B6-93AF-4DB8-9C6B-D6C7DFDC589F}" vid="{4A3C46E8-61CC-4603-A589-7422A47A8E4A}"/>
+      <thm15:themeFamily xmlns:thm15="http://schemas.microsoft.com/office/thememl/2012/main" xmlns="" name="Office Theme" id="{62F939B6-93AF-4DB8-9C6B-D6C7DFDC589F}" vid="{4A3C46E8-61CC-4603-A589-7422A47A8E4A}"/>
     </a:ext>
   </a:extLst>
 </a:theme>

--- a/Presentation/報告投影片.pptx
+++ b/Presentation/報告投影片.pptx
@@ -5,7 +5,7 @@
     <p:sldMasterId id="2147483672" r:id="rId1"/>
   </p:sldMasterIdLst>
   <p:notesMasterIdLst>
-    <p:notesMasterId r:id="rId45"/>
+    <p:notesMasterId r:id="rId46"/>
   </p:notesMasterIdLst>
   <p:sldIdLst>
     <p:sldId id="256" r:id="rId2"/>
@@ -43,14 +43,15 @@
     <p:sldId id="298" r:id="rId34"/>
     <p:sldId id="299" r:id="rId35"/>
     <p:sldId id="301" r:id="rId36"/>
-    <p:sldId id="302" r:id="rId37"/>
-    <p:sldId id="303" r:id="rId38"/>
-    <p:sldId id="304" r:id="rId39"/>
-    <p:sldId id="305" r:id="rId40"/>
-    <p:sldId id="306" r:id="rId41"/>
-    <p:sldId id="307" r:id="rId42"/>
-    <p:sldId id="308" r:id="rId43"/>
-    <p:sldId id="295" r:id="rId44"/>
+    <p:sldId id="317" r:id="rId37"/>
+    <p:sldId id="302" r:id="rId38"/>
+    <p:sldId id="303" r:id="rId39"/>
+    <p:sldId id="304" r:id="rId40"/>
+    <p:sldId id="305" r:id="rId41"/>
+    <p:sldId id="306" r:id="rId42"/>
+    <p:sldId id="307" r:id="rId43"/>
+    <p:sldId id="308" r:id="rId44"/>
+    <p:sldId id="295" r:id="rId45"/>
   </p:sldIdLst>
   <p:sldSz cx="9144000" cy="6858000" type="screen4x3"/>
   <p:notesSz cx="6858000" cy="9144000"/>
@@ -151,7 +152,7 @@
   </p:defaultTextStyle>
   <p:extLst>
     <p:ext uri="{EFAFB233-063F-42B5-8137-9DF3F51BA10A}">
-      <p15:sldGuideLst xmlns:p15="http://schemas.microsoft.com/office/powerpoint/2012/main">
+      <p15:sldGuideLst xmlns:p15="http://schemas.microsoft.com/office/powerpoint/2012/main" xmlns="">
         <p15:guide id="1" orient="horz" pos="2160">
           <p15:clr>
             <a:srgbClr val="A4A3A4"/>
@@ -3585,8 +3586,8 @@
     </dgm:pt>
   </dgm:ptLst>
   <dgm:cxnLst>
+    <dgm:cxn modelId="{E9B5F2A8-BC49-409F-8E56-6D87EBDAF8B4}" type="presOf" srcId="{A1601805-A0E5-47C6-80BB-75590D5128C9}" destId="{1CF2F065-63DA-49CE-8061-92B357695E85}" srcOrd="0" destOrd="0" presId="urn:microsoft.com/office/officeart/2005/8/layout/default"/>
     <dgm:cxn modelId="{12A6AC58-DA54-42D3-8172-21992C60CA81}" type="presOf" srcId="{3833F0C6-8A6F-475F-AD64-377AF82A010C}" destId="{71987154-AB0A-4691-AA7D-1D232AE97D5A}" srcOrd="0" destOrd="0" presId="urn:microsoft.com/office/officeart/2005/8/layout/default"/>
-    <dgm:cxn modelId="{E9B5F2A8-BC49-409F-8E56-6D87EBDAF8B4}" type="presOf" srcId="{A1601805-A0E5-47C6-80BB-75590D5128C9}" destId="{1CF2F065-63DA-49CE-8061-92B357695E85}" srcOrd="0" destOrd="0" presId="urn:microsoft.com/office/officeart/2005/8/layout/default"/>
     <dgm:cxn modelId="{CFE45D7A-89D7-4EF9-8256-EFDA780B1B6A}" srcId="{A1601805-A0E5-47C6-80BB-75590D5128C9}" destId="{D4114F50-AA3A-4B57-AF0D-6C2C8B0F7520}" srcOrd="1" destOrd="0" parTransId="{66CC1D17-437B-4177-B094-ACFD8A682A69}" sibTransId="{341E60D3-64E8-4C52-9223-383D8FC34A50}"/>
     <dgm:cxn modelId="{662F1249-B672-4800-A3A3-97B02EEC756E}" srcId="{A1601805-A0E5-47C6-80BB-75590D5128C9}" destId="{CD559A2C-F289-4EB1-A8B4-306B72DC84A9}" srcOrd="0" destOrd="0" parTransId="{B16202CE-2EFE-426A-A64D-5064AD9E8DC9}" sibTransId="{4A3D2D47-3C0F-419C-83D8-EBB6C4BC59FC}"/>
     <dgm:cxn modelId="{E088800D-21A1-4BD2-881A-B8DC9D00401A}" srcId="{A1601805-A0E5-47C6-80BB-75590D5128C9}" destId="{3833F0C6-8A6F-475F-AD64-377AF82A010C}" srcOrd="2" destOrd="0" parTransId="{01C37170-316C-4641-BAA6-3C81BAA6F11D}" sibTransId="{BE5911F9-0E08-4726-994B-A525989C4FD9}"/>
@@ -3677,12 +3678,12 @@
         </a:fontRef>
       </dsp:style>
       <dsp:txBody>
-        <a:bodyPr spcFirstLastPara="0" vert="horz" wrap="square" lIns="90678" tIns="45339" rIns="22670" bIns="45339" numCol="1" spcCol="1270" anchor="ctr" anchorCtr="0">
+        <a:bodyPr spcFirstLastPara="0" vert="horz" wrap="square" lIns="101346" tIns="50673" rIns="25337" bIns="50673" numCol="1" spcCol="1270" anchor="ctr" anchorCtr="0">
           <a:noAutofit/>
         </a:bodyPr>
         <a:lstStyle/>
         <a:p>
-          <a:pPr lvl="0" algn="ctr" defTabSz="755650">
+          <a:pPr lvl="0" algn="ctr" defTabSz="844550">
             <a:lnSpc>
               <a:spcPct val="90000"/>
             </a:lnSpc>
@@ -3694,10 +3695,10 @@
             </a:spcAft>
           </a:pPr>
           <a:r>
-            <a:rPr lang="zh-TW" altLang="en-US" sz="1700" kern="1200" dirty="0" smtClean="0"/>
+            <a:rPr lang="zh-TW" altLang="en-US" sz="1900" kern="1200" dirty="0" smtClean="0"/>
             <a:t>稽核範圍決定</a:t>
           </a:r>
-          <a:endParaRPr lang="zh-TW" altLang="en-US" sz="1700" kern="1200" dirty="0"/>
+          <a:endParaRPr lang="zh-TW" altLang="en-US" sz="1900" kern="1200" dirty="0"/>
         </a:p>
       </dsp:txBody>
       <dsp:txXfrm>
@@ -3908,12 +3909,12 @@
         </a:fontRef>
       </dsp:style>
       <dsp:txBody>
-        <a:bodyPr spcFirstLastPara="0" vert="horz" wrap="square" lIns="68009" tIns="45339" rIns="22670" bIns="45339" numCol="1" spcCol="1270" anchor="ctr" anchorCtr="0">
+        <a:bodyPr spcFirstLastPara="0" vert="horz" wrap="square" lIns="76010" tIns="50673" rIns="25337" bIns="50673" numCol="1" spcCol="1270" anchor="ctr" anchorCtr="0">
           <a:noAutofit/>
         </a:bodyPr>
         <a:lstStyle/>
         <a:p>
-          <a:pPr lvl="0" algn="ctr" defTabSz="755650">
+          <a:pPr lvl="0" algn="ctr" defTabSz="844550">
             <a:lnSpc>
               <a:spcPct val="90000"/>
             </a:lnSpc>
@@ -3925,10 +3926,10 @@
             </a:spcAft>
           </a:pPr>
           <a:r>
-            <a:rPr lang="zh-TW" altLang="en-US" sz="1700" kern="1200" smtClean="0"/>
+            <a:rPr lang="zh-TW" altLang="en-US" sz="1900" kern="1200" smtClean="0"/>
             <a:t>稽核日</a:t>
           </a:r>
-          <a:endParaRPr lang="zh-TW" altLang="en-US" sz="1700" kern="1200"/>
+          <a:endParaRPr lang="zh-TW" altLang="en-US" sz="1900" kern="1200"/>
         </a:p>
       </dsp:txBody>
       <dsp:txXfrm>
@@ -8872,7 +8873,7 @@
           <a:p>
             <a:fld id="{8D3E782C-8BA5-4E75-AB3A-6430B2EE33F5}" type="datetimeFigureOut">
               <a:rPr lang="zh-TW" altLang="en-US" smtClean="0"/>
-              <a:t>2015/5/28</a:t>
+              <a:t>15/5/29</a:t>
             </a:fld>
             <a:endParaRPr lang="zh-TW" altLang="en-US"/>
           </a:p>
@@ -9608,7 +9609,7 @@
           <a:p>
             <a:fld id="{B23E3EE3-903C-6049-ABF9-CB22CD5F18D1}" type="slidenum">
               <a:rPr kumimoji="1" lang="zh-TW" altLang="en-US" smtClean="0"/>
-              <a:t>36</a:t>
+              <a:t>37</a:t>
             </a:fld>
             <a:endParaRPr kumimoji="1" lang="zh-TW" altLang="en-US"/>
           </a:p>
@@ -9703,7 +9704,7 @@
           <a:p>
             <a:fld id="{B23E3EE3-903C-6049-ABF9-CB22CD5F18D1}" type="slidenum">
               <a:rPr kumimoji="1" lang="zh-TW" altLang="en-US" smtClean="0"/>
-              <a:t>40</a:t>
+              <a:t>41</a:t>
             </a:fld>
             <a:endParaRPr kumimoji="1" lang="zh-TW" altLang="en-US"/>
           </a:p>
@@ -9798,7 +9799,7 @@
           <a:p>
             <a:fld id="{B23E3EE3-903C-6049-ABF9-CB22CD5F18D1}" type="slidenum">
               <a:rPr kumimoji="1" lang="zh-TW" altLang="en-US" smtClean="0"/>
-              <a:t>42</a:t>
+              <a:t>43</a:t>
             </a:fld>
             <a:endParaRPr kumimoji="1" lang="zh-TW" altLang="en-US"/>
           </a:p>
@@ -10333,7 +10334,7 @@
           <a:p>
             <a:fld id="{630FF765-17E2-4CE6-9E8D-D311E8FC59D5}" type="datetimeFigureOut">
               <a:rPr lang="zh-TW" altLang="en-US" smtClean="0"/>
-              <a:t>2015/5/28</a:t>
+              <a:t>15/5/29</a:t>
             </a:fld>
             <a:endParaRPr lang="zh-TW" altLang="en-US"/>
           </a:p>
@@ -10434,7 +10435,7 @@
           </a:ln>
           <a:extLst>
             <a:ext uri="{91240B29-F687-4f45-9708-019B960494DF}">
-              <a14:hiddenLine xmlns:a14="http://schemas.microsoft.com/office/drawing/2010/main" xmlns="" w="9525">
+              <a14:hiddenLine xmlns:a14="http://schemas.microsoft.com/office/drawing/2010/main" w="9525">
                 <a:solidFill>
                   <a:srgbClr val="000000"/>
                 </a:solidFill>
@@ -10489,7 +10490,7 @@
           </a:ln>
           <a:extLst>
             <a:ext uri="{91240B29-F687-4f45-9708-019B960494DF}">
-              <a14:hiddenLine xmlns:a14="http://schemas.microsoft.com/office/drawing/2010/main" xmlns="" w="9525">
+              <a14:hiddenLine xmlns:a14="http://schemas.microsoft.com/office/drawing/2010/main" w="9525">
                 <a:solidFill>
                   <a:srgbClr val="000000"/>
                 </a:solidFill>
@@ -10744,7 +10745,7 @@
           <a:p>
             <a:fld id="{630FF765-17E2-4CE6-9E8D-D311E8FC59D5}" type="datetimeFigureOut">
               <a:rPr lang="zh-TW" altLang="en-US" smtClean="0"/>
-              <a:t>2015/5/28</a:t>
+              <a:t>15/5/29</a:t>
             </a:fld>
             <a:endParaRPr lang="zh-TW" altLang="en-US"/>
           </a:p>
@@ -10992,7 +10993,7 @@
           <a:p>
             <a:fld id="{630FF765-17E2-4CE6-9E8D-D311E8FC59D5}" type="datetimeFigureOut">
               <a:rPr lang="zh-TW" altLang="en-US" smtClean="0"/>
-              <a:t>2015/5/28</a:t>
+              <a:t>15/5/29</a:t>
             </a:fld>
             <a:endParaRPr lang="zh-TW" altLang="en-US"/>
           </a:p>
@@ -11532,7 +11533,7 @@
           <a:p>
             <a:fld id="{630FF765-17E2-4CE6-9E8D-D311E8FC59D5}" type="datetimeFigureOut">
               <a:rPr lang="zh-TW" altLang="en-US" smtClean="0"/>
-              <a:t>2015/5/28</a:t>
+              <a:t>15/5/29</a:t>
             </a:fld>
             <a:endParaRPr lang="zh-TW" altLang="en-US"/>
           </a:p>
@@ -11780,7 +11781,7 @@
           <a:p>
             <a:fld id="{630FF765-17E2-4CE6-9E8D-D311E8FC59D5}" type="datetimeFigureOut">
               <a:rPr lang="zh-TW" altLang="en-US" smtClean="0"/>
-              <a:t>2015/5/28</a:t>
+              <a:t>15/5/29</a:t>
             </a:fld>
             <a:endParaRPr lang="zh-TW" altLang="en-US"/>
           </a:p>
@@ -12312,7 +12313,7 @@
           <a:p>
             <a:fld id="{630FF765-17E2-4CE6-9E8D-D311E8FC59D5}" type="datetimeFigureOut">
               <a:rPr lang="zh-TW" altLang="en-US" smtClean="0"/>
-              <a:t>2015/5/28</a:t>
+              <a:t>15/5/29</a:t>
             </a:fld>
             <a:endParaRPr lang="zh-TW" altLang="en-US"/>
           </a:p>
@@ -12609,7 +12610,7 @@
           <a:p>
             <a:fld id="{630FF765-17E2-4CE6-9E8D-D311E8FC59D5}" type="datetimeFigureOut">
               <a:rPr lang="zh-TW" altLang="en-US" smtClean="0"/>
-              <a:t>2015/5/28</a:t>
+              <a:t>15/5/29</a:t>
             </a:fld>
             <a:endParaRPr lang="zh-TW" altLang="en-US"/>
           </a:p>
@@ -12783,7 +12784,7 @@
           <a:p>
             <a:fld id="{630FF765-17E2-4CE6-9E8D-D311E8FC59D5}" type="datetimeFigureOut">
               <a:rPr lang="zh-TW" altLang="en-US" smtClean="0"/>
-              <a:t>2015/5/28</a:t>
+              <a:t>15/5/29</a:t>
             </a:fld>
             <a:endParaRPr lang="zh-TW" altLang="en-US"/>
           </a:p>
@@ -12963,7 +12964,7 @@
           <a:p>
             <a:fld id="{630FF765-17E2-4CE6-9E8D-D311E8FC59D5}" type="datetimeFigureOut">
               <a:rPr lang="zh-TW" altLang="en-US" smtClean="0"/>
-              <a:t>2015/5/28</a:t>
+              <a:t>15/5/29</a:t>
             </a:fld>
             <a:endParaRPr lang="zh-TW" altLang="en-US"/>
           </a:p>
@@ -13148,7 +13149,7 @@
           <a:p>
             <a:fld id="{630FF765-17E2-4CE6-9E8D-D311E8FC59D5}" type="datetimeFigureOut">
               <a:rPr lang="zh-TW" altLang="en-US" smtClean="0"/>
-              <a:t>2015/5/28</a:t>
+              <a:t>15/5/29</a:t>
             </a:fld>
             <a:endParaRPr lang="zh-TW" altLang="en-US"/>
           </a:p>
@@ -13404,7 +13405,7 @@
           <a:p>
             <a:fld id="{630FF765-17E2-4CE6-9E8D-D311E8FC59D5}" type="datetimeFigureOut">
               <a:rPr lang="zh-TW" altLang="en-US" smtClean="0"/>
-              <a:t>2015/5/28</a:t>
+              <a:t>15/5/29</a:t>
             </a:fld>
             <a:endParaRPr lang="zh-TW" altLang="en-US"/>
           </a:p>
@@ -13706,7 +13707,7 @@
           <a:p>
             <a:fld id="{630FF765-17E2-4CE6-9E8D-D311E8FC59D5}" type="datetimeFigureOut">
               <a:rPr lang="zh-TW" altLang="en-US" smtClean="0"/>
-              <a:t>2015/5/28</a:t>
+              <a:t>15/5/29</a:t>
             </a:fld>
             <a:endParaRPr lang="zh-TW" altLang="en-US"/>
           </a:p>
@@ -14148,7 +14149,7 @@
           <a:p>
             <a:fld id="{630FF765-17E2-4CE6-9E8D-D311E8FC59D5}" type="datetimeFigureOut">
               <a:rPr lang="zh-TW" altLang="en-US" smtClean="0"/>
-              <a:t>2015/5/28</a:t>
+              <a:t>15/5/29</a:t>
             </a:fld>
             <a:endParaRPr lang="zh-TW" altLang="en-US"/>
           </a:p>
@@ -14266,7 +14267,7 @@
           <a:p>
             <a:fld id="{630FF765-17E2-4CE6-9E8D-D311E8FC59D5}" type="datetimeFigureOut">
               <a:rPr lang="zh-TW" altLang="en-US" smtClean="0"/>
-              <a:t>2015/5/28</a:t>
+              <a:t>15/5/29</a:t>
             </a:fld>
             <a:endParaRPr lang="zh-TW" altLang="en-US"/>
           </a:p>
@@ -14361,7 +14362,7 @@
           <a:p>
             <a:fld id="{630FF765-17E2-4CE6-9E8D-D311E8FC59D5}" type="datetimeFigureOut">
               <a:rPr lang="zh-TW" altLang="en-US" smtClean="0"/>
-              <a:t>2015/5/28</a:t>
+              <a:t>15/5/29</a:t>
             </a:fld>
             <a:endParaRPr lang="zh-TW" altLang="en-US"/>
           </a:p>
@@ -14644,7 +14645,7 @@
           <a:p>
             <a:fld id="{630FF765-17E2-4CE6-9E8D-D311E8FC59D5}" type="datetimeFigureOut">
               <a:rPr lang="zh-TW" altLang="en-US" smtClean="0"/>
-              <a:t>2015/5/28</a:t>
+              <a:t>15/5/29</a:t>
             </a:fld>
             <a:endParaRPr lang="zh-TW" altLang="en-US"/>
           </a:p>
@@ -14935,7 +14936,7 @@
           <a:p>
             <a:fld id="{630FF765-17E2-4CE6-9E8D-D311E8FC59D5}" type="datetimeFigureOut">
               <a:rPr lang="zh-TW" altLang="en-US" smtClean="0"/>
-              <a:t>2015/5/28</a:t>
+              <a:t>15/5/29</a:t>
             </a:fld>
             <a:endParaRPr lang="zh-TW" altLang="en-US"/>
           </a:p>
@@ -15459,7 +15460,7 @@
           <a:p>
             <a:fld id="{630FF765-17E2-4CE6-9E8D-D311E8FC59D5}" type="datetimeFigureOut">
               <a:rPr lang="zh-TW" altLang="en-US" smtClean="0"/>
-              <a:t>2015/5/28</a:t>
+              <a:t>15/5/29</a:t>
             </a:fld>
             <a:endParaRPr lang="zh-TW" altLang="en-US"/>
           </a:p>
@@ -16030,14 +16031,7 @@
                 <a:latin typeface="微軟正黑體" panose="020B0604030504040204" pitchFamily="34" charset="-120"/>
                 <a:ea typeface="微軟正黑體" panose="020B0604030504040204" pitchFamily="34" charset="-120"/>
               </a:rPr>
-              <a:t>個</a:t>
-            </a:r>
-            <a:r>
-              <a:rPr lang="zh-TW" altLang="en-US" dirty="0" smtClean="0">
-                <a:latin typeface="微軟正黑體" panose="020B0604030504040204" pitchFamily="34" charset="-120"/>
-                <a:ea typeface="微軟正黑體" panose="020B0604030504040204" pitchFamily="34" charset="-120"/>
-              </a:rPr>
-              <a:t>資稽核系統</a:t>
+              <a:t>個資稽核系統</a:t>
             </a:r>
             <a:r>
               <a:rPr lang="en-US" altLang="zh-TW" dirty="0" smtClean="0">
@@ -16157,7 +16151,7 @@
   <p:timing>
     <p:tnLst>
       <p:par>
-        <p:cTn id="1" dur="indefinite" restart="never" nodeType="tmRoot"/>
+        <p:cTn xmlns:p14="http://schemas.microsoft.com/office/powerpoint/2010/main" id="1" dur="indefinite" restart="never" nodeType="tmRoot"/>
       </p:par>
     </p:tnLst>
   </p:timing>
@@ -16320,7 +16314,7 @@
   <p:timing>
     <p:tnLst>
       <p:par>
-        <p:cTn id="1" dur="indefinite" restart="never" nodeType="tmRoot"/>
+        <p:cTn xmlns:p14="http://schemas.microsoft.com/office/powerpoint/2010/main" id="1" dur="indefinite" restart="never" nodeType="tmRoot"/>
       </p:par>
     </p:tnLst>
   </p:timing>
@@ -16447,7 +16441,7 @@
   <p:timing>
     <p:tnLst>
       <p:par>
-        <p:cTn id="1" dur="indefinite" restart="never" nodeType="tmRoot"/>
+        <p:cTn xmlns:p14="http://schemas.microsoft.com/office/powerpoint/2010/main" id="1" dur="indefinite" restart="never" nodeType="tmRoot"/>
       </p:par>
     </p:tnLst>
   </p:timing>
@@ -16630,7 +16624,7 @@
   <p:timing>
     <p:tnLst>
       <p:par>
-        <p:cTn id="1" dur="indefinite" restart="never" nodeType="tmRoot"/>
+        <p:cTn xmlns:p14="http://schemas.microsoft.com/office/powerpoint/2010/main" id="1" dur="indefinite" restart="never" nodeType="tmRoot"/>
       </p:par>
     </p:tnLst>
   </p:timing>
@@ -16805,7 +16799,7 @@
   <p:timing>
     <p:tnLst>
       <p:par>
-        <p:cTn id="1" dur="indefinite" restart="never" nodeType="tmRoot"/>
+        <p:cTn xmlns:p14="http://schemas.microsoft.com/office/powerpoint/2010/main" id="1" dur="indefinite" restart="never" nodeType="tmRoot"/>
       </p:par>
     </p:tnLst>
   </p:timing>
@@ -16940,7 +16934,7 @@
   <p:timing>
     <p:tnLst>
       <p:par>
-        <p:cTn id="1" dur="indefinite" restart="never" nodeType="tmRoot"/>
+        <p:cTn xmlns:p14="http://schemas.microsoft.com/office/powerpoint/2010/main" id="1" dur="indefinite" restart="never" nodeType="tmRoot"/>
       </p:par>
     </p:tnLst>
   </p:timing>
@@ -17098,7 +17092,7 @@
   <p:timing>
     <p:tnLst>
       <p:par>
-        <p:cTn id="1" dur="indefinite" restart="never" nodeType="tmRoot"/>
+        <p:cTn xmlns:p14="http://schemas.microsoft.com/office/powerpoint/2010/main" id="1" dur="indefinite" restart="never" nodeType="tmRoot"/>
       </p:par>
     </p:tnLst>
   </p:timing>
@@ -17188,14 +17182,14 @@
           </a:ln>
           <a:extLst>
             <a:ext uri="{909E8E84-426E-40dd-AFC4-6F175D3DCCD1}">
-              <a14:hiddenFill xmlns:a14="http://schemas.microsoft.com/office/drawing/2010/main" xmlns="">
+              <a14:hiddenFill xmlns:a14="http://schemas.microsoft.com/office/drawing/2010/main">
                 <a:solidFill>
                   <a:schemeClr val="accent1"/>
                 </a:solidFill>
               </a14:hiddenFill>
             </a:ext>
             <a:ext uri="{91240B29-F687-4f45-9708-019B960494DF}">
-              <a14:hiddenLine xmlns:a14="http://schemas.microsoft.com/office/drawing/2010/main" xmlns="" w="9525">
+              <a14:hiddenLine xmlns:a14="http://schemas.microsoft.com/office/drawing/2010/main" w="9525">
                 <a:solidFill>
                   <a:schemeClr val="tx1"/>
                 </a:solidFill>
@@ -17220,7 +17214,7 @@
   <p:timing>
     <p:tnLst>
       <p:par>
-        <p:cTn id="1" dur="indefinite" restart="never" nodeType="tmRoot"/>
+        <p:cTn xmlns:p14="http://schemas.microsoft.com/office/powerpoint/2010/main" id="1" dur="indefinite" restart="never" nodeType="tmRoot"/>
       </p:par>
     </p:tnLst>
   </p:timing>
@@ -17310,14 +17304,14 @@
           </a:ln>
           <a:extLst>
             <a:ext uri="{909E8E84-426E-40dd-AFC4-6F175D3DCCD1}">
-              <a14:hiddenFill xmlns:a14="http://schemas.microsoft.com/office/drawing/2010/main" xmlns="">
+              <a14:hiddenFill xmlns:a14="http://schemas.microsoft.com/office/drawing/2010/main">
                 <a:solidFill>
                   <a:schemeClr val="accent1"/>
                 </a:solidFill>
               </a14:hiddenFill>
             </a:ext>
             <a:ext uri="{91240B29-F687-4f45-9708-019B960494DF}">
-              <a14:hiddenLine xmlns:a14="http://schemas.microsoft.com/office/drawing/2010/main" xmlns="" w="9525">
+              <a14:hiddenLine xmlns:a14="http://schemas.microsoft.com/office/drawing/2010/main" w="9525">
                 <a:solidFill>
                   <a:schemeClr val="tx1"/>
                 </a:solidFill>
@@ -17342,7 +17336,7 @@
   <p:timing>
     <p:tnLst>
       <p:par>
-        <p:cTn id="1" dur="indefinite" restart="never" nodeType="tmRoot"/>
+        <p:cTn xmlns:p14="http://schemas.microsoft.com/office/powerpoint/2010/main" id="1" dur="indefinite" restart="never" nodeType="tmRoot"/>
       </p:par>
     </p:tnLst>
   </p:timing>
@@ -17432,14 +17426,14 @@
           </a:ln>
           <a:extLst>
             <a:ext uri="{909E8E84-426E-40dd-AFC4-6F175D3DCCD1}">
-              <a14:hiddenFill xmlns:a14="http://schemas.microsoft.com/office/drawing/2010/main" xmlns="">
+              <a14:hiddenFill xmlns:a14="http://schemas.microsoft.com/office/drawing/2010/main">
                 <a:solidFill>
                   <a:schemeClr val="accent1"/>
                 </a:solidFill>
               </a14:hiddenFill>
             </a:ext>
             <a:ext uri="{91240B29-F687-4f45-9708-019B960494DF}">
-              <a14:hiddenLine xmlns:a14="http://schemas.microsoft.com/office/drawing/2010/main" xmlns="" w="9525">
+              <a14:hiddenLine xmlns:a14="http://schemas.microsoft.com/office/drawing/2010/main" w="9525">
                 <a:solidFill>
                   <a:schemeClr val="tx1"/>
                 </a:solidFill>
@@ -17464,7 +17458,7 @@
   <p:timing>
     <p:tnLst>
       <p:par>
-        <p:cTn id="1" dur="indefinite" restart="never" nodeType="tmRoot"/>
+        <p:cTn xmlns:p14="http://schemas.microsoft.com/office/powerpoint/2010/main" id="1" dur="indefinite" restart="never" nodeType="tmRoot"/>
       </p:par>
     </p:tnLst>
   </p:timing>
@@ -17554,14 +17548,14 @@
           </a:ln>
           <a:extLst>
             <a:ext uri="{909E8E84-426E-40dd-AFC4-6F175D3DCCD1}">
-              <a14:hiddenFill xmlns:a14="http://schemas.microsoft.com/office/drawing/2010/main" xmlns="">
+              <a14:hiddenFill xmlns:a14="http://schemas.microsoft.com/office/drawing/2010/main">
                 <a:solidFill>
                   <a:schemeClr val="accent1"/>
                 </a:solidFill>
               </a14:hiddenFill>
             </a:ext>
             <a:ext uri="{91240B29-F687-4f45-9708-019B960494DF}">
-              <a14:hiddenLine xmlns:a14="http://schemas.microsoft.com/office/drawing/2010/main" xmlns="" w="9525">
+              <a14:hiddenLine xmlns:a14="http://schemas.microsoft.com/office/drawing/2010/main" w="9525">
                 <a:solidFill>
                   <a:schemeClr val="tx1"/>
                 </a:solidFill>
@@ -17586,7 +17580,7 @@
   <p:timing>
     <p:tnLst>
       <p:par>
-        <p:cTn id="1" dur="indefinite" restart="never" nodeType="tmRoot"/>
+        <p:cTn xmlns:p14="http://schemas.microsoft.com/office/powerpoint/2010/main" id="1" dur="indefinite" restart="never" nodeType="tmRoot"/>
       </p:par>
     </p:tnLst>
   </p:timing>
@@ -17672,21 +17666,7 @@
                 <a:latin typeface="微軟正黑體" panose="020B0604030504040204" pitchFamily="34" charset="-120"/>
                 <a:ea typeface="微軟正黑體" panose="020B0604030504040204" pitchFamily="34" charset="-120"/>
               </a:rPr>
-              <a:t>團隊</a:t>
-            </a:r>
-            <a:r>
-              <a:rPr lang="zh-TW" altLang="en-US" dirty="0" smtClean="0">
-                <a:latin typeface="微軟正黑體" panose="020B0604030504040204" pitchFamily="34" charset="-120"/>
-                <a:ea typeface="微軟正黑體" panose="020B0604030504040204" pitchFamily="34" charset="-120"/>
-              </a:rPr>
-              <a:t>合作</a:t>
-            </a:r>
-            <a:r>
-              <a:rPr lang="zh-TW" altLang="en-US" dirty="0" smtClean="0">
-                <a:latin typeface="微軟正黑體" panose="020B0604030504040204" pitchFamily="34" charset="-120"/>
-                <a:ea typeface="微軟正黑體" panose="020B0604030504040204" pitchFamily="34" charset="-120"/>
-              </a:rPr>
-              <a:t>方式</a:t>
+              <a:t>團隊合作方式</a:t>
             </a:r>
             <a:endParaRPr lang="en-US" altLang="zh-TW" dirty="0" smtClean="0">
               <a:latin typeface="微軟正黑體" panose="020B0604030504040204" pitchFamily="34" charset="-120"/>
@@ -17719,10 +17699,6 @@
               </a:rPr>
               <a:t>貢獻</a:t>
             </a:r>
-            <a:endParaRPr lang="zh-TW" altLang="en-US" dirty="0" smtClean="0">
-              <a:latin typeface="微軟正黑體" panose="020B0604030504040204" pitchFamily="34" charset="-120"/>
-              <a:ea typeface="微軟正黑體" panose="020B0604030504040204" pitchFamily="34" charset="-120"/>
-            </a:endParaRPr>
           </a:p>
           <a:p>
             <a:pPr marL="514350" indent="-514350">
@@ -17803,7 +17779,7 @@
   <p:timing>
     <p:tnLst>
       <p:par>
-        <p:cTn id="1" dur="indefinite" restart="never" nodeType="tmRoot"/>
+        <p:cTn xmlns:p14="http://schemas.microsoft.com/office/powerpoint/2010/main" id="1" dur="indefinite" restart="never" nodeType="tmRoot"/>
       </p:par>
     </p:tnLst>
   </p:timing>
@@ -17893,14 +17869,14 @@
           </a:ln>
           <a:extLst>
             <a:ext uri="{909E8E84-426E-40dd-AFC4-6F175D3DCCD1}">
-              <a14:hiddenFill xmlns:a14="http://schemas.microsoft.com/office/drawing/2010/main" xmlns="">
+              <a14:hiddenFill xmlns:a14="http://schemas.microsoft.com/office/drawing/2010/main">
                 <a:solidFill>
                   <a:schemeClr val="accent1"/>
                 </a:solidFill>
               </a14:hiddenFill>
             </a:ext>
             <a:ext uri="{91240B29-F687-4f45-9708-019B960494DF}">
-              <a14:hiddenLine xmlns:a14="http://schemas.microsoft.com/office/drawing/2010/main" xmlns="" w="9525">
+              <a14:hiddenLine xmlns:a14="http://schemas.microsoft.com/office/drawing/2010/main" w="9525">
                 <a:solidFill>
                   <a:schemeClr val="tx1"/>
                 </a:solidFill>
@@ -17925,7 +17901,7 @@
   <p:timing>
     <p:tnLst>
       <p:par>
-        <p:cTn id="1" dur="indefinite" restart="never" nodeType="tmRoot"/>
+        <p:cTn xmlns:p14="http://schemas.microsoft.com/office/powerpoint/2010/main" id="1" dur="indefinite" restart="never" nodeType="tmRoot"/>
       </p:par>
     </p:tnLst>
   </p:timing>
@@ -18015,14 +17991,14 @@
           </a:ln>
           <a:extLst>
             <a:ext uri="{909E8E84-426E-40dd-AFC4-6F175D3DCCD1}">
-              <a14:hiddenFill xmlns:a14="http://schemas.microsoft.com/office/drawing/2010/main" xmlns="">
+              <a14:hiddenFill xmlns:a14="http://schemas.microsoft.com/office/drawing/2010/main">
                 <a:solidFill>
                   <a:schemeClr val="accent1"/>
                 </a:solidFill>
               </a14:hiddenFill>
             </a:ext>
             <a:ext uri="{91240B29-F687-4f45-9708-019B960494DF}">
-              <a14:hiddenLine xmlns:a14="http://schemas.microsoft.com/office/drawing/2010/main" xmlns="" w="9525">
+              <a14:hiddenLine xmlns:a14="http://schemas.microsoft.com/office/drawing/2010/main" w="9525">
                 <a:solidFill>
                   <a:schemeClr val="tx1"/>
                 </a:solidFill>
@@ -18047,7 +18023,7 @@
   <p:timing>
     <p:tnLst>
       <p:par>
-        <p:cTn id="1" dur="indefinite" restart="never" nodeType="tmRoot"/>
+        <p:cTn xmlns:p14="http://schemas.microsoft.com/office/powerpoint/2010/main" id="1" dur="indefinite" restart="never" nodeType="tmRoot"/>
       </p:par>
     </p:tnLst>
   </p:timing>
@@ -18137,14 +18113,14 @@
           </a:ln>
           <a:extLst>
             <a:ext uri="{909E8E84-426E-40dd-AFC4-6F175D3DCCD1}">
-              <a14:hiddenFill xmlns:a14="http://schemas.microsoft.com/office/drawing/2010/main" xmlns="">
+              <a14:hiddenFill xmlns:a14="http://schemas.microsoft.com/office/drawing/2010/main">
                 <a:solidFill>
                   <a:schemeClr val="accent1"/>
                 </a:solidFill>
               </a14:hiddenFill>
             </a:ext>
             <a:ext uri="{91240B29-F687-4f45-9708-019B960494DF}">
-              <a14:hiddenLine xmlns:a14="http://schemas.microsoft.com/office/drawing/2010/main" xmlns="" w="9525">
+              <a14:hiddenLine xmlns:a14="http://schemas.microsoft.com/office/drawing/2010/main" w="9525">
                 <a:solidFill>
                   <a:schemeClr val="tx1"/>
                 </a:solidFill>
@@ -18169,7 +18145,7 @@
   <p:timing>
     <p:tnLst>
       <p:par>
-        <p:cTn id="1" dur="indefinite" restart="never" nodeType="tmRoot"/>
+        <p:cTn xmlns:p14="http://schemas.microsoft.com/office/powerpoint/2010/main" id="1" dur="indefinite" restart="never" nodeType="tmRoot"/>
       </p:par>
     </p:tnLst>
   </p:timing>
@@ -18338,7 +18314,7 @@
   <p:timing>
     <p:tnLst>
       <p:par>
-        <p:cTn id="1" dur="indefinite" restart="never" nodeType="tmRoot"/>
+        <p:cTn xmlns:p14="http://schemas.microsoft.com/office/powerpoint/2010/main" id="1" dur="indefinite" restart="never" nodeType="tmRoot"/>
       </p:par>
     </p:tnLst>
   </p:timing>
@@ -18511,14 +18487,14 @@
           </a:ln>
           <a:extLst>
             <a:ext uri="{909E8E84-426E-40dd-AFC4-6F175D3DCCD1}">
-              <a14:hiddenFill xmlns:a14="http://schemas.microsoft.com/office/drawing/2010/main" xmlns="">
+              <a14:hiddenFill xmlns:a14="http://schemas.microsoft.com/office/drawing/2010/main">
                 <a:solidFill>
                   <a:schemeClr val="accent1"/>
                 </a:solidFill>
               </a14:hiddenFill>
             </a:ext>
             <a:ext uri="{91240B29-F687-4f45-9708-019B960494DF}">
-              <a14:hiddenLine xmlns:a14="http://schemas.microsoft.com/office/drawing/2010/main" xmlns="" w="9525">
+              <a14:hiddenLine xmlns:a14="http://schemas.microsoft.com/office/drawing/2010/main" w="9525">
                 <a:solidFill>
                   <a:schemeClr val="tx1"/>
                 </a:solidFill>
@@ -18543,7 +18519,7 @@
   <p:timing>
     <p:tnLst>
       <p:par>
-        <p:cTn id="1" dur="indefinite" restart="never" nodeType="tmRoot"/>
+        <p:cTn xmlns:p14="http://schemas.microsoft.com/office/powerpoint/2010/main" id="1" dur="indefinite" restart="never" nodeType="tmRoot"/>
       </p:par>
     </p:tnLst>
   </p:timing>
@@ -18767,7 +18743,7 @@
   <p:timing>
     <p:tnLst>
       <p:par>
-        <p:cTn id="1" dur="indefinite" restart="never" nodeType="tmRoot"/>
+        <p:cTn xmlns:p14="http://schemas.microsoft.com/office/powerpoint/2010/main" id="1" dur="indefinite" restart="never" nodeType="tmRoot"/>
       </p:par>
     </p:tnLst>
   </p:timing>
@@ -18838,7 +18814,7 @@
   <p:timing>
     <p:tnLst>
       <p:par>
-        <p:cTn id="1" dur="indefinite" restart="never" nodeType="tmRoot"/>
+        <p:cTn xmlns:p14="http://schemas.microsoft.com/office/powerpoint/2010/main" id="1" dur="indefinite" restart="never" nodeType="tmRoot"/>
       </p:par>
     </p:tnLst>
   </p:timing>
@@ -19157,7 +19133,7 @@
   <p:timing>
     <p:tnLst>
       <p:par>
-        <p:cTn id="1" dur="indefinite" restart="never" nodeType="tmRoot"/>
+        <p:cTn xmlns:p14="http://schemas.microsoft.com/office/powerpoint/2010/main" id="1" dur="indefinite" restart="never" nodeType="tmRoot"/>
       </p:par>
     </p:tnLst>
   </p:timing>
@@ -19343,7 +19319,7 @@
   <p:timing>
     <p:tnLst>
       <p:par>
-        <p:cTn id="1" dur="indefinite" restart="never" nodeType="tmRoot"/>
+        <p:cTn xmlns:p14="http://schemas.microsoft.com/office/powerpoint/2010/main" id="1" dur="indefinite" restart="never" nodeType="tmRoot"/>
       </p:par>
     </p:tnLst>
   </p:timing>
@@ -19432,14 +19408,14 @@
           </a:ln>
           <a:extLst>
             <a:ext uri="{909E8E84-426E-40dd-AFC4-6F175D3DCCD1}">
-              <a14:hiddenFill xmlns:a14="http://schemas.microsoft.com/office/drawing/2010/main" xmlns="">
+              <a14:hiddenFill xmlns:a14="http://schemas.microsoft.com/office/drawing/2010/main">
                 <a:solidFill>
                   <a:schemeClr val="accent1"/>
                 </a:solidFill>
               </a14:hiddenFill>
             </a:ext>
             <a:ext uri="{91240B29-F687-4f45-9708-019B960494DF}">
-              <a14:hiddenLine xmlns:a14="http://schemas.microsoft.com/office/drawing/2010/main" xmlns="" w="9525">
+              <a14:hiddenLine xmlns:a14="http://schemas.microsoft.com/office/drawing/2010/main" w="9525">
                 <a:solidFill>
                   <a:schemeClr val="tx1"/>
                 </a:solidFill>
@@ -19464,7 +19440,7 @@
   <p:timing>
     <p:tnLst>
       <p:par>
-        <p:cTn id="1" dur="indefinite" restart="never" nodeType="tmRoot"/>
+        <p:cTn xmlns:p14="http://schemas.microsoft.com/office/powerpoint/2010/main" id="1" dur="indefinite" restart="never" nodeType="tmRoot"/>
       </p:par>
     </p:tnLst>
   </p:timing>
@@ -19684,7 +19660,7 @@
   <p:timing>
     <p:tnLst>
       <p:par>
-        <p:cTn id="1" dur="indefinite" restart="never" nodeType="tmRoot"/>
+        <p:cTn xmlns:p14="http://schemas.microsoft.com/office/powerpoint/2010/main" id="1" dur="indefinite" restart="never" nodeType="tmRoot"/>
       </p:par>
     </p:tnLst>
   </p:timing>
@@ -19773,14 +19749,14 @@
           </a:ln>
           <a:extLst>
             <a:ext uri="{909E8E84-426E-40dd-AFC4-6F175D3DCCD1}">
-              <a14:hiddenFill xmlns:a14="http://schemas.microsoft.com/office/drawing/2010/main" xmlns="">
+              <a14:hiddenFill xmlns:a14="http://schemas.microsoft.com/office/drawing/2010/main">
                 <a:solidFill>
                   <a:schemeClr val="accent1"/>
                 </a:solidFill>
               </a14:hiddenFill>
             </a:ext>
             <a:ext uri="{91240B29-F687-4f45-9708-019B960494DF}">
-              <a14:hiddenLine xmlns:a14="http://schemas.microsoft.com/office/drawing/2010/main" xmlns="" w="9525">
+              <a14:hiddenLine xmlns:a14="http://schemas.microsoft.com/office/drawing/2010/main" w="9525">
                 <a:solidFill>
                   <a:schemeClr val="tx1"/>
                 </a:solidFill>
@@ -19805,7 +19781,7 @@
   <p:timing>
     <p:tnLst>
       <p:par>
-        <p:cTn id="1" dur="indefinite" restart="never" nodeType="tmRoot"/>
+        <p:cTn xmlns:p14="http://schemas.microsoft.com/office/powerpoint/2010/main" id="1" dur="indefinite" restart="never" nodeType="tmRoot"/>
       </p:par>
     </p:tnLst>
   </p:timing>
@@ -19876,7 +19852,7 @@
   <p:timing>
     <p:tnLst>
       <p:par>
-        <p:cTn id="1" dur="indefinite" restart="never" nodeType="tmRoot"/>
+        <p:cTn xmlns:p14="http://schemas.microsoft.com/office/powerpoint/2010/main" id="1" dur="indefinite" restart="never" nodeType="tmRoot"/>
       </p:par>
     </p:tnLst>
   </p:timing>
@@ -19942,7 +19918,7 @@
         <p:spPr/>
         <p:txBody>
           <a:bodyPr>
-            <a:normAutofit fontScale="70000" lnSpcReduction="20000"/>
+            <a:normAutofit fontScale="92500" lnSpcReduction="10000"/>
           </a:bodyPr>
           <a:lstStyle/>
           <a:p>
@@ -20068,13 +20044,267 @@
               <a:t>任務</a:t>
             </a:r>
             <a:r>
-              <a:rPr lang="zh-TW" altLang="en-US" dirty="0">
+              <a:rPr lang="zh-TW" altLang="en-US" dirty="0" smtClean="0">
                 <a:latin typeface="微軟正黑體" panose="020B0604030504040204" pitchFamily="34" charset="-120"/>
                 <a:ea typeface="微軟正黑體" panose="020B0604030504040204" pitchFamily="34" charset="-120"/>
               </a:rPr>
               <a:t>管理</a:t>
             </a:r>
-          </a:p>
+            <a:endParaRPr lang="zh-TW" altLang="en-US" dirty="0">
+              <a:latin typeface="微軟正黑體" panose="020B0604030504040204" pitchFamily="34" charset="-120"/>
+              <a:ea typeface="微軟正黑體" panose="020B0604030504040204" pitchFamily="34" charset="-120"/>
+            </a:endParaRPr>
+          </a:p>
+        </p:txBody>
+      </p:sp>
+      <p:sp>
+        <p:nvSpPr>
+          <p:cNvPr id="4" name="內容版面配置區 2"/>
+          <p:cNvSpPr txBox="1">
+            <a:spLocks/>
+          </p:cNvSpPr>
+          <p:nvPr/>
+        </p:nvSpPr>
+        <p:spPr>
+          <a:xfrm>
+            <a:off x="4644008" y="2276872"/>
+            <a:ext cx="3672408" cy="2108680"/>
+          </a:xfrm>
+          <a:prstGeom prst="rect">
+            <a:avLst/>
+          </a:prstGeom>
+        </p:spPr>
+        <p:txBody>
+          <a:bodyPr vert="horz" lIns="91440" tIns="45720" rIns="91440" bIns="45720" rtlCol="0" anchor="ctr">
+            <a:normAutofit/>
+          </a:bodyPr>
+          <a:lstStyle>
+            <a:lvl1pPr marL="285750" indent="-285750" algn="l" defTabSz="457200" rtl="0" eaLnBrk="1" latinLnBrk="0" hangingPunct="1">
+              <a:spcBef>
+                <a:spcPct val="20000"/>
+              </a:spcBef>
+              <a:spcAft>
+                <a:spcPts val="600"/>
+              </a:spcAft>
+              <a:buClr>
+                <a:schemeClr val="accent1">
+                  <a:lumMod val="75000"/>
+                </a:schemeClr>
+              </a:buClr>
+              <a:buSzPct val="145000"/>
+              <a:buFont typeface="Arial"/>
+              <a:buChar char="•"/>
+              <a:defRPr sz="2400" kern="1200" cap="none">
+                <a:solidFill>
+                  <a:schemeClr val="tx1"/>
+                </a:solidFill>
+                <a:effectLst/>
+                <a:latin typeface="+mn-lt"/>
+                <a:ea typeface="+mn-ea"/>
+                <a:cs typeface="+mn-cs"/>
+              </a:defRPr>
+            </a:lvl1pPr>
+            <a:lvl2pPr marL="742950" indent="-285750" algn="l" defTabSz="457200" rtl="0" eaLnBrk="1" latinLnBrk="0" hangingPunct="1">
+              <a:spcBef>
+                <a:spcPct val="20000"/>
+              </a:spcBef>
+              <a:spcAft>
+                <a:spcPts val="600"/>
+              </a:spcAft>
+              <a:buClr>
+                <a:schemeClr val="accent1">
+                  <a:lumMod val="75000"/>
+                </a:schemeClr>
+              </a:buClr>
+              <a:buSzPct val="145000"/>
+              <a:buFont typeface="Arial"/>
+              <a:buChar char="•"/>
+              <a:defRPr sz="2000" kern="1200" cap="none">
+                <a:solidFill>
+                  <a:schemeClr val="tx1"/>
+                </a:solidFill>
+                <a:effectLst/>
+                <a:latin typeface="+mn-lt"/>
+                <a:ea typeface="+mn-ea"/>
+                <a:cs typeface="+mn-cs"/>
+              </a:defRPr>
+            </a:lvl2pPr>
+            <a:lvl3pPr marL="1200150" indent="-285750" algn="l" defTabSz="457200" rtl="0" eaLnBrk="1" latinLnBrk="0" hangingPunct="1">
+              <a:spcBef>
+                <a:spcPct val="20000"/>
+              </a:spcBef>
+              <a:spcAft>
+                <a:spcPts val="600"/>
+              </a:spcAft>
+              <a:buClr>
+                <a:schemeClr val="accent1">
+                  <a:lumMod val="75000"/>
+                </a:schemeClr>
+              </a:buClr>
+              <a:buSzPct val="145000"/>
+              <a:buFont typeface="Arial"/>
+              <a:buChar char="•"/>
+              <a:defRPr sz="1800" kern="1200" cap="none">
+                <a:solidFill>
+                  <a:schemeClr val="tx1"/>
+                </a:solidFill>
+                <a:effectLst/>
+                <a:latin typeface="+mn-lt"/>
+                <a:ea typeface="+mn-ea"/>
+                <a:cs typeface="+mn-cs"/>
+              </a:defRPr>
+            </a:lvl3pPr>
+            <a:lvl4pPr marL="1543050" indent="-171450" algn="l" defTabSz="457200" rtl="0" eaLnBrk="1" latinLnBrk="0" hangingPunct="1">
+              <a:spcBef>
+                <a:spcPct val="20000"/>
+              </a:spcBef>
+              <a:spcAft>
+                <a:spcPts val="600"/>
+              </a:spcAft>
+              <a:buClr>
+                <a:schemeClr val="accent1">
+                  <a:lumMod val="75000"/>
+                </a:schemeClr>
+              </a:buClr>
+              <a:buSzPct val="145000"/>
+              <a:buFont typeface="Arial"/>
+              <a:buChar char="•"/>
+              <a:defRPr sz="1600" kern="1200" cap="none">
+                <a:solidFill>
+                  <a:schemeClr val="tx1"/>
+                </a:solidFill>
+                <a:effectLst/>
+                <a:latin typeface="+mn-lt"/>
+                <a:ea typeface="+mn-ea"/>
+                <a:cs typeface="+mn-cs"/>
+              </a:defRPr>
+            </a:lvl4pPr>
+            <a:lvl5pPr marL="2000250" indent="-171450" algn="l" defTabSz="457200" rtl="0" eaLnBrk="1" latinLnBrk="0" hangingPunct="1">
+              <a:spcBef>
+                <a:spcPct val="20000"/>
+              </a:spcBef>
+              <a:spcAft>
+                <a:spcPts val="600"/>
+              </a:spcAft>
+              <a:buClr>
+                <a:schemeClr val="accent1">
+                  <a:lumMod val="75000"/>
+                </a:schemeClr>
+              </a:buClr>
+              <a:buSzPct val="145000"/>
+              <a:buFont typeface="Arial"/>
+              <a:buChar char="•"/>
+              <a:defRPr sz="1400" kern="1200" cap="none">
+                <a:solidFill>
+                  <a:schemeClr val="tx1"/>
+                </a:solidFill>
+                <a:effectLst/>
+                <a:latin typeface="+mn-lt"/>
+                <a:ea typeface="+mn-ea"/>
+                <a:cs typeface="+mn-cs"/>
+              </a:defRPr>
+            </a:lvl5pPr>
+            <a:lvl6pPr marL="2514600" indent="-228600" algn="l" defTabSz="457200" rtl="0" eaLnBrk="1" latinLnBrk="0" hangingPunct="1">
+              <a:spcBef>
+                <a:spcPct val="20000"/>
+              </a:spcBef>
+              <a:spcAft>
+                <a:spcPts val="600"/>
+              </a:spcAft>
+              <a:buClr>
+                <a:schemeClr val="accent1">
+                  <a:lumMod val="75000"/>
+                </a:schemeClr>
+              </a:buClr>
+              <a:buSzPct val="145000"/>
+              <a:buFont typeface="Arial"/>
+              <a:buChar char="•"/>
+              <a:defRPr sz="1400" kern="1200" cap="none">
+                <a:solidFill>
+                  <a:schemeClr val="tx1"/>
+                </a:solidFill>
+                <a:effectLst/>
+                <a:latin typeface="+mn-lt"/>
+                <a:ea typeface="+mn-ea"/>
+                <a:cs typeface="+mn-cs"/>
+              </a:defRPr>
+            </a:lvl6pPr>
+            <a:lvl7pPr marL="2971800" indent="-228600" algn="l" defTabSz="457200" rtl="0" eaLnBrk="1" latinLnBrk="0" hangingPunct="1">
+              <a:spcBef>
+                <a:spcPct val="20000"/>
+              </a:spcBef>
+              <a:spcAft>
+                <a:spcPts val="600"/>
+              </a:spcAft>
+              <a:buClr>
+                <a:schemeClr val="accent1">
+                  <a:lumMod val="75000"/>
+                </a:schemeClr>
+              </a:buClr>
+              <a:buSzPct val="145000"/>
+              <a:buFont typeface="Arial"/>
+              <a:buChar char="•"/>
+              <a:defRPr sz="1400" kern="1200" cap="none">
+                <a:solidFill>
+                  <a:schemeClr val="tx1"/>
+                </a:solidFill>
+                <a:effectLst/>
+                <a:latin typeface="+mn-lt"/>
+                <a:ea typeface="+mn-ea"/>
+                <a:cs typeface="+mn-cs"/>
+              </a:defRPr>
+            </a:lvl7pPr>
+            <a:lvl8pPr marL="3429000" indent="-228600" algn="l" defTabSz="457200" rtl="0" eaLnBrk="1" latinLnBrk="0" hangingPunct="1">
+              <a:spcBef>
+                <a:spcPct val="20000"/>
+              </a:spcBef>
+              <a:spcAft>
+                <a:spcPts val="600"/>
+              </a:spcAft>
+              <a:buClr>
+                <a:schemeClr val="accent1">
+                  <a:lumMod val="75000"/>
+                </a:schemeClr>
+              </a:buClr>
+              <a:buSzPct val="145000"/>
+              <a:buFont typeface="Arial"/>
+              <a:buChar char="•"/>
+              <a:defRPr sz="1400" kern="1200" cap="none">
+                <a:solidFill>
+                  <a:schemeClr val="tx1"/>
+                </a:solidFill>
+                <a:effectLst/>
+                <a:latin typeface="+mn-lt"/>
+                <a:ea typeface="+mn-ea"/>
+                <a:cs typeface="+mn-cs"/>
+              </a:defRPr>
+            </a:lvl8pPr>
+            <a:lvl9pPr marL="3886200" indent="-228600" algn="l" defTabSz="457200" rtl="0" eaLnBrk="1" latinLnBrk="0" hangingPunct="1">
+              <a:spcBef>
+                <a:spcPct val="20000"/>
+              </a:spcBef>
+              <a:spcAft>
+                <a:spcPts val="600"/>
+              </a:spcAft>
+              <a:buClr>
+                <a:schemeClr val="accent1">
+                  <a:lumMod val="75000"/>
+                </a:schemeClr>
+              </a:buClr>
+              <a:buSzPct val="145000"/>
+              <a:buFont typeface="Arial"/>
+              <a:buChar char="•"/>
+              <a:defRPr sz="1400" kern="1200" cap="none">
+                <a:solidFill>
+                  <a:schemeClr val="tx1"/>
+                </a:solidFill>
+                <a:effectLst/>
+                <a:latin typeface="+mn-lt"/>
+                <a:ea typeface="+mn-ea"/>
+                <a:cs typeface="+mn-cs"/>
+              </a:defRPr>
+            </a:lvl9pPr>
+          </a:lstStyle>
           <a:p>
             <a:r>
               <a:rPr lang="zh-TW" altLang="en-US" dirty="0" smtClean="0">
@@ -20097,7 +20327,7 @@
               </a:rPr>
               <a:t>稽核行事曆</a:t>
             </a:r>
-            <a:endParaRPr lang="en-US" altLang="zh-TW" dirty="0">
+            <a:endParaRPr lang="en-US" altLang="zh-TW" dirty="0" smtClean="0">
               <a:latin typeface="微軟正黑體" panose="020B0604030504040204" pitchFamily="34" charset="-120"/>
               <a:ea typeface="微軟正黑體" panose="020B0604030504040204" pitchFamily="34" charset="-120"/>
             </a:endParaRPr>
@@ -20131,7 +20361,7 @@
   <p:timing>
     <p:tnLst>
       <p:par>
-        <p:cTn id="1" dur="indefinite" restart="never" nodeType="tmRoot"/>
+        <p:cTn xmlns:p14="http://schemas.microsoft.com/office/powerpoint/2010/main" id="1" dur="indefinite" restart="never" nodeType="tmRoot"/>
       </p:par>
     </p:tnLst>
   </p:timing>
@@ -20319,7 +20549,7 @@
   <p:timing>
     <p:tnLst>
       <p:par>
-        <p:cTn id="1" dur="indefinite" restart="never" nodeType="tmRoot"/>
+        <p:cTn xmlns:p14="http://schemas.microsoft.com/office/powerpoint/2010/main" id="1" dur="indefinite" restart="never" nodeType="tmRoot"/>
       </p:par>
     </p:tnLst>
   </p:timing>
@@ -20364,11 +20594,11 @@
           <a:lstStyle/>
           <a:p>
             <a:r>
-              <a:rPr lang="zh-TW" altLang="en-US" dirty="0" smtClean="0">
-                <a:latin typeface="微軟正黑體" panose="020B0604030504040204" pitchFamily="34" charset="-120"/>
-                <a:ea typeface="微軟正黑體" panose="020B0604030504040204" pitchFamily="34" charset="-120"/>
-              </a:rPr>
-              <a:t>管理介面</a:t>
+              <a:rPr kumimoji="1" lang="zh-TW" altLang="en-US" dirty="0">
+                <a:latin typeface="微軟正黑體" panose="020B0604030504040204" pitchFamily="34" charset="-120"/>
+                <a:ea typeface="微軟正黑體" panose="020B0604030504040204" pitchFamily="34" charset="-120"/>
+              </a:rPr>
+              <a:t>行事曆</a:t>
             </a:r>
             <a:endParaRPr lang="en-US" altLang="zh-TW" dirty="0">
               <a:latin typeface="微軟正黑體" panose="020B0604030504040204" pitchFamily="34" charset="-120"/>
@@ -20390,7 +20620,7 @@
   <p:timing>
     <p:tnLst>
       <p:par>
-        <p:cTn id="1" dur="indefinite" restart="never" nodeType="tmRoot"/>
+        <p:cTn xmlns:p14="http://schemas.microsoft.com/office/powerpoint/2010/main" id="1" dur="indefinite" restart="never" nodeType="tmRoot"/>
       </p:par>
     </p:tnLst>
   </p:timing>
@@ -20491,7 +20721,7 @@
   <p:timing>
     <p:tnLst>
       <p:par>
-        <p:cTn id="1" dur="indefinite" restart="never" nodeType="tmRoot"/>
+        <p:cTn xmlns:p14="http://schemas.microsoft.com/office/powerpoint/2010/main" id="1" dur="indefinite" restart="never" nodeType="tmRoot"/>
       </p:par>
     </p:tnLst>
   </p:timing>
@@ -20499,6 +20729,77 @@
 </file>
 
 <file path=ppt/slides/slide36.xml><?xml version="1.0" encoding="utf-8"?>
+<p:sld xmlns:a="http://schemas.openxmlformats.org/drawingml/2006/main" xmlns:r="http://schemas.openxmlformats.org/officeDocument/2006/relationships" xmlns:p="http://schemas.openxmlformats.org/presentationml/2006/main">
+  <p:cSld>
+    <p:spTree>
+      <p:nvGrpSpPr>
+        <p:cNvPr id="1" name=""/>
+        <p:cNvGrpSpPr/>
+        <p:nvPr/>
+      </p:nvGrpSpPr>
+      <p:grpSpPr>
+        <a:xfrm>
+          <a:off x="0" y="0"/>
+          <a:ext cx="0" cy="0"/>
+          <a:chOff x="0" y="0"/>
+          <a:chExt cx="0" cy="0"/>
+        </a:xfrm>
+      </p:grpSpPr>
+      <p:sp>
+        <p:nvSpPr>
+          <p:cNvPr id="4" name="標題 3"/>
+          <p:cNvSpPr>
+            <a:spLocks noGrp="1"/>
+          </p:cNvSpPr>
+          <p:nvPr>
+            <p:ph type="title"/>
+          </p:nvPr>
+        </p:nvSpPr>
+        <p:spPr>
+          <a:xfrm>
+            <a:off x="467544" y="2564904"/>
+            <a:ext cx="8229600" cy="1156990"/>
+          </a:xfrm>
+        </p:spPr>
+        <p:txBody>
+          <a:bodyPr/>
+          <a:lstStyle/>
+          <a:p>
+            <a:r>
+              <a:rPr kumimoji="1" lang="zh-TW" altLang="en-US" dirty="0">
+                <a:latin typeface="微軟正黑體" panose="020B0604030504040204" pitchFamily="34" charset="-120"/>
+                <a:ea typeface="微軟正黑體" panose="020B0604030504040204" pitchFamily="34" charset="-120"/>
+              </a:rPr>
+              <a:t>篩選器</a:t>
+            </a:r>
+            <a:endParaRPr lang="en-US" altLang="zh-TW" dirty="0">
+              <a:latin typeface="微軟正黑體" panose="020B0604030504040204" pitchFamily="34" charset="-120"/>
+              <a:ea typeface="微軟正黑體" panose="020B0604030504040204" pitchFamily="34" charset="-120"/>
+            </a:endParaRPr>
+          </a:p>
+        </p:txBody>
+      </p:sp>
+    </p:spTree>
+    <p:extLst>
+      <p:ext uri="{BB962C8B-B14F-4D97-AF65-F5344CB8AC3E}">
+        <p14:creationId xmlns:p14="http://schemas.microsoft.com/office/powerpoint/2010/main" val="4217588062"/>
+      </p:ext>
+    </p:extLst>
+  </p:cSld>
+  <p:clrMapOvr>
+    <a:masterClrMapping/>
+  </p:clrMapOvr>
+  <p:timing>
+    <p:tnLst>
+      <p:par>
+        <p:cTn xmlns:p14="http://schemas.microsoft.com/office/powerpoint/2010/main" id="1" dur="indefinite" restart="never" nodeType="tmRoot"/>
+      </p:par>
+    </p:tnLst>
+  </p:timing>
+</p:sld>
+</file>
+
+<file path=ppt/slides/slide37.xml><?xml version="1.0" encoding="utf-8"?>
 <p:sld xmlns:a="http://schemas.openxmlformats.org/drawingml/2006/main" xmlns:r="http://schemas.openxmlformats.org/officeDocument/2006/relationships" xmlns:p="http://schemas.openxmlformats.org/presentationml/2006/main">
   <p:cSld>
     <p:spTree>
@@ -20606,14 +20907,14 @@
   <p:timing>
     <p:tnLst>
       <p:par>
-        <p:cTn id="1" dur="indefinite" restart="never" nodeType="tmRoot"/>
+        <p:cTn xmlns:p14="http://schemas.microsoft.com/office/powerpoint/2010/main" id="1" dur="indefinite" restart="never" nodeType="tmRoot"/>
       </p:par>
     </p:tnLst>
   </p:timing>
 </p:sld>
 </file>
 
-<file path=ppt/slides/slide37.xml><?xml version="1.0" encoding="utf-8"?>
+<file path=ppt/slides/slide38.xml><?xml version="1.0" encoding="utf-8"?>
 <p:sld xmlns:a="http://schemas.openxmlformats.org/drawingml/2006/main" xmlns:r="http://schemas.openxmlformats.org/officeDocument/2006/relationships" xmlns:p="http://schemas.openxmlformats.org/presentationml/2006/main">
   <p:cSld>
     <p:spTree>
@@ -20651,11 +20952,18 @@
           <a:lstStyle/>
           <a:p>
             <a:r>
-              <a:rPr lang="zh-TW" altLang="en-US" dirty="0">
-                <a:latin typeface="微軟正黑體" panose="020B0604030504040204" pitchFamily="34" charset="-120"/>
-                <a:ea typeface="微軟正黑體" panose="020B0604030504040204" pitchFamily="34" charset="-120"/>
-              </a:rPr>
-              <a:t>稽核以及矯正預防報告產生 </a:t>
+              <a:rPr kumimoji="1" lang="en-US" altLang="zh-CHT" dirty="0">
+                <a:latin typeface="微軟正黑體" panose="020B0604030504040204" pitchFamily="34" charset="-120"/>
+                <a:ea typeface="微軟正黑體" panose="020B0604030504040204" pitchFamily="34" charset="-120"/>
+              </a:rPr>
+              <a:t>PDF </a:t>
+            </a:r>
+            <a:r>
+              <a:rPr kumimoji="1" lang="zh-CHT" altLang="en-US" dirty="0">
+                <a:latin typeface="微軟正黑體" panose="020B0604030504040204" pitchFamily="34" charset="-120"/>
+                <a:ea typeface="微軟正黑體" panose="020B0604030504040204" pitchFamily="34" charset="-120"/>
+              </a:rPr>
+              <a:t>產生器</a:t>
             </a:r>
             <a:endParaRPr lang="en-US" altLang="zh-TW" dirty="0">
               <a:latin typeface="微軟正黑體" panose="020B0604030504040204" pitchFamily="34" charset="-120"/>
@@ -20677,14 +20985,14 @@
   <p:timing>
     <p:tnLst>
       <p:par>
-        <p:cTn id="1" dur="indefinite" restart="never" nodeType="tmRoot"/>
+        <p:cTn xmlns:p14="http://schemas.microsoft.com/office/powerpoint/2010/main" id="1" dur="indefinite" restart="never" nodeType="tmRoot"/>
       </p:par>
     </p:tnLst>
   </p:timing>
 </p:sld>
 </file>
 
-<file path=ppt/slides/slide38.xml><?xml version="1.0" encoding="utf-8"?>
+<file path=ppt/slides/slide39.xml><?xml version="1.0" encoding="utf-8"?>
 <p:sld xmlns:a="http://schemas.openxmlformats.org/drawingml/2006/main" xmlns:r="http://schemas.openxmlformats.org/officeDocument/2006/relationships" xmlns:p="http://schemas.openxmlformats.org/presentationml/2006/main">
   <p:cSld>
     <p:spTree>
@@ -20717,14 +21025,14 @@
           <a:lstStyle/>
           <a:p>
             <a:r>
-              <a:rPr kumimoji="1" lang="en-US" altLang="zh-Hant" dirty="0">
+              <a:rPr kumimoji="1" lang="en-US" altLang="zh-CHT" dirty="0">
                 <a:latin typeface="微軟正黑體" panose="020B0604030504040204" pitchFamily="34" charset="-120"/>
                 <a:ea typeface="微軟正黑體" panose="020B0604030504040204" pitchFamily="34" charset="-120"/>
               </a:rPr>
               <a:t>PDF </a:t>
             </a:r>
             <a:r>
-              <a:rPr kumimoji="1" lang="zh-Hant" altLang="en-US" dirty="0">
+              <a:rPr kumimoji="1" lang="zh-CHT" altLang="en-US" dirty="0">
                 <a:latin typeface="微軟正黑體" panose="020B0604030504040204" pitchFamily="34" charset="-120"/>
                 <a:ea typeface="微軟正黑體" panose="020B0604030504040204" pitchFamily="34" charset="-120"/>
               </a:rPr>
@@ -20758,31 +21066,7 @@
                 <a:ea typeface="微軟正黑體" panose="020B0604030504040204" pitchFamily="34" charset="-120"/>
                 <a:cs typeface="Century Gothic"/>
               </a:rPr>
-              <a:t>WK</a:t>
-            </a:r>
-            <a:r>
-              <a:rPr kumimoji="1" lang="en-US" altLang="zh-TW" b="1" dirty="0" smtClean="0">
-                <a:latin typeface="微軟正黑體" panose="020B0604030504040204" pitchFamily="34" charset="-120"/>
-                <a:ea typeface="微軟正黑體" panose="020B0604030504040204" pitchFamily="34" charset="-120"/>
-                <a:cs typeface="Courier"/>
-              </a:rPr>
-              <a:t>&lt;html&gt;</a:t>
-            </a:r>
-            <a:r>
-              <a:rPr kumimoji="1" lang="en-US" altLang="zh-TW" dirty="0" err="1" smtClean="0">
-                <a:latin typeface="微軟正黑體" panose="020B0604030504040204" pitchFamily="34" charset="-120"/>
-                <a:ea typeface="微軟正黑體" panose="020B0604030504040204" pitchFamily="34" charset="-120"/>
-                <a:cs typeface="Century Gothic"/>
-              </a:rPr>
-              <a:t>TO</a:t>
-            </a:r>
-            <a:r>
-              <a:rPr kumimoji="1" lang="en-US" altLang="zh-TW" b="1" dirty="0" err="1" smtClean="0">
-                <a:latin typeface="微軟正黑體" panose="020B0604030504040204" pitchFamily="34" charset="-120"/>
-                <a:ea typeface="微軟正黑體" panose="020B0604030504040204" pitchFamily="34" charset="-120"/>
-                <a:cs typeface="Cochin"/>
-              </a:rPr>
-              <a:t>pdf</a:t>
+              <a:t> </a:t>
             </a:r>
             <a:endParaRPr kumimoji="1" lang="en-US" altLang="zh-TW" dirty="0" smtClean="0">
               <a:latin typeface="微軟正黑體" panose="020B0604030504040204" pitchFamily="34" charset="-120"/>
@@ -20964,8 +21248,8 @@
         </p:blipFill>
         <p:spPr>
           <a:xfrm>
-            <a:off x="899592" y="1628800"/>
-            <a:ext cx="2304256" cy="380202"/>
+            <a:off x="1449470" y="2708920"/>
+            <a:ext cx="2618474" cy="432048"/>
           </a:xfrm>
           <a:prstGeom prst="rect">
             <a:avLst/>
@@ -20989,78 +21273,7 @@
   <p:timing>
     <p:tnLst>
       <p:par>
-        <p:cTn id="1" dur="indefinite" restart="never" nodeType="tmRoot"/>
-      </p:par>
-    </p:tnLst>
-  </p:timing>
-</p:sld>
-</file>
-
-<file path=ppt/slides/slide39.xml><?xml version="1.0" encoding="utf-8"?>
-<p:sld xmlns:a="http://schemas.openxmlformats.org/drawingml/2006/main" xmlns:r="http://schemas.openxmlformats.org/officeDocument/2006/relationships" xmlns:p="http://schemas.openxmlformats.org/presentationml/2006/main">
-  <p:cSld>
-    <p:spTree>
-      <p:nvGrpSpPr>
-        <p:cNvPr id="1" name=""/>
-        <p:cNvGrpSpPr/>
-        <p:nvPr/>
-      </p:nvGrpSpPr>
-      <p:grpSpPr>
-        <a:xfrm>
-          <a:off x="0" y="0"/>
-          <a:ext cx="0" cy="0"/>
-          <a:chOff x="0" y="0"/>
-          <a:chExt cx="0" cy="0"/>
-        </a:xfrm>
-      </p:grpSpPr>
-      <p:sp>
-        <p:nvSpPr>
-          <p:cNvPr id="4" name="標題 3"/>
-          <p:cNvSpPr>
-            <a:spLocks noGrp="1"/>
-          </p:cNvSpPr>
-          <p:nvPr>
-            <p:ph type="title"/>
-          </p:nvPr>
-        </p:nvSpPr>
-        <p:spPr>
-          <a:xfrm>
-            <a:off x="467544" y="2564904"/>
-            <a:ext cx="8229600" cy="1156990"/>
-          </a:xfrm>
-        </p:spPr>
-        <p:txBody>
-          <a:bodyPr/>
-          <a:lstStyle/>
-          <a:p>
-            <a:r>
-              <a:rPr lang="zh-TW" altLang="en-US" dirty="0">
-                <a:latin typeface="微軟正黑體" panose="020B0604030504040204" pitchFamily="34" charset="-120"/>
-                <a:ea typeface="微軟正黑體" panose="020B0604030504040204" pitchFamily="34" charset="-120"/>
-              </a:rPr>
-              <a:t>單位主管通知簽署</a:t>
-            </a:r>
-            <a:endParaRPr lang="en-US" altLang="zh-TW" dirty="0">
-              <a:latin typeface="微軟正黑體" panose="020B0604030504040204" pitchFamily="34" charset="-120"/>
-              <a:ea typeface="微軟正黑體" panose="020B0604030504040204" pitchFamily="34" charset="-120"/>
-            </a:endParaRPr>
-          </a:p>
-        </p:txBody>
-      </p:sp>
-    </p:spTree>
-    <p:extLst>
-      <p:ext uri="{BB962C8B-B14F-4D97-AF65-F5344CB8AC3E}">
-        <p14:creationId xmlns:p14="http://schemas.microsoft.com/office/powerpoint/2010/main" val="377343677"/>
-      </p:ext>
-    </p:extLst>
-  </p:cSld>
-  <p:clrMapOvr>
-    <a:masterClrMapping/>
-  </p:clrMapOvr>
-  <p:timing>
-    <p:tnLst>
-      <p:par>
-        <p:cTn id="1" dur="indefinite" restart="never" nodeType="tmRoot"/>
+        <p:cTn xmlns:p14="http://schemas.microsoft.com/office/powerpoint/2010/main" id="1" dur="indefinite" restart="never" nodeType="tmRoot"/>
       </p:par>
     </p:tnLst>
   </p:timing>
@@ -21232,7 +21445,7 @@
   <p:timing>
     <p:tnLst>
       <p:par>
-        <p:cTn id="1" dur="indefinite" restart="never" nodeType="tmRoot">
+        <p:cTn xmlns:p14="http://schemas.microsoft.com/office/powerpoint/2010/main" id="1" dur="indefinite" restart="never" nodeType="tmRoot">
           <p:childTnLst>
             <p:seq concurrent="1" nextAc="seek">
               <p:cTn id="2" dur="indefinite" nodeType="mainSeq">
@@ -21528,6 +21741,77 @@
       </p:grpSpPr>
       <p:sp>
         <p:nvSpPr>
+          <p:cNvPr id="4" name="標題 3"/>
+          <p:cNvSpPr>
+            <a:spLocks noGrp="1"/>
+          </p:cNvSpPr>
+          <p:nvPr>
+            <p:ph type="title"/>
+          </p:nvPr>
+        </p:nvSpPr>
+        <p:spPr>
+          <a:xfrm>
+            <a:off x="467544" y="2564904"/>
+            <a:ext cx="8229600" cy="1156990"/>
+          </a:xfrm>
+        </p:spPr>
+        <p:txBody>
+          <a:bodyPr/>
+          <a:lstStyle/>
+          <a:p>
+            <a:r>
+              <a:rPr lang="zh-TW" altLang="en-US" dirty="0">
+                <a:latin typeface="微軟正黑體" panose="020B0604030504040204" pitchFamily="34" charset="-120"/>
+                <a:ea typeface="微軟正黑體" panose="020B0604030504040204" pitchFamily="34" charset="-120"/>
+              </a:rPr>
+              <a:t>單位主管通知簽署</a:t>
+            </a:r>
+            <a:endParaRPr lang="en-US" altLang="zh-TW" dirty="0">
+              <a:latin typeface="微軟正黑體" panose="020B0604030504040204" pitchFamily="34" charset="-120"/>
+              <a:ea typeface="微軟正黑體" panose="020B0604030504040204" pitchFamily="34" charset="-120"/>
+            </a:endParaRPr>
+          </a:p>
+        </p:txBody>
+      </p:sp>
+    </p:spTree>
+    <p:extLst>
+      <p:ext uri="{BB962C8B-B14F-4D97-AF65-F5344CB8AC3E}">
+        <p14:creationId xmlns:p14="http://schemas.microsoft.com/office/powerpoint/2010/main" val="377343677"/>
+      </p:ext>
+    </p:extLst>
+  </p:cSld>
+  <p:clrMapOvr>
+    <a:masterClrMapping/>
+  </p:clrMapOvr>
+  <p:timing>
+    <p:tnLst>
+      <p:par>
+        <p:cTn xmlns:p14="http://schemas.microsoft.com/office/powerpoint/2010/main" id="1" dur="indefinite" restart="never" nodeType="tmRoot"/>
+      </p:par>
+    </p:tnLst>
+  </p:timing>
+</p:sld>
+</file>
+
+<file path=ppt/slides/slide41.xml><?xml version="1.0" encoding="utf-8"?>
+<p:sld xmlns:a="http://schemas.openxmlformats.org/drawingml/2006/main" xmlns:r="http://schemas.openxmlformats.org/officeDocument/2006/relationships" xmlns:p="http://schemas.openxmlformats.org/presentationml/2006/main">
+  <p:cSld>
+    <p:spTree>
+      <p:nvGrpSpPr>
+        <p:cNvPr id="1" name=""/>
+        <p:cNvGrpSpPr/>
+        <p:nvPr/>
+      </p:nvGrpSpPr>
+      <p:grpSpPr>
+        <a:xfrm>
+          <a:off x="0" y="0"/>
+          <a:ext cx="0" cy="0"/>
+          <a:chOff x="0" y="0"/>
+          <a:chExt cx="0" cy="0"/>
+        </a:xfrm>
+      </p:grpSpPr>
+      <p:sp>
+        <p:nvSpPr>
           <p:cNvPr id="2" name="標題 1"/>
           <p:cNvSpPr>
             <a:spLocks noGrp="1"/>
@@ -21687,14 +21971,14 @@
   <p:timing>
     <p:tnLst>
       <p:par>
-        <p:cTn id="1" dur="indefinite" restart="never" nodeType="tmRoot"/>
+        <p:cTn xmlns:p14="http://schemas.microsoft.com/office/powerpoint/2010/main" id="1" dur="indefinite" restart="never" nodeType="tmRoot"/>
       </p:par>
     </p:tnLst>
   </p:timing>
 </p:sld>
 </file>
 
-<file path=ppt/slides/slide41.xml><?xml version="1.0" encoding="utf-8"?>
+<file path=ppt/slides/slide42.xml><?xml version="1.0" encoding="utf-8"?>
 <p:sld xmlns:a="http://schemas.openxmlformats.org/drawingml/2006/main" xmlns:r="http://schemas.openxmlformats.org/officeDocument/2006/relationships" xmlns:p="http://schemas.openxmlformats.org/presentationml/2006/main">
   <p:cSld>
     <p:spTree>
@@ -21732,12 +22016,16 @@
           <a:lstStyle/>
           <a:p>
             <a:r>
-              <a:rPr lang="zh-TW" altLang="en-US" dirty="0">
-                <a:latin typeface="微軟正黑體" panose="020B0604030504040204" pitchFamily="34" charset="-120"/>
-                <a:ea typeface="微軟正黑體" panose="020B0604030504040204" pitchFamily="34" charset="-120"/>
-              </a:rPr>
-              <a:t>受稽單位介面</a:t>
-            </a:r>
+              <a:rPr kumimoji="1" lang="zh-TW" altLang="en-US" dirty="0">
+                <a:latin typeface="微軟正黑體" panose="020B0604030504040204" pitchFamily="34" charset="-120"/>
+                <a:ea typeface="微軟正黑體" panose="020B0604030504040204" pitchFamily="34" charset="-120"/>
+              </a:rPr>
+              <a:t>填寫矯正預防報告</a:t>
+            </a:r>
+            <a:endParaRPr lang="zh-TW" altLang="en-US" dirty="0">
+              <a:latin typeface="微軟正黑體" panose="020B0604030504040204" pitchFamily="34" charset="-120"/>
+              <a:ea typeface="微軟正黑體" panose="020B0604030504040204" pitchFamily="34" charset="-120"/>
+            </a:endParaRPr>
           </a:p>
         </p:txBody>
       </p:sp>
@@ -21754,14 +22042,14 @@
   <p:timing>
     <p:tnLst>
       <p:par>
-        <p:cTn id="1" dur="indefinite" restart="never" nodeType="tmRoot"/>
+        <p:cTn xmlns:p14="http://schemas.microsoft.com/office/powerpoint/2010/main" id="1" dur="indefinite" restart="never" nodeType="tmRoot"/>
       </p:par>
     </p:tnLst>
   </p:timing>
 </p:sld>
 </file>
 
-<file path=ppt/slides/slide42.xml><?xml version="1.0" encoding="utf-8"?>
+<file path=ppt/slides/slide43.xml><?xml version="1.0" encoding="utf-8"?>
 <p:sld xmlns:a="http://schemas.openxmlformats.org/drawingml/2006/main" xmlns:r="http://schemas.openxmlformats.org/officeDocument/2006/relationships" xmlns:p="http://schemas.openxmlformats.org/presentationml/2006/main">
   <p:cSld>
     <p:spTree>
@@ -21948,14 +22236,14 @@
   <p:timing>
     <p:tnLst>
       <p:par>
-        <p:cTn id="1" dur="indefinite" restart="never" nodeType="tmRoot"/>
+        <p:cTn xmlns:p14="http://schemas.microsoft.com/office/powerpoint/2010/main" id="1" dur="indefinite" restart="never" nodeType="tmRoot"/>
       </p:par>
     </p:tnLst>
   </p:timing>
 </p:sld>
 </file>
 
-<file path=ppt/slides/slide43.xml><?xml version="1.0" encoding="utf-8"?>
+<file path=ppt/slides/slide44.xml><?xml version="1.0" encoding="utf-8"?>
 <p:sld xmlns:a="http://schemas.openxmlformats.org/drawingml/2006/main" xmlns:r="http://schemas.openxmlformats.org/officeDocument/2006/relationships" xmlns:p="http://schemas.openxmlformats.org/presentationml/2006/main">
   <p:cSld>
     <p:spTree>
@@ -22140,7 +22428,7 @@
   <p:timing>
     <p:tnLst>
       <p:par>
-        <p:cTn id="1" dur="indefinite" restart="never" nodeType="tmRoot"/>
+        <p:cTn xmlns:p14="http://schemas.microsoft.com/office/powerpoint/2010/main" id="1" dur="indefinite" restart="never" nodeType="tmRoot"/>
       </p:par>
     </p:tnLst>
   </p:timing>
@@ -22184,14 +22472,7 @@
                 <a:latin typeface="微軟正黑體" panose="020B0604030504040204" pitchFamily="34" charset="-120"/>
                 <a:ea typeface="微軟正黑體" panose="020B0604030504040204" pitchFamily="34" charset="-120"/>
               </a:rPr>
-              <a:t>目的</a:t>
-            </a:r>
-            <a:r>
-              <a:rPr lang="zh-TW" altLang="en-US" sz="4000" dirty="0" smtClean="0">
-                <a:latin typeface="微軟正黑體" panose="020B0604030504040204" pitchFamily="34" charset="-120"/>
-                <a:ea typeface="微軟正黑體" panose="020B0604030504040204" pitchFamily="34" charset="-120"/>
-              </a:rPr>
-              <a:t>：</a:t>
+              <a:t>目的：</a:t>
             </a:r>
             <a:r>
               <a:rPr lang="en-US" altLang="zh-TW" sz="4000" dirty="0" smtClean="0">
@@ -22211,14 +22492,7 @@
                 <a:latin typeface="微軟正黑體" panose="020B0604030504040204" pitchFamily="34" charset="-120"/>
                 <a:ea typeface="微軟正黑體" panose="020B0604030504040204" pitchFamily="34" charset="-120"/>
               </a:rPr>
-              <a:t>將</a:t>
-            </a:r>
-            <a:r>
-              <a:rPr lang="zh-TW" altLang="en-US" sz="4000" dirty="0" smtClean="0">
-                <a:latin typeface="微軟正黑體" panose="020B0604030504040204" pitchFamily="34" charset="-120"/>
-                <a:ea typeface="微軟正黑體" panose="020B0604030504040204" pitchFamily="34" charset="-120"/>
-              </a:rPr>
-              <a:t>稽核流程電子化、線上化</a:t>
+              <a:t>將稽核流程電子化、線上化</a:t>
             </a:r>
             <a:endParaRPr lang="zh-TW" altLang="en-US" sz="4000" dirty="0">
               <a:latin typeface="微軟正黑體" panose="020B0604030504040204" pitchFamily="34" charset="-120"/>
@@ -22750,7 +23024,7 @@
   <p:timing>
     <p:tnLst>
       <p:par>
-        <p:cTn id="1" dur="indefinite" restart="never" nodeType="tmRoot">
+        <p:cTn xmlns:p14="http://schemas.microsoft.com/office/powerpoint/2010/main" id="1" dur="indefinite" restart="never" nodeType="tmRoot">
           <p:childTnLst>
             <p:seq concurrent="1" nextAc="seek">
               <p:cTn id="2" dur="indefinite" nodeType="mainSeq">
@@ -23359,14 +23633,7 @@
                 <a:latin typeface="微軟正黑體" panose="020B0604030504040204" pitchFamily="34" charset="-120"/>
                 <a:ea typeface="微軟正黑體" panose="020B0604030504040204" pitchFamily="34" charset="-120"/>
               </a:rPr>
-              <a:t>目的</a:t>
-            </a:r>
-            <a:r>
-              <a:rPr lang="zh-TW" altLang="en-US" sz="4000" dirty="0" smtClean="0">
-                <a:latin typeface="微軟正黑體" panose="020B0604030504040204" pitchFamily="34" charset="-120"/>
-                <a:ea typeface="微軟正黑體" panose="020B0604030504040204" pitchFamily="34" charset="-120"/>
-              </a:rPr>
-              <a:t>：</a:t>
+              <a:t>目的：</a:t>
             </a:r>
             <a:r>
               <a:rPr lang="en-US" altLang="zh-TW" sz="4000" dirty="0" smtClean="0">
@@ -23386,14 +23653,7 @@
                 <a:latin typeface="微軟正黑體" panose="020B0604030504040204" pitchFamily="34" charset="-120"/>
                 <a:ea typeface="微軟正黑體" panose="020B0604030504040204" pitchFamily="34" charset="-120"/>
               </a:rPr>
-              <a:t>將</a:t>
-            </a:r>
-            <a:r>
-              <a:rPr lang="zh-TW" altLang="en-US" sz="4000" dirty="0" smtClean="0">
-                <a:latin typeface="微軟正黑體" panose="020B0604030504040204" pitchFamily="34" charset="-120"/>
-                <a:ea typeface="微軟正黑體" panose="020B0604030504040204" pitchFamily="34" charset="-120"/>
-              </a:rPr>
-              <a:t>稽核流程電子化、線上化</a:t>
+              <a:t>將稽核流程電子化、線上化</a:t>
             </a:r>
             <a:endParaRPr lang="zh-TW" altLang="en-US" sz="4000" dirty="0">
               <a:latin typeface="微軟正黑體" panose="020B0604030504040204" pitchFamily="34" charset="-120"/>
@@ -23860,7 +24120,7 @@
   <p:timing>
     <p:tnLst>
       <p:par>
-        <p:cTn id="1" dur="indefinite" restart="never" nodeType="tmRoot">
+        <p:cTn xmlns:p14="http://schemas.microsoft.com/office/powerpoint/2010/main" id="1" dur="indefinite" restart="never" nodeType="tmRoot">
           <p:childTnLst>
             <p:seq concurrent="1" nextAc="seek">
               <p:cTn id="2" dur="indefinite" nodeType="mainSeq">
@@ -24784,7 +25044,7 @@
   <p:timing>
     <p:tnLst>
       <p:par>
-        <p:cTn id="1" dur="indefinite" restart="never" nodeType="tmRoot"/>
+        <p:cTn xmlns:p14="http://schemas.microsoft.com/office/powerpoint/2010/main" id="1" dur="indefinite" restart="never" nodeType="tmRoot"/>
       </p:par>
     </p:tnLst>
   </p:timing>
@@ -25072,7 +25332,7 @@
   <p:timing>
     <p:tnLst>
       <p:par>
-        <p:cTn id="1" dur="indefinite" restart="never" nodeType="tmRoot"/>
+        <p:cTn xmlns:p14="http://schemas.microsoft.com/office/powerpoint/2010/main" id="1" dur="indefinite" restart="never" nodeType="tmRoot"/>
       </p:par>
     </p:tnLst>
   </p:timing>
@@ -25143,7 +25403,7 @@
   <p:timing>
     <p:tnLst>
       <p:par>
-        <p:cTn id="1" dur="indefinite" restart="never" nodeType="tmRoot"/>
+        <p:cTn xmlns:p14="http://schemas.microsoft.com/office/powerpoint/2010/main" id="1" dur="indefinite" restart="never" nodeType="tmRoot"/>
       </p:par>
     </p:tnLst>
   </p:timing>
@@ -25193,7 +25453,7 @@
     </a:clrScheme>
     <a:fontScheme name="機器人">
       <a:majorFont>
-        <a:latin typeface="Corbel" panose="020B0503020204020204"/>
+        <a:latin typeface="Corbel"/>
         <a:ea typeface=""/>
         <a:cs typeface=""/>
         <a:font script="Jpan" typeface="HGｺﾞｼｯｸM"/>
@@ -25228,7 +25488,7 @@
         <a:font script="Geor" typeface="Sylfaen"/>
       </a:majorFont>
       <a:minorFont>
-        <a:latin typeface="Corbel" panose="020B0503020204020204"/>
+        <a:latin typeface="Corbel"/>
         <a:ea typeface=""/>
         <a:cs typeface=""/>
         <a:font script="Jpan" typeface="HGｺﾞｼｯｸM"/>
@@ -25400,7 +25660,7 @@
   <a:extraClrSchemeLst/>
   <a:extLst>
     <a:ext uri="{05A4C25C-085E-4340-85A3-A5531E510DB2}">
-      <thm15:themeFamily xmlns:thm15="http://schemas.microsoft.com/office/thememl/2012/main" name="Parallax" id="{3388167B-A2EB-4685-9635-1831D9AEF8C4}" vid="{4F7A876A-7598-49CA-AFC8-8EDA2551E4A7}"/>
+      <thm15:themeFamily xmlns:thm15="http://schemas.microsoft.com/office/thememl/2012/main" xmlns="" name="Parallax" id="{3388167B-A2EB-4685-9635-1831D9AEF8C4}" vid="{4F7A876A-7598-49CA-AFC8-8EDA2551E4A7}"/>
     </a:ext>
   </a:extLst>
 </a:theme>
@@ -25661,7 +25921,7 @@
   <a:extraClrSchemeLst/>
   <a:extLst>
     <a:ext uri="{05A4C25C-085E-4340-85A3-A5531E510DB2}">
-      <thm15:themeFamily xmlns:thm15="http://schemas.microsoft.com/office/thememl/2012/main" name="Office Theme" id="{62F939B6-93AF-4DB8-9C6B-D6C7DFDC589F}" vid="{4A3C46E8-61CC-4603-A589-7422A47A8E4A}"/>
+      <thm15:themeFamily xmlns:thm15="http://schemas.microsoft.com/office/thememl/2012/main" xmlns="" name="Office Theme" id="{62F939B6-93AF-4DB8-9C6B-D6C7DFDC589F}" vid="{4A3C46E8-61CC-4603-A589-7422A47A8E4A}"/>
     </a:ext>
   </a:extLst>
 </a:theme>
